--- a/slides/04-Decorators.pptx
+++ b/slides/04-Decorators.pptx
@@ -5,7 +5,7 @@
     <p:sldMasterId id="2147483696" r:id="rId1"/>
   </p:sldMasterIdLst>
   <p:notesMasterIdLst>
-    <p:notesMasterId r:id="rId13"/>
+    <p:notesMasterId r:id="rId12"/>
   </p:notesMasterIdLst>
   <p:sldIdLst>
     <p:sldId id="256" r:id="rId2"/>
@@ -18,7 +18,6 @@
     <p:sldId id="264" r:id="rId9"/>
     <p:sldId id="265" r:id="rId10"/>
     <p:sldId id="266" r:id="rId11"/>
-    <p:sldId id="267" r:id="rId12"/>
   </p:sldIdLst>
   <p:sldSz cx="12192000" cy="6858000"/>
   <p:notesSz cx="6858000" cy="9144000"/>
@@ -2918,7 +2917,7 @@
           <a:p>
             <a:fld id="{27CEEA13-23F5-194B-B1CF-CF175090CBFA}" type="datetimeFigureOut">
               <a:rPr lang="en-US" smtClean="0"/>
-              <a:t>7/30/18</a:t>
+              <a:t>10/1/18</a:t>
             </a:fld>
             <a:endParaRPr lang="en-US"/>
           </a:p>
@@ -3346,7 +3345,7 @@
           <a:p>
             <a:fld id="{2DD5D53E-635E-BD41-B5CC-A796D6DD661B}" type="datetimeFigureOut">
               <a:rPr lang="en-US" smtClean="0"/>
-              <a:t>7/30/18</a:t>
+              <a:t>10/1/18</a:t>
             </a:fld>
             <a:endParaRPr lang="en-US"/>
           </a:p>
@@ -3676,7 +3675,7 @@
           <a:p>
             <a:fld id="{2DD5D53E-635E-BD41-B5CC-A796D6DD661B}" type="datetimeFigureOut">
               <a:rPr lang="en-US" smtClean="0"/>
-              <a:t>7/30/18</a:t>
+              <a:t>10/1/18</a:t>
             </a:fld>
             <a:endParaRPr lang="en-US"/>
           </a:p>
@@ -3856,7 +3855,7 @@
           <a:p>
             <a:fld id="{2DD5D53E-635E-BD41-B5CC-A796D6DD661B}" type="datetimeFigureOut">
               <a:rPr lang="en-US" smtClean="0"/>
-              <a:t>7/30/18</a:t>
+              <a:t>10/1/18</a:t>
             </a:fld>
             <a:endParaRPr lang="en-US"/>
           </a:p>
@@ -4026,7 +4025,7 @@
           <a:p>
             <a:fld id="{2DD5D53E-635E-BD41-B5CC-A796D6DD661B}" type="datetimeFigureOut">
               <a:rPr lang="en-US" smtClean="0"/>
-              <a:t>7/30/18</a:t>
+              <a:t>10/1/18</a:t>
             </a:fld>
             <a:endParaRPr lang="en-US"/>
           </a:p>
@@ -4298,7 +4297,7 @@
           <a:p>
             <a:fld id="{2DD5D53E-635E-BD41-B5CC-A796D6DD661B}" type="datetimeFigureOut">
               <a:rPr lang="en-US" smtClean="0"/>
-              <a:t>7/30/18</a:t>
+              <a:t>10/1/18</a:t>
             </a:fld>
             <a:endParaRPr lang="en-US"/>
           </a:p>
@@ -4692,7 +4691,7 @@
           <a:p>
             <a:fld id="{2DD5D53E-635E-BD41-B5CC-A796D6DD661B}" type="datetimeFigureOut">
               <a:rPr lang="en-US" smtClean="0"/>
-              <a:t>7/30/18</a:t>
+              <a:t>10/1/18</a:t>
             </a:fld>
             <a:endParaRPr lang="en-US"/>
           </a:p>
@@ -5169,7 +5168,7 @@
           <a:p>
             <a:fld id="{2DD5D53E-635E-BD41-B5CC-A796D6DD661B}" type="datetimeFigureOut">
               <a:rPr lang="en-US" smtClean="0"/>
-              <a:t>7/30/18</a:t>
+              <a:t>10/1/18</a:t>
             </a:fld>
             <a:endParaRPr lang="en-US"/>
           </a:p>
@@ -5287,7 +5286,7 @@
           <a:p>
             <a:fld id="{2DD5D53E-635E-BD41-B5CC-A796D6DD661B}" type="datetimeFigureOut">
               <a:rPr lang="en-US" smtClean="0"/>
-              <a:t>7/30/18</a:t>
+              <a:t>10/1/18</a:t>
             </a:fld>
             <a:endParaRPr lang="en-US"/>
           </a:p>
@@ -5382,7 +5381,7 @@
           <a:p>
             <a:fld id="{2DD5D53E-635E-BD41-B5CC-A796D6DD661B}" type="datetimeFigureOut">
               <a:rPr lang="en-US" smtClean="0"/>
-              <a:t>7/30/18</a:t>
+              <a:t>10/1/18</a:t>
             </a:fld>
             <a:endParaRPr lang="en-US"/>
           </a:p>
@@ -5728,7 +5727,7 @@
           <a:p>
             <a:fld id="{2DD5D53E-635E-BD41-B5CC-A796D6DD661B}" type="datetimeFigureOut">
               <a:rPr lang="en-US" smtClean="0"/>
-              <a:t>7/30/18</a:t>
+              <a:t>10/1/18</a:t>
             </a:fld>
             <a:endParaRPr lang="en-US"/>
           </a:p>
@@ -6116,7 +6115,7 @@
           <a:p>
             <a:fld id="{2DD5D53E-635E-BD41-B5CC-A796D6DD661B}" type="datetimeFigureOut">
               <a:rPr lang="en-US" smtClean="0"/>
-              <a:t>7/30/18</a:t>
+              <a:t>10/1/18</a:t>
             </a:fld>
             <a:endParaRPr lang="en-US"/>
           </a:p>
@@ -6391,7 +6390,7 @@
           <a:p>
             <a:fld id="{2DD5D53E-635E-BD41-B5CC-A796D6DD661B}" type="datetimeFigureOut">
               <a:rPr lang="en-US" smtClean="0"/>
-              <a:t>7/30/18</a:t>
+              <a:t>10/1/18</a:t>
             </a:fld>
             <a:endParaRPr lang="en-US"/>
           </a:p>
@@ -7118,92 +7117,6 @@
 </p:sld>
 </file>
 
-<file path=ppt/slides/slide11.xml><?xml version="1.0" encoding="utf-8"?>
-<p:sld xmlns:a="http://schemas.openxmlformats.org/drawingml/2006/main" xmlns:r="http://schemas.openxmlformats.org/officeDocument/2006/relationships" xmlns:p="http://schemas.openxmlformats.org/presentationml/2006/main">
-  <p:cSld>
-    <p:spTree>
-      <p:nvGrpSpPr>
-        <p:cNvPr id="1" name=""/>
-        <p:cNvGrpSpPr/>
-        <p:nvPr/>
-      </p:nvGrpSpPr>
-      <p:grpSpPr>
-        <a:xfrm>
-          <a:off x="0" y="0"/>
-          <a:ext cx="0" cy="0"/>
-          <a:chOff x="0" y="0"/>
-          <a:chExt cx="0" cy="0"/>
-        </a:xfrm>
-      </p:grpSpPr>
-      <p:sp>
-        <p:nvSpPr>
-          <p:cNvPr id="2" name="Title 1">
-            <a:extLst>
-              <a:ext uri="{FF2B5EF4-FFF2-40B4-BE49-F238E27FC236}">
-                <a16:creationId xmlns:a16="http://schemas.microsoft.com/office/drawing/2014/main" id="{0AF53DC6-DCB9-DB4A-B5DF-8E5FF8462F7A}"/>
-              </a:ext>
-            </a:extLst>
-          </p:cNvPr>
-          <p:cNvSpPr>
-            <a:spLocks noGrp="1"/>
-          </p:cNvSpPr>
-          <p:nvPr>
-            <p:ph type="title"/>
-          </p:nvPr>
-        </p:nvSpPr>
-        <p:spPr/>
-        <p:txBody>
-          <a:bodyPr/>
-          <a:lstStyle/>
-          <a:p>
-            <a:r>
-              <a:rPr lang="en-US" dirty="0"/>
-              <a:t>Group Coding</a:t>
-            </a:r>
-          </a:p>
-        </p:txBody>
-      </p:sp>
-      <p:sp>
-        <p:nvSpPr>
-          <p:cNvPr id="3" name="Content Placeholder 2">
-            <a:extLst>
-              <a:ext uri="{FF2B5EF4-FFF2-40B4-BE49-F238E27FC236}">
-                <a16:creationId xmlns:a16="http://schemas.microsoft.com/office/drawing/2014/main" id="{552005EA-5EE6-7840-8A06-90B31A420BA0}"/>
-              </a:ext>
-            </a:extLst>
-          </p:cNvPr>
-          <p:cNvSpPr>
-            <a:spLocks noGrp="1"/>
-          </p:cNvSpPr>
-          <p:nvPr>
-            <p:ph idx="1"/>
-          </p:nvPr>
-        </p:nvSpPr>
-        <p:spPr/>
-        <p:txBody>
-          <a:bodyPr/>
-          <a:lstStyle/>
-          <a:p>
-            <a:r>
-              <a:rPr lang="en-US" dirty="0"/>
-              <a:t>TBD</a:t>
-            </a:r>
-          </a:p>
-        </p:txBody>
-      </p:sp>
-    </p:spTree>
-    <p:extLst>
-      <p:ext uri="{BB962C8B-B14F-4D97-AF65-F5344CB8AC3E}">
-        <p14:creationId xmlns:p14="http://schemas.microsoft.com/office/powerpoint/2010/main" val="2797853021"/>
-      </p:ext>
-    </p:extLst>
-  </p:cSld>
-  <p:clrMapOvr>
-    <a:masterClrMapping/>
-  </p:clrMapOvr>
-</p:sld>
-</file>
-
 <file path=ppt/slides/slide2.xml><?xml version="1.0" encoding="utf-8"?>
 <p:sld xmlns:a="http://schemas.openxmlformats.org/drawingml/2006/main" xmlns:r="http://schemas.openxmlformats.org/officeDocument/2006/relationships" xmlns:p="http://schemas.openxmlformats.org/presentationml/2006/main">
   <p:cSld>
@@ -7347,35 +7260,6 @@
           <a:chExt cx="0" cy="0"/>
         </a:xfrm>
       </p:grpSpPr>
-      <p:pic>
-        <p:nvPicPr>
-          <p:cNvPr id="10" name="Content Placeholder 9">
-            <a:extLst>
-              <a:ext uri="{FF2B5EF4-FFF2-40B4-BE49-F238E27FC236}">
-                <a16:creationId xmlns:a16="http://schemas.microsoft.com/office/drawing/2014/main" id="{0B039550-16CD-5B48-8BFF-594BF81EA72F}"/>
-              </a:ext>
-            </a:extLst>
-          </p:cNvPr>
-          <p:cNvPicPr>
-            <a:picLocks noGrp="1" noChangeAspect="1"/>
-          </p:cNvPicPr>
-          <p:nvPr>
-            <p:ph idx="1"/>
-          </p:nvPr>
-        </p:nvPicPr>
-        <p:blipFill>
-          <a:blip r:embed="rId2"/>
-          <a:stretch>
-            <a:fillRect/>
-          </a:stretch>
-        </p:blipFill>
-        <p:spPr>
-          <a:xfrm>
-            <a:off x="8625501" y="3883307"/>
-            <a:ext cx="3199653" cy="2213459"/>
-          </a:xfrm>
-        </p:spPr>
-      </p:pic>
       <p:sp>
         <p:nvSpPr>
           <p:cNvPr id="11" name="Title 1">
@@ -7404,7 +7288,7 @@
           <a:p>
             <a:r>
               <a:rPr lang="en-US" dirty="0"/>
-              <a:t>Decorators are a Subset of Closures</a:t>
+              <a:t>Closures</a:t>
             </a:r>
           </a:p>
         </p:txBody>
@@ -7425,8 +7309,8 @@
         </p:nvSpPr>
         <p:spPr>
           <a:xfrm>
-            <a:off x="946230" y="1377070"/>
-            <a:ext cx="6198849" cy="5012474"/>
+            <a:off x="2787741" y="1409252"/>
+            <a:ext cx="7032849" cy="5012474"/>
           </a:xfrm>
           <a:prstGeom prst="rect">
             <a:avLst/>
@@ -7667,29 +7551,7 @@
                 <a:ea typeface="Menlo" panose="020B0609030804020204" pitchFamily="49" charset="0"/>
                 <a:cs typeface="Menlo" panose="020B0609030804020204" pitchFamily="49" charset="0"/>
               </a:rPr>
-              <a:t>(</a:t>
-            </a:r>
-            <a:r>
-              <a:rPr lang="en-US" dirty="0" err="1">
-                <a:solidFill>
-                  <a:schemeClr val="accent6"/>
-                </a:solidFill>
-                <a:latin typeface="Menlo" panose="020B0609030804020204" pitchFamily="49" charset="0"/>
-                <a:ea typeface="Menlo" panose="020B0609030804020204" pitchFamily="49" charset="0"/>
-                <a:cs typeface="Menlo" panose="020B0609030804020204" pitchFamily="49" charset="0"/>
-              </a:rPr>
-              <a:t>some_context</a:t>
-            </a:r>
-            <a:r>
-              <a:rPr lang="en-US" dirty="0">
-                <a:solidFill>
-                  <a:schemeClr val="accent6"/>
-                </a:solidFill>
-                <a:latin typeface="Menlo" panose="020B0609030804020204" pitchFamily="49" charset="0"/>
-                <a:ea typeface="Menlo" panose="020B0609030804020204" pitchFamily="49" charset="0"/>
-                <a:cs typeface="Menlo" panose="020B0609030804020204" pitchFamily="49" charset="0"/>
-              </a:rPr>
-              <a:t>):</a:t>
+              <a:t>(…):</a:t>
             </a:r>
           </a:p>
           <a:p>
@@ -7705,99 +7567,29 @@
                 <a:ea typeface="Menlo" panose="020B0609030804020204" pitchFamily="49" charset="0"/>
                 <a:cs typeface="Menlo" panose="020B0609030804020204" pitchFamily="49" charset="0"/>
               </a:rPr>
-              <a:t>    ...</a:t>
-            </a:r>
-          </a:p>
-          <a:p>
-            <a:pPr marL="0" indent="0">
-              <a:buNone/>
-            </a:pPr>
+              <a:t>    ... </a:t>
+            </a:r>
             <a:r>
               <a:rPr lang="en-US" dirty="0">
                 <a:solidFill>
-                  <a:schemeClr val="accent6"/>
-                </a:solidFill>
-                <a:latin typeface="Menlo" panose="020B0609030804020204" pitchFamily="49" charset="0"/>
-                <a:ea typeface="Menlo" panose="020B0609030804020204" pitchFamily="49" charset="0"/>
-                <a:cs typeface="Menlo" panose="020B0609030804020204" pitchFamily="49" charset="0"/>
-              </a:rPr>
-              <a:t>    def closure(</a:t>
+                  <a:schemeClr val="accent1"/>
+                </a:solidFill>
+                <a:latin typeface="Menlo" panose="020B0609030804020204" pitchFamily="49" charset="0"/>
+                <a:ea typeface="Menlo" panose="020B0609030804020204" pitchFamily="49" charset="0"/>
+                <a:cs typeface="Menlo" panose="020B0609030804020204" pitchFamily="49" charset="0"/>
+              </a:rPr>
+              <a:t># </a:t>
             </a:r>
             <a:r>
               <a:rPr lang="en-US" dirty="0" err="1">
                 <a:solidFill>
-                  <a:schemeClr val="accent6"/>
-                </a:solidFill>
-                <a:latin typeface="Menlo" panose="020B0609030804020204" pitchFamily="49" charset="0"/>
-                <a:ea typeface="Menlo" panose="020B0609030804020204" pitchFamily="49" charset="0"/>
-                <a:cs typeface="Menlo" panose="020B0609030804020204" pitchFamily="49" charset="0"/>
-              </a:rPr>
-              <a:t>params</a:t>
-            </a:r>
-            <a:r>
-              <a:rPr lang="en-US" dirty="0">
-                <a:solidFill>
-                  <a:schemeClr val="accent6"/>
-                </a:solidFill>
-                <a:latin typeface="Menlo" panose="020B0609030804020204" pitchFamily="49" charset="0"/>
-                <a:ea typeface="Menlo" panose="020B0609030804020204" pitchFamily="49" charset="0"/>
-                <a:cs typeface="Menlo" panose="020B0609030804020204" pitchFamily="49" charset="0"/>
-              </a:rPr>
-              <a:t>):</a:t>
-            </a:r>
-          </a:p>
-          <a:p>
-            <a:pPr marL="0" indent="0">
-              <a:buNone/>
-            </a:pPr>
-            <a:r>
-              <a:rPr lang="en-US" dirty="0">
-                <a:solidFill>
-                  <a:schemeClr val="accent6"/>
-                </a:solidFill>
-                <a:latin typeface="Menlo" panose="020B0609030804020204" pitchFamily="49" charset="0"/>
-                <a:ea typeface="Menlo" panose="020B0609030804020204" pitchFamily="49" charset="0"/>
-                <a:cs typeface="Menlo" panose="020B0609030804020204" pitchFamily="49" charset="0"/>
-              </a:rPr>
-              <a:t>        ...</a:t>
-            </a:r>
-          </a:p>
-          <a:p>
-            <a:pPr marL="0" indent="0">
-              <a:buNone/>
-            </a:pPr>
-            <a:r>
-              <a:rPr lang="en-US" dirty="0">
-                <a:solidFill>
-                  <a:schemeClr val="accent6"/>
-                </a:solidFill>
-                <a:latin typeface="Menlo" panose="020B0609030804020204" pitchFamily="49" charset="0"/>
-                <a:ea typeface="Menlo" panose="020B0609030804020204" pitchFamily="49" charset="0"/>
-                <a:cs typeface="Menlo" panose="020B0609030804020204" pitchFamily="49" charset="0"/>
-              </a:rPr>
-              <a:t>        </a:t>
-            </a:r>
-            <a:r>
-              <a:rPr lang="en-US" dirty="0">
-                <a:solidFill>
                   <a:schemeClr val="accent1"/>
                 </a:solidFill>
                 <a:latin typeface="Menlo" panose="020B0609030804020204" pitchFamily="49" charset="0"/>
                 <a:ea typeface="Menlo" panose="020B0609030804020204" pitchFamily="49" charset="0"/>
                 <a:cs typeface="Menlo" panose="020B0609030804020204" pitchFamily="49" charset="0"/>
               </a:rPr>
-              <a:t># references to </a:t>
-            </a:r>
-            <a:r>
-              <a:rPr lang="en-US" dirty="0" err="1">
-                <a:solidFill>
-                  <a:schemeClr val="accent1"/>
-                </a:solidFill>
-                <a:latin typeface="Menlo" panose="020B0609030804020204" pitchFamily="49" charset="0"/>
-                <a:ea typeface="Menlo" panose="020B0609030804020204" pitchFamily="49" charset="0"/>
-                <a:cs typeface="Menlo" panose="020B0609030804020204" pitchFamily="49" charset="0"/>
-              </a:rPr>
-              <a:t>some_context</a:t>
+              <a:t>local_variables</a:t>
             </a:r>
             <a:endParaRPr lang="en-US" dirty="0">
               <a:solidFill>
@@ -7821,18 +7613,7 @@
                 <a:ea typeface="Menlo" panose="020B0609030804020204" pitchFamily="49" charset="0"/>
                 <a:cs typeface="Menlo" panose="020B0609030804020204" pitchFamily="49" charset="0"/>
               </a:rPr>
-              <a:t>        </a:t>
-            </a:r>
-            <a:r>
-              <a:rPr lang="en-US" dirty="0">
-                <a:solidFill>
-                  <a:schemeClr val="accent1"/>
-                </a:solidFill>
-                <a:latin typeface="Menlo" panose="020B0609030804020204" pitchFamily="49" charset="0"/>
-                <a:ea typeface="Menlo" panose="020B0609030804020204" pitchFamily="49" charset="0"/>
-                <a:cs typeface="Menlo" panose="020B0609030804020204" pitchFamily="49" charset="0"/>
-              </a:rPr>
-              <a:t># thereby closing over it</a:t>
+              <a:t>    def closure(…):</a:t>
             </a:r>
           </a:p>
           <a:p>
@@ -7842,24 +7623,13 @@
             <a:r>
               <a:rPr lang="en-US" dirty="0">
                 <a:solidFill>
-                  <a:schemeClr val="accent1"/>
-                </a:solidFill>
-                <a:latin typeface="Menlo" panose="020B0609030804020204" pitchFamily="49" charset="0"/>
-                <a:ea typeface="Menlo" panose="020B0609030804020204" pitchFamily="49" charset="0"/>
-                <a:cs typeface="Menlo" panose="020B0609030804020204" pitchFamily="49" charset="0"/>
-              </a:rPr>
-              <a:t>    </a:t>
-            </a:r>
-            <a:r>
-              <a:rPr lang="en-US" dirty="0">
-                <a:solidFill>
                   <a:schemeClr val="accent6"/>
                 </a:solidFill>
                 <a:latin typeface="Menlo" panose="020B0609030804020204" pitchFamily="49" charset="0"/>
                 <a:ea typeface="Menlo" panose="020B0609030804020204" pitchFamily="49" charset="0"/>
                 <a:cs typeface="Menlo" panose="020B0609030804020204" pitchFamily="49" charset="0"/>
               </a:rPr>
-              <a:t>...</a:t>
+              <a:t>        ...</a:t>
             </a:r>
           </a:p>
           <a:p>
@@ -7875,8 +7645,38 @@
                 <a:ea typeface="Menlo" panose="020B0609030804020204" pitchFamily="49" charset="0"/>
                 <a:cs typeface="Menlo" panose="020B0609030804020204" pitchFamily="49" charset="0"/>
               </a:rPr>
-              <a:t>    return closure</a:t>
-            </a:r>
+              <a:t>        </a:t>
+            </a:r>
+            <a:r>
+              <a:rPr lang="en-US" dirty="0">
+                <a:solidFill>
+                  <a:schemeClr val="accent1"/>
+                </a:solidFill>
+                <a:latin typeface="Menlo" panose="020B0609030804020204" pitchFamily="49" charset="0"/>
+                <a:ea typeface="Menlo" panose="020B0609030804020204" pitchFamily="49" charset="0"/>
+                <a:cs typeface="Menlo" panose="020B0609030804020204" pitchFamily="49" charset="0"/>
+              </a:rPr>
+              <a:t># references the </a:t>
+            </a:r>
+            <a:r>
+              <a:rPr lang="en-US" dirty="0" err="1">
+                <a:solidFill>
+                  <a:schemeClr val="accent1"/>
+                </a:solidFill>
+                <a:latin typeface="Menlo" panose="020B0609030804020204" pitchFamily="49" charset="0"/>
+                <a:ea typeface="Menlo" panose="020B0609030804020204" pitchFamily="49" charset="0"/>
+                <a:cs typeface="Menlo" panose="020B0609030804020204" pitchFamily="49" charset="0"/>
+              </a:rPr>
+              <a:t>local_variables</a:t>
+            </a:r>
+            <a:endParaRPr lang="en-US" dirty="0">
+              <a:solidFill>
+                <a:schemeClr val="accent1"/>
+              </a:solidFill>
+              <a:latin typeface="Menlo" panose="020B0609030804020204" pitchFamily="49" charset="0"/>
+              <a:ea typeface="Menlo" panose="020B0609030804020204" pitchFamily="49" charset="0"/>
+              <a:cs typeface="Menlo" panose="020B0609030804020204" pitchFamily="49" charset="0"/>
+            </a:endParaRPr>
           </a:p>
           <a:p>
             <a:pPr marL="0" indent="0">
@@ -7885,35 +7685,24 @@
             <a:r>
               <a:rPr lang="en-US" dirty="0">
                 <a:solidFill>
+                  <a:schemeClr val="accent6"/>
+                </a:solidFill>
+                <a:latin typeface="Menlo" panose="020B0609030804020204" pitchFamily="49" charset="0"/>
+                <a:ea typeface="Menlo" panose="020B0609030804020204" pitchFamily="49" charset="0"/>
+                <a:cs typeface="Menlo" panose="020B0609030804020204" pitchFamily="49" charset="0"/>
+              </a:rPr>
+              <a:t>        </a:t>
+            </a:r>
+            <a:r>
+              <a:rPr lang="en-US" dirty="0">
+                <a:solidFill>
                   <a:schemeClr val="accent1"/>
                 </a:solidFill>
                 <a:latin typeface="Menlo" panose="020B0609030804020204" pitchFamily="49" charset="0"/>
                 <a:ea typeface="Menlo" panose="020B0609030804020204" pitchFamily="49" charset="0"/>
                 <a:cs typeface="Menlo" panose="020B0609030804020204" pitchFamily="49" charset="0"/>
               </a:rPr>
-              <a:t>    # </a:t>
-            </a:r>
-            <a:r>
-              <a:rPr lang="en-US" dirty="0" err="1">
-                <a:solidFill>
-                  <a:schemeClr val="accent1"/>
-                </a:solidFill>
-                <a:latin typeface="Menlo" panose="020B0609030804020204" pitchFamily="49" charset="0"/>
-                <a:ea typeface="Menlo" panose="020B0609030804020204" pitchFamily="49" charset="0"/>
-                <a:cs typeface="Menlo" panose="020B0609030804020204" pitchFamily="49" charset="0"/>
-              </a:rPr>
-              <a:t>some_context</a:t>
-            </a:r>
-            <a:r>
-              <a:rPr lang="en-US" dirty="0">
-                <a:solidFill>
-                  <a:schemeClr val="accent1"/>
-                </a:solidFill>
-                <a:latin typeface="Menlo" panose="020B0609030804020204" pitchFamily="49" charset="0"/>
-                <a:ea typeface="Menlo" panose="020B0609030804020204" pitchFamily="49" charset="0"/>
-                <a:cs typeface="Menlo" panose="020B0609030804020204" pitchFamily="49" charset="0"/>
-              </a:rPr>
-              <a:t> goes out of scope</a:t>
+              <a:t># thereby closing over them</a:t>
             </a:r>
           </a:p>
           <a:p>
@@ -7929,7 +7718,18 @@
                 <a:ea typeface="Menlo" panose="020B0609030804020204" pitchFamily="49" charset="0"/>
                 <a:cs typeface="Menlo" panose="020B0609030804020204" pitchFamily="49" charset="0"/>
               </a:rPr>
-              <a:t>    # but it stays in memory</a:t>
+              <a:t>    </a:t>
+            </a:r>
+            <a:r>
+              <a:rPr lang="en-US" dirty="0">
+                <a:solidFill>
+                  <a:schemeClr val="accent6"/>
+                </a:solidFill>
+                <a:latin typeface="Menlo" panose="020B0609030804020204" pitchFamily="49" charset="0"/>
+                <a:ea typeface="Menlo" panose="020B0609030804020204" pitchFamily="49" charset="0"/>
+                <a:cs typeface="Menlo" panose="020B0609030804020204" pitchFamily="49" charset="0"/>
+              </a:rPr>
+              <a:t>...</a:t>
             </a:r>
           </a:p>
           <a:p>
@@ -7939,13 +7739,83 @@
             <a:r>
               <a:rPr lang="en-US" dirty="0">
                 <a:solidFill>
+                  <a:schemeClr val="accent6"/>
+                </a:solidFill>
+                <a:latin typeface="Menlo" panose="020B0609030804020204" pitchFamily="49" charset="0"/>
+                <a:ea typeface="Menlo" panose="020B0609030804020204" pitchFamily="49" charset="0"/>
+                <a:cs typeface="Menlo" panose="020B0609030804020204" pitchFamily="49" charset="0"/>
+              </a:rPr>
+              <a:t>    return closure</a:t>
+            </a:r>
+          </a:p>
+          <a:p>
+            <a:pPr marL="0" indent="0">
+              <a:buNone/>
+            </a:pPr>
+            <a:r>
+              <a:rPr lang="en-US" dirty="0">
+                <a:solidFill>
                   <a:schemeClr val="accent1"/>
                 </a:solidFill>
                 <a:latin typeface="Menlo" panose="020B0609030804020204" pitchFamily="49" charset="0"/>
                 <a:ea typeface="Menlo" panose="020B0609030804020204" pitchFamily="49" charset="0"/>
                 <a:cs typeface="Menlo" panose="020B0609030804020204" pitchFamily="49" charset="0"/>
               </a:rPr>
-              <a:t>    #   because closure closes over it</a:t>
+              <a:t>    # </a:t>
+            </a:r>
+            <a:r>
+              <a:rPr lang="en-US" dirty="0" err="1">
+                <a:solidFill>
+                  <a:schemeClr val="accent1"/>
+                </a:solidFill>
+                <a:latin typeface="Menlo" panose="020B0609030804020204" pitchFamily="49" charset="0"/>
+                <a:ea typeface="Menlo" panose="020B0609030804020204" pitchFamily="49" charset="0"/>
+                <a:cs typeface="Menlo" panose="020B0609030804020204" pitchFamily="49" charset="0"/>
+              </a:rPr>
+              <a:t>local_variables</a:t>
+            </a:r>
+            <a:r>
+              <a:rPr lang="en-US" dirty="0">
+                <a:solidFill>
+                  <a:schemeClr val="accent1"/>
+                </a:solidFill>
+                <a:latin typeface="Menlo" panose="020B0609030804020204" pitchFamily="49" charset="0"/>
+                <a:ea typeface="Menlo" panose="020B0609030804020204" pitchFamily="49" charset="0"/>
+                <a:cs typeface="Menlo" panose="020B0609030804020204" pitchFamily="49" charset="0"/>
+              </a:rPr>
+              <a:t> go out of scope</a:t>
+            </a:r>
+          </a:p>
+          <a:p>
+            <a:pPr marL="0" indent="0">
+              <a:buNone/>
+            </a:pPr>
+            <a:r>
+              <a:rPr lang="en-US" dirty="0">
+                <a:solidFill>
+                  <a:schemeClr val="accent1"/>
+                </a:solidFill>
+                <a:latin typeface="Menlo" panose="020B0609030804020204" pitchFamily="49" charset="0"/>
+                <a:ea typeface="Menlo" panose="020B0609030804020204" pitchFamily="49" charset="0"/>
+                <a:cs typeface="Menlo" panose="020B0609030804020204" pitchFamily="49" charset="0"/>
+              </a:rPr>
+              <a:t>    # but they stay in memory</a:t>
+            </a:r>
+          </a:p>
+          <a:p>
+            <a:pPr marL="0" indent="0">
+              <a:buNone/>
+            </a:pPr>
+            <a:r>
+              <a:rPr lang="en-US" dirty="0">
+                <a:solidFill>
+                  <a:schemeClr val="accent1"/>
+                </a:solidFill>
+                <a:latin typeface="Menlo" panose="020B0609030804020204" pitchFamily="49" charset="0"/>
+                <a:ea typeface="Menlo" panose="020B0609030804020204" pitchFamily="49" charset="0"/>
+                <a:cs typeface="Menlo" panose="020B0609030804020204" pitchFamily="49" charset="0"/>
+              </a:rPr>
+              <a:t>    # because closure closes over them</a:t>
             </a:r>
           </a:p>
           <a:p>
@@ -7967,110 +7837,6 @@
               <a:ea typeface="Menlo" panose="020B0609030804020204" pitchFamily="49" charset="0"/>
               <a:cs typeface="Menlo" panose="020B0609030804020204" pitchFamily="49" charset="0"/>
             </a:endParaRPr>
-          </a:p>
-        </p:txBody>
-      </p:sp>
-      <p:sp>
-        <p:nvSpPr>
-          <p:cNvPr id="13" name="TextBox 12">
-            <a:extLst>
-              <a:ext uri="{FF2B5EF4-FFF2-40B4-BE49-F238E27FC236}">
-                <a16:creationId xmlns:a16="http://schemas.microsoft.com/office/drawing/2014/main" id="{D5267B38-9854-214A-9DE6-0DA9C48DAF21}"/>
-              </a:ext>
-            </a:extLst>
-          </p:cNvPr>
-          <p:cNvSpPr txBox="1"/>
-          <p:nvPr/>
-        </p:nvSpPr>
-        <p:spPr>
-          <a:xfrm>
-            <a:off x="7548050" y="1777161"/>
-            <a:ext cx="3944680" cy="369332"/>
-          </a:xfrm>
-          <a:prstGeom prst="rect">
-            <a:avLst/>
-          </a:prstGeom>
-          <a:noFill/>
-        </p:spPr>
-        <p:txBody>
-          <a:bodyPr wrap="square" rtlCol="0">
-            <a:spAutoFit/>
-          </a:bodyPr>
-          <a:lstStyle/>
-          <a:p>
-            <a:r>
-              <a:rPr lang="en-US" dirty="0" err="1">
-                <a:latin typeface="Menlo" panose="020B0609030804020204" pitchFamily="49" charset="0"/>
-                <a:ea typeface="Menlo" panose="020B0609030804020204" pitchFamily="49" charset="0"/>
-                <a:cs typeface="Menlo" panose="020B0609030804020204" pitchFamily="49" charset="0"/>
-              </a:rPr>
-              <a:t>some_context</a:t>
-            </a:r>
-            <a:r>
-              <a:rPr lang="en-US" dirty="0"/>
-              <a:t> should be a function</a:t>
-            </a:r>
-          </a:p>
-        </p:txBody>
-      </p:sp>
-      <p:sp>
-        <p:nvSpPr>
-          <p:cNvPr id="14" name="TextBox 13">
-            <a:extLst>
-              <a:ext uri="{FF2B5EF4-FFF2-40B4-BE49-F238E27FC236}">
-                <a16:creationId xmlns:a16="http://schemas.microsoft.com/office/drawing/2014/main" id="{B0321D2C-22F4-1843-B5FD-9D61D2C468CB}"/>
-              </a:ext>
-            </a:extLst>
-          </p:cNvPr>
-          <p:cNvSpPr txBox="1"/>
-          <p:nvPr/>
-        </p:nvSpPr>
-        <p:spPr>
-          <a:xfrm>
-            <a:off x="7548050" y="2514403"/>
-            <a:ext cx="3555529" cy="923330"/>
-          </a:xfrm>
-          <a:prstGeom prst="rect">
-            <a:avLst/>
-          </a:prstGeom>
-          <a:noFill/>
-        </p:spPr>
-        <p:txBody>
-          <a:bodyPr wrap="square" rtlCol="0">
-            <a:spAutoFit/>
-          </a:bodyPr>
-          <a:lstStyle/>
-          <a:p>
-            <a:r>
-              <a:rPr lang="en-US" dirty="0">
-                <a:latin typeface="Menlo" panose="020B0609030804020204" pitchFamily="49" charset="0"/>
-                <a:ea typeface="Menlo" panose="020B0609030804020204" pitchFamily="49" charset="0"/>
-                <a:cs typeface="Menlo" panose="020B0609030804020204" pitchFamily="49" charset="0"/>
-              </a:rPr>
-              <a:t>closure</a:t>
-            </a:r>
-            <a:r>
-              <a:rPr lang="en-US" dirty="0"/>
-              <a:t> should call that function</a:t>
-            </a:r>
-          </a:p>
-          <a:p>
-            <a:r>
-              <a:rPr lang="en-US" dirty="0">
-                <a:latin typeface="Menlo" panose="020B0609030804020204" pitchFamily="49" charset="0"/>
-                <a:ea typeface="Menlo" panose="020B0609030804020204" pitchFamily="49" charset="0"/>
-                <a:cs typeface="Menlo" panose="020B0609030804020204" pitchFamily="49" charset="0"/>
-              </a:rPr>
-              <a:t>closure</a:t>
-            </a:r>
-            <a:r>
-              <a:rPr lang="en-US" dirty="0">
-                <a:ea typeface="Menlo" panose="020B0609030804020204" pitchFamily="49" charset="0"/>
-                <a:cs typeface="Menlo" panose="020B0609030804020204" pitchFamily="49" charset="0"/>
-              </a:rPr>
-              <a:t> is basically a wrapper for the function</a:t>
-            </a:r>
-            <a:endParaRPr lang="en-US" dirty="0"/>
           </a:p>
         </p:txBody>
       </p:sp>
@@ -8149,6 +7915,677 @@
                       </p:childTnLst>
                     </p:cTn>
                   </p:par>
+                  <p:par>
+                    <p:cTn id="8" fill="hold">
+                      <p:stCondLst>
+                        <p:cond delay="indefinite"/>
+                      </p:stCondLst>
+                      <p:childTnLst>
+                        <p:par>
+                          <p:cTn id="9" fill="hold">
+                            <p:stCondLst>
+                              <p:cond delay="0"/>
+                            </p:stCondLst>
+                            <p:childTnLst>
+                              <p:par>
+                                <p:cTn id="10" presetID="22" presetClass="entr" presetSubtype="8" fill="hold" grpId="0" nodeType="clickEffect">
+                                  <p:stCondLst>
+                                    <p:cond delay="0"/>
+                                  </p:stCondLst>
+                                  <p:childTnLst>
+                                    <p:set>
+                                      <p:cBhvr>
+                                        <p:cTn id="11" dur="1" fill="hold">
+                                          <p:stCondLst>
+                                            <p:cond delay="0"/>
+                                          </p:stCondLst>
+                                        </p:cTn>
+                                        <p:tgtEl>
+                                          <p:spTgt spid="12">
+                                            <p:txEl>
+                                              <p:pRg st="0" end="0"/>
+                                            </p:txEl>
+                                          </p:spTgt>
+                                        </p:tgtEl>
+                                        <p:attrNameLst>
+                                          <p:attrName>style.visibility</p:attrName>
+                                        </p:attrNameLst>
+                                      </p:cBhvr>
+                                      <p:to>
+                                        <p:strVal val="visible"/>
+                                      </p:to>
+                                    </p:set>
+                                    <p:animEffect transition="in" filter="wipe(left)">
+                                      <p:cBhvr>
+                                        <p:cTn id="12" dur="500"/>
+                                        <p:tgtEl>
+                                          <p:spTgt spid="12">
+                                            <p:txEl>
+                                              <p:pRg st="0" end="0"/>
+                                            </p:txEl>
+                                          </p:spTgt>
+                                        </p:tgtEl>
+                                      </p:cBhvr>
+                                    </p:animEffect>
+                                  </p:childTnLst>
+                                </p:cTn>
+                              </p:par>
+                            </p:childTnLst>
+                          </p:cTn>
+                        </p:par>
+                      </p:childTnLst>
+                    </p:cTn>
+                  </p:par>
+                  <p:par>
+                    <p:cTn id="13" fill="hold">
+                      <p:stCondLst>
+                        <p:cond delay="indefinite"/>
+                      </p:stCondLst>
+                      <p:childTnLst>
+                        <p:par>
+                          <p:cTn id="14" fill="hold">
+                            <p:stCondLst>
+                              <p:cond delay="0"/>
+                            </p:stCondLst>
+                            <p:childTnLst>
+                              <p:par>
+                                <p:cTn id="15" presetID="22" presetClass="entr" presetSubtype="8" fill="hold" grpId="0" nodeType="clickEffect">
+                                  <p:stCondLst>
+                                    <p:cond delay="0"/>
+                                  </p:stCondLst>
+                                  <p:childTnLst>
+                                    <p:set>
+                                      <p:cBhvr>
+                                        <p:cTn id="16" dur="1" fill="hold">
+                                          <p:stCondLst>
+                                            <p:cond delay="0"/>
+                                          </p:stCondLst>
+                                        </p:cTn>
+                                        <p:tgtEl>
+                                          <p:spTgt spid="12">
+                                            <p:txEl>
+                                              <p:pRg st="1" end="1"/>
+                                            </p:txEl>
+                                          </p:spTgt>
+                                        </p:tgtEl>
+                                        <p:attrNameLst>
+                                          <p:attrName>style.visibility</p:attrName>
+                                        </p:attrNameLst>
+                                      </p:cBhvr>
+                                      <p:to>
+                                        <p:strVal val="visible"/>
+                                      </p:to>
+                                    </p:set>
+                                    <p:animEffect transition="in" filter="wipe(left)">
+                                      <p:cBhvr>
+                                        <p:cTn id="17" dur="500"/>
+                                        <p:tgtEl>
+                                          <p:spTgt spid="12">
+                                            <p:txEl>
+                                              <p:pRg st="1" end="1"/>
+                                            </p:txEl>
+                                          </p:spTgt>
+                                        </p:tgtEl>
+                                      </p:cBhvr>
+                                    </p:animEffect>
+                                  </p:childTnLst>
+                                </p:cTn>
+                              </p:par>
+                            </p:childTnLst>
+                          </p:cTn>
+                        </p:par>
+                      </p:childTnLst>
+                    </p:cTn>
+                  </p:par>
+                  <p:par>
+                    <p:cTn id="18" fill="hold">
+                      <p:stCondLst>
+                        <p:cond delay="indefinite"/>
+                      </p:stCondLst>
+                      <p:childTnLst>
+                        <p:par>
+                          <p:cTn id="19" fill="hold">
+                            <p:stCondLst>
+                              <p:cond delay="0"/>
+                            </p:stCondLst>
+                            <p:childTnLst>
+                              <p:par>
+                                <p:cTn id="20" presetID="22" presetClass="entr" presetSubtype="8" fill="hold" grpId="0" nodeType="clickEffect">
+                                  <p:stCondLst>
+                                    <p:cond delay="0"/>
+                                  </p:stCondLst>
+                                  <p:childTnLst>
+                                    <p:set>
+                                      <p:cBhvr>
+                                        <p:cTn id="21" dur="1" fill="hold">
+                                          <p:stCondLst>
+                                            <p:cond delay="0"/>
+                                          </p:stCondLst>
+                                        </p:cTn>
+                                        <p:tgtEl>
+                                          <p:spTgt spid="12">
+                                            <p:txEl>
+                                              <p:pRg st="2" end="2"/>
+                                            </p:txEl>
+                                          </p:spTgt>
+                                        </p:tgtEl>
+                                        <p:attrNameLst>
+                                          <p:attrName>style.visibility</p:attrName>
+                                        </p:attrNameLst>
+                                      </p:cBhvr>
+                                      <p:to>
+                                        <p:strVal val="visible"/>
+                                      </p:to>
+                                    </p:set>
+                                    <p:animEffect transition="in" filter="wipe(left)">
+                                      <p:cBhvr>
+                                        <p:cTn id="22" dur="500"/>
+                                        <p:tgtEl>
+                                          <p:spTgt spid="12">
+                                            <p:txEl>
+                                              <p:pRg st="2" end="2"/>
+                                            </p:txEl>
+                                          </p:spTgt>
+                                        </p:tgtEl>
+                                      </p:cBhvr>
+                                    </p:animEffect>
+                                  </p:childTnLst>
+                                </p:cTn>
+                              </p:par>
+                            </p:childTnLst>
+                          </p:cTn>
+                        </p:par>
+                      </p:childTnLst>
+                    </p:cTn>
+                  </p:par>
+                  <p:par>
+                    <p:cTn id="23" fill="hold">
+                      <p:stCondLst>
+                        <p:cond delay="indefinite"/>
+                      </p:stCondLst>
+                      <p:childTnLst>
+                        <p:par>
+                          <p:cTn id="24" fill="hold">
+                            <p:stCondLst>
+                              <p:cond delay="0"/>
+                            </p:stCondLst>
+                            <p:childTnLst>
+                              <p:par>
+                                <p:cTn id="25" presetID="22" presetClass="entr" presetSubtype="8" fill="hold" grpId="0" nodeType="clickEffect">
+                                  <p:stCondLst>
+                                    <p:cond delay="0"/>
+                                  </p:stCondLst>
+                                  <p:childTnLst>
+                                    <p:set>
+                                      <p:cBhvr>
+                                        <p:cTn id="26" dur="1" fill="hold">
+                                          <p:stCondLst>
+                                            <p:cond delay="0"/>
+                                          </p:stCondLst>
+                                        </p:cTn>
+                                        <p:tgtEl>
+                                          <p:spTgt spid="12">
+                                            <p:txEl>
+                                              <p:pRg st="3" end="3"/>
+                                            </p:txEl>
+                                          </p:spTgt>
+                                        </p:tgtEl>
+                                        <p:attrNameLst>
+                                          <p:attrName>style.visibility</p:attrName>
+                                        </p:attrNameLst>
+                                      </p:cBhvr>
+                                      <p:to>
+                                        <p:strVal val="visible"/>
+                                      </p:to>
+                                    </p:set>
+                                    <p:animEffect transition="in" filter="wipe(left)">
+                                      <p:cBhvr>
+                                        <p:cTn id="27" dur="500"/>
+                                        <p:tgtEl>
+                                          <p:spTgt spid="12">
+                                            <p:txEl>
+                                              <p:pRg st="3" end="3"/>
+                                            </p:txEl>
+                                          </p:spTgt>
+                                        </p:tgtEl>
+                                      </p:cBhvr>
+                                    </p:animEffect>
+                                  </p:childTnLst>
+                                </p:cTn>
+                              </p:par>
+                            </p:childTnLst>
+                          </p:cTn>
+                        </p:par>
+                      </p:childTnLst>
+                    </p:cTn>
+                  </p:par>
+                  <p:par>
+                    <p:cTn id="28" fill="hold">
+                      <p:stCondLst>
+                        <p:cond delay="indefinite"/>
+                      </p:stCondLst>
+                      <p:childTnLst>
+                        <p:par>
+                          <p:cTn id="29" fill="hold">
+                            <p:stCondLst>
+                              <p:cond delay="0"/>
+                            </p:stCondLst>
+                            <p:childTnLst>
+                              <p:par>
+                                <p:cTn id="30" presetID="22" presetClass="entr" presetSubtype="8" fill="hold" grpId="0" nodeType="clickEffect">
+                                  <p:stCondLst>
+                                    <p:cond delay="0"/>
+                                  </p:stCondLst>
+                                  <p:childTnLst>
+                                    <p:set>
+                                      <p:cBhvr>
+                                        <p:cTn id="31" dur="1" fill="hold">
+                                          <p:stCondLst>
+                                            <p:cond delay="0"/>
+                                          </p:stCondLst>
+                                        </p:cTn>
+                                        <p:tgtEl>
+                                          <p:spTgt spid="12">
+                                            <p:txEl>
+                                              <p:pRg st="4" end="4"/>
+                                            </p:txEl>
+                                          </p:spTgt>
+                                        </p:tgtEl>
+                                        <p:attrNameLst>
+                                          <p:attrName>style.visibility</p:attrName>
+                                        </p:attrNameLst>
+                                      </p:cBhvr>
+                                      <p:to>
+                                        <p:strVal val="visible"/>
+                                      </p:to>
+                                    </p:set>
+                                    <p:animEffect transition="in" filter="wipe(left)">
+                                      <p:cBhvr>
+                                        <p:cTn id="32" dur="500"/>
+                                        <p:tgtEl>
+                                          <p:spTgt spid="12">
+                                            <p:txEl>
+                                              <p:pRg st="4" end="4"/>
+                                            </p:txEl>
+                                          </p:spTgt>
+                                        </p:tgtEl>
+                                      </p:cBhvr>
+                                    </p:animEffect>
+                                  </p:childTnLst>
+                                </p:cTn>
+                              </p:par>
+                            </p:childTnLst>
+                          </p:cTn>
+                        </p:par>
+                      </p:childTnLst>
+                    </p:cTn>
+                  </p:par>
+                  <p:par>
+                    <p:cTn id="33" fill="hold">
+                      <p:stCondLst>
+                        <p:cond delay="indefinite"/>
+                      </p:stCondLst>
+                      <p:childTnLst>
+                        <p:par>
+                          <p:cTn id="34" fill="hold">
+                            <p:stCondLst>
+                              <p:cond delay="0"/>
+                            </p:stCondLst>
+                            <p:childTnLst>
+                              <p:par>
+                                <p:cTn id="35" presetID="22" presetClass="entr" presetSubtype="8" fill="hold" grpId="0" nodeType="clickEffect">
+                                  <p:stCondLst>
+                                    <p:cond delay="0"/>
+                                  </p:stCondLst>
+                                  <p:childTnLst>
+                                    <p:set>
+                                      <p:cBhvr>
+                                        <p:cTn id="36" dur="1" fill="hold">
+                                          <p:stCondLst>
+                                            <p:cond delay="0"/>
+                                          </p:stCondLst>
+                                        </p:cTn>
+                                        <p:tgtEl>
+                                          <p:spTgt spid="12">
+                                            <p:txEl>
+                                              <p:pRg st="5" end="5"/>
+                                            </p:txEl>
+                                          </p:spTgt>
+                                        </p:tgtEl>
+                                        <p:attrNameLst>
+                                          <p:attrName>style.visibility</p:attrName>
+                                        </p:attrNameLst>
+                                      </p:cBhvr>
+                                      <p:to>
+                                        <p:strVal val="visible"/>
+                                      </p:to>
+                                    </p:set>
+                                    <p:animEffect transition="in" filter="wipe(left)">
+                                      <p:cBhvr>
+                                        <p:cTn id="37" dur="500"/>
+                                        <p:tgtEl>
+                                          <p:spTgt spid="12">
+                                            <p:txEl>
+                                              <p:pRg st="5" end="5"/>
+                                            </p:txEl>
+                                          </p:spTgt>
+                                        </p:tgtEl>
+                                      </p:cBhvr>
+                                    </p:animEffect>
+                                  </p:childTnLst>
+                                </p:cTn>
+                              </p:par>
+                            </p:childTnLst>
+                          </p:cTn>
+                        </p:par>
+                      </p:childTnLst>
+                    </p:cTn>
+                  </p:par>
+                  <p:par>
+                    <p:cTn id="38" fill="hold">
+                      <p:stCondLst>
+                        <p:cond delay="indefinite"/>
+                      </p:stCondLst>
+                      <p:childTnLst>
+                        <p:par>
+                          <p:cTn id="39" fill="hold">
+                            <p:stCondLst>
+                              <p:cond delay="0"/>
+                            </p:stCondLst>
+                            <p:childTnLst>
+                              <p:par>
+                                <p:cTn id="40" presetID="22" presetClass="entr" presetSubtype="8" fill="hold" grpId="0" nodeType="clickEffect">
+                                  <p:stCondLst>
+                                    <p:cond delay="0"/>
+                                  </p:stCondLst>
+                                  <p:childTnLst>
+                                    <p:set>
+                                      <p:cBhvr>
+                                        <p:cTn id="41" dur="1" fill="hold">
+                                          <p:stCondLst>
+                                            <p:cond delay="0"/>
+                                          </p:stCondLst>
+                                        </p:cTn>
+                                        <p:tgtEl>
+                                          <p:spTgt spid="12">
+                                            <p:txEl>
+                                              <p:pRg st="6" end="6"/>
+                                            </p:txEl>
+                                          </p:spTgt>
+                                        </p:tgtEl>
+                                        <p:attrNameLst>
+                                          <p:attrName>style.visibility</p:attrName>
+                                        </p:attrNameLst>
+                                      </p:cBhvr>
+                                      <p:to>
+                                        <p:strVal val="visible"/>
+                                      </p:to>
+                                    </p:set>
+                                    <p:animEffect transition="in" filter="wipe(left)">
+                                      <p:cBhvr>
+                                        <p:cTn id="42" dur="500"/>
+                                        <p:tgtEl>
+                                          <p:spTgt spid="12">
+                                            <p:txEl>
+                                              <p:pRg st="6" end="6"/>
+                                            </p:txEl>
+                                          </p:spTgt>
+                                        </p:tgtEl>
+                                      </p:cBhvr>
+                                    </p:animEffect>
+                                  </p:childTnLst>
+                                </p:cTn>
+                              </p:par>
+                            </p:childTnLst>
+                          </p:cTn>
+                        </p:par>
+                      </p:childTnLst>
+                    </p:cTn>
+                  </p:par>
+                  <p:par>
+                    <p:cTn id="43" fill="hold">
+                      <p:stCondLst>
+                        <p:cond delay="indefinite"/>
+                      </p:stCondLst>
+                      <p:childTnLst>
+                        <p:par>
+                          <p:cTn id="44" fill="hold">
+                            <p:stCondLst>
+                              <p:cond delay="0"/>
+                            </p:stCondLst>
+                            <p:childTnLst>
+                              <p:par>
+                                <p:cTn id="45" presetID="22" presetClass="entr" presetSubtype="8" fill="hold" grpId="0" nodeType="clickEffect">
+                                  <p:stCondLst>
+                                    <p:cond delay="0"/>
+                                  </p:stCondLst>
+                                  <p:childTnLst>
+                                    <p:set>
+                                      <p:cBhvr>
+                                        <p:cTn id="46" dur="1" fill="hold">
+                                          <p:stCondLst>
+                                            <p:cond delay="0"/>
+                                          </p:stCondLst>
+                                        </p:cTn>
+                                        <p:tgtEl>
+                                          <p:spTgt spid="12">
+                                            <p:txEl>
+                                              <p:pRg st="7" end="7"/>
+                                            </p:txEl>
+                                          </p:spTgt>
+                                        </p:tgtEl>
+                                        <p:attrNameLst>
+                                          <p:attrName>style.visibility</p:attrName>
+                                        </p:attrNameLst>
+                                      </p:cBhvr>
+                                      <p:to>
+                                        <p:strVal val="visible"/>
+                                      </p:to>
+                                    </p:set>
+                                    <p:animEffect transition="in" filter="wipe(left)">
+                                      <p:cBhvr>
+                                        <p:cTn id="47" dur="500"/>
+                                        <p:tgtEl>
+                                          <p:spTgt spid="12">
+                                            <p:txEl>
+                                              <p:pRg st="7" end="7"/>
+                                            </p:txEl>
+                                          </p:spTgt>
+                                        </p:tgtEl>
+                                      </p:cBhvr>
+                                    </p:animEffect>
+                                  </p:childTnLst>
+                                </p:cTn>
+                              </p:par>
+                            </p:childTnLst>
+                          </p:cTn>
+                        </p:par>
+                      </p:childTnLst>
+                    </p:cTn>
+                  </p:par>
+                  <p:par>
+                    <p:cTn id="48" fill="hold">
+                      <p:stCondLst>
+                        <p:cond delay="indefinite"/>
+                      </p:stCondLst>
+                      <p:childTnLst>
+                        <p:par>
+                          <p:cTn id="49" fill="hold">
+                            <p:stCondLst>
+                              <p:cond delay="0"/>
+                            </p:stCondLst>
+                            <p:childTnLst>
+                              <p:par>
+                                <p:cTn id="50" presetID="22" presetClass="entr" presetSubtype="8" fill="hold" grpId="0" nodeType="clickEffect">
+                                  <p:stCondLst>
+                                    <p:cond delay="0"/>
+                                  </p:stCondLst>
+                                  <p:childTnLst>
+                                    <p:set>
+                                      <p:cBhvr>
+                                        <p:cTn id="51" dur="1" fill="hold">
+                                          <p:stCondLst>
+                                            <p:cond delay="0"/>
+                                          </p:stCondLst>
+                                        </p:cTn>
+                                        <p:tgtEl>
+                                          <p:spTgt spid="12">
+                                            <p:txEl>
+                                              <p:pRg st="8" end="8"/>
+                                            </p:txEl>
+                                          </p:spTgt>
+                                        </p:tgtEl>
+                                        <p:attrNameLst>
+                                          <p:attrName>style.visibility</p:attrName>
+                                        </p:attrNameLst>
+                                      </p:cBhvr>
+                                      <p:to>
+                                        <p:strVal val="visible"/>
+                                      </p:to>
+                                    </p:set>
+                                    <p:animEffect transition="in" filter="wipe(left)">
+                                      <p:cBhvr>
+                                        <p:cTn id="52" dur="500"/>
+                                        <p:tgtEl>
+                                          <p:spTgt spid="12">
+                                            <p:txEl>
+                                              <p:pRg st="8" end="8"/>
+                                            </p:txEl>
+                                          </p:spTgt>
+                                        </p:tgtEl>
+                                      </p:cBhvr>
+                                    </p:animEffect>
+                                  </p:childTnLst>
+                                </p:cTn>
+                              </p:par>
+                            </p:childTnLst>
+                          </p:cTn>
+                        </p:par>
+                      </p:childTnLst>
+                    </p:cTn>
+                  </p:par>
+                  <p:par>
+                    <p:cTn id="53" fill="hold">
+                      <p:stCondLst>
+                        <p:cond delay="indefinite"/>
+                      </p:stCondLst>
+                      <p:childTnLst>
+                        <p:par>
+                          <p:cTn id="54" fill="hold">
+                            <p:stCondLst>
+                              <p:cond delay="0"/>
+                            </p:stCondLst>
+                            <p:childTnLst>
+                              <p:par>
+                                <p:cTn id="55" presetID="22" presetClass="entr" presetSubtype="8" fill="hold" grpId="0" nodeType="clickEffect">
+                                  <p:stCondLst>
+                                    <p:cond delay="0"/>
+                                  </p:stCondLst>
+                                  <p:childTnLst>
+                                    <p:set>
+                                      <p:cBhvr>
+                                        <p:cTn id="56" dur="1" fill="hold">
+                                          <p:stCondLst>
+                                            <p:cond delay="0"/>
+                                          </p:stCondLst>
+                                        </p:cTn>
+                                        <p:tgtEl>
+                                          <p:spTgt spid="12">
+                                            <p:txEl>
+                                              <p:pRg st="9" end="9"/>
+                                            </p:txEl>
+                                          </p:spTgt>
+                                        </p:tgtEl>
+                                        <p:attrNameLst>
+                                          <p:attrName>style.visibility</p:attrName>
+                                        </p:attrNameLst>
+                                      </p:cBhvr>
+                                      <p:to>
+                                        <p:strVal val="visible"/>
+                                      </p:to>
+                                    </p:set>
+                                    <p:animEffect transition="in" filter="wipe(left)">
+                                      <p:cBhvr>
+                                        <p:cTn id="57" dur="500"/>
+                                        <p:tgtEl>
+                                          <p:spTgt spid="12">
+                                            <p:txEl>
+                                              <p:pRg st="9" end="9"/>
+                                            </p:txEl>
+                                          </p:spTgt>
+                                        </p:tgtEl>
+                                      </p:cBhvr>
+                                    </p:animEffect>
+                                  </p:childTnLst>
+                                </p:cTn>
+                              </p:par>
+                            </p:childTnLst>
+                          </p:cTn>
+                        </p:par>
+                      </p:childTnLst>
+                    </p:cTn>
+                  </p:par>
+                  <p:par>
+                    <p:cTn id="58" fill="hold">
+                      <p:stCondLst>
+                        <p:cond delay="indefinite"/>
+                      </p:stCondLst>
+                      <p:childTnLst>
+                        <p:par>
+                          <p:cTn id="59" fill="hold">
+                            <p:stCondLst>
+                              <p:cond delay="0"/>
+                            </p:stCondLst>
+                            <p:childTnLst>
+                              <p:par>
+                                <p:cTn id="60" presetID="22" presetClass="entr" presetSubtype="8" fill="hold" grpId="0" nodeType="clickEffect">
+                                  <p:stCondLst>
+                                    <p:cond delay="0"/>
+                                  </p:stCondLst>
+                                  <p:childTnLst>
+                                    <p:set>
+                                      <p:cBhvr>
+                                        <p:cTn id="61" dur="1" fill="hold">
+                                          <p:stCondLst>
+                                            <p:cond delay="0"/>
+                                          </p:stCondLst>
+                                        </p:cTn>
+                                        <p:tgtEl>
+                                          <p:spTgt spid="12">
+                                            <p:txEl>
+                                              <p:pRg st="10" end="10"/>
+                                            </p:txEl>
+                                          </p:spTgt>
+                                        </p:tgtEl>
+                                        <p:attrNameLst>
+                                          <p:attrName>style.visibility</p:attrName>
+                                        </p:attrNameLst>
+                                      </p:cBhvr>
+                                      <p:to>
+                                        <p:strVal val="visible"/>
+                                      </p:to>
+                                    </p:set>
+                                    <p:animEffect transition="in" filter="wipe(left)">
+                                      <p:cBhvr>
+                                        <p:cTn id="62" dur="500"/>
+                                        <p:tgtEl>
+                                          <p:spTgt spid="12">
+                                            <p:txEl>
+                                              <p:pRg st="10" end="10"/>
+                                            </p:txEl>
+                                          </p:spTgt>
+                                        </p:tgtEl>
+                                      </p:cBhvr>
+                                    </p:animEffect>
+                                  </p:childTnLst>
+                                </p:cTn>
+                              </p:par>
+                            </p:childTnLst>
+                          </p:cTn>
+                        </p:par>
+                      </p:childTnLst>
+                    </p:cTn>
+                  </p:par>
                 </p:childTnLst>
               </p:cTn>
               <p:prevCondLst>
@@ -8171,7 +8608,7 @@
       </p:par>
     </p:tnLst>
     <p:bldLst>
-      <p:bldP spid="12" grpId="0" uiExpand="1" build="p" animBg="1"/>
+      <p:bldP spid="12" grpId="0" build="p" animBg="1"/>
     </p:bldLst>
   </p:timing>
 </p:sld>
@@ -8194,6 +8631,36 @@
           <a:chExt cx="0" cy="0"/>
         </a:xfrm>
       </p:grpSpPr>
+      <p:pic>
+        <p:nvPicPr>
+          <p:cNvPr id="9" name="Content Placeholder 9">
+            <a:extLst>
+              <a:ext uri="{FF2B5EF4-FFF2-40B4-BE49-F238E27FC236}">
+                <a16:creationId xmlns:a16="http://schemas.microsoft.com/office/drawing/2014/main" id="{0845FA0C-6194-D34F-9C7A-8BAF4EBEEF38}"/>
+              </a:ext>
+            </a:extLst>
+          </p:cNvPr>
+          <p:cNvPicPr>
+            <a:picLocks noChangeAspect="1"/>
+          </p:cNvPicPr>
+          <p:nvPr/>
+        </p:nvPicPr>
+        <p:blipFill>
+          <a:blip r:embed="rId2"/>
+          <a:stretch>
+            <a:fillRect/>
+          </a:stretch>
+        </p:blipFill>
+        <p:spPr>
+          <a:xfrm>
+            <a:off x="7636975" y="4356442"/>
+            <a:ext cx="3199653" cy="2213459"/>
+          </a:xfrm>
+          <a:prstGeom prst="rect">
+            <a:avLst/>
+          </a:prstGeom>
+        </p:spPr>
+      </p:pic>
       <p:sp>
         <p:nvSpPr>
           <p:cNvPr id="2" name="Title 1">
@@ -8222,7 +8689,7 @@
           <a:p>
             <a:r>
               <a:rPr lang="en-US" dirty="0"/>
-              <a:t>Decorators’ Form</a:t>
+              <a:t>Decorators ⊂ Closures</a:t>
             </a:r>
           </a:p>
         </p:txBody>
@@ -8517,7 +8984,7 @@
                 <a:ea typeface="Menlo" panose="020B0609030804020204" pitchFamily="49" charset="0"/>
                 <a:cs typeface="Menlo" panose="020B0609030804020204" pitchFamily="49" charset="0"/>
               </a:rPr>
-              <a:t>    def wrapper(</a:t>
+              <a:t>    def wrapper(*</a:t>
             </a:r>
             <a:r>
               <a:rPr lang="en-US" dirty="0" err="1">
@@ -8528,7 +8995,29 @@
                 <a:ea typeface="Menlo" panose="020B0609030804020204" pitchFamily="49" charset="0"/>
                 <a:cs typeface="Menlo" panose="020B0609030804020204" pitchFamily="49" charset="0"/>
               </a:rPr>
-              <a:t>params</a:t>
+              <a:t>args</a:t>
+            </a:r>
+            <a:r>
+              <a:rPr lang="en-US" dirty="0">
+                <a:solidFill>
+                  <a:schemeClr val="accent6"/>
+                </a:solidFill>
+                <a:latin typeface="Menlo" panose="020B0609030804020204" pitchFamily="49" charset="0"/>
+                <a:ea typeface="Menlo" panose="020B0609030804020204" pitchFamily="49" charset="0"/>
+                <a:cs typeface="Menlo" panose="020B0609030804020204" pitchFamily="49" charset="0"/>
+              </a:rPr>
+              <a:t>, **</a:t>
+            </a:r>
+            <a:r>
+              <a:rPr lang="en-US" dirty="0" err="1">
+                <a:solidFill>
+                  <a:schemeClr val="accent6"/>
+                </a:solidFill>
+                <a:latin typeface="Menlo" panose="020B0609030804020204" pitchFamily="49" charset="0"/>
+                <a:ea typeface="Menlo" panose="020B0609030804020204" pitchFamily="49" charset="0"/>
+                <a:cs typeface="Menlo" panose="020B0609030804020204" pitchFamily="49" charset="0"/>
+              </a:rPr>
+              <a:t>kwargs</a:t>
             </a:r>
             <a:r>
               <a:rPr lang="en-US" dirty="0">
@@ -8675,200 +9164,6 @@
               <a:ea typeface="Menlo" panose="020B0609030804020204" pitchFamily="49" charset="0"/>
               <a:cs typeface="Menlo" panose="020B0609030804020204" pitchFamily="49" charset="0"/>
             </a:endParaRPr>
-          </a:p>
-        </p:txBody>
-      </p:sp>
-      <p:sp>
-        <p:nvSpPr>
-          <p:cNvPr id="6" name="Content Placeholder 2">
-            <a:extLst>
-              <a:ext uri="{FF2B5EF4-FFF2-40B4-BE49-F238E27FC236}">
-                <a16:creationId xmlns:a16="http://schemas.microsoft.com/office/drawing/2014/main" id="{812B4DBA-FF55-8A4B-9FBA-027A729C8658}"/>
-              </a:ext>
-            </a:extLst>
-          </p:cNvPr>
-          <p:cNvSpPr>
-            <a:spLocks noGrp="1"/>
-          </p:cNvSpPr>
-          <p:nvPr>
-            <p:ph idx="1"/>
-          </p:nvPr>
-        </p:nvSpPr>
-        <p:spPr>
-          <a:xfrm>
-            <a:off x="6713996" y="1377070"/>
-            <a:ext cx="5045613" cy="3929605"/>
-          </a:xfrm>
-        </p:spPr>
-        <p:txBody>
-          <a:bodyPr>
-            <a:normAutofit/>
-          </a:bodyPr>
-          <a:lstStyle/>
-          <a:p>
-            <a:r>
-              <a:rPr lang="en-US" dirty="0"/>
-              <a:t>What about those parameters?</a:t>
-            </a:r>
-          </a:p>
-          <a:p>
-            <a:r>
-              <a:rPr lang="en-US" dirty="0">
-                <a:latin typeface="Menlo" panose="020B0609030804020204" pitchFamily="49" charset="0"/>
-                <a:ea typeface="Menlo" panose="020B0609030804020204" pitchFamily="49" charset="0"/>
-                <a:cs typeface="Menlo" panose="020B0609030804020204" pitchFamily="49" charset="0"/>
-              </a:rPr>
-              <a:t>Wrapper</a:t>
-            </a:r>
-            <a:r>
-              <a:rPr lang="en-US" dirty="0"/>
-              <a:t>’s signature should match </a:t>
-            </a:r>
-            <a:r>
-              <a:rPr lang="en-US" dirty="0" err="1">
-                <a:latin typeface="Menlo" panose="020B0609030804020204" pitchFamily="49" charset="0"/>
-                <a:ea typeface="Menlo" panose="020B0609030804020204" pitchFamily="49" charset="0"/>
-                <a:cs typeface="Menlo" panose="020B0609030804020204" pitchFamily="49" charset="0"/>
-              </a:rPr>
-              <a:t>func</a:t>
-            </a:r>
-            <a:r>
-              <a:rPr lang="en-US" dirty="0" err="1"/>
-              <a:t>’s</a:t>
-            </a:r>
-            <a:endParaRPr lang="en-US" dirty="0"/>
-          </a:p>
-          <a:p>
-            <a:pPr lvl="1"/>
-            <a:r>
-              <a:rPr lang="en-US" dirty="0"/>
-              <a:t>How can we know what </a:t>
-            </a:r>
-            <a:r>
-              <a:rPr lang="en-US" dirty="0" err="1">
-                <a:latin typeface="Menlo" panose="020B0609030804020204" pitchFamily="49" charset="0"/>
-                <a:ea typeface="Menlo" panose="020B0609030804020204" pitchFamily="49" charset="0"/>
-                <a:cs typeface="Menlo" panose="020B0609030804020204" pitchFamily="49" charset="0"/>
-              </a:rPr>
-              <a:t>func</a:t>
-            </a:r>
-            <a:r>
-              <a:rPr lang="en-US" dirty="0"/>
-              <a:t> expects?</a:t>
-            </a:r>
-          </a:p>
-          <a:p>
-            <a:pPr lvl="1"/>
-            <a:r>
-              <a:rPr lang="en-US" dirty="0"/>
-              <a:t>What if </a:t>
-            </a:r>
-            <a:r>
-              <a:rPr lang="en-US" dirty="0" err="1">
-                <a:latin typeface="Menlo" panose="020B0609030804020204" pitchFamily="49" charset="0"/>
-                <a:ea typeface="Menlo" panose="020B0609030804020204" pitchFamily="49" charset="0"/>
-                <a:cs typeface="Menlo" panose="020B0609030804020204" pitchFamily="49" charset="0"/>
-              </a:rPr>
-              <a:t>func</a:t>
-            </a:r>
-            <a:r>
-              <a:rPr lang="en-US" dirty="0"/>
-              <a:t> actually take in 2 arguments… or none.</a:t>
-            </a:r>
-          </a:p>
-          <a:p>
-            <a:r>
-              <a:rPr lang="en-US" dirty="0"/>
-              <a:t>We can use packing and unpacking to adapt to any parameter signature</a:t>
-            </a:r>
-          </a:p>
-        </p:txBody>
-      </p:sp>
-      <p:sp>
-        <p:nvSpPr>
-          <p:cNvPr id="7" name="TextBox 6">
-            <a:extLst>
-              <a:ext uri="{FF2B5EF4-FFF2-40B4-BE49-F238E27FC236}">
-                <a16:creationId xmlns:a16="http://schemas.microsoft.com/office/drawing/2014/main" id="{BEA2EDC0-3695-1E4B-8007-1D02C51B1656}"/>
-              </a:ext>
-            </a:extLst>
-          </p:cNvPr>
-          <p:cNvSpPr txBox="1"/>
-          <p:nvPr/>
-        </p:nvSpPr>
-        <p:spPr>
-          <a:xfrm>
-            <a:off x="3333042" y="2235717"/>
-            <a:ext cx="2839158" cy="400110"/>
-          </a:xfrm>
-          <a:prstGeom prst="rect">
-            <a:avLst/>
-          </a:prstGeom>
-          <a:solidFill>
-            <a:schemeClr val="bg1"/>
-          </a:solidFill>
-        </p:spPr>
-        <p:txBody>
-          <a:bodyPr wrap="square" lIns="0" rtlCol="0">
-            <a:spAutoFit/>
-          </a:bodyPr>
-          <a:lstStyle/>
-          <a:p>
-            <a:r>
-              <a:rPr lang="en-US" sz="2000" dirty="0">
-                <a:solidFill>
-                  <a:schemeClr val="accent6"/>
-                </a:solidFill>
-                <a:latin typeface="Menlo" panose="020B0609030804020204" pitchFamily="49" charset="0"/>
-                <a:ea typeface="Menlo" panose="020B0609030804020204" pitchFamily="49" charset="0"/>
-                <a:cs typeface="Menlo" panose="020B0609030804020204" pitchFamily="49" charset="0"/>
-              </a:rPr>
-              <a:t>(*</a:t>
-            </a:r>
-            <a:r>
-              <a:rPr lang="en-US" sz="2000" dirty="0" err="1">
-                <a:solidFill>
-                  <a:schemeClr val="accent6"/>
-                </a:solidFill>
-                <a:latin typeface="Menlo" panose="020B0609030804020204" pitchFamily="49" charset="0"/>
-                <a:ea typeface="Menlo" panose="020B0609030804020204" pitchFamily="49" charset="0"/>
-                <a:cs typeface="Menlo" panose="020B0609030804020204" pitchFamily="49" charset="0"/>
-              </a:rPr>
-              <a:t>args</a:t>
-            </a:r>
-            <a:r>
-              <a:rPr lang="en-US" sz="2000" dirty="0">
-                <a:solidFill>
-                  <a:schemeClr val="accent6"/>
-                </a:solidFill>
-                <a:latin typeface="Menlo" panose="020B0609030804020204" pitchFamily="49" charset="0"/>
-                <a:ea typeface="Menlo" panose="020B0609030804020204" pitchFamily="49" charset="0"/>
-                <a:cs typeface="Menlo" panose="020B0609030804020204" pitchFamily="49" charset="0"/>
-              </a:rPr>
-              <a:t>, **</a:t>
-            </a:r>
-            <a:r>
-              <a:rPr lang="en-US" sz="2000" dirty="0" err="1">
-                <a:solidFill>
-                  <a:schemeClr val="accent6"/>
-                </a:solidFill>
-                <a:latin typeface="Menlo" panose="020B0609030804020204" pitchFamily="49" charset="0"/>
-                <a:ea typeface="Menlo" panose="020B0609030804020204" pitchFamily="49" charset="0"/>
-                <a:cs typeface="Menlo" panose="020B0609030804020204" pitchFamily="49" charset="0"/>
-              </a:rPr>
-              <a:t>kwargs</a:t>
-            </a:r>
-            <a:r>
-              <a:rPr lang="en-US" sz="2000" dirty="0">
-                <a:solidFill>
-                  <a:schemeClr val="accent6"/>
-                </a:solidFill>
-                <a:latin typeface="Menlo" panose="020B0609030804020204" pitchFamily="49" charset="0"/>
-                <a:ea typeface="Menlo" panose="020B0609030804020204" pitchFamily="49" charset="0"/>
-                <a:cs typeface="Menlo" panose="020B0609030804020204" pitchFamily="49" charset="0"/>
-              </a:rPr>
-              <a:t>):</a:t>
-            </a:r>
           </a:p>
         </p:txBody>
       </p:sp>
@@ -8960,6 +9255,250 @@
           </a:p>
         </p:txBody>
       </p:sp>
+      <p:sp>
+        <p:nvSpPr>
+          <p:cNvPr id="10" name="TextBox 9">
+            <a:extLst>
+              <a:ext uri="{FF2B5EF4-FFF2-40B4-BE49-F238E27FC236}">
+                <a16:creationId xmlns:a16="http://schemas.microsoft.com/office/drawing/2014/main" id="{E20B00E9-657C-AC47-B7E9-9884B1ED22FA}"/>
+              </a:ext>
+            </a:extLst>
+          </p:cNvPr>
+          <p:cNvSpPr txBox="1"/>
+          <p:nvPr/>
+        </p:nvSpPr>
+        <p:spPr>
+          <a:xfrm>
+            <a:off x="7315200" y="1377070"/>
+            <a:ext cx="2192055" cy="369332"/>
+          </a:xfrm>
+          <a:prstGeom prst="rect">
+            <a:avLst/>
+          </a:prstGeom>
+          <a:noFill/>
+        </p:spPr>
+        <p:txBody>
+          <a:bodyPr wrap="square" rtlCol="0">
+            <a:spAutoFit/>
+          </a:bodyPr>
+          <a:lstStyle/>
+          <a:p>
+            <a:r>
+              <a:rPr lang="en-US" dirty="0"/>
+              <a:t>1) Take in a function</a:t>
+            </a:r>
+          </a:p>
+        </p:txBody>
+      </p:sp>
+      <p:sp>
+        <p:nvSpPr>
+          <p:cNvPr id="11" name="TextBox 10">
+            <a:extLst>
+              <a:ext uri="{FF2B5EF4-FFF2-40B4-BE49-F238E27FC236}">
+                <a16:creationId xmlns:a16="http://schemas.microsoft.com/office/drawing/2014/main" id="{6EB20AAC-6621-344A-A39D-91F340956778}"/>
+              </a:ext>
+            </a:extLst>
+          </p:cNvPr>
+          <p:cNvSpPr txBox="1"/>
+          <p:nvPr/>
+        </p:nvSpPr>
+        <p:spPr>
+          <a:xfrm>
+            <a:off x="7315200" y="1932160"/>
+            <a:ext cx="4308953" cy="646331"/>
+          </a:xfrm>
+          <a:prstGeom prst="rect">
+            <a:avLst/>
+          </a:prstGeom>
+          <a:noFill/>
+        </p:spPr>
+        <p:txBody>
+          <a:bodyPr wrap="square" rtlCol="0">
+            <a:spAutoFit/>
+          </a:bodyPr>
+          <a:lstStyle/>
+          <a:p>
+            <a:r>
+              <a:rPr lang="en-US" dirty="0"/>
+              <a:t>2) Wrap that function</a:t>
+            </a:r>
+          </a:p>
+          <a:p>
+            <a:r>
+              <a:rPr lang="en-US" dirty="0"/>
+              <a:t>wrapper should match </a:t>
+            </a:r>
+            <a:r>
+              <a:rPr lang="en-US" dirty="0" err="1"/>
+              <a:t>func’s</a:t>
+            </a:r>
+            <a:r>
+              <a:rPr lang="en-US" dirty="0"/>
+              <a:t> signature</a:t>
+            </a:r>
+          </a:p>
+        </p:txBody>
+      </p:sp>
+      <p:sp>
+        <p:nvSpPr>
+          <p:cNvPr id="12" name="TextBox 11">
+            <a:extLst>
+              <a:ext uri="{FF2B5EF4-FFF2-40B4-BE49-F238E27FC236}">
+                <a16:creationId xmlns:a16="http://schemas.microsoft.com/office/drawing/2014/main" id="{3AF8CEF4-4EA7-7846-9EE5-E11CDE7C5C50}"/>
+              </a:ext>
+            </a:extLst>
+          </p:cNvPr>
+          <p:cNvSpPr txBox="1"/>
+          <p:nvPr/>
+        </p:nvSpPr>
+        <p:spPr>
+          <a:xfrm>
+            <a:off x="7315199" y="3572452"/>
+            <a:ext cx="4308953" cy="369332"/>
+          </a:xfrm>
+          <a:prstGeom prst="rect">
+            <a:avLst/>
+          </a:prstGeom>
+          <a:noFill/>
+        </p:spPr>
+        <p:txBody>
+          <a:bodyPr wrap="square" rtlCol="0">
+            <a:spAutoFit/>
+          </a:bodyPr>
+          <a:lstStyle/>
+          <a:p>
+            <a:r>
+              <a:rPr lang="en-US" dirty="0"/>
+              <a:t>3) return the wrapper</a:t>
+            </a:r>
+          </a:p>
+        </p:txBody>
+      </p:sp>
+      <p:cxnSp>
+        <p:nvCxnSpPr>
+          <p:cNvPr id="14" name="Straight Arrow Connector 13">
+            <a:extLst>
+              <a:ext uri="{FF2B5EF4-FFF2-40B4-BE49-F238E27FC236}">
+                <a16:creationId xmlns:a16="http://schemas.microsoft.com/office/drawing/2014/main" id="{F1260143-9A2E-D14E-8260-16B92DB7367B}"/>
+              </a:ext>
+            </a:extLst>
+          </p:cNvPr>
+          <p:cNvCxnSpPr>
+            <a:stCxn id="10" idx="1"/>
+          </p:cNvCxnSpPr>
+          <p:nvPr/>
+        </p:nvCxnSpPr>
+        <p:spPr>
+          <a:xfrm flipH="1">
+            <a:off x="4246323" y="1561736"/>
+            <a:ext cx="3068877" cy="0"/>
+          </a:xfrm>
+          <a:prstGeom prst="straightConnector1">
+            <a:avLst/>
+          </a:prstGeom>
+          <a:ln w="47625">
+            <a:tailEnd type="triangle"/>
+          </a:ln>
+        </p:spPr>
+        <p:style>
+          <a:lnRef idx="1">
+            <a:schemeClr val="accent1"/>
+          </a:lnRef>
+          <a:fillRef idx="0">
+            <a:schemeClr val="accent1"/>
+          </a:fillRef>
+          <a:effectRef idx="0">
+            <a:schemeClr val="accent1"/>
+          </a:effectRef>
+          <a:fontRef idx="minor">
+            <a:schemeClr val="tx1"/>
+          </a:fontRef>
+        </p:style>
+      </p:cxnSp>
+      <p:cxnSp>
+        <p:nvCxnSpPr>
+          <p:cNvPr id="15" name="Straight Arrow Connector 14">
+            <a:extLst>
+              <a:ext uri="{FF2B5EF4-FFF2-40B4-BE49-F238E27FC236}">
+                <a16:creationId xmlns:a16="http://schemas.microsoft.com/office/drawing/2014/main" id="{64F8F559-C813-0548-B868-AB539A95C5AB}"/>
+              </a:ext>
+            </a:extLst>
+          </p:cNvPr>
+          <p:cNvCxnSpPr>
+            <a:cxnSpLocks/>
+            <a:stCxn id="11" idx="1"/>
+          </p:cNvCxnSpPr>
+          <p:nvPr/>
+        </p:nvCxnSpPr>
+        <p:spPr>
+          <a:xfrm flipH="1">
+            <a:off x="6172200" y="2255326"/>
+            <a:ext cx="1143000" cy="154827"/>
+          </a:xfrm>
+          <a:prstGeom prst="straightConnector1">
+            <a:avLst/>
+          </a:prstGeom>
+          <a:ln w="47625">
+            <a:tailEnd type="triangle"/>
+          </a:ln>
+        </p:spPr>
+        <p:style>
+          <a:lnRef idx="1">
+            <a:schemeClr val="accent1"/>
+          </a:lnRef>
+          <a:fillRef idx="0">
+            <a:schemeClr val="accent1"/>
+          </a:fillRef>
+          <a:effectRef idx="0">
+            <a:schemeClr val="accent1"/>
+          </a:effectRef>
+          <a:fontRef idx="minor">
+            <a:schemeClr val="tx1"/>
+          </a:fontRef>
+        </p:style>
+      </p:cxnSp>
+      <p:cxnSp>
+        <p:nvCxnSpPr>
+          <p:cNvPr id="20" name="Straight Arrow Connector 19">
+            <a:extLst>
+              <a:ext uri="{FF2B5EF4-FFF2-40B4-BE49-F238E27FC236}">
+                <a16:creationId xmlns:a16="http://schemas.microsoft.com/office/drawing/2014/main" id="{DAA3C9FC-1DAA-FC4E-9BFE-ABFAEB7504C5}"/>
+              </a:ext>
+            </a:extLst>
+          </p:cNvPr>
+          <p:cNvCxnSpPr>
+            <a:cxnSpLocks/>
+            <a:stCxn id="12" idx="1"/>
+          </p:cNvCxnSpPr>
+          <p:nvPr/>
+        </p:nvCxnSpPr>
+        <p:spPr>
+          <a:xfrm flipH="1">
+            <a:off x="4020855" y="3757118"/>
+            <a:ext cx="3294344" cy="388997"/>
+          </a:xfrm>
+          <a:prstGeom prst="straightConnector1">
+            <a:avLst/>
+          </a:prstGeom>
+          <a:ln w="47625">
+            <a:tailEnd type="triangle"/>
+          </a:ln>
+        </p:spPr>
+        <p:style>
+          <a:lnRef idx="1">
+            <a:schemeClr val="accent1"/>
+          </a:lnRef>
+          <a:fillRef idx="0">
+            <a:schemeClr val="accent1"/>
+          </a:fillRef>
+          <a:effectRef idx="0">
+            <a:schemeClr val="accent1"/>
+          </a:effectRef>
+          <a:fontRef idx="minor">
+            <a:schemeClr val="tx1"/>
+          </a:fontRef>
+        </p:style>
+      </p:cxnSp>
     </p:spTree>
     <p:extLst>
       <p:ext uri="{BB962C8B-B14F-4D97-AF65-F5344CB8AC3E}">
@@ -9035,6 +9574,697 @@
                       </p:childTnLst>
                     </p:cTn>
                   </p:par>
+                  <p:par>
+                    <p:cTn id="8" fill="hold">
+                      <p:stCondLst>
+                        <p:cond delay="indefinite"/>
+                      </p:stCondLst>
+                      <p:childTnLst>
+                        <p:par>
+                          <p:cTn id="9" fill="hold">
+                            <p:stCondLst>
+                              <p:cond delay="0"/>
+                            </p:stCondLst>
+                            <p:childTnLst>
+                              <p:par>
+                                <p:cTn id="10" presetID="22" presetClass="entr" presetSubtype="8" fill="hold" grpId="0" nodeType="clickEffect">
+                                  <p:stCondLst>
+                                    <p:cond delay="0"/>
+                                  </p:stCondLst>
+                                  <p:childTnLst>
+                                    <p:set>
+                                      <p:cBhvr>
+                                        <p:cTn id="11" dur="1" fill="hold">
+                                          <p:stCondLst>
+                                            <p:cond delay="0"/>
+                                          </p:stCondLst>
+                                        </p:cTn>
+                                        <p:tgtEl>
+                                          <p:spTgt spid="4">
+                                            <p:txEl>
+                                              <p:pRg st="0" end="0"/>
+                                            </p:txEl>
+                                          </p:spTgt>
+                                        </p:tgtEl>
+                                        <p:attrNameLst>
+                                          <p:attrName>style.visibility</p:attrName>
+                                        </p:attrNameLst>
+                                      </p:cBhvr>
+                                      <p:to>
+                                        <p:strVal val="visible"/>
+                                      </p:to>
+                                    </p:set>
+                                    <p:animEffect transition="in" filter="wipe(left)">
+                                      <p:cBhvr>
+                                        <p:cTn id="12" dur="500"/>
+                                        <p:tgtEl>
+                                          <p:spTgt spid="4">
+                                            <p:txEl>
+                                              <p:pRg st="0" end="0"/>
+                                            </p:txEl>
+                                          </p:spTgt>
+                                        </p:tgtEl>
+                                      </p:cBhvr>
+                                    </p:animEffect>
+                                  </p:childTnLst>
+                                </p:cTn>
+                              </p:par>
+                            </p:childTnLst>
+                          </p:cTn>
+                        </p:par>
+                      </p:childTnLst>
+                    </p:cTn>
+                  </p:par>
+                  <p:par>
+                    <p:cTn id="13" fill="hold">
+                      <p:stCondLst>
+                        <p:cond delay="indefinite"/>
+                      </p:stCondLst>
+                      <p:childTnLst>
+                        <p:par>
+                          <p:cTn id="14" fill="hold">
+                            <p:stCondLst>
+                              <p:cond delay="0"/>
+                            </p:stCondLst>
+                            <p:childTnLst>
+                              <p:par>
+                                <p:cTn id="15" presetID="22" presetClass="entr" presetSubtype="2" fill="hold" grpId="0" nodeType="clickEffect">
+                                  <p:stCondLst>
+                                    <p:cond delay="0"/>
+                                  </p:stCondLst>
+                                  <p:childTnLst>
+                                    <p:set>
+                                      <p:cBhvr>
+                                        <p:cTn id="16" dur="1" fill="hold">
+                                          <p:stCondLst>
+                                            <p:cond delay="0"/>
+                                          </p:stCondLst>
+                                        </p:cTn>
+                                        <p:tgtEl>
+                                          <p:spTgt spid="10"/>
+                                        </p:tgtEl>
+                                        <p:attrNameLst>
+                                          <p:attrName>style.visibility</p:attrName>
+                                        </p:attrNameLst>
+                                      </p:cBhvr>
+                                      <p:to>
+                                        <p:strVal val="visible"/>
+                                      </p:to>
+                                    </p:set>
+                                    <p:animEffect transition="in" filter="wipe(right)">
+                                      <p:cBhvr>
+                                        <p:cTn id="17" dur="500"/>
+                                        <p:tgtEl>
+                                          <p:spTgt spid="10"/>
+                                        </p:tgtEl>
+                                      </p:cBhvr>
+                                    </p:animEffect>
+                                  </p:childTnLst>
+                                </p:cTn>
+                              </p:par>
+                              <p:par>
+                                <p:cTn id="18" presetID="22" presetClass="entr" presetSubtype="2" fill="hold" nodeType="withEffect">
+                                  <p:stCondLst>
+                                    <p:cond delay="0"/>
+                                  </p:stCondLst>
+                                  <p:childTnLst>
+                                    <p:set>
+                                      <p:cBhvr>
+                                        <p:cTn id="19" dur="1" fill="hold">
+                                          <p:stCondLst>
+                                            <p:cond delay="0"/>
+                                          </p:stCondLst>
+                                        </p:cTn>
+                                        <p:tgtEl>
+                                          <p:spTgt spid="14"/>
+                                        </p:tgtEl>
+                                        <p:attrNameLst>
+                                          <p:attrName>style.visibility</p:attrName>
+                                        </p:attrNameLst>
+                                      </p:cBhvr>
+                                      <p:to>
+                                        <p:strVal val="visible"/>
+                                      </p:to>
+                                    </p:set>
+                                    <p:animEffect transition="in" filter="wipe(right)">
+                                      <p:cBhvr>
+                                        <p:cTn id="20" dur="500"/>
+                                        <p:tgtEl>
+                                          <p:spTgt spid="14"/>
+                                        </p:tgtEl>
+                                      </p:cBhvr>
+                                    </p:animEffect>
+                                  </p:childTnLst>
+                                </p:cTn>
+                              </p:par>
+                            </p:childTnLst>
+                          </p:cTn>
+                        </p:par>
+                      </p:childTnLst>
+                    </p:cTn>
+                  </p:par>
+                  <p:par>
+                    <p:cTn id="21" fill="hold">
+                      <p:stCondLst>
+                        <p:cond delay="indefinite"/>
+                      </p:stCondLst>
+                      <p:childTnLst>
+                        <p:par>
+                          <p:cTn id="22" fill="hold">
+                            <p:stCondLst>
+                              <p:cond delay="0"/>
+                            </p:stCondLst>
+                            <p:childTnLst>
+                              <p:par>
+                                <p:cTn id="23" presetID="22" presetClass="entr" presetSubtype="8" fill="hold" grpId="0" nodeType="clickEffect">
+                                  <p:stCondLst>
+                                    <p:cond delay="0"/>
+                                  </p:stCondLst>
+                                  <p:childTnLst>
+                                    <p:set>
+                                      <p:cBhvr>
+                                        <p:cTn id="24" dur="1" fill="hold">
+                                          <p:stCondLst>
+                                            <p:cond delay="0"/>
+                                          </p:stCondLst>
+                                        </p:cTn>
+                                        <p:tgtEl>
+                                          <p:spTgt spid="4">
+                                            <p:txEl>
+                                              <p:pRg st="1" end="1"/>
+                                            </p:txEl>
+                                          </p:spTgt>
+                                        </p:tgtEl>
+                                        <p:attrNameLst>
+                                          <p:attrName>style.visibility</p:attrName>
+                                        </p:attrNameLst>
+                                      </p:cBhvr>
+                                      <p:to>
+                                        <p:strVal val="visible"/>
+                                      </p:to>
+                                    </p:set>
+                                    <p:animEffect transition="in" filter="wipe(left)">
+                                      <p:cBhvr>
+                                        <p:cTn id="25" dur="500"/>
+                                        <p:tgtEl>
+                                          <p:spTgt spid="4">
+                                            <p:txEl>
+                                              <p:pRg st="1" end="1"/>
+                                            </p:txEl>
+                                          </p:spTgt>
+                                        </p:tgtEl>
+                                      </p:cBhvr>
+                                    </p:animEffect>
+                                  </p:childTnLst>
+                                </p:cTn>
+                              </p:par>
+                            </p:childTnLst>
+                          </p:cTn>
+                        </p:par>
+                      </p:childTnLst>
+                    </p:cTn>
+                  </p:par>
+                  <p:par>
+                    <p:cTn id="26" fill="hold">
+                      <p:stCondLst>
+                        <p:cond delay="indefinite"/>
+                      </p:stCondLst>
+                      <p:childTnLst>
+                        <p:par>
+                          <p:cTn id="27" fill="hold">
+                            <p:stCondLst>
+                              <p:cond delay="0"/>
+                            </p:stCondLst>
+                            <p:childTnLst>
+                              <p:par>
+                                <p:cTn id="28" presetID="22" presetClass="entr" presetSubtype="8" fill="hold" grpId="0" nodeType="clickEffect">
+                                  <p:stCondLst>
+                                    <p:cond delay="0"/>
+                                  </p:stCondLst>
+                                  <p:childTnLst>
+                                    <p:set>
+                                      <p:cBhvr>
+                                        <p:cTn id="29" dur="1" fill="hold">
+                                          <p:stCondLst>
+                                            <p:cond delay="0"/>
+                                          </p:stCondLst>
+                                        </p:cTn>
+                                        <p:tgtEl>
+                                          <p:spTgt spid="4">
+                                            <p:txEl>
+                                              <p:pRg st="2" end="2"/>
+                                            </p:txEl>
+                                          </p:spTgt>
+                                        </p:tgtEl>
+                                        <p:attrNameLst>
+                                          <p:attrName>style.visibility</p:attrName>
+                                        </p:attrNameLst>
+                                      </p:cBhvr>
+                                      <p:to>
+                                        <p:strVal val="visible"/>
+                                      </p:to>
+                                    </p:set>
+                                    <p:animEffect transition="in" filter="wipe(left)">
+                                      <p:cBhvr>
+                                        <p:cTn id="30" dur="500"/>
+                                        <p:tgtEl>
+                                          <p:spTgt spid="4">
+                                            <p:txEl>
+                                              <p:pRg st="2" end="2"/>
+                                            </p:txEl>
+                                          </p:spTgt>
+                                        </p:tgtEl>
+                                      </p:cBhvr>
+                                    </p:animEffect>
+                                  </p:childTnLst>
+                                </p:cTn>
+                              </p:par>
+                            </p:childTnLst>
+                          </p:cTn>
+                        </p:par>
+                      </p:childTnLst>
+                    </p:cTn>
+                  </p:par>
+                  <p:par>
+                    <p:cTn id="31" fill="hold">
+                      <p:stCondLst>
+                        <p:cond delay="indefinite"/>
+                      </p:stCondLst>
+                      <p:childTnLst>
+                        <p:par>
+                          <p:cTn id="32" fill="hold">
+                            <p:stCondLst>
+                              <p:cond delay="0"/>
+                            </p:stCondLst>
+                            <p:childTnLst>
+                              <p:par>
+                                <p:cTn id="33" presetID="22" presetClass="entr" presetSubtype="2" fill="hold" nodeType="clickEffect">
+                                  <p:stCondLst>
+                                    <p:cond delay="0"/>
+                                  </p:stCondLst>
+                                  <p:childTnLst>
+                                    <p:set>
+                                      <p:cBhvr>
+                                        <p:cTn id="34" dur="1" fill="hold">
+                                          <p:stCondLst>
+                                            <p:cond delay="0"/>
+                                          </p:stCondLst>
+                                        </p:cTn>
+                                        <p:tgtEl>
+                                          <p:spTgt spid="15"/>
+                                        </p:tgtEl>
+                                        <p:attrNameLst>
+                                          <p:attrName>style.visibility</p:attrName>
+                                        </p:attrNameLst>
+                                      </p:cBhvr>
+                                      <p:to>
+                                        <p:strVal val="visible"/>
+                                      </p:to>
+                                    </p:set>
+                                    <p:animEffect transition="in" filter="wipe(right)">
+                                      <p:cBhvr>
+                                        <p:cTn id="35" dur="500"/>
+                                        <p:tgtEl>
+                                          <p:spTgt spid="15"/>
+                                        </p:tgtEl>
+                                      </p:cBhvr>
+                                    </p:animEffect>
+                                  </p:childTnLst>
+                                </p:cTn>
+                              </p:par>
+                              <p:par>
+                                <p:cTn id="36" presetID="22" presetClass="entr" presetSubtype="2" fill="hold" grpId="0" nodeType="withEffect">
+                                  <p:stCondLst>
+                                    <p:cond delay="0"/>
+                                  </p:stCondLst>
+                                  <p:childTnLst>
+                                    <p:set>
+                                      <p:cBhvr>
+                                        <p:cTn id="37" dur="1" fill="hold">
+                                          <p:stCondLst>
+                                            <p:cond delay="0"/>
+                                          </p:stCondLst>
+                                        </p:cTn>
+                                        <p:tgtEl>
+                                          <p:spTgt spid="11"/>
+                                        </p:tgtEl>
+                                        <p:attrNameLst>
+                                          <p:attrName>style.visibility</p:attrName>
+                                        </p:attrNameLst>
+                                      </p:cBhvr>
+                                      <p:to>
+                                        <p:strVal val="visible"/>
+                                      </p:to>
+                                    </p:set>
+                                    <p:animEffect transition="in" filter="wipe(right)">
+                                      <p:cBhvr>
+                                        <p:cTn id="38" dur="500"/>
+                                        <p:tgtEl>
+                                          <p:spTgt spid="11"/>
+                                        </p:tgtEl>
+                                      </p:cBhvr>
+                                    </p:animEffect>
+                                  </p:childTnLst>
+                                </p:cTn>
+                              </p:par>
+                            </p:childTnLst>
+                          </p:cTn>
+                        </p:par>
+                      </p:childTnLst>
+                    </p:cTn>
+                  </p:par>
+                  <p:par>
+                    <p:cTn id="39" fill="hold">
+                      <p:stCondLst>
+                        <p:cond delay="indefinite"/>
+                      </p:stCondLst>
+                      <p:childTnLst>
+                        <p:par>
+                          <p:cTn id="40" fill="hold">
+                            <p:stCondLst>
+                              <p:cond delay="0"/>
+                            </p:stCondLst>
+                            <p:childTnLst>
+                              <p:par>
+                                <p:cTn id="41" presetID="22" presetClass="entr" presetSubtype="8" fill="hold" grpId="0" nodeType="clickEffect">
+                                  <p:stCondLst>
+                                    <p:cond delay="0"/>
+                                  </p:stCondLst>
+                                  <p:childTnLst>
+                                    <p:set>
+                                      <p:cBhvr>
+                                        <p:cTn id="42" dur="1" fill="hold">
+                                          <p:stCondLst>
+                                            <p:cond delay="0"/>
+                                          </p:stCondLst>
+                                        </p:cTn>
+                                        <p:tgtEl>
+                                          <p:spTgt spid="4">
+                                            <p:txEl>
+                                              <p:pRg st="3" end="3"/>
+                                            </p:txEl>
+                                          </p:spTgt>
+                                        </p:tgtEl>
+                                        <p:attrNameLst>
+                                          <p:attrName>style.visibility</p:attrName>
+                                        </p:attrNameLst>
+                                      </p:cBhvr>
+                                      <p:to>
+                                        <p:strVal val="visible"/>
+                                      </p:to>
+                                    </p:set>
+                                    <p:animEffect transition="in" filter="wipe(left)">
+                                      <p:cBhvr>
+                                        <p:cTn id="43" dur="500"/>
+                                        <p:tgtEl>
+                                          <p:spTgt spid="4">
+                                            <p:txEl>
+                                              <p:pRg st="3" end="3"/>
+                                            </p:txEl>
+                                          </p:spTgt>
+                                        </p:tgtEl>
+                                      </p:cBhvr>
+                                    </p:animEffect>
+                                  </p:childTnLst>
+                                </p:cTn>
+                              </p:par>
+                            </p:childTnLst>
+                          </p:cTn>
+                        </p:par>
+                      </p:childTnLst>
+                    </p:cTn>
+                  </p:par>
+                  <p:par>
+                    <p:cTn id="44" fill="hold">
+                      <p:stCondLst>
+                        <p:cond delay="indefinite"/>
+                      </p:stCondLst>
+                      <p:childTnLst>
+                        <p:par>
+                          <p:cTn id="45" fill="hold">
+                            <p:stCondLst>
+                              <p:cond delay="0"/>
+                            </p:stCondLst>
+                            <p:childTnLst>
+                              <p:par>
+                                <p:cTn id="46" presetID="22" presetClass="entr" presetSubtype="8" fill="hold" grpId="0" nodeType="clickEffect">
+                                  <p:stCondLst>
+                                    <p:cond delay="0"/>
+                                  </p:stCondLst>
+                                  <p:childTnLst>
+                                    <p:set>
+                                      <p:cBhvr>
+                                        <p:cTn id="47" dur="1" fill="hold">
+                                          <p:stCondLst>
+                                            <p:cond delay="0"/>
+                                          </p:stCondLst>
+                                        </p:cTn>
+                                        <p:tgtEl>
+                                          <p:spTgt spid="4">
+                                            <p:txEl>
+                                              <p:pRg st="4" end="4"/>
+                                            </p:txEl>
+                                          </p:spTgt>
+                                        </p:tgtEl>
+                                        <p:attrNameLst>
+                                          <p:attrName>style.visibility</p:attrName>
+                                        </p:attrNameLst>
+                                      </p:cBhvr>
+                                      <p:to>
+                                        <p:strVal val="visible"/>
+                                      </p:to>
+                                    </p:set>
+                                    <p:animEffect transition="in" filter="wipe(left)">
+                                      <p:cBhvr>
+                                        <p:cTn id="48" dur="500"/>
+                                        <p:tgtEl>
+                                          <p:spTgt spid="4">
+                                            <p:txEl>
+                                              <p:pRg st="4" end="4"/>
+                                            </p:txEl>
+                                          </p:spTgt>
+                                        </p:tgtEl>
+                                      </p:cBhvr>
+                                    </p:animEffect>
+                                  </p:childTnLst>
+                                </p:cTn>
+                              </p:par>
+                            </p:childTnLst>
+                          </p:cTn>
+                        </p:par>
+                      </p:childTnLst>
+                    </p:cTn>
+                  </p:par>
+                  <p:par>
+                    <p:cTn id="49" fill="hold">
+                      <p:stCondLst>
+                        <p:cond delay="indefinite"/>
+                      </p:stCondLst>
+                      <p:childTnLst>
+                        <p:par>
+                          <p:cTn id="50" fill="hold">
+                            <p:stCondLst>
+                              <p:cond delay="0"/>
+                            </p:stCondLst>
+                            <p:childTnLst>
+                              <p:par>
+                                <p:cTn id="51" presetID="22" presetClass="entr" presetSubtype="8" fill="hold" grpId="0" nodeType="clickEffect">
+                                  <p:stCondLst>
+                                    <p:cond delay="0"/>
+                                  </p:stCondLst>
+                                  <p:childTnLst>
+                                    <p:set>
+                                      <p:cBhvr>
+                                        <p:cTn id="52" dur="1" fill="hold">
+                                          <p:stCondLst>
+                                            <p:cond delay="0"/>
+                                          </p:stCondLst>
+                                        </p:cTn>
+                                        <p:tgtEl>
+                                          <p:spTgt spid="4">
+                                            <p:txEl>
+                                              <p:pRg st="5" end="5"/>
+                                            </p:txEl>
+                                          </p:spTgt>
+                                        </p:tgtEl>
+                                        <p:attrNameLst>
+                                          <p:attrName>style.visibility</p:attrName>
+                                        </p:attrNameLst>
+                                      </p:cBhvr>
+                                      <p:to>
+                                        <p:strVal val="visible"/>
+                                      </p:to>
+                                    </p:set>
+                                    <p:animEffect transition="in" filter="wipe(left)">
+                                      <p:cBhvr>
+                                        <p:cTn id="53" dur="500"/>
+                                        <p:tgtEl>
+                                          <p:spTgt spid="4">
+                                            <p:txEl>
+                                              <p:pRg st="5" end="5"/>
+                                            </p:txEl>
+                                          </p:spTgt>
+                                        </p:tgtEl>
+                                      </p:cBhvr>
+                                    </p:animEffect>
+                                  </p:childTnLst>
+                                </p:cTn>
+                              </p:par>
+                            </p:childTnLst>
+                          </p:cTn>
+                        </p:par>
+                      </p:childTnLst>
+                    </p:cTn>
+                  </p:par>
+                  <p:par>
+                    <p:cTn id="54" fill="hold">
+                      <p:stCondLst>
+                        <p:cond delay="indefinite"/>
+                      </p:stCondLst>
+                      <p:childTnLst>
+                        <p:par>
+                          <p:cTn id="55" fill="hold">
+                            <p:stCondLst>
+                              <p:cond delay="0"/>
+                            </p:stCondLst>
+                            <p:childTnLst>
+                              <p:par>
+                                <p:cTn id="56" presetID="22" presetClass="entr" presetSubtype="8" fill="hold" grpId="0" nodeType="clickEffect">
+                                  <p:stCondLst>
+                                    <p:cond delay="0"/>
+                                  </p:stCondLst>
+                                  <p:childTnLst>
+                                    <p:set>
+                                      <p:cBhvr>
+                                        <p:cTn id="57" dur="1" fill="hold">
+                                          <p:stCondLst>
+                                            <p:cond delay="0"/>
+                                          </p:stCondLst>
+                                        </p:cTn>
+                                        <p:tgtEl>
+                                          <p:spTgt spid="4">
+                                            <p:txEl>
+                                              <p:pRg st="6" end="6"/>
+                                            </p:txEl>
+                                          </p:spTgt>
+                                        </p:tgtEl>
+                                        <p:attrNameLst>
+                                          <p:attrName>style.visibility</p:attrName>
+                                        </p:attrNameLst>
+                                      </p:cBhvr>
+                                      <p:to>
+                                        <p:strVal val="visible"/>
+                                      </p:to>
+                                    </p:set>
+                                    <p:animEffect transition="in" filter="wipe(left)">
+                                      <p:cBhvr>
+                                        <p:cTn id="58" dur="500"/>
+                                        <p:tgtEl>
+                                          <p:spTgt spid="4">
+                                            <p:txEl>
+                                              <p:pRg st="6" end="6"/>
+                                            </p:txEl>
+                                          </p:spTgt>
+                                        </p:tgtEl>
+                                      </p:cBhvr>
+                                    </p:animEffect>
+                                  </p:childTnLst>
+                                </p:cTn>
+                              </p:par>
+                            </p:childTnLst>
+                          </p:cTn>
+                        </p:par>
+                      </p:childTnLst>
+                    </p:cTn>
+                  </p:par>
+                  <p:par>
+                    <p:cTn id="59" fill="hold">
+                      <p:stCondLst>
+                        <p:cond delay="indefinite"/>
+                      </p:stCondLst>
+                      <p:childTnLst>
+                        <p:par>
+                          <p:cTn id="60" fill="hold">
+                            <p:stCondLst>
+                              <p:cond delay="0"/>
+                            </p:stCondLst>
+                            <p:childTnLst>
+                              <p:par>
+                                <p:cTn id="61" presetID="22" presetClass="entr" presetSubtype="2" fill="hold" nodeType="clickEffect">
+                                  <p:stCondLst>
+                                    <p:cond delay="0"/>
+                                  </p:stCondLst>
+                                  <p:childTnLst>
+                                    <p:set>
+                                      <p:cBhvr>
+                                        <p:cTn id="62" dur="1" fill="hold">
+                                          <p:stCondLst>
+                                            <p:cond delay="0"/>
+                                          </p:stCondLst>
+                                        </p:cTn>
+                                        <p:tgtEl>
+                                          <p:spTgt spid="20"/>
+                                        </p:tgtEl>
+                                        <p:attrNameLst>
+                                          <p:attrName>style.visibility</p:attrName>
+                                        </p:attrNameLst>
+                                      </p:cBhvr>
+                                      <p:to>
+                                        <p:strVal val="visible"/>
+                                      </p:to>
+                                    </p:set>
+                                    <p:animEffect transition="in" filter="wipe(right)">
+                                      <p:cBhvr>
+                                        <p:cTn id="63" dur="500"/>
+                                        <p:tgtEl>
+                                          <p:spTgt spid="20"/>
+                                        </p:tgtEl>
+                                      </p:cBhvr>
+                                    </p:animEffect>
+                                  </p:childTnLst>
+                                </p:cTn>
+                              </p:par>
+                              <p:par>
+                                <p:cTn id="64" presetID="22" presetClass="entr" presetSubtype="2" fill="hold" grpId="0" nodeType="withEffect">
+                                  <p:stCondLst>
+                                    <p:cond delay="0"/>
+                                  </p:stCondLst>
+                                  <p:childTnLst>
+                                    <p:set>
+                                      <p:cBhvr>
+                                        <p:cTn id="65" dur="1" fill="hold">
+                                          <p:stCondLst>
+                                            <p:cond delay="0"/>
+                                          </p:stCondLst>
+                                        </p:cTn>
+                                        <p:tgtEl>
+                                          <p:spTgt spid="12"/>
+                                        </p:tgtEl>
+                                        <p:attrNameLst>
+                                          <p:attrName>style.visibility</p:attrName>
+                                        </p:attrNameLst>
+                                      </p:cBhvr>
+                                      <p:to>
+                                        <p:strVal val="visible"/>
+                                      </p:to>
+                                    </p:set>
+                                    <p:animEffect transition="in" filter="wipe(right)">
+                                      <p:cBhvr>
+                                        <p:cTn id="66" dur="500"/>
+                                        <p:tgtEl>
+                                          <p:spTgt spid="12"/>
+                                        </p:tgtEl>
+                                      </p:cBhvr>
+                                    </p:animEffect>
+                                  </p:childTnLst>
+                                </p:cTn>
+                              </p:par>
+                            </p:childTnLst>
+                          </p:cTn>
+                        </p:par>
+                      </p:childTnLst>
+                    </p:cTn>
+                  </p:par>
                 </p:childTnLst>
               </p:cTn>
               <p:prevCondLst>
@@ -9058,6 +10288,9 @@
     </p:tnLst>
     <p:bldLst>
       <p:bldP spid="4" grpId="0" uiExpand="1" build="p" animBg="1"/>
+      <p:bldP spid="10" grpId="0"/>
+      <p:bldP spid="11" grpId="0"/>
+      <p:bldP spid="12" grpId="0"/>
     </p:bldLst>
   </p:timing>
 </p:sld>
@@ -10503,8 +11736,10 @@
                                           </p:stCondLst>
                                         </p:cTn>
                                         <p:tgtEl>
-                                          <p:spTgt spid="5">
-                                            <p:bg/>
+                                          <p:spTgt spid="4">
+                                            <p:txEl>
+                                              <p:pRg st="0" end="0"/>
+                                            </p:txEl>
                                           </p:spTgt>
                                         </p:tgtEl>
                                         <p:attrNameLst>
@@ -10519,8 +11754,1631 @@
                                       <p:cBhvr>
                                         <p:cTn id="12" dur="500"/>
                                         <p:tgtEl>
+                                          <p:spTgt spid="4">
+                                            <p:txEl>
+                                              <p:pRg st="0" end="0"/>
+                                            </p:txEl>
+                                          </p:spTgt>
+                                        </p:tgtEl>
+                                      </p:cBhvr>
+                                    </p:animEffect>
+                                  </p:childTnLst>
+                                </p:cTn>
+                              </p:par>
+                            </p:childTnLst>
+                          </p:cTn>
+                        </p:par>
+                      </p:childTnLst>
+                    </p:cTn>
+                  </p:par>
+                  <p:par>
+                    <p:cTn id="13" fill="hold">
+                      <p:stCondLst>
+                        <p:cond delay="indefinite"/>
+                      </p:stCondLst>
+                      <p:childTnLst>
+                        <p:par>
+                          <p:cTn id="14" fill="hold">
+                            <p:stCondLst>
+                              <p:cond delay="0"/>
+                            </p:stCondLst>
+                            <p:childTnLst>
+                              <p:par>
+                                <p:cTn id="15" presetID="22" presetClass="entr" presetSubtype="8" fill="hold" grpId="0" nodeType="clickEffect">
+                                  <p:stCondLst>
+                                    <p:cond delay="0"/>
+                                  </p:stCondLst>
+                                  <p:childTnLst>
+                                    <p:set>
+                                      <p:cBhvr>
+                                        <p:cTn id="16" dur="1" fill="hold">
+                                          <p:stCondLst>
+                                            <p:cond delay="0"/>
+                                          </p:stCondLst>
+                                        </p:cTn>
+                                        <p:tgtEl>
+                                          <p:spTgt spid="4">
+                                            <p:txEl>
+                                              <p:pRg st="1" end="1"/>
+                                            </p:txEl>
+                                          </p:spTgt>
+                                        </p:tgtEl>
+                                        <p:attrNameLst>
+                                          <p:attrName>style.visibility</p:attrName>
+                                        </p:attrNameLst>
+                                      </p:cBhvr>
+                                      <p:to>
+                                        <p:strVal val="visible"/>
+                                      </p:to>
+                                    </p:set>
+                                    <p:animEffect transition="in" filter="wipe(left)">
+                                      <p:cBhvr>
+                                        <p:cTn id="17" dur="500"/>
+                                        <p:tgtEl>
+                                          <p:spTgt spid="4">
+                                            <p:txEl>
+                                              <p:pRg st="1" end="1"/>
+                                            </p:txEl>
+                                          </p:spTgt>
+                                        </p:tgtEl>
+                                      </p:cBhvr>
+                                    </p:animEffect>
+                                  </p:childTnLst>
+                                </p:cTn>
+                              </p:par>
+                            </p:childTnLst>
+                          </p:cTn>
+                        </p:par>
+                      </p:childTnLst>
+                    </p:cTn>
+                  </p:par>
+                  <p:par>
+                    <p:cTn id="18" fill="hold">
+                      <p:stCondLst>
+                        <p:cond delay="indefinite"/>
+                      </p:stCondLst>
+                      <p:childTnLst>
+                        <p:par>
+                          <p:cTn id="19" fill="hold">
+                            <p:stCondLst>
+                              <p:cond delay="0"/>
+                            </p:stCondLst>
+                            <p:childTnLst>
+                              <p:par>
+                                <p:cTn id="20" presetID="22" presetClass="entr" presetSubtype="8" fill="hold" grpId="0" nodeType="clickEffect">
+                                  <p:stCondLst>
+                                    <p:cond delay="0"/>
+                                  </p:stCondLst>
+                                  <p:childTnLst>
+                                    <p:set>
+                                      <p:cBhvr>
+                                        <p:cTn id="21" dur="1" fill="hold">
+                                          <p:stCondLst>
+                                            <p:cond delay="0"/>
+                                          </p:stCondLst>
+                                        </p:cTn>
+                                        <p:tgtEl>
+                                          <p:spTgt spid="4">
+                                            <p:txEl>
+                                              <p:pRg st="2" end="2"/>
+                                            </p:txEl>
+                                          </p:spTgt>
+                                        </p:tgtEl>
+                                        <p:attrNameLst>
+                                          <p:attrName>style.visibility</p:attrName>
+                                        </p:attrNameLst>
+                                      </p:cBhvr>
+                                      <p:to>
+                                        <p:strVal val="visible"/>
+                                      </p:to>
+                                    </p:set>
+                                    <p:animEffect transition="in" filter="wipe(left)">
+                                      <p:cBhvr>
+                                        <p:cTn id="22" dur="500"/>
+                                        <p:tgtEl>
+                                          <p:spTgt spid="4">
+                                            <p:txEl>
+                                              <p:pRg st="2" end="2"/>
+                                            </p:txEl>
+                                          </p:spTgt>
+                                        </p:tgtEl>
+                                      </p:cBhvr>
+                                    </p:animEffect>
+                                  </p:childTnLst>
+                                </p:cTn>
+                              </p:par>
+                            </p:childTnLst>
+                          </p:cTn>
+                        </p:par>
+                      </p:childTnLst>
+                    </p:cTn>
+                  </p:par>
+                  <p:par>
+                    <p:cTn id="23" fill="hold">
+                      <p:stCondLst>
+                        <p:cond delay="indefinite"/>
+                      </p:stCondLst>
+                      <p:childTnLst>
+                        <p:par>
+                          <p:cTn id="24" fill="hold">
+                            <p:stCondLst>
+                              <p:cond delay="0"/>
+                            </p:stCondLst>
+                            <p:childTnLst>
+                              <p:par>
+                                <p:cTn id="25" presetID="22" presetClass="entr" presetSubtype="8" fill="hold" grpId="0" nodeType="clickEffect">
+                                  <p:stCondLst>
+                                    <p:cond delay="0"/>
+                                  </p:stCondLst>
+                                  <p:childTnLst>
+                                    <p:set>
+                                      <p:cBhvr>
+                                        <p:cTn id="26" dur="1" fill="hold">
+                                          <p:stCondLst>
+                                            <p:cond delay="0"/>
+                                          </p:stCondLst>
+                                        </p:cTn>
+                                        <p:tgtEl>
+                                          <p:spTgt spid="4">
+                                            <p:txEl>
+                                              <p:pRg st="3" end="3"/>
+                                            </p:txEl>
+                                          </p:spTgt>
+                                        </p:tgtEl>
+                                        <p:attrNameLst>
+                                          <p:attrName>style.visibility</p:attrName>
+                                        </p:attrNameLst>
+                                      </p:cBhvr>
+                                      <p:to>
+                                        <p:strVal val="visible"/>
+                                      </p:to>
+                                    </p:set>
+                                    <p:animEffect transition="in" filter="wipe(left)">
+                                      <p:cBhvr>
+                                        <p:cTn id="27" dur="500"/>
+                                        <p:tgtEl>
+                                          <p:spTgt spid="4">
+                                            <p:txEl>
+                                              <p:pRg st="3" end="3"/>
+                                            </p:txEl>
+                                          </p:spTgt>
+                                        </p:tgtEl>
+                                      </p:cBhvr>
+                                    </p:animEffect>
+                                  </p:childTnLst>
+                                </p:cTn>
+                              </p:par>
+                            </p:childTnLst>
+                          </p:cTn>
+                        </p:par>
+                      </p:childTnLst>
+                    </p:cTn>
+                  </p:par>
+                  <p:par>
+                    <p:cTn id="28" fill="hold">
+                      <p:stCondLst>
+                        <p:cond delay="indefinite"/>
+                      </p:stCondLst>
+                      <p:childTnLst>
+                        <p:par>
+                          <p:cTn id="29" fill="hold">
+                            <p:stCondLst>
+                              <p:cond delay="0"/>
+                            </p:stCondLst>
+                            <p:childTnLst>
+                              <p:par>
+                                <p:cTn id="30" presetID="22" presetClass="entr" presetSubtype="8" fill="hold" grpId="0" nodeType="clickEffect">
+                                  <p:stCondLst>
+                                    <p:cond delay="0"/>
+                                  </p:stCondLst>
+                                  <p:childTnLst>
+                                    <p:set>
+                                      <p:cBhvr>
+                                        <p:cTn id="31" dur="1" fill="hold">
+                                          <p:stCondLst>
+                                            <p:cond delay="0"/>
+                                          </p:stCondLst>
+                                        </p:cTn>
+                                        <p:tgtEl>
+                                          <p:spTgt spid="4">
+                                            <p:txEl>
+                                              <p:pRg st="4" end="4"/>
+                                            </p:txEl>
+                                          </p:spTgt>
+                                        </p:tgtEl>
+                                        <p:attrNameLst>
+                                          <p:attrName>style.visibility</p:attrName>
+                                        </p:attrNameLst>
+                                      </p:cBhvr>
+                                      <p:to>
+                                        <p:strVal val="visible"/>
+                                      </p:to>
+                                    </p:set>
+                                    <p:animEffect transition="in" filter="wipe(left)">
+                                      <p:cBhvr>
+                                        <p:cTn id="32" dur="500"/>
+                                        <p:tgtEl>
+                                          <p:spTgt spid="4">
+                                            <p:txEl>
+                                              <p:pRg st="4" end="4"/>
+                                            </p:txEl>
+                                          </p:spTgt>
+                                        </p:tgtEl>
+                                      </p:cBhvr>
+                                    </p:animEffect>
+                                  </p:childTnLst>
+                                </p:cTn>
+                              </p:par>
+                            </p:childTnLst>
+                          </p:cTn>
+                        </p:par>
+                      </p:childTnLst>
+                    </p:cTn>
+                  </p:par>
+                  <p:par>
+                    <p:cTn id="33" fill="hold">
+                      <p:stCondLst>
+                        <p:cond delay="indefinite"/>
+                      </p:stCondLst>
+                      <p:childTnLst>
+                        <p:par>
+                          <p:cTn id="34" fill="hold">
+                            <p:stCondLst>
+                              <p:cond delay="0"/>
+                            </p:stCondLst>
+                            <p:childTnLst>
+                              <p:par>
+                                <p:cTn id="35" presetID="22" presetClass="entr" presetSubtype="8" fill="hold" grpId="0" nodeType="clickEffect">
+                                  <p:stCondLst>
+                                    <p:cond delay="0"/>
+                                  </p:stCondLst>
+                                  <p:childTnLst>
+                                    <p:set>
+                                      <p:cBhvr>
+                                        <p:cTn id="36" dur="1" fill="hold">
+                                          <p:stCondLst>
+                                            <p:cond delay="0"/>
+                                          </p:stCondLst>
+                                        </p:cTn>
+                                        <p:tgtEl>
+                                          <p:spTgt spid="4">
+                                            <p:txEl>
+                                              <p:pRg st="5" end="5"/>
+                                            </p:txEl>
+                                          </p:spTgt>
+                                        </p:tgtEl>
+                                        <p:attrNameLst>
+                                          <p:attrName>style.visibility</p:attrName>
+                                        </p:attrNameLst>
+                                      </p:cBhvr>
+                                      <p:to>
+                                        <p:strVal val="visible"/>
+                                      </p:to>
+                                    </p:set>
+                                    <p:animEffect transition="in" filter="wipe(left)">
+                                      <p:cBhvr>
+                                        <p:cTn id="37" dur="500"/>
+                                        <p:tgtEl>
+                                          <p:spTgt spid="4">
+                                            <p:txEl>
+                                              <p:pRg st="5" end="5"/>
+                                            </p:txEl>
+                                          </p:spTgt>
+                                        </p:tgtEl>
+                                      </p:cBhvr>
+                                    </p:animEffect>
+                                  </p:childTnLst>
+                                </p:cTn>
+                              </p:par>
+                            </p:childTnLst>
+                          </p:cTn>
+                        </p:par>
+                      </p:childTnLst>
+                    </p:cTn>
+                  </p:par>
+                  <p:par>
+                    <p:cTn id="38" fill="hold">
+                      <p:stCondLst>
+                        <p:cond delay="indefinite"/>
+                      </p:stCondLst>
+                      <p:childTnLst>
+                        <p:par>
+                          <p:cTn id="39" fill="hold">
+                            <p:stCondLst>
+                              <p:cond delay="0"/>
+                            </p:stCondLst>
+                            <p:childTnLst>
+                              <p:par>
+                                <p:cTn id="40" presetID="22" presetClass="entr" presetSubtype="8" fill="hold" grpId="0" nodeType="clickEffect">
+                                  <p:stCondLst>
+                                    <p:cond delay="0"/>
+                                  </p:stCondLst>
+                                  <p:childTnLst>
+                                    <p:set>
+                                      <p:cBhvr>
+                                        <p:cTn id="41" dur="1" fill="hold">
+                                          <p:stCondLst>
+                                            <p:cond delay="0"/>
+                                          </p:stCondLst>
+                                        </p:cTn>
+                                        <p:tgtEl>
+                                          <p:spTgt spid="4">
+                                            <p:txEl>
+                                              <p:pRg st="6" end="6"/>
+                                            </p:txEl>
+                                          </p:spTgt>
+                                        </p:tgtEl>
+                                        <p:attrNameLst>
+                                          <p:attrName>style.visibility</p:attrName>
+                                        </p:attrNameLst>
+                                      </p:cBhvr>
+                                      <p:to>
+                                        <p:strVal val="visible"/>
+                                      </p:to>
+                                    </p:set>
+                                    <p:animEffect transition="in" filter="wipe(left)">
+                                      <p:cBhvr>
+                                        <p:cTn id="42" dur="500"/>
+                                        <p:tgtEl>
+                                          <p:spTgt spid="4">
+                                            <p:txEl>
+                                              <p:pRg st="6" end="6"/>
+                                            </p:txEl>
+                                          </p:spTgt>
+                                        </p:tgtEl>
+                                      </p:cBhvr>
+                                    </p:animEffect>
+                                  </p:childTnLst>
+                                </p:cTn>
+                              </p:par>
+                            </p:childTnLst>
+                          </p:cTn>
+                        </p:par>
+                      </p:childTnLst>
+                    </p:cTn>
+                  </p:par>
+                  <p:par>
+                    <p:cTn id="43" fill="hold">
+                      <p:stCondLst>
+                        <p:cond delay="indefinite"/>
+                      </p:stCondLst>
+                      <p:childTnLst>
+                        <p:par>
+                          <p:cTn id="44" fill="hold">
+                            <p:stCondLst>
+                              <p:cond delay="0"/>
+                            </p:stCondLst>
+                            <p:childTnLst>
+                              <p:par>
+                                <p:cTn id="45" presetID="22" presetClass="entr" presetSubtype="8" fill="hold" grpId="0" nodeType="clickEffect">
+                                  <p:stCondLst>
+                                    <p:cond delay="0"/>
+                                  </p:stCondLst>
+                                  <p:childTnLst>
+                                    <p:set>
+                                      <p:cBhvr>
+                                        <p:cTn id="46" dur="1" fill="hold">
+                                          <p:stCondLst>
+                                            <p:cond delay="0"/>
+                                          </p:stCondLst>
+                                        </p:cTn>
+                                        <p:tgtEl>
+                                          <p:spTgt spid="4">
+                                            <p:txEl>
+                                              <p:pRg st="7" end="7"/>
+                                            </p:txEl>
+                                          </p:spTgt>
+                                        </p:tgtEl>
+                                        <p:attrNameLst>
+                                          <p:attrName>style.visibility</p:attrName>
+                                        </p:attrNameLst>
+                                      </p:cBhvr>
+                                      <p:to>
+                                        <p:strVal val="visible"/>
+                                      </p:to>
+                                    </p:set>
+                                    <p:animEffect transition="in" filter="wipe(left)">
+                                      <p:cBhvr>
+                                        <p:cTn id="47" dur="500"/>
+                                        <p:tgtEl>
+                                          <p:spTgt spid="4">
+                                            <p:txEl>
+                                              <p:pRg st="7" end="7"/>
+                                            </p:txEl>
+                                          </p:spTgt>
+                                        </p:tgtEl>
+                                      </p:cBhvr>
+                                    </p:animEffect>
+                                  </p:childTnLst>
+                                </p:cTn>
+                              </p:par>
+                            </p:childTnLst>
+                          </p:cTn>
+                        </p:par>
+                      </p:childTnLst>
+                    </p:cTn>
+                  </p:par>
+                  <p:par>
+                    <p:cTn id="48" fill="hold">
+                      <p:stCondLst>
+                        <p:cond delay="indefinite"/>
+                      </p:stCondLst>
+                      <p:childTnLst>
+                        <p:par>
+                          <p:cTn id="49" fill="hold">
+                            <p:stCondLst>
+                              <p:cond delay="0"/>
+                            </p:stCondLst>
+                            <p:childTnLst>
+                              <p:par>
+                                <p:cTn id="50" presetID="22" presetClass="entr" presetSubtype="8" fill="hold" grpId="0" nodeType="clickEffect">
+                                  <p:stCondLst>
+                                    <p:cond delay="0"/>
+                                  </p:stCondLst>
+                                  <p:childTnLst>
+                                    <p:set>
+                                      <p:cBhvr>
+                                        <p:cTn id="51" dur="1" fill="hold">
+                                          <p:stCondLst>
+                                            <p:cond delay="0"/>
+                                          </p:stCondLst>
+                                        </p:cTn>
+                                        <p:tgtEl>
+                                          <p:spTgt spid="4">
+                                            <p:txEl>
+                                              <p:pRg st="8" end="8"/>
+                                            </p:txEl>
+                                          </p:spTgt>
+                                        </p:tgtEl>
+                                        <p:attrNameLst>
+                                          <p:attrName>style.visibility</p:attrName>
+                                        </p:attrNameLst>
+                                      </p:cBhvr>
+                                      <p:to>
+                                        <p:strVal val="visible"/>
+                                      </p:to>
+                                    </p:set>
+                                    <p:animEffect transition="in" filter="wipe(left)">
+                                      <p:cBhvr>
+                                        <p:cTn id="52" dur="500"/>
+                                        <p:tgtEl>
+                                          <p:spTgt spid="4">
+                                            <p:txEl>
+                                              <p:pRg st="8" end="8"/>
+                                            </p:txEl>
+                                          </p:spTgt>
+                                        </p:tgtEl>
+                                      </p:cBhvr>
+                                    </p:animEffect>
+                                  </p:childTnLst>
+                                </p:cTn>
+                              </p:par>
+                            </p:childTnLst>
+                          </p:cTn>
+                        </p:par>
+                      </p:childTnLst>
+                    </p:cTn>
+                  </p:par>
+                  <p:par>
+                    <p:cTn id="53" fill="hold">
+                      <p:stCondLst>
+                        <p:cond delay="indefinite"/>
+                      </p:stCondLst>
+                      <p:childTnLst>
+                        <p:par>
+                          <p:cTn id="54" fill="hold">
+                            <p:stCondLst>
+                              <p:cond delay="0"/>
+                            </p:stCondLst>
+                            <p:childTnLst>
+                              <p:par>
+                                <p:cTn id="55" presetID="22" presetClass="entr" presetSubtype="8" fill="hold" grpId="0" nodeType="clickEffect">
+                                  <p:stCondLst>
+                                    <p:cond delay="0"/>
+                                  </p:stCondLst>
+                                  <p:childTnLst>
+                                    <p:set>
+                                      <p:cBhvr>
+                                        <p:cTn id="56" dur="1" fill="hold">
+                                          <p:stCondLst>
+                                            <p:cond delay="0"/>
+                                          </p:stCondLst>
+                                        </p:cTn>
+                                        <p:tgtEl>
+                                          <p:spTgt spid="4">
+                                            <p:txEl>
+                                              <p:pRg st="9" end="9"/>
+                                            </p:txEl>
+                                          </p:spTgt>
+                                        </p:tgtEl>
+                                        <p:attrNameLst>
+                                          <p:attrName>style.visibility</p:attrName>
+                                        </p:attrNameLst>
+                                      </p:cBhvr>
+                                      <p:to>
+                                        <p:strVal val="visible"/>
+                                      </p:to>
+                                    </p:set>
+                                    <p:animEffect transition="in" filter="wipe(left)">
+                                      <p:cBhvr>
+                                        <p:cTn id="57" dur="500"/>
+                                        <p:tgtEl>
+                                          <p:spTgt spid="4">
+                                            <p:txEl>
+                                              <p:pRg st="9" end="9"/>
+                                            </p:txEl>
+                                          </p:spTgt>
+                                        </p:tgtEl>
+                                      </p:cBhvr>
+                                    </p:animEffect>
+                                  </p:childTnLst>
+                                </p:cTn>
+                              </p:par>
+                            </p:childTnLst>
+                          </p:cTn>
+                        </p:par>
+                      </p:childTnLst>
+                    </p:cTn>
+                  </p:par>
+                  <p:par>
+                    <p:cTn id="58" fill="hold">
+                      <p:stCondLst>
+                        <p:cond delay="indefinite"/>
+                      </p:stCondLst>
+                      <p:childTnLst>
+                        <p:par>
+                          <p:cTn id="59" fill="hold">
+                            <p:stCondLst>
+                              <p:cond delay="0"/>
+                            </p:stCondLst>
+                            <p:childTnLst>
+                              <p:par>
+                                <p:cTn id="60" presetID="22" presetClass="entr" presetSubtype="8" fill="hold" grpId="0" nodeType="clickEffect">
+                                  <p:stCondLst>
+                                    <p:cond delay="0"/>
+                                  </p:stCondLst>
+                                  <p:childTnLst>
+                                    <p:set>
+                                      <p:cBhvr>
+                                        <p:cTn id="61" dur="1" fill="hold">
+                                          <p:stCondLst>
+                                            <p:cond delay="0"/>
+                                          </p:stCondLst>
+                                        </p:cTn>
+                                        <p:tgtEl>
+                                          <p:spTgt spid="4">
+                                            <p:txEl>
+                                              <p:pRg st="10" end="10"/>
+                                            </p:txEl>
+                                          </p:spTgt>
+                                        </p:tgtEl>
+                                        <p:attrNameLst>
+                                          <p:attrName>style.visibility</p:attrName>
+                                        </p:attrNameLst>
+                                      </p:cBhvr>
+                                      <p:to>
+                                        <p:strVal val="visible"/>
+                                      </p:to>
+                                    </p:set>
+                                    <p:animEffect transition="in" filter="wipe(left)">
+                                      <p:cBhvr>
+                                        <p:cTn id="62" dur="500"/>
+                                        <p:tgtEl>
+                                          <p:spTgt spid="4">
+                                            <p:txEl>
+                                              <p:pRg st="10" end="10"/>
+                                            </p:txEl>
+                                          </p:spTgt>
+                                        </p:tgtEl>
+                                      </p:cBhvr>
+                                    </p:animEffect>
+                                  </p:childTnLst>
+                                </p:cTn>
+                              </p:par>
+                            </p:childTnLst>
+                          </p:cTn>
+                        </p:par>
+                      </p:childTnLst>
+                    </p:cTn>
+                  </p:par>
+                  <p:par>
+                    <p:cTn id="63" fill="hold">
+                      <p:stCondLst>
+                        <p:cond delay="indefinite"/>
+                      </p:stCondLst>
+                      <p:childTnLst>
+                        <p:par>
+                          <p:cTn id="64" fill="hold">
+                            <p:stCondLst>
+                              <p:cond delay="0"/>
+                            </p:stCondLst>
+                            <p:childTnLst>
+                              <p:par>
+                                <p:cTn id="65" presetID="22" presetClass="entr" presetSubtype="8" fill="hold" grpId="0" nodeType="clickEffect">
+                                  <p:stCondLst>
+                                    <p:cond delay="0"/>
+                                  </p:stCondLst>
+                                  <p:childTnLst>
+                                    <p:set>
+                                      <p:cBhvr>
+                                        <p:cTn id="66" dur="1" fill="hold">
+                                          <p:stCondLst>
+                                            <p:cond delay="0"/>
+                                          </p:stCondLst>
+                                        </p:cTn>
+                                        <p:tgtEl>
+                                          <p:spTgt spid="4">
+                                            <p:txEl>
+                                              <p:pRg st="11" end="11"/>
+                                            </p:txEl>
+                                          </p:spTgt>
+                                        </p:tgtEl>
+                                        <p:attrNameLst>
+                                          <p:attrName>style.visibility</p:attrName>
+                                        </p:attrNameLst>
+                                      </p:cBhvr>
+                                      <p:to>
+                                        <p:strVal val="visible"/>
+                                      </p:to>
+                                    </p:set>
+                                    <p:animEffect transition="in" filter="wipe(left)">
+                                      <p:cBhvr>
+                                        <p:cTn id="67" dur="500"/>
+                                        <p:tgtEl>
+                                          <p:spTgt spid="4">
+                                            <p:txEl>
+                                              <p:pRg st="11" end="11"/>
+                                            </p:txEl>
+                                          </p:spTgt>
+                                        </p:tgtEl>
+                                      </p:cBhvr>
+                                    </p:animEffect>
+                                  </p:childTnLst>
+                                </p:cTn>
+                              </p:par>
+                            </p:childTnLst>
+                          </p:cTn>
+                        </p:par>
+                      </p:childTnLst>
+                    </p:cTn>
+                  </p:par>
+                  <p:par>
+                    <p:cTn id="68" fill="hold">
+                      <p:stCondLst>
+                        <p:cond delay="indefinite"/>
+                      </p:stCondLst>
+                      <p:childTnLst>
+                        <p:par>
+                          <p:cTn id="69" fill="hold">
+                            <p:stCondLst>
+                              <p:cond delay="0"/>
+                            </p:stCondLst>
+                            <p:childTnLst>
+                              <p:par>
+                                <p:cTn id="70" presetID="22" presetClass="entr" presetSubtype="8" fill="hold" grpId="0" nodeType="clickEffect">
+                                  <p:stCondLst>
+                                    <p:cond delay="0"/>
+                                  </p:stCondLst>
+                                  <p:childTnLst>
+                                    <p:set>
+                                      <p:cBhvr>
+                                        <p:cTn id="71" dur="1" fill="hold">
+                                          <p:stCondLst>
+                                            <p:cond delay="0"/>
+                                          </p:stCondLst>
+                                        </p:cTn>
+                                        <p:tgtEl>
+                                          <p:spTgt spid="4">
+                                            <p:txEl>
+                                              <p:pRg st="12" end="12"/>
+                                            </p:txEl>
+                                          </p:spTgt>
+                                        </p:tgtEl>
+                                        <p:attrNameLst>
+                                          <p:attrName>style.visibility</p:attrName>
+                                        </p:attrNameLst>
+                                      </p:cBhvr>
+                                      <p:to>
+                                        <p:strVal val="visible"/>
+                                      </p:to>
+                                    </p:set>
+                                    <p:animEffect transition="in" filter="wipe(left)">
+                                      <p:cBhvr>
+                                        <p:cTn id="72" dur="500"/>
+                                        <p:tgtEl>
+                                          <p:spTgt spid="4">
+                                            <p:txEl>
+                                              <p:pRg st="12" end="12"/>
+                                            </p:txEl>
+                                          </p:spTgt>
+                                        </p:tgtEl>
+                                      </p:cBhvr>
+                                    </p:animEffect>
+                                  </p:childTnLst>
+                                </p:cTn>
+                              </p:par>
+                            </p:childTnLst>
+                          </p:cTn>
+                        </p:par>
+                      </p:childTnLst>
+                    </p:cTn>
+                  </p:par>
+                  <p:par>
+                    <p:cTn id="73" fill="hold">
+                      <p:stCondLst>
+                        <p:cond delay="indefinite"/>
+                      </p:stCondLst>
+                      <p:childTnLst>
+                        <p:par>
+                          <p:cTn id="74" fill="hold">
+                            <p:stCondLst>
+                              <p:cond delay="0"/>
+                            </p:stCondLst>
+                            <p:childTnLst>
+                              <p:par>
+                                <p:cTn id="75" presetID="22" presetClass="entr" presetSubtype="8" fill="hold" grpId="0" nodeType="clickEffect">
+                                  <p:stCondLst>
+                                    <p:cond delay="0"/>
+                                  </p:stCondLst>
+                                  <p:childTnLst>
+                                    <p:set>
+                                      <p:cBhvr>
+                                        <p:cTn id="76" dur="1" fill="hold">
+                                          <p:stCondLst>
+                                            <p:cond delay="0"/>
+                                          </p:stCondLst>
+                                        </p:cTn>
+                                        <p:tgtEl>
+                                          <p:spTgt spid="4">
+                                            <p:txEl>
+                                              <p:pRg st="13" end="13"/>
+                                            </p:txEl>
+                                          </p:spTgt>
+                                        </p:tgtEl>
+                                        <p:attrNameLst>
+                                          <p:attrName>style.visibility</p:attrName>
+                                        </p:attrNameLst>
+                                      </p:cBhvr>
+                                      <p:to>
+                                        <p:strVal val="visible"/>
+                                      </p:to>
+                                    </p:set>
+                                    <p:animEffect transition="in" filter="wipe(left)">
+                                      <p:cBhvr>
+                                        <p:cTn id="77" dur="500"/>
+                                        <p:tgtEl>
+                                          <p:spTgt spid="4">
+                                            <p:txEl>
+                                              <p:pRg st="13" end="13"/>
+                                            </p:txEl>
+                                          </p:spTgt>
+                                        </p:tgtEl>
+                                      </p:cBhvr>
+                                    </p:animEffect>
+                                  </p:childTnLst>
+                                </p:cTn>
+                              </p:par>
+                              <p:par>
+                                <p:cTn id="78" presetID="22" presetClass="entr" presetSubtype="8" fill="hold" grpId="0" nodeType="withEffect">
+                                  <p:stCondLst>
+                                    <p:cond delay="0"/>
+                                  </p:stCondLst>
+                                  <p:childTnLst>
+                                    <p:set>
+                                      <p:cBhvr>
+                                        <p:cTn id="79" dur="1" fill="hold">
+                                          <p:stCondLst>
+                                            <p:cond delay="0"/>
+                                          </p:stCondLst>
+                                        </p:cTn>
+                                        <p:tgtEl>
                                           <p:spTgt spid="5">
                                             <p:bg/>
+                                          </p:spTgt>
+                                        </p:tgtEl>
+                                        <p:attrNameLst>
+                                          <p:attrName>style.visibility</p:attrName>
+                                        </p:attrNameLst>
+                                      </p:cBhvr>
+                                      <p:to>
+                                        <p:strVal val="visible"/>
+                                      </p:to>
+                                    </p:set>
+                                    <p:animEffect transition="in" filter="wipe(left)">
+                                      <p:cBhvr>
+                                        <p:cTn id="80" dur="500"/>
+                                        <p:tgtEl>
+                                          <p:spTgt spid="5">
+                                            <p:bg/>
+                                          </p:spTgt>
+                                        </p:tgtEl>
+                                      </p:cBhvr>
+                                    </p:animEffect>
+                                  </p:childTnLst>
+                                </p:cTn>
+                              </p:par>
+                            </p:childTnLst>
+                          </p:cTn>
+                        </p:par>
+                      </p:childTnLst>
+                    </p:cTn>
+                  </p:par>
+                  <p:par>
+                    <p:cTn id="81" fill="hold">
+                      <p:stCondLst>
+                        <p:cond delay="indefinite"/>
+                      </p:stCondLst>
+                      <p:childTnLst>
+                        <p:par>
+                          <p:cTn id="82" fill="hold">
+                            <p:stCondLst>
+                              <p:cond delay="0"/>
+                            </p:stCondLst>
+                            <p:childTnLst>
+                              <p:par>
+                                <p:cTn id="83" presetID="22" presetClass="entr" presetSubtype="8" fill="hold" grpId="0" nodeType="clickEffect">
+                                  <p:stCondLst>
+                                    <p:cond delay="0"/>
+                                  </p:stCondLst>
+                                  <p:childTnLst>
+                                    <p:set>
+                                      <p:cBhvr>
+                                        <p:cTn id="84" dur="1" fill="hold">
+                                          <p:stCondLst>
+                                            <p:cond delay="0"/>
+                                          </p:stCondLst>
+                                        </p:cTn>
+                                        <p:tgtEl>
+                                          <p:spTgt spid="5">
+                                            <p:txEl>
+                                              <p:pRg st="0" end="0"/>
+                                            </p:txEl>
+                                          </p:spTgt>
+                                        </p:tgtEl>
+                                        <p:attrNameLst>
+                                          <p:attrName>style.visibility</p:attrName>
+                                        </p:attrNameLst>
+                                      </p:cBhvr>
+                                      <p:to>
+                                        <p:strVal val="visible"/>
+                                      </p:to>
+                                    </p:set>
+                                    <p:animEffect transition="in" filter="wipe(left)">
+                                      <p:cBhvr>
+                                        <p:cTn id="85" dur="500"/>
+                                        <p:tgtEl>
+                                          <p:spTgt spid="5">
+                                            <p:txEl>
+                                              <p:pRg st="0" end="0"/>
+                                            </p:txEl>
+                                          </p:spTgt>
+                                        </p:tgtEl>
+                                      </p:cBhvr>
+                                    </p:animEffect>
+                                  </p:childTnLst>
+                                </p:cTn>
+                              </p:par>
+                            </p:childTnLst>
+                          </p:cTn>
+                        </p:par>
+                      </p:childTnLst>
+                    </p:cTn>
+                  </p:par>
+                  <p:par>
+                    <p:cTn id="86" fill="hold">
+                      <p:stCondLst>
+                        <p:cond delay="indefinite"/>
+                      </p:stCondLst>
+                      <p:childTnLst>
+                        <p:par>
+                          <p:cTn id="87" fill="hold">
+                            <p:stCondLst>
+                              <p:cond delay="0"/>
+                            </p:stCondLst>
+                            <p:childTnLst>
+                              <p:par>
+                                <p:cTn id="88" presetID="22" presetClass="entr" presetSubtype="8" fill="hold" grpId="0" nodeType="clickEffect">
+                                  <p:stCondLst>
+                                    <p:cond delay="0"/>
+                                  </p:stCondLst>
+                                  <p:childTnLst>
+                                    <p:set>
+                                      <p:cBhvr>
+                                        <p:cTn id="89" dur="1" fill="hold">
+                                          <p:stCondLst>
+                                            <p:cond delay="0"/>
+                                          </p:stCondLst>
+                                        </p:cTn>
+                                        <p:tgtEl>
+                                          <p:spTgt spid="5">
+                                            <p:txEl>
+                                              <p:pRg st="1" end="1"/>
+                                            </p:txEl>
+                                          </p:spTgt>
+                                        </p:tgtEl>
+                                        <p:attrNameLst>
+                                          <p:attrName>style.visibility</p:attrName>
+                                        </p:attrNameLst>
+                                      </p:cBhvr>
+                                      <p:to>
+                                        <p:strVal val="visible"/>
+                                      </p:to>
+                                    </p:set>
+                                    <p:animEffect transition="in" filter="wipe(left)">
+                                      <p:cBhvr>
+                                        <p:cTn id="90" dur="500"/>
+                                        <p:tgtEl>
+                                          <p:spTgt spid="5">
+                                            <p:txEl>
+                                              <p:pRg st="1" end="1"/>
+                                            </p:txEl>
+                                          </p:spTgt>
+                                        </p:tgtEl>
+                                      </p:cBhvr>
+                                    </p:animEffect>
+                                  </p:childTnLst>
+                                </p:cTn>
+                              </p:par>
+                            </p:childTnLst>
+                          </p:cTn>
+                        </p:par>
+                      </p:childTnLst>
+                    </p:cTn>
+                  </p:par>
+                  <p:par>
+                    <p:cTn id="91" fill="hold">
+                      <p:stCondLst>
+                        <p:cond delay="indefinite"/>
+                      </p:stCondLst>
+                      <p:childTnLst>
+                        <p:par>
+                          <p:cTn id="92" fill="hold">
+                            <p:stCondLst>
+                              <p:cond delay="0"/>
+                            </p:stCondLst>
+                            <p:childTnLst>
+                              <p:par>
+                                <p:cTn id="93" presetID="22" presetClass="entr" presetSubtype="8" fill="hold" grpId="0" nodeType="clickEffect">
+                                  <p:stCondLst>
+                                    <p:cond delay="0"/>
+                                  </p:stCondLst>
+                                  <p:childTnLst>
+                                    <p:set>
+                                      <p:cBhvr>
+                                        <p:cTn id="94" dur="1" fill="hold">
+                                          <p:stCondLst>
+                                            <p:cond delay="0"/>
+                                          </p:stCondLst>
+                                        </p:cTn>
+                                        <p:tgtEl>
+                                          <p:spTgt spid="5">
+                                            <p:txEl>
+                                              <p:pRg st="2" end="2"/>
+                                            </p:txEl>
+                                          </p:spTgt>
+                                        </p:tgtEl>
+                                        <p:attrNameLst>
+                                          <p:attrName>style.visibility</p:attrName>
+                                        </p:attrNameLst>
+                                      </p:cBhvr>
+                                      <p:to>
+                                        <p:strVal val="visible"/>
+                                      </p:to>
+                                    </p:set>
+                                    <p:animEffect transition="in" filter="wipe(left)">
+                                      <p:cBhvr>
+                                        <p:cTn id="95" dur="500"/>
+                                        <p:tgtEl>
+                                          <p:spTgt spid="5">
+                                            <p:txEl>
+                                              <p:pRg st="2" end="2"/>
+                                            </p:txEl>
+                                          </p:spTgt>
+                                        </p:tgtEl>
+                                      </p:cBhvr>
+                                    </p:animEffect>
+                                  </p:childTnLst>
+                                </p:cTn>
+                              </p:par>
+                            </p:childTnLst>
+                          </p:cTn>
+                        </p:par>
+                      </p:childTnLst>
+                    </p:cTn>
+                  </p:par>
+                  <p:par>
+                    <p:cTn id="96" fill="hold">
+                      <p:stCondLst>
+                        <p:cond delay="indefinite"/>
+                      </p:stCondLst>
+                      <p:childTnLst>
+                        <p:par>
+                          <p:cTn id="97" fill="hold">
+                            <p:stCondLst>
+                              <p:cond delay="0"/>
+                            </p:stCondLst>
+                            <p:childTnLst>
+                              <p:par>
+                                <p:cTn id="98" presetID="22" presetClass="entr" presetSubtype="8" fill="hold" grpId="0" nodeType="clickEffect">
+                                  <p:stCondLst>
+                                    <p:cond delay="0"/>
+                                  </p:stCondLst>
+                                  <p:childTnLst>
+                                    <p:set>
+                                      <p:cBhvr>
+                                        <p:cTn id="99" dur="1" fill="hold">
+                                          <p:stCondLst>
+                                            <p:cond delay="0"/>
+                                          </p:stCondLst>
+                                        </p:cTn>
+                                        <p:tgtEl>
+                                          <p:spTgt spid="5">
+                                            <p:txEl>
+                                              <p:pRg st="3" end="3"/>
+                                            </p:txEl>
+                                          </p:spTgt>
+                                        </p:tgtEl>
+                                        <p:attrNameLst>
+                                          <p:attrName>style.visibility</p:attrName>
+                                        </p:attrNameLst>
+                                      </p:cBhvr>
+                                      <p:to>
+                                        <p:strVal val="visible"/>
+                                      </p:to>
+                                    </p:set>
+                                    <p:animEffect transition="in" filter="wipe(left)">
+                                      <p:cBhvr>
+                                        <p:cTn id="100" dur="500"/>
+                                        <p:tgtEl>
+                                          <p:spTgt spid="5">
+                                            <p:txEl>
+                                              <p:pRg st="3" end="3"/>
+                                            </p:txEl>
+                                          </p:spTgt>
+                                        </p:tgtEl>
+                                      </p:cBhvr>
+                                    </p:animEffect>
+                                  </p:childTnLst>
+                                </p:cTn>
+                              </p:par>
+                            </p:childTnLst>
+                          </p:cTn>
+                        </p:par>
+                      </p:childTnLst>
+                    </p:cTn>
+                  </p:par>
+                  <p:par>
+                    <p:cTn id="101" fill="hold">
+                      <p:stCondLst>
+                        <p:cond delay="indefinite"/>
+                      </p:stCondLst>
+                      <p:childTnLst>
+                        <p:par>
+                          <p:cTn id="102" fill="hold">
+                            <p:stCondLst>
+                              <p:cond delay="0"/>
+                            </p:stCondLst>
+                            <p:childTnLst>
+                              <p:par>
+                                <p:cTn id="103" presetID="22" presetClass="entr" presetSubtype="8" fill="hold" grpId="0" nodeType="clickEffect">
+                                  <p:stCondLst>
+                                    <p:cond delay="0"/>
+                                  </p:stCondLst>
+                                  <p:childTnLst>
+                                    <p:set>
+                                      <p:cBhvr>
+                                        <p:cTn id="104" dur="1" fill="hold">
+                                          <p:stCondLst>
+                                            <p:cond delay="0"/>
+                                          </p:stCondLst>
+                                        </p:cTn>
+                                        <p:tgtEl>
+                                          <p:spTgt spid="5">
+                                            <p:txEl>
+                                              <p:pRg st="4" end="4"/>
+                                            </p:txEl>
+                                          </p:spTgt>
+                                        </p:tgtEl>
+                                        <p:attrNameLst>
+                                          <p:attrName>style.visibility</p:attrName>
+                                        </p:attrNameLst>
+                                      </p:cBhvr>
+                                      <p:to>
+                                        <p:strVal val="visible"/>
+                                      </p:to>
+                                    </p:set>
+                                    <p:animEffect transition="in" filter="wipe(left)">
+                                      <p:cBhvr>
+                                        <p:cTn id="105" dur="500"/>
+                                        <p:tgtEl>
+                                          <p:spTgt spid="5">
+                                            <p:txEl>
+                                              <p:pRg st="4" end="4"/>
+                                            </p:txEl>
+                                          </p:spTgt>
+                                        </p:tgtEl>
+                                      </p:cBhvr>
+                                    </p:animEffect>
+                                  </p:childTnLst>
+                                </p:cTn>
+                              </p:par>
+                            </p:childTnLst>
+                          </p:cTn>
+                        </p:par>
+                      </p:childTnLst>
+                    </p:cTn>
+                  </p:par>
+                  <p:par>
+                    <p:cTn id="106" fill="hold">
+                      <p:stCondLst>
+                        <p:cond delay="indefinite"/>
+                      </p:stCondLst>
+                      <p:childTnLst>
+                        <p:par>
+                          <p:cTn id="107" fill="hold">
+                            <p:stCondLst>
+                              <p:cond delay="0"/>
+                            </p:stCondLst>
+                            <p:childTnLst>
+                              <p:par>
+                                <p:cTn id="108" presetID="22" presetClass="entr" presetSubtype="8" fill="hold" grpId="0" nodeType="clickEffect">
+                                  <p:stCondLst>
+                                    <p:cond delay="0"/>
+                                  </p:stCondLst>
+                                  <p:childTnLst>
+                                    <p:set>
+                                      <p:cBhvr>
+                                        <p:cTn id="109" dur="1" fill="hold">
+                                          <p:stCondLst>
+                                            <p:cond delay="0"/>
+                                          </p:stCondLst>
+                                        </p:cTn>
+                                        <p:tgtEl>
+                                          <p:spTgt spid="5">
+                                            <p:txEl>
+                                              <p:pRg st="5" end="5"/>
+                                            </p:txEl>
+                                          </p:spTgt>
+                                        </p:tgtEl>
+                                        <p:attrNameLst>
+                                          <p:attrName>style.visibility</p:attrName>
+                                        </p:attrNameLst>
+                                      </p:cBhvr>
+                                      <p:to>
+                                        <p:strVal val="visible"/>
+                                      </p:to>
+                                    </p:set>
+                                    <p:animEffect transition="in" filter="wipe(left)">
+                                      <p:cBhvr>
+                                        <p:cTn id="110" dur="500"/>
+                                        <p:tgtEl>
+                                          <p:spTgt spid="5">
+                                            <p:txEl>
+                                              <p:pRg st="5" end="5"/>
+                                            </p:txEl>
+                                          </p:spTgt>
+                                        </p:tgtEl>
+                                      </p:cBhvr>
+                                    </p:animEffect>
+                                  </p:childTnLst>
+                                </p:cTn>
+                              </p:par>
+                            </p:childTnLst>
+                          </p:cTn>
+                        </p:par>
+                      </p:childTnLst>
+                    </p:cTn>
+                  </p:par>
+                  <p:par>
+                    <p:cTn id="111" fill="hold">
+                      <p:stCondLst>
+                        <p:cond delay="indefinite"/>
+                      </p:stCondLst>
+                      <p:childTnLst>
+                        <p:par>
+                          <p:cTn id="112" fill="hold">
+                            <p:stCondLst>
+                              <p:cond delay="0"/>
+                            </p:stCondLst>
+                            <p:childTnLst>
+                              <p:par>
+                                <p:cTn id="113" presetID="22" presetClass="entr" presetSubtype="8" fill="hold" grpId="0" nodeType="clickEffect">
+                                  <p:stCondLst>
+                                    <p:cond delay="0"/>
+                                  </p:stCondLst>
+                                  <p:childTnLst>
+                                    <p:set>
+                                      <p:cBhvr>
+                                        <p:cTn id="114" dur="1" fill="hold">
+                                          <p:stCondLst>
+                                            <p:cond delay="0"/>
+                                          </p:stCondLst>
+                                        </p:cTn>
+                                        <p:tgtEl>
+                                          <p:spTgt spid="5">
+                                            <p:txEl>
+                                              <p:pRg st="6" end="6"/>
+                                            </p:txEl>
+                                          </p:spTgt>
+                                        </p:tgtEl>
+                                        <p:attrNameLst>
+                                          <p:attrName>style.visibility</p:attrName>
+                                        </p:attrNameLst>
+                                      </p:cBhvr>
+                                      <p:to>
+                                        <p:strVal val="visible"/>
+                                      </p:to>
+                                    </p:set>
+                                    <p:animEffect transition="in" filter="wipe(left)">
+                                      <p:cBhvr>
+                                        <p:cTn id="115" dur="500"/>
+                                        <p:tgtEl>
+                                          <p:spTgt spid="5">
+                                            <p:txEl>
+                                              <p:pRg st="6" end="6"/>
+                                            </p:txEl>
+                                          </p:spTgt>
+                                        </p:tgtEl>
+                                      </p:cBhvr>
+                                    </p:animEffect>
+                                  </p:childTnLst>
+                                </p:cTn>
+                              </p:par>
+                            </p:childTnLst>
+                          </p:cTn>
+                        </p:par>
+                      </p:childTnLst>
+                    </p:cTn>
+                  </p:par>
+                  <p:par>
+                    <p:cTn id="116" fill="hold">
+                      <p:stCondLst>
+                        <p:cond delay="indefinite"/>
+                      </p:stCondLst>
+                      <p:childTnLst>
+                        <p:par>
+                          <p:cTn id="117" fill="hold">
+                            <p:stCondLst>
+                              <p:cond delay="0"/>
+                            </p:stCondLst>
+                            <p:childTnLst>
+                              <p:par>
+                                <p:cTn id="118" presetID="22" presetClass="entr" presetSubtype="8" fill="hold" grpId="0" nodeType="clickEffect">
+                                  <p:stCondLst>
+                                    <p:cond delay="0"/>
+                                  </p:stCondLst>
+                                  <p:childTnLst>
+                                    <p:set>
+                                      <p:cBhvr>
+                                        <p:cTn id="119" dur="1" fill="hold">
+                                          <p:stCondLst>
+                                            <p:cond delay="0"/>
+                                          </p:stCondLst>
+                                        </p:cTn>
+                                        <p:tgtEl>
+                                          <p:spTgt spid="5">
+                                            <p:txEl>
+                                              <p:pRg st="7" end="7"/>
+                                            </p:txEl>
+                                          </p:spTgt>
+                                        </p:tgtEl>
+                                        <p:attrNameLst>
+                                          <p:attrName>style.visibility</p:attrName>
+                                        </p:attrNameLst>
+                                      </p:cBhvr>
+                                      <p:to>
+                                        <p:strVal val="visible"/>
+                                      </p:to>
+                                    </p:set>
+                                    <p:animEffect transition="in" filter="wipe(left)">
+                                      <p:cBhvr>
+                                        <p:cTn id="120" dur="500"/>
+                                        <p:tgtEl>
+                                          <p:spTgt spid="5">
+                                            <p:txEl>
+                                              <p:pRg st="7" end="7"/>
+                                            </p:txEl>
+                                          </p:spTgt>
+                                        </p:tgtEl>
+                                      </p:cBhvr>
+                                    </p:animEffect>
+                                  </p:childTnLst>
+                                </p:cTn>
+                              </p:par>
+                              <p:par>
+                                <p:cTn id="121" presetID="22" presetClass="entr" presetSubtype="8" fill="hold" grpId="0" nodeType="withEffect">
+                                  <p:stCondLst>
+                                    <p:cond delay="0"/>
+                                  </p:stCondLst>
+                                  <p:childTnLst>
+                                    <p:set>
+                                      <p:cBhvr>
+                                        <p:cTn id="122" dur="1" fill="hold">
+                                          <p:stCondLst>
+                                            <p:cond delay="0"/>
+                                          </p:stCondLst>
+                                        </p:cTn>
+                                        <p:tgtEl>
+                                          <p:spTgt spid="5">
+                                            <p:txEl>
+                                              <p:pRg st="8" end="8"/>
+                                            </p:txEl>
+                                          </p:spTgt>
+                                        </p:tgtEl>
+                                        <p:attrNameLst>
+                                          <p:attrName>style.visibility</p:attrName>
+                                        </p:attrNameLst>
+                                      </p:cBhvr>
+                                      <p:to>
+                                        <p:strVal val="visible"/>
+                                      </p:to>
+                                    </p:set>
+                                    <p:animEffect transition="in" filter="wipe(left)">
+                                      <p:cBhvr>
+                                        <p:cTn id="123" dur="500"/>
+                                        <p:tgtEl>
+                                          <p:spTgt spid="5">
+                                            <p:txEl>
+                                              <p:pRg st="8" end="8"/>
+                                            </p:txEl>
+                                          </p:spTgt>
+                                        </p:tgtEl>
+                                      </p:cBhvr>
+                                    </p:animEffect>
+                                  </p:childTnLst>
+                                </p:cTn>
+                              </p:par>
+                              <p:par>
+                                <p:cTn id="124" presetID="22" presetClass="entr" presetSubtype="8" fill="hold" grpId="0" nodeType="withEffect">
+                                  <p:stCondLst>
+                                    <p:cond delay="0"/>
+                                  </p:stCondLst>
+                                  <p:childTnLst>
+                                    <p:set>
+                                      <p:cBhvr>
+                                        <p:cTn id="125" dur="1" fill="hold">
+                                          <p:stCondLst>
+                                            <p:cond delay="0"/>
+                                          </p:stCondLst>
+                                        </p:cTn>
+                                        <p:tgtEl>
+                                          <p:spTgt spid="5">
+                                            <p:txEl>
+                                              <p:pRg st="9" end="9"/>
+                                            </p:txEl>
+                                          </p:spTgt>
+                                        </p:tgtEl>
+                                        <p:attrNameLst>
+                                          <p:attrName>style.visibility</p:attrName>
+                                        </p:attrNameLst>
+                                      </p:cBhvr>
+                                      <p:to>
+                                        <p:strVal val="visible"/>
+                                      </p:to>
+                                    </p:set>
+                                    <p:animEffect transition="in" filter="wipe(left)">
+                                      <p:cBhvr>
+                                        <p:cTn id="126" dur="500"/>
+                                        <p:tgtEl>
+                                          <p:spTgt spid="5">
+                                            <p:txEl>
+                                              <p:pRg st="9" end="9"/>
+                                            </p:txEl>
+                                          </p:spTgt>
+                                        </p:tgtEl>
+                                      </p:cBhvr>
+                                    </p:animEffect>
+                                  </p:childTnLst>
+                                </p:cTn>
+                              </p:par>
+                              <p:par>
+                                <p:cTn id="127" presetID="22" presetClass="entr" presetSubtype="8" fill="hold" grpId="0" nodeType="withEffect">
+                                  <p:stCondLst>
+                                    <p:cond delay="0"/>
+                                  </p:stCondLst>
+                                  <p:childTnLst>
+                                    <p:set>
+                                      <p:cBhvr>
+                                        <p:cTn id="128" dur="1" fill="hold">
+                                          <p:stCondLst>
+                                            <p:cond delay="0"/>
+                                          </p:stCondLst>
+                                        </p:cTn>
+                                        <p:tgtEl>
+                                          <p:spTgt spid="5">
+                                            <p:txEl>
+                                              <p:pRg st="10" end="10"/>
+                                            </p:txEl>
+                                          </p:spTgt>
+                                        </p:tgtEl>
+                                        <p:attrNameLst>
+                                          <p:attrName>style.visibility</p:attrName>
+                                        </p:attrNameLst>
+                                      </p:cBhvr>
+                                      <p:to>
+                                        <p:strVal val="visible"/>
+                                      </p:to>
+                                    </p:set>
+                                    <p:animEffect transition="in" filter="wipe(left)">
+                                      <p:cBhvr>
+                                        <p:cTn id="129" dur="500"/>
+                                        <p:tgtEl>
+                                          <p:spTgt spid="5">
+                                            <p:txEl>
+                                              <p:pRg st="10" end="10"/>
+                                            </p:txEl>
+                                          </p:spTgt>
+                                        </p:tgtEl>
+                                      </p:cBhvr>
+                                    </p:animEffect>
+                                  </p:childTnLst>
+                                </p:cTn>
+                              </p:par>
+                              <p:par>
+                                <p:cTn id="130" presetID="22" presetClass="entr" presetSubtype="8" fill="hold" grpId="0" nodeType="withEffect">
+                                  <p:stCondLst>
+                                    <p:cond delay="0"/>
+                                  </p:stCondLst>
+                                  <p:childTnLst>
+                                    <p:set>
+                                      <p:cBhvr>
+                                        <p:cTn id="131" dur="1" fill="hold">
+                                          <p:stCondLst>
+                                            <p:cond delay="0"/>
+                                          </p:stCondLst>
+                                        </p:cTn>
+                                        <p:tgtEl>
+                                          <p:spTgt spid="5">
+                                            <p:txEl>
+                                              <p:pRg st="11" end="11"/>
+                                            </p:txEl>
+                                          </p:spTgt>
+                                        </p:tgtEl>
+                                        <p:attrNameLst>
+                                          <p:attrName>style.visibility</p:attrName>
+                                        </p:attrNameLst>
+                                      </p:cBhvr>
+                                      <p:to>
+                                        <p:strVal val="visible"/>
+                                      </p:to>
+                                    </p:set>
+                                    <p:animEffect transition="in" filter="wipe(left)">
+                                      <p:cBhvr>
+                                        <p:cTn id="132" dur="500"/>
+                                        <p:tgtEl>
+                                          <p:spTgt spid="5">
+                                            <p:txEl>
+                                              <p:pRg st="11" end="11"/>
+                                            </p:txEl>
+                                          </p:spTgt>
+                                        </p:tgtEl>
+                                      </p:cBhvr>
+                                    </p:animEffect>
+                                  </p:childTnLst>
+                                </p:cTn>
+                              </p:par>
+                              <p:par>
+                                <p:cTn id="133" presetID="22" presetClass="entr" presetSubtype="8" fill="hold" grpId="0" nodeType="withEffect">
+                                  <p:stCondLst>
+                                    <p:cond delay="0"/>
+                                  </p:stCondLst>
+                                  <p:childTnLst>
+                                    <p:set>
+                                      <p:cBhvr>
+                                        <p:cTn id="134" dur="1" fill="hold">
+                                          <p:stCondLst>
+                                            <p:cond delay="0"/>
+                                          </p:stCondLst>
+                                        </p:cTn>
+                                        <p:tgtEl>
+                                          <p:spTgt spid="5">
+                                            <p:txEl>
+                                              <p:pRg st="12" end="12"/>
+                                            </p:txEl>
+                                          </p:spTgt>
+                                        </p:tgtEl>
+                                        <p:attrNameLst>
+                                          <p:attrName>style.visibility</p:attrName>
+                                        </p:attrNameLst>
+                                      </p:cBhvr>
+                                      <p:to>
+                                        <p:strVal val="visible"/>
+                                      </p:to>
+                                    </p:set>
+                                    <p:animEffect transition="in" filter="wipe(left)">
+                                      <p:cBhvr>
+                                        <p:cTn id="135" dur="500"/>
+                                        <p:tgtEl>
+                                          <p:spTgt spid="5">
+                                            <p:txEl>
+                                              <p:pRg st="12" end="12"/>
+                                            </p:txEl>
+                                          </p:spTgt>
+                                        </p:tgtEl>
+                                      </p:cBhvr>
+                                    </p:animEffect>
+                                  </p:childTnLst>
+                                </p:cTn>
+                              </p:par>
+                              <p:par>
+                                <p:cTn id="136" presetID="22" presetClass="entr" presetSubtype="8" fill="hold" grpId="0" nodeType="withEffect">
+                                  <p:stCondLst>
+                                    <p:cond delay="0"/>
+                                  </p:stCondLst>
+                                  <p:childTnLst>
+                                    <p:set>
+                                      <p:cBhvr>
+                                        <p:cTn id="137" dur="1" fill="hold">
+                                          <p:stCondLst>
+                                            <p:cond delay="0"/>
+                                          </p:stCondLst>
+                                        </p:cTn>
+                                        <p:tgtEl>
+                                          <p:spTgt spid="5">
+                                            <p:txEl>
+                                              <p:pRg st="13" end="13"/>
+                                            </p:txEl>
+                                          </p:spTgt>
+                                        </p:tgtEl>
+                                        <p:attrNameLst>
+                                          <p:attrName>style.visibility</p:attrName>
+                                        </p:attrNameLst>
+                                      </p:cBhvr>
+                                      <p:to>
+                                        <p:strVal val="visible"/>
+                                      </p:to>
+                                    </p:set>
+                                    <p:animEffect transition="in" filter="wipe(left)">
+                                      <p:cBhvr>
+                                        <p:cTn id="138" dur="500"/>
+                                        <p:tgtEl>
+                                          <p:spTgt spid="5">
+                                            <p:txEl>
+                                              <p:pRg st="13" end="13"/>
+                                            </p:txEl>
+                                          </p:spTgt>
+                                        </p:tgtEl>
+                                      </p:cBhvr>
+                                    </p:animEffect>
+                                  </p:childTnLst>
+                                </p:cTn>
+                              </p:par>
+                              <p:par>
+                                <p:cTn id="139" presetID="22" presetClass="entr" presetSubtype="8" fill="hold" grpId="0" nodeType="withEffect">
+                                  <p:stCondLst>
+                                    <p:cond delay="0"/>
+                                  </p:stCondLst>
+                                  <p:childTnLst>
+                                    <p:set>
+                                      <p:cBhvr>
+                                        <p:cTn id="140" dur="1" fill="hold">
+                                          <p:stCondLst>
+                                            <p:cond delay="0"/>
+                                          </p:stCondLst>
+                                        </p:cTn>
+                                        <p:tgtEl>
+                                          <p:spTgt spid="5">
+                                            <p:txEl>
+                                              <p:pRg st="14" end="14"/>
+                                            </p:txEl>
+                                          </p:spTgt>
+                                        </p:tgtEl>
+                                        <p:attrNameLst>
+                                          <p:attrName>style.visibility</p:attrName>
+                                        </p:attrNameLst>
+                                      </p:cBhvr>
+                                      <p:to>
+                                        <p:strVal val="visible"/>
+                                      </p:to>
+                                    </p:set>
+                                    <p:animEffect transition="in" filter="wipe(left)">
+                                      <p:cBhvr>
+                                        <p:cTn id="141" dur="500"/>
+                                        <p:tgtEl>
+                                          <p:spTgt spid="5">
+                                            <p:txEl>
+                                              <p:pRg st="14" end="14"/>
+                                            </p:txEl>
                                           </p:spTgt>
                                         </p:tgtEl>
                                       </p:cBhvr>
@@ -10556,7 +13414,7 @@
       </p:par>
     </p:tnLst>
     <p:bldLst>
-      <p:bldP spid="4" grpId="0" uiExpand="1" build="p" animBg="1"/>
+      <p:bldP spid="4" grpId="0" build="p" animBg="1"/>
       <p:bldP spid="5" grpId="0" uiExpand="1" build="p" animBg="1"/>
     </p:bldLst>
   </p:timing>
@@ -11134,6 +13992,494 @@
                       </p:childTnLst>
                     </p:cTn>
                   </p:par>
+                  <p:par>
+                    <p:cTn id="8" fill="hold">
+                      <p:stCondLst>
+                        <p:cond delay="indefinite"/>
+                      </p:stCondLst>
+                      <p:childTnLst>
+                        <p:par>
+                          <p:cTn id="9" fill="hold">
+                            <p:stCondLst>
+                              <p:cond delay="0"/>
+                            </p:stCondLst>
+                            <p:childTnLst>
+                              <p:par>
+                                <p:cTn id="10" presetID="22" presetClass="entr" presetSubtype="8" fill="hold" grpId="0" nodeType="clickEffect">
+                                  <p:stCondLst>
+                                    <p:cond delay="0"/>
+                                  </p:stCondLst>
+                                  <p:childTnLst>
+                                    <p:set>
+                                      <p:cBhvr>
+                                        <p:cTn id="11" dur="1" fill="hold">
+                                          <p:stCondLst>
+                                            <p:cond delay="0"/>
+                                          </p:stCondLst>
+                                        </p:cTn>
+                                        <p:tgtEl>
+                                          <p:spTgt spid="4">
+                                            <p:txEl>
+                                              <p:pRg st="0" end="0"/>
+                                            </p:txEl>
+                                          </p:spTgt>
+                                        </p:tgtEl>
+                                        <p:attrNameLst>
+                                          <p:attrName>style.visibility</p:attrName>
+                                        </p:attrNameLst>
+                                      </p:cBhvr>
+                                      <p:to>
+                                        <p:strVal val="visible"/>
+                                      </p:to>
+                                    </p:set>
+                                    <p:animEffect transition="in" filter="wipe(left)">
+                                      <p:cBhvr>
+                                        <p:cTn id="12" dur="500"/>
+                                        <p:tgtEl>
+                                          <p:spTgt spid="4">
+                                            <p:txEl>
+                                              <p:pRg st="0" end="0"/>
+                                            </p:txEl>
+                                          </p:spTgt>
+                                        </p:tgtEl>
+                                      </p:cBhvr>
+                                    </p:animEffect>
+                                  </p:childTnLst>
+                                </p:cTn>
+                              </p:par>
+                            </p:childTnLst>
+                          </p:cTn>
+                        </p:par>
+                      </p:childTnLst>
+                    </p:cTn>
+                  </p:par>
+                  <p:par>
+                    <p:cTn id="13" fill="hold">
+                      <p:stCondLst>
+                        <p:cond delay="indefinite"/>
+                      </p:stCondLst>
+                      <p:childTnLst>
+                        <p:par>
+                          <p:cTn id="14" fill="hold">
+                            <p:stCondLst>
+                              <p:cond delay="0"/>
+                            </p:stCondLst>
+                            <p:childTnLst>
+                              <p:par>
+                                <p:cTn id="15" presetID="22" presetClass="entr" presetSubtype="8" fill="hold" grpId="0" nodeType="clickEffect">
+                                  <p:stCondLst>
+                                    <p:cond delay="0"/>
+                                  </p:stCondLst>
+                                  <p:childTnLst>
+                                    <p:set>
+                                      <p:cBhvr>
+                                        <p:cTn id="16" dur="1" fill="hold">
+                                          <p:stCondLst>
+                                            <p:cond delay="0"/>
+                                          </p:stCondLst>
+                                        </p:cTn>
+                                        <p:tgtEl>
+                                          <p:spTgt spid="4">
+                                            <p:txEl>
+                                              <p:pRg st="1" end="1"/>
+                                            </p:txEl>
+                                          </p:spTgt>
+                                        </p:tgtEl>
+                                        <p:attrNameLst>
+                                          <p:attrName>style.visibility</p:attrName>
+                                        </p:attrNameLst>
+                                      </p:cBhvr>
+                                      <p:to>
+                                        <p:strVal val="visible"/>
+                                      </p:to>
+                                    </p:set>
+                                    <p:animEffect transition="in" filter="wipe(left)">
+                                      <p:cBhvr>
+                                        <p:cTn id="17" dur="500"/>
+                                        <p:tgtEl>
+                                          <p:spTgt spid="4">
+                                            <p:txEl>
+                                              <p:pRg st="1" end="1"/>
+                                            </p:txEl>
+                                          </p:spTgt>
+                                        </p:tgtEl>
+                                      </p:cBhvr>
+                                    </p:animEffect>
+                                  </p:childTnLst>
+                                </p:cTn>
+                              </p:par>
+                            </p:childTnLst>
+                          </p:cTn>
+                        </p:par>
+                      </p:childTnLst>
+                    </p:cTn>
+                  </p:par>
+                  <p:par>
+                    <p:cTn id="18" fill="hold">
+                      <p:stCondLst>
+                        <p:cond delay="indefinite"/>
+                      </p:stCondLst>
+                      <p:childTnLst>
+                        <p:par>
+                          <p:cTn id="19" fill="hold">
+                            <p:stCondLst>
+                              <p:cond delay="0"/>
+                            </p:stCondLst>
+                            <p:childTnLst>
+                              <p:par>
+                                <p:cTn id="20" presetID="22" presetClass="entr" presetSubtype="8" fill="hold" grpId="0" nodeType="clickEffect">
+                                  <p:stCondLst>
+                                    <p:cond delay="0"/>
+                                  </p:stCondLst>
+                                  <p:childTnLst>
+                                    <p:set>
+                                      <p:cBhvr>
+                                        <p:cTn id="21" dur="1" fill="hold">
+                                          <p:stCondLst>
+                                            <p:cond delay="0"/>
+                                          </p:stCondLst>
+                                        </p:cTn>
+                                        <p:tgtEl>
+                                          <p:spTgt spid="4">
+                                            <p:txEl>
+                                              <p:pRg st="2" end="2"/>
+                                            </p:txEl>
+                                          </p:spTgt>
+                                        </p:tgtEl>
+                                        <p:attrNameLst>
+                                          <p:attrName>style.visibility</p:attrName>
+                                        </p:attrNameLst>
+                                      </p:cBhvr>
+                                      <p:to>
+                                        <p:strVal val="visible"/>
+                                      </p:to>
+                                    </p:set>
+                                    <p:animEffect transition="in" filter="wipe(left)">
+                                      <p:cBhvr>
+                                        <p:cTn id="22" dur="500"/>
+                                        <p:tgtEl>
+                                          <p:spTgt spid="4">
+                                            <p:txEl>
+                                              <p:pRg st="2" end="2"/>
+                                            </p:txEl>
+                                          </p:spTgt>
+                                        </p:tgtEl>
+                                      </p:cBhvr>
+                                    </p:animEffect>
+                                  </p:childTnLst>
+                                </p:cTn>
+                              </p:par>
+                            </p:childTnLst>
+                          </p:cTn>
+                        </p:par>
+                      </p:childTnLst>
+                    </p:cTn>
+                  </p:par>
+                  <p:par>
+                    <p:cTn id="23" fill="hold">
+                      <p:stCondLst>
+                        <p:cond delay="indefinite"/>
+                      </p:stCondLst>
+                      <p:childTnLst>
+                        <p:par>
+                          <p:cTn id="24" fill="hold">
+                            <p:stCondLst>
+                              <p:cond delay="0"/>
+                            </p:stCondLst>
+                            <p:childTnLst>
+                              <p:par>
+                                <p:cTn id="25" presetID="22" presetClass="entr" presetSubtype="8" fill="hold" grpId="0" nodeType="clickEffect">
+                                  <p:stCondLst>
+                                    <p:cond delay="0"/>
+                                  </p:stCondLst>
+                                  <p:childTnLst>
+                                    <p:set>
+                                      <p:cBhvr>
+                                        <p:cTn id="26" dur="1" fill="hold">
+                                          <p:stCondLst>
+                                            <p:cond delay="0"/>
+                                          </p:stCondLst>
+                                        </p:cTn>
+                                        <p:tgtEl>
+                                          <p:spTgt spid="4">
+                                            <p:txEl>
+                                              <p:pRg st="3" end="3"/>
+                                            </p:txEl>
+                                          </p:spTgt>
+                                        </p:tgtEl>
+                                        <p:attrNameLst>
+                                          <p:attrName>style.visibility</p:attrName>
+                                        </p:attrNameLst>
+                                      </p:cBhvr>
+                                      <p:to>
+                                        <p:strVal val="visible"/>
+                                      </p:to>
+                                    </p:set>
+                                    <p:animEffect transition="in" filter="wipe(left)">
+                                      <p:cBhvr>
+                                        <p:cTn id="27" dur="500"/>
+                                        <p:tgtEl>
+                                          <p:spTgt spid="4">
+                                            <p:txEl>
+                                              <p:pRg st="3" end="3"/>
+                                            </p:txEl>
+                                          </p:spTgt>
+                                        </p:tgtEl>
+                                      </p:cBhvr>
+                                    </p:animEffect>
+                                  </p:childTnLst>
+                                </p:cTn>
+                              </p:par>
+                            </p:childTnLst>
+                          </p:cTn>
+                        </p:par>
+                      </p:childTnLst>
+                    </p:cTn>
+                  </p:par>
+                  <p:par>
+                    <p:cTn id="28" fill="hold">
+                      <p:stCondLst>
+                        <p:cond delay="indefinite"/>
+                      </p:stCondLst>
+                      <p:childTnLst>
+                        <p:par>
+                          <p:cTn id="29" fill="hold">
+                            <p:stCondLst>
+                              <p:cond delay="0"/>
+                            </p:stCondLst>
+                            <p:childTnLst>
+                              <p:par>
+                                <p:cTn id="30" presetID="22" presetClass="entr" presetSubtype="8" fill="hold" grpId="0" nodeType="clickEffect">
+                                  <p:stCondLst>
+                                    <p:cond delay="0"/>
+                                  </p:stCondLst>
+                                  <p:childTnLst>
+                                    <p:set>
+                                      <p:cBhvr>
+                                        <p:cTn id="31" dur="1" fill="hold">
+                                          <p:stCondLst>
+                                            <p:cond delay="0"/>
+                                          </p:stCondLst>
+                                        </p:cTn>
+                                        <p:tgtEl>
+                                          <p:spTgt spid="4">
+                                            <p:txEl>
+                                              <p:pRg st="4" end="4"/>
+                                            </p:txEl>
+                                          </p:spTgt>
+                                        </p:tgtEl>
+                                        <p:attrNameLst>
+                                          <p:attrName>style.visibility</p:attrName>
+                                        </p:attrNameLst>
+                                      </p:cBhvr>
+                                      <p:to>
+                                        <p:strVal val="visible"/>
+                                      </p:to>
+                                    </p:set>
+                                    <p:animEffect transition="in" filter="wipe(left)">
+                                      <p:cBhvr>
+                                        <p:cTn id="32" dur="500"/>
+                                        <p:tgtEl>
+                                          <p:spTgt spid="4">
+                                            <p:txEl>
+                                              <p:pRg st="4" end="4"/>
+                                            </p:txEl>
+                                          </p:spTgt>
+                                        </p:tgtEl>
+                                      </p:cBhvr>
+                                    </p:animEffect>
+                                  </p:childTnLst>
+                                </p:cTn>
+                              </p:par>
+                            </p:childTnLst>
+                          </p:cTn>
+                        </p:par>
+                      </p:childTnLst>
+                    </p:cTn>
+                  </p:par>
+                  <p:par>
+                    <p:cTn id="33" fill="hold">
+                      <p:stCondLst>
+                        <p:cond delay="indefinite"/>
+                      </p:stCondLst>
+                      <p:childTnLst>
+                        <p:par>
+                          <p:cTn id="34" fill="hold">
+                            <p:stCondLst>
+                              <p:cond delay="0"/>
+                            </p:stCondLst>
+                            <p:childTnLst>
+                              <p:par>
+                                <p:cTn id="35" presetID="22" presetClass="entr" presetSubtype="8" fill="hold" grpId="0" nodeType="clickEffect">
+                                  <p:stCondLst>
+                                    <p:cond delay="0"/>
+                                  </p:stCondLst>
+                                  <p:childTnLst>
+                                    <p:set>
+                                      <p:cBhvr>
+                                        <p:cTn id="36" dur="1" fill="hold">
+                                          <p:stCondLst>
+                                            <p:cond delay="0"/>
+                                          </p:stCondLst>
+                                        </p:cTn>
+                                        <p:tgtEl>
+                                          <p:spTgt spid="4">
+                                            <p:txEl>
+                                              <p:pRg st="5" end="5"/>
+                                            </p:txEl>
+                                          </p:spTgt>
+                                        </p:tgtEl>
+                                        <p:attrNameLst>
+                                          <p:attrName>style.visibility</p:attrName>
+                                        </p:attrNameLst>
+                                      </p:cBhvr>
+                                      <p:to>
+                                        <p:strVal val="visible"/>
+                                      </p:to>
+                                    </p:set>
+                                    <p:animEffect transition="in" filter="wipe(left)">
+                                      <p:cBhvr>
+                                        <p:cTn id="37" dur="500"/>
+                                        <p:tgtEl>
+                                          <p:spTgt spid="4">
+                                            <p:txEl>
+                                              <p:pRg st="5" end="5"/>
+                                            </p:txEl>
+                                          </p:spTgt>
+                                        </p:tgtEl>
+                                      </p:cBhvr>
+                                    </p:animEffect>
+                                  </p:childTnLst>
+                                </p:cTn>
+                              </p:par>
+                            </p:childTnLst>
+                          </p:cTn>
+                        </p:par>
+                      </p:childTnLst>
+                    </p:cTn>
+                  </p:par>
+                  <p:par>
+                    <p:cTn id="38" fill="hold">
+                      <p:stCondLst>
+                        <p:cond delay="indefinite"/>
+                      </p:stCondLst>
+                      <p:childTnLst>
+                        <p:par>
+                          <p:cTn id="39" fill="hold">
+                            <p:stCondLst>
+                              <p:cond delay="0"/>
+                            </p:stCondLst>
+                            <p:childTnLst>
+                              <p:par>
+                                <p:cTn id="40" presetID="22" presetClass="entr" presetSubtype="8" fill="hold" grpId="0" nodeType="clickEffect">
+                                  <p:stCondLst>
+                                    <p:cond delay="0"/>
+                                  </p:stCondLst>
+                                  <p:childTnLst>
+                                    <p:set>
+                                      <p:cBhvr>
+                                        <p:cTn id="41" dur="1" fill="hold">
+                                          <p:stCondLst>
+                                            <p:cond delay="0"/>
+                                          </p:stCondLst>
+                                        </p:cTn>
+                                        <p:tgtEl>
+                                          <p:spTgt spid="4">
+                                            <p:txEl>
+                                              <p:pRg st="6" end="6"/>
+                                            </p:txEl>
+                                          </p:spTgt>
+                                        </p:tgtEl>
+                                        <p:attrNameLst>
+                                          <p:attrName>style.visibility</p:attrName>
+                                        </p:attrNameLst>
+                                      </p:cBhvr>
+                                      <p:to>
+                                        <p:strVal val="visible"/>
+                                      </p:to>
+                                    </p:set>
+                                    <p:animEffect transition="in" filter="wipe(left)">
+                                      <p:cBhvr>
+                                        <p:cTn id="42" dur="500"/>
+                                        <p:tgtEl>
+                                          <p:spTgt spid="4">
+                                            <p:txEl>
+                                              <p:pRg st="6" end="6"/>
+                                            </p:txEl>
+                                          </p:spTgt>
+                                        </p:tgtEl>
+                                      </p:cBhvr>
+                                    </p:animEffect>
+                                  </p:childTnLst>
+                                </p:cTn>
+                              </p:par>
+                            </p:childTnLst>
+                          </p:cTn>
+                        </p:par>
+                      </p:childTnLst>
+                    </p:cTn>
+                  </p:par>
+                  <p:par>
+                    <p:cTn id="43" fill="hold">
+                      <p:stCondLst>
+                        <p:cond delay="indefinite"/>
+                      </p:stCondLst>
+                      <p:childTnLst>
+                        <p:par>
+                          <p:cTn id="44" fill="hold">
+                            <p:stCondLst>
+                              <p:cond delay="0"/>
+                            </p:stCondLst>
+                            <p:childTnLst>
+                              <p:par>
+                                <p:cTn id="45" presetID="22" presetClass="entr" presetSubtype="8" fill="hold" grpId="0" nodeType="clickEffect">
+                                  <p:stCondLst>
+                                    <p:cond delay="0"/>
+                                  </p:stCondLst>
+                                  <p:childTnLst>
+                                    <p:set>
+                                      <p:cBhvr>
+                                        <p:cTn id="46" dur="1" fill="hold">
+                                          <p:stCondLst>
+                                            <p:cond delay="0"/>
+                                          </p:stCondLst>
+                                        </p:cTn>
+                                        <p:tgtEl>
+                                          <p:spTgt spid="4">
+                                            <p:txEl>
+                                              <p:pRg st="7" end="7"/>
+                                            </p:txEl>
+                                          </p:spTgt>
+                                        </p:tgtEl>
+                                        <p:attrNameLst>
+                                          <p:attrName>style.visibility</p:attrName>
+                                        </p:attrNameLst>
+                                      </p:cBhvr>
+                                      <p:to>
+                                        <p:strVal val="visible"/>
+                                      </p:to>
+                                    </p:set>
+                                    <p:animEffect transition="in" filter="wipe(left)">
+                                      <p:cBhvr>
+                                        <p:cTn id="47" dur="500"/>
+                                        <p:tgtEl>
+                                          <p:spTgt spid="4">
+                                            <p:txEl>
+                                              <p:pRg st="7" end="7"/>
+                                            </p:txEl>
+                                          </p:spTgt>
+                                        </p:tgtEl>
+                                      </p:cBhvr>
+                                    </p:animEffect>
+                                  </p:childTnLst>
+                                </p:cTn>
+                              </p:par>
+                            </p:childTnLst>
+                          </p:cTn>
+                        </p:par>
+                      </p:childTnLst>
+                    </p:cTn>
+                  </p:par>
                 </p:childTnLst>
               </p:cTn>
               <p:prevCondLst>
@@ -11156,7 +14502,7 @@
       </p:par>
     </p:tnLst>
     <p:bldLst>
-      <p:bldP spid="4" grpId="0" uiExpand="1" build="p" animBg="1"/>
+      <p:bldP spid="4" grpId="0" build="p" animBg="1"/>
     </p:bldLst>
   </p:timing>
 </p:sld>
@@ -12667,8 +16013,10 @@
                                           </p:stCondLst>
                                         </p:cTn>
                                         <p:tgtEl>
-                                          <p:spTgt spid="5">
-                                            <p:bg/>
+                                          <p:spTgt spid="4">
+                                            <p:txEl>
+                                              <p:pRg st="0" end="0"/>
+                                            </p:txEl>
                                           </p:spTgt>
                                         </p:tgtEl>
                                         <p:attrNameLst>
@@ -12683,8 +16031,1086 @@
                                       <p:cBhvr>
                                         <p:cTn id="12" dur="500"/>
                                         <p:tgtEl>
+                                          <p:spTgt spid="4">
+                                            <p:txEl>
+                                              <p:pRg st="0" end="0"/>
+                                            </p:txEl>
+                                          </p:spTgt>
+                                        </p:tgtEl>
+                                      </p:cBhvr>
+                                    </p:animEffect>
+                                  </p:childTnLst>
+                                </p:cTn>
+                              </p:par>
+                            </p:childTnLst>
+                          </p:cTn>
+                        </p:par>
+                      </p:childTnLst>
+                    </p:cTn>
+                  </p:par>
+                  <p:par>
+                    <p:cTn id="13" fill="hold">
+                      <p:stCondLst>
+                        <p:cond delay="indefinite"/>
+                      </p:stCondLst>
+                      <p:childTnLst>
+                        <p:par>
+                          <p:cTn id="14" fill="hold">
+                            <p:stCondLst>
+                              <p:cond delay="0"/>
+                            </p:stCondLst>
+                            <p:childTnLst>
+                              <p:par>
+                                <p:cTn id="15" presetID="22" presetClass="entr" presetSubtype="8" fill="hold" grpId="0" nodeType="clickEffect">
+                                  <p:stCondLst>
+                                    <p:cond delay="0"/>
+                                  </p:stCondLst>
+                                  <p:childTnLst>
+                                    <p:set>
+                                      <p:cBhvr>
+                                        <p:cTn id="16" dur="1" fill="hold">
+                                          <p:stCondLst>
+                                            <p:cond delay="0"/>
+                                          </p:stCondLst>
+                                        </p:cTn>
+                                        <p:tgtEl>
+                                          <p:spTgt spid="4">
+                                            <p:txEl>
+                                              <p:pRg st="1" end="1"/>
+                                            </p:txEl>
+                                          </p:spTgt>
+                                        </p:tgtEl>
+                                        <p:attrNameLst>
+                                          <p:attrName>style.visibility</p:attrName>
+                                        </p:attrNameLst>
+                                      </p:cBhvr>
+                                      <p:to>
+                                        <p:strVal val="visible"/>
+                                      </p:to>
+                                    </p:set>
+                                    <p:animEffect transition="in" filter="wipe(left)">
+                                      <p:cBhvr>
+                                        <p:cTn id="17" dur="500"/>
+                                        <p:tgtEl>
+                                          <p:spTgt spid="4">
+                                            <p:txEl>
+                                              <p:pRg st="1" end="1"/>
+                                            </p:txEl>
+                                          </p:spTgt>
+                                        </p:tgtEl>
+                                      </p:cBhvr>
+                                    </p:animEffect>
+                                  </p:childTnLst>
+                                </p:cTn>
+                              </p:par>
+                            </p:childTnLst>
+                          </p:cTn>
+                        </p:par>
+                      </p:childTnLst>
+                    </p:cTn>
+                  </p:par>
+                  <p:par>
+                    <p:cTn id="18" fill="hold">
+                      <p:stCondLst>
+                        <p:cond delay="indefinite"/>
+                      </p:stCondLst>
+                      <p:childTnLst>
+                        <p:par>
+                          <p:cTn id="19" fill="hold">
+                            <p:stCondLst>
+                              <p:cond delay="0"/>
+                            </p:stCondLst>
+                            <p:childTnLst>
+                              <p:par>
+                                <p:cTn id="20" presetID="22" presetClass="entr" presetSubtype="8" fill="hold" grpId="0" nodeType="clickEffect">
+                                  <p:stCondLst>
+                                    <p:cond delay="0"/>
+                                  </p:stCondLst>
+                                  <p:childTnLst>
+                                    <p:set>
+                                      <p:cBhvr>
+                                        <p:cTn id="21" dur="1" fill="hold">
+                                          <p:stCondLst>
+                                            <p:cond delay="0"/>
+                                          </p:stCondLst>
+                                        </p:cTn>
+                                        <p:tgtEl>
+                                          <p:spTgt spid="4">
+                                            <p:txEl>
+                                              <p:pRg st="2" end="2"/>
+                                            </p:txEl>
+                                          </p:spTgt>
+                                        </p:tgtEl>
+                                        <p:attrNameLst>
+                                          <p:attrName>style.visibility</p:attrName>
+                                        </p:attrNameLst>
+                                      </p:cBhvr>
+                                      <p:to>
+                                        <p:strVal val="visible"/>
+                                      </p:to>
+                                    </p:set>
+                                    <p:animEffect transition="in" filter="wipe(left)">
+                                      <p:cBhvr>
+                                        <p:cTn id="22" dur="500"/>
+                                        <p:tgtEl>
+                                          <p:spTgt spid="4">
+                                            <p:txEl>
+                                              <p:pRg st="2" end="2"/>
+                                            </p:txEl>
+                                          </p:spTgt>
+                                        </p:tgtEl>
+                                      </p:cBhvr>
+                                    </p:animEffect>
+                                  </p:childTnLst>
+                                </p:cTn>
+                              </p:par>
+                            </p:childTnLst>
+                          </p:cTn>
+                        </p:par>
+                      </p:childTnLst>
+                    </p:cTn>
+                  </p:par>
+                  <p:par>
+                    <p:cTn id="23" fill="hold">
+                      <p:stCondLst>
+                        <p:cond delay="indefinite"/>
+                      </p:stCondLst>
+                      <p:childTnLst>
+                        <p:par>
+                          <p:cTn id="24" fill="hold">
+                            <p:stCondLst>
+                              <p:cond delay="0"/>
+                            </p:stCondLst>
+                            <p:childTnLst>
+                              <p:par>
+                                <p:cTn id="25" presetID="22" presetClass="entr" presetSubtype="8" fill="hold" grpId="0" nodeType="clickEffect">
+                                  <p:stCondLst>
+                                    <p:cond delay="0"/>
+                                  </p:stCondLst>
+                                  <p:childTnLst>
+                                    <p:set>
+                                      <p:cBhvr>
+                                        <p:cTn id="26" dur="1" fill="hold">
+                                          <p:stCondLst>
+                                            <p:cond delay="0"/>
+                                          </p:stCondLst>
+                                        </p:cTn>
+                                        <p:tgtEl>
+                                          <p:spTgt spid="4">
+                                            <p:txEl>
+                                              <p:pRg st="3" end="3"/>
+                                            </p:txEl>
+                                          </p:spTgt>
+                                        </p:tgtEl>
+                                        <p:attrNameLst>
+                                          <p:attrName>style.visibility</p:attrName>
+                                        </p:attrNameLst>
+                                      </p:cBhvr>
+                                      <p:to>
+                                        <p:strVal val="visible"/>
+                                      </p:to>
+                                    </p:set>
+                                    <p:animEffect transition="in" filter="wipe(left)">
+                                      <p:cBhvr>
+                                        <p:cTn id="27" dur="500"/>
+                                        <p:tgtEl>
+                                          <p:spTgt spid="4">
+                                            <p:txEl>
+                                              <p:pRg st="3" end="3"/>
+                                            </p:txEl>
+                                          </p:spTgt>
+                                        </p:tgtEl>
+                                      </p:cBhvr>
+                                    </p:animEffect>
+                                  </p:childTnLst>
+                                </p:cTn>
+                              </p:par>
+                            </p:childTnLst>
+                          </p:cTn>
+                        </p:par>
+                      </p:childTnLst>
+                    </p:cTn>
+                  </p:par>
+                  <p:par>
+                    <p:cTn id="28" fill="hold">
+                      <p:stCondLst>
+                        <p:cond delay="indefinite"/>
+                      </p:stCondLst>
+                      <p:childTnLst>
+                        <p:par>
+                          <p:cTn id="29" fill="hold">
+                            <p:stCondLst>
+                              <p:cond delay="0"/>
+                            </p:stCondLst>
+                            <p:childTnLst>
+                              <p:par>
+                                <p:cTn id="30" presetID="22" presetClass="entr" presetSubtype="8" fill="hold" grpId="0" nodeType="clickEffect">
+                                  <p:stCondLst>
+                                    <p:cond delay="0"/>
+                                  </p:stCondLst>
+                                  <p:childTnLst>
+                                    <p:set>
+                                      <p:cBhvr>
+                                        <p:cTn id="31" dur="1" fill="hold">
+                                          <p:stCondLst>
+                                            <p:cond delay="0"/>
+                                          </p:stCondLst>
+                                        </p:cTn>
+                                        <p:tgtEl>
+                                          <p:spTgt spid="4">
+                                            <p:txEl>
+                                              <p:pRg st="4" end="4"/>
+                                            </p:txEl>
+                                          </p:spTgt>
+                                        </p:tgtEl>
+                                        <p:attrNameLst>
+                                          <p:attrName>style.visibility</p:attrName>
+                                        </p:attrNameLst>
+                                      </p:cBhvr>
+                                      <p:to>
+                                        <p:strVal val="visible"/>
+                                      </p:to>
+                                    </p:set>
+                                    <p:animEffect transition="in" filter="wipe(left)">
+                                      <p:cBhvr>
+                                        <p:cTn id="32" dur="500"/>
+                                        <p:tgtEl>
+                                          <p:spTgt spid="4">
+                                            <p:txEl>
+                                              <p:pRg st="4" end="4"/>
+                                            </p:txEl>
+                                          </p:spTgt>
+                                        </p:tgtEl>
+                                      </p:cBhvr>
+                                    </p:animEffect>
+                                  </p:childTnLst>
+                                </p:cTn>
+                              </p:par>
+                            </p:childTnLst>
+                          </p:cTn>
+                        </p:par>
+                      </p:childTnLst>
+                    </p:cTn>
+                  </p:par>
+                  <p:par>
+                    <p:cTn id="33" fill="hold">
+                      <p:stCondLst>
+                        <p:cond delay="indefinite"/>
+                      </p:stCondLst>
+                      <p:childTnLst>
+                        <p:par>
+                          <p:cTn id="34" fill="hold">
+                            <p:stCondLst>
+                              <p:cond delay="0"/>
+                            </p:stCondLst>
+                            <p:childTnLst>
+                              <p:par>
+                                <p:cTn id="35" presetID="22" presetClass="entr" presetSubtype="8" fill="hold" grpId="0" nodeType="clickEffect">
+                                  <p:stCondLst>
+                                    <p:cond delay="0"/>
+                                  </p:stCondLst>
+                                  <p:childTnLst>
+                                    <p:set>
+                                      <p:cBhvr>
+                                        <p:cTn id="36" dur="1" fill="hold">
+                                          <p:stCondLst>
+                                            <p:cond delay="0"/>
+                                          </p:stCondLst>
+                                        </p:cTn>
+                                        <p:tgtEl>
+                                          <p:spTgt spid="4">
+                                            <p:txEl>
+                                              <p:pRg st="5" end="5"/>
+                                            </p:txEl>
+                                          </p:spTgt>
+                                        </p:tgtEl>
+                                        <p:attrNameLst>
+                                          <p:attrName>style.visibility</p:attrName>
+                                        </p:attrNameLst>
+                                      </p:cBhvr>
+                                      <p:to>
+                                        <p:strVal val="visible"/>
+                                      </p:to>
+                                    </p:set>
+                                    <p:animEffect transition="in" filter="wipe(left)">
+                                      <p:cBhvr>
+                                        <p:cTn id="37" dur="500"/>
+                                        <p:tgtEl>
+                                          <p:spTgt spid="4">
+                                            <p:txEl>
+                                              <p:pRg st="5" end="5"/>
+                                            </p:txEl>
+                                          </p:spTgt>
+                                        </p:tgtEl>
+                                      </p:cBhvr>
+                                    </p:animEffect>
+                                  </p:childTnLst>
+                                </p:cTn>
+                              </p:par>
+                            </p:childTnLst>
+                          </p:cTn>
+                        </p:par>
+                      </p:childTnLst>
+                    </p:cTn>
+                  </p:par>
+                  <p:par>
+                    <p:cTn id="38" fill="hold">
+                      <p:stCondLst>
+                        <p:cond delay="indefinite"/>
+                      </p:stCondLst>
+                      <p:childTnLst>
+                        <p:par>
+                          <p:cTn id="39" fill="hold">
+                            <p:stCondLst>
+                              <p:cond delay="0"/>
+                            </p:stCondLst>
+                            <p:childTnLst>
+                              <p:par>
+                                <p:cTn id="40" presetID="22" presetClass="entr" presetSubtype="8" fill="hold" grpId="0" nodeType="clickEffect">
+                                  <p:stCondLst>
+                                    <p:cond delay="0"/>
+                                  </p:stCondLst>
+                                  <p:childTnLst>
+                                    <p:set>
+                                      <p:cBhvr>
+                                        <p:cTn id="41" dur="1" fill="hold">
+                                          <p:stCondLst>
+                                            <p:cond delay="0"/>
+                                          </p:stCondLst>
+                                        </p:cTn>
+                                        <p:tgtEl>
+                                          <p:spTgt spid="4">
+                                            <p:txEl>
+                                              <p:pRg st="6" end="6"/>
+                                            </p:txEl>
+                                          </p:spTgt>
+                                        </p:tgtEl>
+                                        <p:attrNameLst>
+                                          <p:attrName>style.visibility</p:attrName>
+                                        </p:attrNameLst>
+                                      </p:cBhvr>
+                                      <p:to>
+                                        <p:strVal val="visible"/>
+                                      </p:to>
+                                    </p:set>
+                                    <p:animEffect transition="in" filter="wipe(left)">
+                                      <p:cBhvr>
+                                        <p:cTn id="42" dur="500"/>
+                                        <p:tgtEl>
+                                          <p:spTgt spid="4">
+                                            <p:txEl>
+                                              <p:pRg st="6" end="6"/>
+                                            </p:txEl>
+                                          </p:spTgt>
+                                        </p:tgtEl>
+                                      </p:cBhvr>
+                                    </p:animEffect>
+                                  </p:childTnLst>
+                                </p:cTn>
+                              </p:par>
+                            </p:childTnLst>
+                          </p:cTn>
+                        </p:par>
+                      </p:childTnLst>
+                    </p:cTn>
+                  </p:par>
+                  <p:par>
+                    <p:cTn id="43" fill="hold">
+                      <p:stCondLst>
+                        <p:cond delay="indefinite"/>
+                      </p:stCondLst>
+                      <p:childTnLst>
+                        <p:par>
+                          <p:cTn id="44" fill="hold">
+                            <p:stCondLst>
+                              <p:cond delay="0"/>
+                            </p:stCondLst>
+                            <p:childTnLst>
+                              <p:par>
+                                <p:cTn id="45" presetID="22" presetClass="entr" presetSubtype="8" fill="hold" grpId="0" nodeType="clickEffect">
+                                  <p:stCondLst>
+                                    <p:cond delay="0"/>
+                                  </p:stCondLst>
+                                  <p:childTnLst>
+                                    <p:set>
+                                      <p:cBhvr>
+                                        <p:cTn id="46" dur="1" fill="hold">
+                                          <p:stCondLst>
+                                            <p:cond delay="0"/>
+                                          </p:stCondLst>
+                                        </p:cTn>
+                                        <p:tgtEl>
+                                          <p:spTgt spid="4">
+                                            <p:txEl>
+                                              <p:pRg st="7" end="7"/>
+                                            </p:txEl>
+                                          </p:spTgt>
+                                        </p:tgtEl>
+                                        <p:attrNameLst>
+                                          <p:attrName>style.visibility</p:attrName>
+                                        </p:attrNameLst>
+                                      </p:cBhvr>
+                                      <p:to>
+                                        <p:strVal val="visible"/>
+                                      </p:to>
+                                    </p:set>
+                                    <p:animEffect transition="in" filter="wipe(left)">
+                                      <p:cBhvr>
+                                        <p:cTn id="47" dur="500"/>
+                                        <p:tgtEl>
+                                          <p:spTgt spid="4">
+                                            <p:txEl>
+                                              <p:pRg st="7" end="7"/>
+                                            </p:txEl>
+                                          </p:spTgt>
+                                        </p:tgtEl>
+                                      </p:cBhvr>
+                                    </p:animEffect>
+                                  </p:childTnLst>
+                                </p:cTn>
+                              </p:par>
+                            </p:childTnLst>
+                          </p:cTn>
+                        </p:par>
+                      </p:childTnLst>
+                    </p:cTn>
+                  </p:par>
+                  <p:par>
+                    <p:cTn id="48" fill="hold">
+                      <p:stCondLst>
+                        <p:cond delay="indefinite"/>
+                      </p:stCondLst>
+                      <p:childTnLst>
+                        <p:par>
+                          <p:cTn id="49" fill="hold">
+                            <p:stCondLst>
+                              <p:cond delay="0"/>
+                            </p:stCondLst>
+                            <p:childTnLst>
+                              <p:par>
+                                <p:cTn id="50" presetID="22" presetClass="entr" presetSubtype="8" fill="hold" grpId="0" nodeType="clickEffect">
+                                  <p:stCondLst>
+                                    <p:cond delay="0"/>
+                                  </p:stCondLst>
+                                  <p:childTnLst>
+                                    <p:set>
+                                      <p:cBhvr>
+                                        <p:cTn id="51" dur="1" fill="hold">
+                                          <p:stCondLst>
+                                            <p:cond delay="0"/>
+                                          </p:stCondLst>
+                                        </p:cTn>
+                                        <p:tgtEl>
+                                          <p:spTgt spid="4">
+                                            <p:txEl>
+                                              <p:pRg st="8" end="8"/>
+                                            </p:txEl>
+                                          </p:spTgt>
+                                        </p:tgtEl>
+                                        <p:attrNameLst>
+                                          <p:attrName>style.visibility</p:attrName>
+                                        </p:attrNameLst>
+                                      </p:cBhvr>
+                                      <p:to>
+                                        <p:strVal val="visible"/>
+                                      </p:to>
+                                    </p:set>
+                                    <p:animEffect transition="in" filter="wipe(left)">
+                                      <p:cBhvr>
+                                        <p:cTn id="52" dur="500"/>
+                                        <p:tgtEl>
+                                          <p:spTgt spid="4">
+                                            <p:txEl>
+                                              <p:pRg st="8" end="8"/>
+                                            </p:txEl>
+                                          </p:spTgt>
+                                        </p:tgtEl>
+                                      </p:cBhvr>
+                                    </p:animEffect>
+                                  </p:childTnLst>
+                                </p:cTn>
+                              </p:par>
+                              <p:par>
+                                <p:cTn id="53" presetID="22" presetClass="entr" presetSubtype="8" fill="hold" grpId="0" nodeType="withEffect">
+                                  <p:stCondLst>
+                                    <p:cond delay="0"/>
+                                  </p:stCondLst>
+                                  <p:childTnLst>
+                                    <p:set>
+                                      <p:cBhvr>
+                                        <p:cTn id="54" dur="1" fill="hold">
+                                          <p:stCondLst>
+                                            <p:cond delay="0"/>
+                                          </p:stCondLst>
+                                        </p:cTn>
+                                        <p:tgtEl>
                                           <p:spTgt spid="5">
                                             <p:bg/>
+                                          </p:spTgt>
+                                        </p:tgtEl>
+                                        <p:attrNameLst>
+                                          <p:attrName>style.visibility</p:attrName>
+                                        </p:attrNameLst>
+                                      </p:cBhvr>
+                                      <p:to>
+                                        <p:strVal val="visible"/>
+                                      </p:to>
+                                    </p:set>
+                                    <p:animEffect transition="in" filter="wipe(left)">
+                                      <p:cBhvr>
+                                        <p:cTn id="55" dur="500"/>
+                                        <p:tgtEl>
+                                          <p:spTgt spid="5">
+                                            <p:bg/>
+                                          </p:spTgt>
+                                        </p:tgtEl>
+                                      </p:cBhvr>
+                                    </p:animEffect>
+                                  </p:childTnLst>
+                                </p:cTn>
+                              </p:par>
+                            </p:childTnLst>
+                          </p:cTn>
+                        </p:par>
+                      </p:childTnLst>
+                    </p:cTn>
+                  </p:par>
+                  <p:par>
+                    <p:cTn id="56" fill="hold">
+                      <p:stCondLst>
+                        <p:cond delay="indefinite"/>
+                      </p:stCondLst>
+                      <p:childTnLst>
+                        <p:par>
+                          <p:cTn id="57" fill="hold">
+                            <p:stCondLst>
+                              <p:cond delay="0"/>
+                            </p:stCondLst>
+                            <p:childTnLst>
+                              <p:par>
+                                <p:cTn id="58" presetID="22" presetClass="entr" presetSubtype="8" fill="hold" grpId="0" nodeType="clickEffect">
+                                  <p:stCondLst>
+                                    <p:cond delay="0"/>
+                                  </p:stCondLst>
+                                  <p:childTnLst>
+                                    <p:set>
+                                      <p:cBhvr>
+                                        <p:cTn id="59" dur="1" fill="hold">
+                                          <p:stCondLst>
+                                            <p:cond delay="0"/>
+                                          </p:stCondLst>
+                                        </p:cTn>
+                                        <p:tgtEl>
+                                          <p:spTgt spid="5">
+                                            <p:txEl>
+                                              <p:pRg st="0" end="0"/>
+                                            </p:txEl>
+                                          </p:spTgt>
+                                        </p:tgtEl>
+                                        <p:attrNameLst>
+                                          <p:attrName>style.visibility</p:attrName>
+                                        </p:attrNameLst>
+                                      </p:cBhvr>
+                                      <p:to>
+                                        <p:strVal val="visible"/>
+                                      </p:to>
+                                    </p:set>
+                                    <p:animEffect transition="in" filter="wipe(left)">
+                                      <p:cBhvr>
+                                        <p:cTn id="60" dur="500"/>
+                                        <p:tgtEl>
+                                          <p:spTgt spid="5">
+                                            <p:txEl>
+                                              <p:pRg st="0" end="0"/>
+                                            </p:txEl>
+                                          </p:spTgt>
+                                        </p:tgtEl>
+                                      </p:cBhvr>
+                                    </p:animEffect>
+                                  </p:childTnLst>
+                                </p:cTn>
+                              </p:par>
+                            </p:childTnLst>
+                          </p:cTn>
+                        </p:par>
+                      </p:childTnLst>
+                    </p:cTn>
+                  </p:par>
+                  <p:par>
+                    <p:cTn id="61" fill="hold">
+                      <p:stCondLst>
+                        <p:cond delay="indefinite"/>
+                      </p:stCondLst>
+                      <p:childTnLst>
+                        <p:par>
+                          <p:cTn id="62" fill="hold">
+                            <p:stCondLst>
+                              <p:cond delay="0"/>
+                            </p:stCondLst>
+                            <p:childTnLst>
+                              <p:par>
+                                <p:cTn id="63" presetID="22" presetClass="entr" presetSubtype="8" fill="hold" grpId="0" nodeType="clickEffect">
+                                  <p:stCondLst>
+                                    <p:cond delay="0"/>
+                                  </p:stCondLst>
+                                  <p:childTnLst>
+                                    <p:set>
+                                      <p:cBhvr>
+                                        <p:cTn id="64" dur="1" fill="hold">
+                                          <p:stCondLst>
+                                            <p:cond delay="0"/>
+                                          </p:stCondLst>
+                                        </p:cTn>
+                                        <p:tgtEl>
+                                          <p:spTgt spid="5">
+                                            <p:txEl>
+                                              <p:pRg st="1" end="1"/>
+                                            </p:txEl>
+                                          </p:spTgt>
+                                        </p:tgtEl>
+                                        <p:attrNameLst>
+                                          <p:attrName>style.visibility</p:attrName>
+                                        </p:attrNameLst>
+                                      </p:cBhvr>
+                                      <p:to>
+                                        <p:strVal val="visible"/>
+                                      </p:to>
+                                    </p:set>
+                                    <p:animEffect transition="in" filter="wipe(left)">
+                                      <p:cBhvr>
+                                        <p:cTn id="65" dur="500"/>
+                                        <p:tgtEl>
+                                          <p:spTgt spid="5">
+                                            <p:txEl>
+                                              <p:pRg st="1" end="1"/>
+                                            </p:txEl>
+                                          </p:spTgt>
+                                        </p:tgtEl>
+                                      </p:cBhvr>
+                                    </p:animEffect>
+                                  </p:childTnLst>
+                                </p:cTn>
+                              </p:par>
+                            </p:childTnLst>
+                          </p:cTn>
+                        </p:par>
+                      </p:childTnLst>
+                    </p:cTn>
+                  </p:par>
+                  <p:par>
+                    <p:cTn id="66" fill="hold">
+                      <p:stCondLst>
+                        <p:cond delay="indefinite"/>
+                      </p:stCondLst>
+                      <p:childTnLst>
+                        <p:par>
+                          <p:cTn id="67" fill="hold">
+                            <p:stCondLst>
+                              <p:cond delay="0"/>
+                            </p:stCondLst>
+                            <p:childTnLst>
+                              <p:par>
+                                <p:cTn id="68" presetID="22" presetClass="entr" presetSubtype="8" fill="hold" grpId="0" nodeType="clickEffect">
+                                  <p:stCondLst>
+                                    <p:cond delay="0"/>
+                                  </p:stCondLst>
+                                  <p:childTnLst>
+                                    <p:set>
+                                      <p:cBhvr>
+                                        <p:cTn id="69" dur="1" fill="hold">
+                                          <p:stCondLst>
+                                            <p:cond delay="0"/>
+                                          </p:stCondLst>
+                                        </p:cTn>
+                                        <p:tgtEl>
+                                          <p:spTgt spid="5">
+                                            <p:txEl>
+                                              <p:pRg st="2" end="2"/>
+                                            </p:txEl>
+                                          </p:spTgt>
+                                        </p:tgtEl>
+                                        <p:attrNameLst>
+                                          <p:attrName>style.visibility</p:attrName>
+                                        </p:attrNameLst>
+                                      </p:cBhvr>
+                                      <p:to>
+                                        <p:strVal val="visible"/>
+                                      </p:to>
+                                    </p:set>
+                                    <p:animEffect transition="in" filter="wipe(left)">
+                                      <p:cBhvr>
+                                        <p:cTn id="70" dur="500"/>
+                                        <p:tgtEl>
+                                          <p:spTgt spid="5">
+                                            <p:txEl>
+                                              <p:pRg st="2" end="2"/>
+                                            </p:txEl>
+                                          </p:spTgt>
+                                        </p:tgtEl>
+                                      </p:cBhvr>
+                                    </p:animEffect>
+                                  </p:childTnLst>
+                                </p:cTn>
+                              </p:par>
+                            </p:childTnLst>
+                          </p:cTn>
+                        </p:par>
+                      </p:childTnLst>
+                    </p:cTn>
+                  </p:par>
+                  <p:par>
+                    <p:cTn id="71" fill="hold">
+                      <p:stCondLst>
+                        <p:cond delay="indefinite"/>
+                      </p:stCondLst>
+                      <p:childTnLst>
+                        <p:par>
+                          <p:cTn id="72" fill="hold">
+                            <p:stCondLst>
+                              <p:cond delay="0"/>
+                            </p:stCondLst>
+                            <p:childTnLst>
+                              <p:par>
+                                <p:cTn id="73" presetID="22" presetClass="entr" presetSubtype="8" fill="hold" grpId="0" nodeType="clickEffect">
+                                  <p:stCondLst>
+                                    <p:cond delay="0"/>
+                                  </p:stCondLst>
+                                  <p:childTnLst>
+                                    <p:set>
+                                      <p:cBhvr>
+                                        <p:cTn id="74" dur="1" fill="hold">
+                                          <p:stCondLst>
+                                            <p:cond delay="0"/>
+                                          </p:stCondLst>
+                                        </p:cTn>
+                                        <p:tgtEl>
+                                          <p:spTgt spid="5">
+                                            <p:txEl>
+                                              <p:pRg st="3" end="3"/>
+                                            </p:txEl>
+                                          </p:spTgt>
+                                        </p:tgtEl>
+                                        <p:attrNameLst>
+                                          <p:attrName>style.visibility</p:attrName>
+                                        </p:attrNameLst>
+                                      </p:cBhvr>
+                                      <p:to>
+                                        <p:strVal val="visible"/>
+                                      </p:to>
+                                    </p:set>
+                                    <p:animEffect transition="in" filter="wipe(left)">
+                                      <p:cBhvr>
+                                        <p:cTn id="75" dur="500"/>
+                                        <p:tgtEl>
+                                          <p:spTgt spid="5">
+                                            <p:txEl>
+                                              <p:pRg st="3" end="3"/>
+                                            </p:txEl>
+                                          </p:spTgt>
+                                        </p:tgtEl>
+                                      </p:cBhvr>
+                                    </p:animEffect>
+                                  </p:childTnLst>
+                                </p:cTn>
+                              </p:par>
+                            </p:childTnLst>
+                          </p:cTn>
+                        </p:par>
+                      </p:childTnLst>
+                    </p:cTn>
+                  </p:par>
+                  <p:par>
+                    <p:cTn id="76" fill="hold">
+                      <p:stCondLst>
+                        <p:cond delay="indefinite"/>
+                      </p:stCondLst>
+                      <p:childTnLst>
+                        <p:par>
+                          <p:cTn id="77" fill="hold">
+                            <p:stCondLst>
+                              <p:cond delay="0"/>
+                            </p:stCondLst>
+                            <p:childTnLst>
+                              <p:par>
+                                <p:cTn id="78" presetID="22" presetClass="entr" presetSubtype="8" fill="hold" grpId="0" nodeType="clickEffect">
+                                  <p:stCondLst>
+                                    <p:cond delay="0"/>
+                                  </p:stCondLst>
+                                  <p:childTnLst>
+                                    <p:set>
+                                      <p:cBhvr>
+                                        <p:cTn id="79" dur="1" fill="hold">
+                                          <p:stCondLst>
+                                            <p:cond delay="0"/>
+                                          </p:stCondLst>
+                                        </p:cTn>
+                                        <p:tgtEl>
+                                          <p:spTgt spid="5">
+                                            <p:txEl>
+                                              <p:pRg st="4" end="4"/>
+                                            </p:txEl>
+                                          </p:spTgt>
+                                        </p:tgtEl>
+                                        <p:attrNameLst>
+                                          <p:attrName>style.visibility</p:attrName>
+                                        </p:attrNameLst>
+                                      </p:cBhvr>
+                                      <p:to>
+                                        <p:strVal val="visible"/>
+                                      </p:to>
+                                    </p:set>
+                                    <p:animEffect transition="in" filter="wipe(left)">
+                                      <p:cBhvr>
+                                        <p:cTn id="80" dur="500"/>
+                                        <p:tgtEl>
+                                          <p:spTgt spid="5">
+                                            <p:txEl>
+                                              <p:pRg st="4" end="4"/>
+                                            </p:txEl>
+                                          </p:spTgt>
+                                        </p:tgtEl>
+                                      </p:cBhvr>
+                                    </p:animEffect>
+                                  </p:childTnLst>
+                                </p:cTn>
+                              </p:par>
+                            </p:childTnLst>
+                          </p:cTn>
+                        </p:par>
+                      </p:childTnLst>
+                    </p:cTn>
+                  </p:par>
+                  <p:par>
+                    <p:cTn id="81" fill="hold">
+                      <p:stCondLst>
+                        <p:cond delay="indefinite"/>
+                      </p:stCondLst>
+                      <p:childTnLst>
+                        <p:par>
+                          <p:cTn id="82" fill="hold">
+                            <p:stCondLst>
+                              <p:cond delay="0"/>
+                            </p:stCondLst>
+                            <p:childTnLst>
+                              <p:par>
+                                <p:cTn id="83" presetID="22" presetClass="entr" presetSubtype="8" fill="hold" grpId="0" nodeType="clickEffect">
+                                  <p:stCondLst>
+                                    <p:cond delay="0"/>
+                                  </p:stCondLst>
+                                  <p:childTnLst>
+                                    <p:set>
+                                      <p:cBhvr>
+                                        <p:cTn id="84" dur="1" fill="hold">
+                                          <p:stCondLst>
+                                            <p:cond delay="0"/>
+                                          </p:stCondLst>
+                                        </p:cTn>
+                                        <p:tgtEl>
+                                          <p:spTgt spid="5">
+                                            <p:txEl>
+                                              <p:pRg st="5" end="5"/>
+                                            </p:txEl>
+                                          </p:spTgt>
+                                        </p:tgtEl>
+                                        <p:attrNameLst>
+                                          <p:attrName>style.visibility</p:attrName>
+                                        </p:attrNameLst>
+                                      </p:cBhvr>
+                                      <p:to>
+                                        <p:strVal val="visible"/>
+                                      </p:to>
+                                    </p:set>
+                                    <p:animEffect transition="in" filter="wipe(left)">
+                                      <p:cBhvr>
+                                        <p:cTn id="85" dur="500"/>
+                                        <p:tgtEl>
+                                          <p:spTgt spid="5">
+                                            <p:txEl>
+                                              <p:pRg st="5" end="5"/>
+                                            </p:txEl>
+                                          </p:spTgt>
+                                        </p:tgtEl>
+                                      </p:cBhvr>
+                                    </p:animEffect>
+                                  </p:childTnLst>
+                                </p:cTn>
+                              </p:par>
+                            </p:childTnLst>
+                          </p:cTn>
+                        </p:par>
+                      </p:childTnLst>
+                    </p:cTn>
+                  </p:par>
+                  <p:par>
+                    <p:cTn id="86" fill="hold">
+                      <p:stCondLst>
+                        <p:cond delay="indefinite"/>
+                      </p:stCondLst>
+                      <p:childTnLst>
+                        <p:par>
+                          <p:cTn id="87" fill="hold">
+                            <p:stCondLst>
+                              <p:cond delay="0"/>
+                            </p:stCondLst>
+                            <p:childTnLst>
+                              <p:par>
+                                <p:cTn id="88" presetID="22" presetClass="entr" presetSubtype="8" fill="hold" grpId="0" nodeType="clickEffect">
+                                  <p:stCondLst>
+                                    <p:cond delay="0"/>
+                                  </p:stCondLst>
+                                  <p:childTnLst>
+                                    <p:set>
+                                      <p:cBhvr>
+                                        <p:cTn id="89" dur="1" fill="hold">
+                                          <p:stCondLst>
+                                            <p:cond delay="0"/>
+                                          </p:stCondLst>
+                                        </p:cTn>
+                                        <p:tgtEl>
+                                          <p:spTgt spid="5">
+                                            <p:txEl>
+                                              <p:pRg st="6" end="6"/>
+                                            </p:txEl>
+                                          </p:spTgt>
+                                        </p:tgtEl>
+                                        <p:attrNameLst>
+                                          <p:attrName>style.visibility</p:attrName>
+                                        </p:attrNameLst>
+                                      </p:cBhvr>
+                                      <p:to>
+                                        <p:strVal val="visible"/>
+                                      </p:to>
+                                    </p:set>
+                                    <p:animEffect transition="in" filter="wipe(left)">
+                                      <p:cBhvr>
+                                        <p:cTn id="90" dur="500"/>
+                                        <p:tgtEl>
+                                          <p:spTgt spid="5">
+                                            <p:txEl>
+                                              <p:pRg st="6" end="6"/>
+                                            </p:txEl>
+                                          </p:spTgt>
+                                        </p:tgtEl>
+                                      </p:cBhvr>
+                                    </p:animEffect>
+                                  </p:childTnLst>
+                                </p:cTn>
+                              </p:par>
+                            </p:childTnLst>
+                          </p:cTn>
+                        </p:par>
+                      </p:childTnLst>
+                    </p:cTn>
+                  </p:par>
+                  <p:par>
+                    <p:cTn id="91" fill="hold">
+                      <p:stCondLst>
+                        <p:cond delay="indefinite"/>
+                      </p:stCondLst>
+                      <p:childTnLst>
+                        <p:par>
+                          <p:cTn id="92" fill="hold">
+                            <p:stCondLst>
+                              <p:cond delay="0"/>
+                            </p:stCondLst>
+                            <p:childTnLst>
+                              <p:par>
+                                <p:cTn id="93" presetID="22" presetClass="entr" presetSubtype="8" fill="hold" grpId="0" nodeType="clickEffect">
+                                  <p:stCondLst>
+                                    <p:cond delay="0"/>
+                                  </p:stCondLst>
+                                  <p:childTnLst>
+                                    <p:set>
+                                      <p:cBhvr>
+                                        <p:cTn id="94" dur="1" fill="hold">
+                                          <p:stCondLst>
+                                            <p:cond delay="0"/>
+                                          </p:stCondLst>
+                                        </p:cTn>
+                                        <p:tgtEl>
+                                          <p:spTgt spid="5">
+                                            <p:txEl>
+                                              <p:pRg st="7" end="7"/>
+                                            </p:txEl>
+                                          </p:spTgt>
+                                        </p:tgtEl>
+                                        <p:attrNameLst>
+                                          <p:attrName>style.visibility</p:attrName>
+                                        </p:attrNameLst>
+                                      </p:cBhvr>
+                                      <p:to>
+                                        <p:strVal val="visible"/>
+                                      </p:to>
+                                    </p:set>
+                                    <p:animEffect transition="in" filter="wipe(left)">
+                                      <p:cBhvr>
+                                        <p:cTn id="95" dur="500"/>
+                                        <p:tgtEl>
+                                          <p:spTgt spid="5">
+                                            <p:txEl>
+                                              <p:pRg st="7" end="7"/>
+                                            </p:txEl>
+                                          </p:spTgt>
+                                        </p:tgtEl>
+                                      </p:cBhvr>
+                                    </p:animEffect>
+                                  </p:childTnLst>
+                                </p:cTn>
+                              </p:par>
+                            </p:childTnLst>
+                          </p:cTn>
+                        </p:par>
+                      </p:childTnLst>
+                    </p:cTn>
+                  </p:par>
+                  <p:par>
+                    <p:cTn id="96" fill="hold">
+                      <p:stCondLst>
+                        <p:cond delay="indefinite"/>
+                      </p:stCondLst>
+                      <p:childTnLst>
+                        <p:par>
+                          <p:cTn id="97" fill="hold">
+                            <p:stCondLst>
+                              <p:cond delay="0"/>
+                            </p:stCondLst>
+                            <p:childTnLst>
+                              <p:par>
+                                <p:cTn id="98" presetID="22" presetClass="entr" presetSubtype="8" fill="hold" grpId="0" nodeType="clickEffect">
+                                  <p:stCondLst>
+                                    <p:cond delay="0"/>
+                                  </p:stCondLst>
+                                  <p:childTnLst>
+                                    <p:set>
+                                      <p:cBhvr>
+                                        <p:cTn id="99" dur="1" fill="hold">
+                                          <p:stCondLst>
+                                            <p:cond delay="0"/>
+                                          </p:stCondLst>
+                                        </p:cTn>
+                                        <p:tgtEl>
+                                          <p:spTgt spid="5">
+                                            <p:txEl>
+                                              <p:pRg st="8" end="8"/>
+                                            </p:txEl>
+                                          </p:spTgt>
+                                        </p:tgtEl>
+                                        <p:attrNameLst>
+                                          <p:attrName>style.visibility</p:attrName>
+                                        </p:attrNameLst>
+                                      </p:cBhvr>
+                                      <p:to>
+                                        <p:strVal val="visible"/>
+                                      </p:to>
+                                    </p:set>
+                                    <p:animEffect transition="in" filter="wipe(left)">
+                                      <p:cBhvr>
+                                        <p:cTn id="100" dur="500"/>
+                                        <p:tgtEl>
+                                          <p:spTgt spid="5">
+                                            <p:txEl>
+                                              <p:pRg st="8" end="8"/>
+                                            </p:txEl>
                                           </p:spTgt>
                                         </p:tgtEl>
                                       </p:cBhvr>
@@ -12720,8 +17146,8 @@
       </p:par>
     </p:tnLst>
     <p:bldLst>
-      <p:bldP spid="4" grpId="0" uiExpand="1" build="p" animBg="1"/>
-      <p:bldP spid="5" grpId="0" uiExpand="1" build="p" animBg="1"/>
+      <p:bldP spid="4" grpId="0" build="p" animBg="1"/>
+      <p:bldP spid="5" grpId="0" build="p" animBg="1"/>
     </p:bldLst>
   </p:timing>
 </p:sld>
@@ -14122,8 +18548,10 @@
                                           </p:stCondLst>
                                         </p:cTn>
                                         <p:tgtEl>
-                                          <p:spTgt spid="5">
-                                            <p:bg/>
+                                          <p:spTgt spid="4">
+                                            <p:txEl>
+                                              <p:pRg st="0" end="0"/>
+                                            </p:txEl>
                                           </p:spTgt>
                                         </p:tgtEl>
                                         <p:attrNameLst>
@@ -14138,8 +18566,1025 @@
                                       <p:cBhvr>
                                         <p:cTn id="12" dur="500"/>
                                         <p:tgtEl>
+                                          <p:spTgt spid="4">
+                                            <p:txEl>
+                                              <p:pRg st="0" end="0"/>
+                                            </p:txEl>
+                                          </p:spTgt>
+                                        </p:tgtEl>
+                                      </p:cBhvr>
+                                    </p:animEffect>
+                                  </p:childTnLst>
+                                </p:cTn>
+                              </p:par>
+                            </p:childTnLst>
+                          </p:cTn>
+                        </p:par>
+                      </p:childTnLst>
+                    </p:cTn>
+                  </p:par>
+                  <p:par>
+                    <p:cTn id="13" fill="hold">
+                      <p:stCondLst>
+                        <p:cond delay="indefinite"/>
+                      </p:stCondLst>
+                      <p:childTnLst>
+                        <p:par>
+                          <p:cTn id="14" fill="hold">
+                            <p:stCondLst>
+                              <p:cond delay="0"/>
+                            </p:stCondLst>
+                            <p:childTnLst>
+                              <p:par>
+                                <p:cTn id="15" presetID="22" presetClass="entr" presetSubtype="8" fill="hold" grpId="0" nodeType="clickEffect">
+                                  <p:stCondLst>
+                                    <p:cond delay="0"/>
+                                  </p:stCondLst>
+                                  <p:childTnLst>
+                                    <p:set>
+                                      <p:cBhvr>
+                                        <p:cTn id="16" dur="1" fill="hold">
+                                          <p:stCondLst>
+                                            <p:cond delay="0"/>
+                                          </p:stCondLst>
+                                        </p:cTn>
+                                        <p:tgtEl>
+                                          <p:spTgt spid="4">
+                                            <p:txEl>
+                                              <p:pRg st="1" end="1"/>
+                                            </p:txEl>
+                                          </p:spTgt>
+                                        </p:tgtEl>
+                                        <p:attrNameLst>
+                                          <p:attrName>style.visibility</p:attrName>
+                                        </p:attrNameLst>
+                                      </p:cBhvr>
+                                      <p:to>
+                                        <p:strVal val="visible"/>
+                                      </p:to>
+                                    </p:set>
+                                    <p:animEffect transition="in" filter="wipe(left)">
+                                      <p:cBhvr>
+                                        <p:cTn id="17" dur="500"/>
+                                        <p:tgtEl>
+                                          <p:spTgt spid="4">
+                                            <p:txEl>
+                                              <p:pRg st="1" end="1"/>
+                                            </p:txEl>
+                                          </p:spTgt>
+                                        </p:tgtEl>
+                                      </p:cBhvr>
+                                    </p:animEffect>
+                                  </p:childTnLst>
+                                </p:cTn>
+                              </p:par>
+                            </p:childTnLst>
+                          </p:cTn>
+                        </p:par>
+                      </p:childTnLst>
+                    </p:cTn>
+                  </p:par>
+                  <p:par>
+                    <p:cTn id="18" fill="hold">
+                      <p:stCondLst>
+                        <p:cond delay="indefinite"/>
+                      </p:stCondLst>
+                      <p:childTnLst>
+                        <p:par>
+                          <p:cTn id="19" fill="hold">
+                            <p:stCondLst>
+                              <p:cond delay="0"/>
+                            </p:stCondLst>
+                            <p:childTnLst>
+                              <p:par>
+                                <p:cTn id="20" presetID="22" presetClass="entr" presetSubtype="8" fill="hold" grpId="0" nodeType="clickEffect">
+                                  <p:stCondLst>
+                                    <p:cond delay="0"/>
+                                  </p:stCondLst>
+                                  <p:childTnLst>
+                                    <p:set>
+                                      <p:cBhvr>
+                                        <p:cTn id="21" dur="1" fill="hold">
+                                          <p:stCondLst>
+                                            <p:cond delay="0"/>
+                                          </p:stCondLst>
+                                        </p:cTn>
+                                        <p:tgtEl>
+                                          <p:spTgt spid="4">
+                                            <p:txEl>
+                                              <p:pRg st="2" end="2"/>
+                                            </p:txEl>
+                                          </p:spTgt>
+                                        </p:tgtEl>
+                                        <p:attrNameLst>
+                                          <p:attrName>style.visibility</p:attrName>
+                                        </p:attrNameLst>
+                                      </p:cBhvr>
+                                      <p:to>
+                                        <p:strVal val="visible"/>
+                                      </p:to>
+                                    </p:set>
+                                    <p:animEffect transition="in" filter="wipe(left)">
+                                      <p:cBhvr>
+                                        <p:cTn id="22" dur="500"/>
+                                        <p:tgtEl>
+                                          <p:spTgt spid="4">
+                                            <p:txEl>
+                                              <p:pRg st="2" end="2"/>
+                                            </p:txEl>
+                                          </p:spTgt>
+                                        </p:tgtEl>
+                                      </p:cBhvr>
+                                    </p:animEffect>
+                                  </p:childTnLst>
+                                </p:cTn>
+                              </p:par>
+                            </p:childTnLst>
+                          </p:cTn>
+                        </p:par>
+                      </p:childTnLst>
+                    </p:cTn>
+                  </p:par>
+                  <p:par>
+                    <p:cTn id="23" fill="hold">
+                      <p:stCondLst>
+                        <p:cond delay="indefinite"/>
+                      </p:stCondLst>
+                      <p:childTnLst>
+                        <p:par>
+                          <p:cTn id="24" fill="hold">
+                            <p:stCondLst>
+                              <p:cond delay="0"/>
+                            </p:stCondLst>
+                            <p:childTnLst>
+                              <p:par>
+                                <p:cTn id="25" presetID="22" presetClass="entr" presetSubtype="8" fill="hold" grpId="0" nodeType="clickEffect">
+                                  <p:stCondLst>
+                                    <p:cond delay="0"/>
+                                  </p:stCondLst>
+                                  <p:childTnLst>
+                                    <p:set>
+                                      <p:cBhvr>
+                                        <p:cTn id="26" dur="1" fill="hold">
+                                          <p:stCondLst>
+                                            <p:cond delay="0"/>
+                                          </p:stCondLst>
+                                        </p:cTn>
+                                        <p:tgtEl>
+                                          <p:spTgt spid="4">
+                                            <p:txEl>
+                                              <p:pRg st="3" end="3"/>
+                                            </p:txEl>
+                                          </p:spTgt>
+                                        </p:tgtEl>
+                                        <p:attrNameLst>
+                                          <p:attrName>style.visibility</p:attrName>
+                                        </p:attrNameLst>
+                                      </p:cBhvr>
+                                      <p:to>
+                                        <p:strVal val="visible"/>
+                                      </p:to>
+                                    </p:set>
+                                    <p:animEffect transition="in" filter="wipe(left)">
+                                      <p:cBhvr>
+                                        <p:cTn id="27" dur="500"/>
+                                        <p:tgtEl>
+                                          <p:spTgt spid="4">
+                                            <p:txEl>
+                                              <p:pRg st="3" end="3"/>
+                                            </p:txEl>
+                                          </p:spTgt>
+                                        </p:tgtEl>
+                                      </p:cBhvr>
+                                    </p:animEffect>
+                                  </p:childTnLst>
+                                </p:cTn>
+                              </p:par>
+                            </p:childTnLst>
+                          </p:cTn>
+                        </p:par>
+                      </p:childTnLst>
+                    </p:cTn>
+                  </p:par>
+                  <p:par>
+                    <p:cTn id="28" fill="hold">
+                      <p:stCondLst>
+                        <p:cond delay="indefinite"/>
+                      </p:stCondLst>
+                      <p:childTnLst>
+                        <p:par>
+                          <p:cTn id="29" fill="hold">
+                            <p:stCondLst>
+                              <p:cond delay="0"/>
+                            </p:stCondLst>
+                            <p:childTnLst>
+                              <p:par>
+                                <p:cTn id="30" presetID="22" presetClass="entr" presetSubtype="8" fill="hold" grpId="0" nodeType="clickEffect">
+                                  <p:stCondLst>
+                                    <p:cond delay="0"/>
+                                  </p:stCondLst>
+                                  <p:childTnLst>
+                                    <p:set>
+                                      <p:cBhvr>
+                                        <p:cTn id="31" dur="1" fill="hold">
+                                          <p:stCondLst>
+                                            <p:cond delay="0"/>
+                                          </p:stCondLst>
+                                        </p:cTn>
+                                        <p:tgtEl>
+                                          <p:spTgt spid="4">
+                                            <p:txEl>
+                                              <p:pRg st="4" end="4"/>
+                                            </p:txEl>
+                                          </p:spTgt>
+                                        </p:tgtEl>
+                                        <p:attrNameLst>
+                                          <p:attrName>style.visibility</p:attrName>
+                                        </p:attrNameLst>
+                                      </p:cBhvr>
+                                      <p:to>
+                                        <p:strVal val="visible"/>
+                                      </p:to>
+                                    </p:set>
+                                    <p:animEffect transition="in" filter="wipe(left)">
+                                      <p:cBhvr>
+                                        <p:cTn id="32" dur="500"/>
+                                        <p:tgtEl>
+                                          <p:spTgt spid="4">
+                                            <p:txEl>
+                                              <p:pRg st="4" end="4"/>
+                                            </p:txEl>
+                                          </p:spTgt>
+                                        </p:tgtEl>
+                                      </p:cBhvr>
+                                    </p:animEffect>
+                                  </p:childTnLst>
+                                </p:cTn>
+                              </p:par>
+                            </p:childTnLst>
+                          </p:cTn>
+                        </p:par>
+                      </p:childTnLst>
+                    </p:cTn>
+                  </p:par>
+                  <p:par>
+                    <p:cTn id="33" fill="hold">
+                      <p:stCondLst>
+                        <p:cond delay="indefinite"/>
+                      </p:stCondLst>
+                      <p:childTnLst>
+                        <p:par>
+                          <p:cTn id="34" fill="hold">
+                            <p:stCondLst>
+                              <p:cond delay="0"/>
+                            </p:stCondLst>
+                            <p:childTnLst>
+                              <p:par>
+                                <p:cTn id="35" presetID="22" presetClass="entr" presetSubtype="8" fill="hold" grpId="0" nodeType="clickEffect">
+                                  <p:stCondLst>
+                                    <p:cond delay="0"/>
+                                  </p:stCondLst>
+                                  <p:childTnLst>
+                                    <p:set>
+                                      <p:cBhvr>
+                                        <p:cTn id="36" dur="1" fill="hold">
+                                          <p:stCondLst>
+                                            <p:cond delay="0"/>
+                                          </p:stCondLst>
+                                        </p:cTn>
+                                        <p:tgtEl>
+                                          <p:spTgt spid="4">
+                                            <p:txEl>
+                                              <p:pRg st="5" end="5"/>
+                                            </p:txEl>
+                                          </p:spTgt>
+                                        </p:tgtEl>
+                                        <p:attrNameLst>
+                                          <p:attrName>style.visibility</p:attrName>
+                                        </p:attrNameLst>
+                                      </p:cBhvr>
+                                      <p:to>
+                                        <p:strVal val="visible"/>
+                                      </p:to>
+                                    </p:set>
+                                    <p:animEffect transition="in" filter="wipe(left)">
+                                      <p:cBhvr>
+                                        <p:cTn id="37" dur="500"/>
+                                        <p:tgtEl>
+                                          <p:spTgt spid="4">
+                                            <p:txEl>
+                                              <p:pRg st="5" end="5"/>
+                                            </p:txEl>
+                                          </p:spTgt>
+                                        </p:tgtEl>
+                                      </p:cBhvr>
+                                    </p:animEffect>
+                                  </p:childTnLst>
+                                </p:cTn>
+                              </p:par>
+                            </p:childTnLst>
+                          </p:cTn>
+                        </p:par>
+                      </p:childTnLst>
+                    </p:cTn>
+                  </p:par>
+                  <p:par>
+                    <p:cTn id="38" fill="hold">
+                      <p:stCondLst>
+                        <p:cond delay="indefinite"/>
+                      </p:stCondLst>
+                      <p:childTnLst>
+                        <p:par>
+                          <p:cTn id="39" fill="hold">
+                            <p:stCondLst>
+                              <p:cond delay="0"/>
+                            </p:stCondLst>
+                            <p:childTnLst>
+                              <p:par>
+                                <p:cTn id="40" presetID="22" presetClass="entr" presetSubtype="8" fill="hold" grpId="0" nodeType="clickEffect">
+                                  <p:stCondLst>
+                                    <p:cond delay="0"/>
+                                  </p:stCondLst>
+                                  <p:childTnLst>
+                                    <p:set>
+                                      <p:cBhvr>
+                                        <p:cTn id="41" dur="1" fill="hold">
+                                          <p:stCondLst>
+                                            <p:cond delay="0"/>
+                                          </p:stCondLst>
+                                        </p:cTn>
+                                        <p:tgtEl>
+                                          <p:spTgt spid="4">
+                                            <p:txEl>
+                                              <p:pRg st="6" end="6"/>
+                                            </p:txEl>
+                                          </p:spTgt>
+                                        </p:tgtEl>
+                                        <p:attrNameLst>
+                                          <p:attrName>style.visibility</p:attrName>
+                                        </p:attrNameLst>
+                                      </p:cBhvr>
+                                      <p:to>
+                                        <p:strVal val="visible"/>
+                                      </p:to>
+                                    </p:set>
+                                    <p:animEffect transition="in" filter="wipe(left)">
+                                      <p:cBhvr>
+                                        <p:cTn id="42" dur="500"/>
+                                        <p:tgtEl>
+                                          <p:spTgt spid="4">
+                                            <p:txEl>
+                                              <p:pRg st="6" end="6"/>
+                                            </p:txEl>
+                                          </p:spTgt>
+                                        </p:tgtEl>
+                                      </p:cBhvr>
+                                    </p:animEffect>
+                                  </p:childTnLst>
+                                </p:cTn>
+                              </p:par>
+                            </p:childTnLst>
+                          </p:cTn>
+                        </p:par>
+                      </p:childTnLst>
+                    </p:cTn>
+                  </p:par>
+                  <p:par>
+                    <p:cTn id="43" fill="hold">
+                      <p:stCondLst>
+                        <p:cond delay="indefinite"/>
+                      </p:stCondLst>
+                      <p:childTnLst>
+                        <p:par>
+                          <p:cTn id="44" fill="hold">
+                            <p:stCondLst>
+                              <p:cond delay="0"/>
+                            </p:stCondLst>
+                            <p:childTnLst>
+                              <p:par>
+                                <p:cTn id="45" presetID="22" presetClass="entr" presetSubtype="8" fill="hold" grpId="0" nodeType="clickEffect">
+                                  <p:stCondLst>
+                                    <p:cond delay="0"/>
+                                  </p:stCondLst>
+                                  <p:childTnLst>
+                                    <p:set>
+                                      <p:cBhvr>
+                                        <p:cTn id="46" dur="1" fill="hold">
+                                          <p:stCondLst>
+                                            <p:cond delay="0"/>
+                                          </p:stCondLst>
+                                        </p:cTn>
+                                        <p:tgtEl>
+                                          <p:spTgt spid="4">
+                                            <p:txEl>
+                                              <p:pRg st="7" end="7"/>
+                                            </p:txEl>
+                                          </p:spTgt>
+                                        </p:tgtEl>
+                                        <p:attrNameLst>
+                                          <p:attrName>style.visibility</p:attrName>
+                                        </p:attrNameLst>
+                                      </p:cBhvr>
+                                      <p:to>
+                                        <p:strVal val="visible"/>
+                                      </p:to>
+                                    </p:set>
+                                    <p:animEffect transition="in" filter="wipe(left)">
+                                      <p:cBhvr>
+                                        <p:cTn id="47" dur="500"/>
+                                        <p:tgtEl>
+                                          <p:spTgt spid="4">
+                                            <p:txEl>
+                                              <p:pRg st="7" end="7"/>
+                                            </p:txEl>
+                                          </p:spTgt>
+                                        </p:tgtEl>
+                                      </p:cBhvr>
+                                    </p:animEffect>
+                                  </p:childTnLst>
+                                </p:cTn>
+                              </p:par>
+                            </p:childTnLst>
+                          </p:cTn>
+                        </p:par>
+                      </p:childTnLst>
+                    </p:cTn>
+                  </p:par>
+                  <p:par>
+                    <p:cTn id="48" fill="hold">
+                      <p:stCondLst>
+                        <p:cond delay="indefinite"/>
+                      </p:stCondLst>
+                      <p:childTnLst>
+                        <p:par>
+                          <p:cTn id="49" fill="hold">
+                            <p:stCondLst>
+                              <p:cond delay="0"/>
+                            </p:stCondLst>
+                            <p:childTnLst>
+                              <p:par>
+                                <p:cTn id="50" presetID="22" presetClass="entr" presetSubtype="8" fill="hold" grpId="0" nodeType="clickEffect">
+                                  <p:stCondLst>
+                                    <p:cond delay="0"/>
+                                  </p:stCondLst>
+                                  <p:childTnLst>
+                                    <p:set>
+                                      <p:cBhvr>
+                                        <p:cTn id="51" dur="1" fill="hold">
+                                          <p:stCondLst>
+                                            <p:cond delay="0"/>
+                                          </p:stCondLst>
+                                        </p:cTn>
+                                        <p:tgtEl>
+                                          <p:spTgt spid="4">
+                                            <p:txEl>
+                                              <p:pRg st="8" end="8"/>
+                                            </p:txEl>
+                                          </p:spTgt>
+                                        </p:tgtEl>
+                                        <p:attrNameLst>
+                                          <p:attrName>style.visibility</p:attrName>
+                                        </p:attrNameLst>
+                                      </p:cBhvr>
+                                      <p:to>
+                                        <p:strVal val="visible"/>
+                                      </p:to>
+                                    </p:set>
+                                    <p:animEffect transition="in" filter="wipe(left)">
+                                      <p:cBhvr>
+                                        <p:cTn id="52" dur="500"/>
+                                        <p:tgtEl>
+                                          <p:spTgt spid="4">
+                                            <p:txEl>
+                                              <p:pRg st="8" end="8"/>
+                                            </p:txEl>
+                                          </p:spTgt>
+                                        </p:tgtEl>
+                                      </p:cBhvr>
+                                    </p:animEffect>
+                                  </p:childTnLst>
+                                </p:cTn>
+                              </p:par>
+                              <p:par>
+                                <p:cTn id="53" presetID="22" presetClass="entr" presetSubtype="8" fill="hold" grpId="0" nodeType="withEffect">
+                                  <p:stCondLst>
+                                    <p:cond delay="0"/>
+                                  </p:stCondLst>
+                                  <p:childTnLst>
+                                    <p:set>
+                                      <p:cBhvr>
+                                        <p:cTn id="54" dur="1" fill="hold">
+                                          <p:stCondLst>
+                                            <p:cond delay="0"/>
+                                          </p:stCondLst>
+                                        </p:cTn>
+                                        <p:tgtEl>
                                           <p:spTgt spid="5">
                                             <p:bg/>
+                                          </p:spTgt>
+                                        </p:tgtEl>
+                                        <p:attrNameLst>
+                                          <p:attrName>style.visibility</p:attrName>
+                                        </p:attrNameLst>
+                                      </p:cBhvr>
+                                      <p:to>
+                                        <p:strVal val="visible"/>
+                                      </p:to>
+                                    </p:set>
+                                    <p:animEffect transition="in" filter="wipe(left)">
+                                      <p:cBhvr>
+                                        <p:cTn id="55" dur="500"/>
+                                        <p:tgtEl>
+                                          <p:spTgt spid="5">
+                                            <p:bg/>
+                                          </p:spTgt>
+                                        </p:tgtEl>
+                                      </p:cBhvr>
+                                    </p:animEffect>
+                                  </p:childTnLst>
+                                </p:cTn>
+                              </p:par>
+                            </p:childTnLst>
+                          </p:cTn>
+                        </p:par>
+                      </p:childTnLst>
+                    </p:cTn>
+                  </p:par>
+                  <p:par>
+                    <p:cTn id="56" fill="hold">
+                      <p:stCondLst>
+                        <p:cond delay="indefinite"/>
+                      </p:stCondLst>
+                      <p:childTnLst>
+                        <p:par>
+                          <p:cTn id="57" fill="hold">
+                            <p:stCondLst>
+                              <p:cond delay="0"/>
+                            </p:stCondLst>
+                            <p:childTnLst>
+                              <p:par>
+                                <p:cTn id="58" presetID="22" presetClass="entr" presetSubtype="8" fill="hold" grpId="0" nodeType="clickEffect">
+                                  <p:stCondLst>
+                                    <p:cond delay="0"/>
+                                  </p:stCondLst>
+                                  <p:childTnLst>
+                                    <p:set>
+                                      <p:cBhvr>
+                                        <p:cTn id="59" dur="1" fill="hold">
+                                          <p:stCondLst>
+                                            <p:cond delay="0"/>
+                                          </p:stCondLst>
+                                        </p:cTn>
+                                        <p:tgtEl>
+                                          <p:spTgt spid="5">
+                                            <p:txEl>
+                                              <p:pRg st="0" end="0"/>
+                                            </p:txEl>
+                                          </p:spTgt>
+                                        </p:tgtEl>
+                                        <p:attrNameLst>
+                                          <p:attrName>style.visibility</p:attrName>
+                                        </p:attrNameLst>
+                                      </p:cBhvr>
+                                      <p:to>
+                                        <p:strVal val="visible"/>
+                                      </p:to>
+                                    </p:set>
+                                    <p:animEffect transition="in" filter="wipe(left)">
+                                      <p:cBhvr>
+                                        <p:cTn id="60" dur="500"/>
+                                        <p:tgtEl>
+                                          <p:spTgt spid="5">
+                                            <p:txEl>
+                                              <p:pRg st="0" end="0"/>
+                                            </p:txEl>
+                                          </p:spTgt>
+                                        </p:tgtEl>
+                                      </p:cBhvr>
+                                    </p:animEffect>
+                                  </p:childTnLst>
+                                </p:cTn>
+                              </p:par>
+                            </p:childTnLst>
+                          </p:cTn>
+                        </p:par>
+                      </p:childTnLst>
+                    </p:cTn>
+                  </p:par>
+                  <p:par>
+                    <p:cTn id="61" fill="hold">
+                      <p:stCondLst>
+                        <p:cond delay="indefinite"/>
+                      </p:stCondLst>
+                      <p:childTnLst>
+                        <p:par>
+                          <p:cTn id="62" fill="hold">
+                            <p:stCondLst>
+                              <p:cond delay="0"/>
+                            </p:stCondLst>
+                            <p:childTnLst>
+                              <p:par>
+                                <p:cTn id="63" presetID="22" presetClass="entr" presetSubtype="8" fill="hold" grpId="0" nodeType="clickEffect">
+                                  <p:stCondLst>
+                                    <p:cond delay="0"/>
+                                  </p:stCondLst>
+                                  <p:childTnLst>
+                                    <p:set>
+                                      <p:cBhvr>
+                                        <p:cTn id="64" dur="1" fill="hold">
+                                          <p:stCondLst>
+                                            <p:cond delay="0"/>
+                                          </p:stCondLst>
+                                        </p:cTn>
+                                        <p:tgtEl>
+                                          <p:spTgt spid="5">
+                                            <p:txEl>
+                                              <p:pRg st="1" end="1"/>
+                                            </p:txEl>
+                                          </p:spTgt>
+                                        </p:tgtEl>
+                                        <p:attrNameLst>
+                                          <p:attrName>style.visibility</p:attrName>
+                                        </p:attrNameLst>
+                                      </p:cBhvr>
+                                      <p:to>
+                                        <p:strVal val="visible"/>
+                                      </p:to>
+                                    </p:set>
+                                    <p:animEffect transition="in" filter="wipe(left)">
+                                      <p:cBhvr>
+                                        <p:cTn id="65" dur="500"/>
+                                        <p:tgtEl>
+                                          <p:spTgt spid="5">
+                                            <p:txEl>
+                                              <p:pRg st="1" end="1"/>
+                                            </p:txEl>
+                                          </p:spTgt>
+                                        </p:tgtEl>
+                                      </p:cBhvr>
+                                    </p:animEffect>
+                                  </p:childTnLst>
+                                </p:cTn>
+                              </p:par>
+                            </p:childTnLst>
+                          </p:cTn>
+                        </p:par>
+                      </p:childTnLst>
+                    </p:cTn>
+                  </p:par>
+                  <p:par>
+                    <p:cTn id="66" fill="hold">
+                      <p:stCondLst>
+                        <p:cond delay="indefinite"/>
+                      </p:stCondLst>
+                      <p:childTnLst>
+                        <p:par>
+                          <p:cTn id="67" fill="hold">
+                            <p:stCondLst>
+                              <p:cond delay="0"/>
+                            </p:stCondLst>
+                            <p:childTnLst>
+                              <p:par>
+                                <p:cTn id="68" presetID="22" presetClass="entr" presetSubtype="8" fill="hold" grpId="0" nodeType="clickEffect">
+                                  <p:stCondLst>
+                                    <p:cond delay="0"/>
+                                  </p:stCondLst>
+                                  <p:childTnLst>
+                                    <p:set>
+                                      <p:cBhvr>
+                                        <p:cTn id="69" dur="1" fill="hold">
+                                          <p:stCondLst>
+                                            <p:cond delay="0"/>
+                                          </p:stCondLst>
+                                        </p:cTn>
+                                        <p:tgtEl>
+                                          <p:spTgt spid="5">
+                                            <p:txEl>
+                                              <p:pRg st="2" end="2"/>
+                                            </p:txEl>
+                                          </p:spTgt>
+                                        </p:tgtEl>
+                                        <p:attrNameLst>
+                                          <p:attrName>style.visibility</p:attrName>
+                                        </p:attrNameLst>
+                                      </p:cBhvr>
+                                      <p:to>
+                                        <p:strVal val="visible"/>
+                                      </p:to>
+                                    </p:set>
+                                    <p:animEffect transition="in" filter="wipe(left)">
+                                      <p:cBhvr>
+                                        <p:cTn id="70" dur="500"/>
+                                        <p:tgtEl>
+                                          <p:spTgt spid="5">
+                                            <p:txEl>
+                                              <p:pRg st="2" end="2"/>
+                                            </p:txEl>
+                                          </p:spTgt>
+                                        </p:tgtEl>
+                                      </p:cBhvr>
+                                    </p:animEffect>
+                                  </p:childTnLst>
+                                </p:cTn>
+                              </p:par>
+                            </p:childTnLst>
+                          </p:cTn>
+                        </p:par>
+                      </p:childTnLst>
+                    </p:cTn>
+                  </p:par>
+                  <p:par>
+                    <p:cTn id="71" fill="hold">
+                      <p:stCondLst>
+                        <p:cond delay="indefinite"/>
+                      </p:stCondLst>
+                      <p:childTnLst>
+                        <p:par>
+                          <p:cTn id="72" fill="hold">
+                            <p:stCondLst>
+                              <p:cond delay="0"/>
+                            </p:stCondLst>
+                            <p:childTnLst>
+                              <p:par>
+                                <p:cTn id="73" presetID="22" presetClass="entr" presetSubtype="8" fill="hold" grpId="0" nodeType="clickEffect">
+                                  <p:stCondLst>
+                                    <p:cond delay="0"/>
+                                  </p:stCondLst>
+                                  <p:childTnLst>
+                                    <p:set>
+                                      <p:cBhvr>
+                                        <p:cTn id="74" dur="1" fill="hold">
+                                          <p:stCondLst>
+                                            <p:cond delay="0"/>
+                                          </p:stCondLst>
+                                        </p:cTn>
+                                        <p:tgtEl>
+                                          <p:spTgt spid="5">
+                                            <p:txEl>
+                                              <p:pRg st="3" end="3"/>
+                                            </p:txEl>
+                                          </p:spTgt>
+                                        </p:tgtEl>
+                                        <p:attrNameLst>
+                                          <p:attrName>style.visibility</p:attrName>
+                                        </p:attrNameLst>
+                                      </p:cBhvr>
+                                      <p:to>
+                                        <p:strVal val="visible"/>
+                                      </p:to>
+                                    </p:set>
+                                    <p:animEffect transition="in" filter="wipe(left)">
+                                      <p:cBhvr>
+                                        <p:cTn id="75" dur="500"/>
+                                        <p:tgtEl>
+                                          <p:spTgt spid="5">
+                                            <p:txEl>
+                                              <p:pRg st="3" end="3"/>
+                                            </p:txEl>
+                                          </p:spTgt>
+                                        </p:tgtEl>
+                                      </p:cBhvr>
+                                    </p:animEffect>
+                                  </p:childTnLst>
+                                </p:cTn>
+                              </p:par>
+                            </p:childTnLst>
+                          </p:cTn>
+                        </p:par>
+                      </p:childTnLst>
+                    </p:cTn>
+                  </p:par>
+                  <p:par>
+                    <p:cTn id="76" fill="hold">
+                      <p:stCondLst>
+                        <p:cond delay="indefinite"/>
+                      </p:stCondLst>
+                      <p:childTnLst>
+                        <p:par>
+                          <p:cTn id="77" fill="hold">
+                            <p:stCondLst>
+                              <p:cond delay="0"/>
+                            </p:stCondLst>
+                            <p:childTnLst>
+                              <p:par>
+                                <p:cTn id="78" presetID="22" presetClass="entr" presetSubtype="8" fill="hold" grpId="0" nodeType="clickEffect">
+                                  <p:stCondLst>
+                                    <p:cond delay="0"/>
+                                  </p:stCondLst>
+                                  <p:childTnLst>
+                                    <p:set>
+                                      <p:cBhvr>
+                                        <p:cTn id="79" dur="1" fill="hold">
+                                          <p:stCondLst>
+                                            <p:cond delay="0"/>
+                                          </p:stCondLst>
+                                        </p:cTn>
+                                        <p:tgtEl>
+                                          <p:spTgt spid="5">
+                                            <p:txEl>
+                                              <p:pRg st="4" end="4"/>
+                                            </p:txEl>
+                                          </p:spTgt>
+                                        </p:tgtEl>
+                                        <p:attrNameLst>
+                                          <p:attrName>style.visibility</p:attrName>
+                                        </p:attrNameLst>
+                                      </p:cBhvr>
+                                      <p:to>
+                                        <p:strVal val="visible"/>
+                                      </p:to>
+                                    </p:set>
+                                    <p:animEffect transition="in" filter="wipe(left)">
+                                      <p:cBhvr>
+                                        <p:cTn id="80" dur="500"/>
+                                        <p:tgtEl>
+                                          <p:spTgt spid="5">
+                                            <p:txEl>
+                                              <p:pRg st="4" end="4"/>
+                                            </p:txEl>
+                                          </p:spTgt>
+                                        </p:tgtEl>
+                                      </p:cBhvr>
+                                    </p:animEffect>
+                                  </p:childTnLst>
+                                </p:cTn>
+                              </p:par>
+                            </p:childTnLst>
+                          </p:cTn>
+                        </p:par>
+                      </p:childTnLst>
+                    </p:cTn>
+                  </p:par>
+                  <p:par>
+                    <p:cTn id="81" fill="hold">
+                      <p:stCondLst>
+                        <p:cond delay="indefinite"/>
+                      </p:stCondLst>
+                      <p:childTnLst>
+                        <p:par>
+                          <p:cTn id="82" fill="hold">
+                            <p:stCondLst>
+                              <p:cond delay="0"/>
+                            </p:stCondLst>
+                            <p:childTnLst>
+                              <p:par>
+                                <p:cTn id="83" presetID="22" presetClass="entr" presetSubtype="8" fill="hold" grpId="0" nodeType="clickEffect">
+                                  <p:stCondLst>
+                                    <p:cond delay="0"/>
+                                  </p:stCondLst>
+                                  <p:childTnLst>
+                                    <p:set>
+                                      <p:cBhvr>
+                                        <p:cTn id="84" dur="1" fill="hold">
+                                          <p:stCondLst>
+                                            <p:cond delay="0"/>
+                                          </p:stCondLst>
+                                        </p:cTn>
+                                        <p:tgtEl>
+                                          <p:spTgt spid="5">
+                                            <p:txEl>
+                                              <p:pRg st="5" end="5"/>
+                                            </p:txEl>
+                                          </p:spTgt>
+                                        </p:tgtEl>
+                                        <p:attrNameLst>
+                                          <p:attrName>style.visibility</p:attrName>
+                                        </p:attrNameLst>
+                                      </p:cBhvr>
+                                      <p:to>
+                                        <p:strVal val="visible"/>
+                                      </p:to>
+                                    </p:set>
+                                    <p:animEffect transition="in" filter="wipe(left)">
+                                      <p:cBhvr>
+                                        <p:cTn id="85" dur="500"/>
+                                        <p:tgtEl>
+                                          <p:spTgt spid="5">
+                                            <p:txEl>
+                                              <p:pRg st="5" end="5"/>
+                                            </p:txEl>
+                                          </p:spTgt>
+                                        </p:tgtEl>
+                                      </p:cBhvr>
+                                    </p:animEffect>
+                                  </p:childTnLst>
+                                </p:cTn>
+                              </p:par>
+                            </p:childTnLst>
+                          </p:cTn>
+                        </p:par>
+                      </p:childTnLst>
+                    </p:cTn>
+                  </p:par>
+                  <p:par>
+                    <p:cTn id="86" fill="hold">
+                      <p:stCondLst>
+                        <p:cond delay="indefinite"/>
+                      </p:stCondLst>
+                      <p:childTnLst>
+                        <p:par>
+                          <p:cTn id="87" fill="hold">
+                            <p:stCondLst>
+                              <p:cond delay="0"/>
+                            </p:stCondLst>
+                            <p:childTnLst>
+                              <p:par>
+                                <p:cTn id="88" presetID="22" presetClass="entr" presetSubtype="8" fill="hold" grpId="0" nodeType="clickEffect">
+                                  <p:stCondLst>
+                                    <p:cond delay="0"/>
+                                  </p:stCondLst>
+                                  <p:childTnLst>
+                                    <p:set>
+                                      <p:cBhvr>
+                                        <p:cTn id="89" dur="1" fill="hold">
+                                          <p:stCondLst>
+                                            <p:cond delay="0"/>
+                                          </p:stCondLst>
+                                        </p:cTn>
+                                        <p:tgtEl>
+                                          <p:spTgt spid="5">
+                                            <p:txEl>
+                                              <p:pRg st="6" end="6"/>
+                                            </p:txEl>
+                                          </p:spTgt>
+                                        </p:tgtEl>
+                                        <p:attrNameLst>
+                                          <p:attrName>style.visibility</p:attrName>
+                                        </p:attrNameLst>
+                                      </p:cBhvr>
+                                      <p:to>
+                                        <p:strVal val="visible"/>
+                                      </p:to>
+                                    </p:set>
+                                    <p:animEffect transition="in" filter="wipe(left)">
+                                      <p:cBhvr>
+                                        <p:cTn id="90" dur="500"/>
+                                        <p:tgtEl>
+                                          <p:spTgt spid="5">
+                                            <p:txEl>
+                                              <p:pRg st="6" end="6"/>
+                                            </p:txEl>
+                                          </p:spTgt>
+                                        </p:tgtEl>
+                                      </p:cBhvr>
+                                    </p:animEffect>
+                                  </p:childTnLst>
+                                </p:cTn>
+                              </p:par>
+                            </p:childTnLst>
+                          </p:cTn>
+                        </p:par>
+                      </p:childTnLst>
+                    </p:cTn>
+                  </p:par>
+                  <p:par>
+                    <p:cTn id="91" fill="hold">
+                      <p:stCondLst>
+                        <p:cond delay="indefinite"/>
+                      </p:stCondLst>
+                      <p:childTnLst>
+                        <p:par>
+                          <p:cTn id="92" fill="hold">
+                            <p:stCondLst>
+                              <p:cond delay="0"/>
+                            </p:stCondLst>
+                            <p:childTnLst>
+                              <p:par>
+                                <p:cTn id="93" presetID="22" presetClass="entr" presetSubtype="8" fill="hold" grpId="0" nodeType="clickEffect">
+                                  <p:stCondLst>
+                                    <p:cond delay="0"/>
+                                  </p:stCondLst>
+                                  <p:childTnLst>
+                                    <p:set>
+                                      <p:cBhvr>
+                                        <p:cTn id="94" dur="1" fill="hold">
+                                          <p:stCondLst>
+                                            <p:cond delay="0"/>
+                                          </p:stCondLst>
+                                        </p:cTn>
+                                        <p:tgtEl>
+                                          <p:spTgt spid="5">
+                                            <p:txEl>
+                                              <p:pRg st="7" end="7"/>
+                                            </p:txEl>
+                                          </p:spTgt>
+                                        </p:tgtEl>
+                                        <p:attrNameLst>
+                                          <p:attrName>style.visibility</p:attrName>
+                                        </p:attrNameLst>
+                                      </p:cBhvr>
+                                      <p:to>
+                                        <p:strVal val="visible"/>
+                                      </p:to>
+                                    </p:set>
+                                    <p:animEffect transition="in" filter="wipe(left)">
+                                      <p:cBhvr>
+                                        <p:cTn id="95" dur="500"/>
+                                        <p:tgtEl>
+                                          <p:spTgt spid="5">
+                                            <p:txEl>
+                                              <p:pRg st="7" end="7"/>
+                                            </p:txEl>
                                           </p:spTgt>
                                         </p:tgtEl>
                                       </p:cBhvr>
@@ -14175,8 +19620,8 @@
       </p:par>
     </p:tnLst>
     <p:bldLst>
-      <p:bldP spid="4" grpId="0" uiExpand="1" build="p" animBg="1"/>
-      <p:bldP spid="5" grpId="0" uiExpand="1" build="p" animBg="1"/>
+      <p:bldP spid="4" grpId="0" build="p" animBg="1"/>
+      <p:bldP spid="5" grpId="0" build="p" animBg="1"/>
     </p:bldLst>
   </p:timing>
 </p:sld>

--- a/slides/04-Decorators.pptx
+++ b/slides/04-Decorators.pptx
@@ -1,6 +1,6 @@
 
 <file path=ppt/presentation.xml><?xml version="1.0" encoding="utf-8"?>
-<p:presentation xmlns:a="http://schemas.openxmlformats.org/drawingml/2006/main" xmlns:r="http://schemas.openxmlformats.org/officeDocument/2006/relationships" xmlns:p="http://schemas.openxmlformats.org/presentationml/2006/main" saveSubsetFonts="1" autoCompressPictures="0">
+<p:presentation xmlns:a="http://schemas.openxmlformats.org/drawingml/2006/main" xmlns:r="http://schemas.openxmlformats.org/officeDocument/2006/relationships" xmlns:p="http://schemas.openxmlformats.org/presentationml/2006/main" embedTrueTypeFonts="1" autoCompressPictures="0">
   <p:sldMasterIdLst>
     <p:sldMasterId id="2147483696" r:id="rId1"/>
   </p:sldMasterIdLst>
@@ -21,6 +21,27 @@
   </p:sldIdLst>
   <p:sldSz cx="12192000" cy="6858000"/>
   <p:notesSz cx="6858000" cy="9144000"/>
+  <p:embeddedFontLst>
+    <p:embeddedFont>
+      <p:font typeface="Calibri" panose="020F0502020204030204" pitchFamily="34" charset="0"/>
+      <p:regular r:id="rId13"/>
+      <p:bold r:id="rId14"/>
+      <p:italic r:id="rId15"/>
+      <p:boldItalic r:id="rId16"/>
+    </p:embeddedFont>
+    <p:embeddedFont>
+      <p:font typeface="Consolas" panose="020B0609020204030204" pitchFamily="49" charset="0"/>
+      <p:regular r:id="rId17"/>
+      <p:bold r:id="rId18"/>
+      <p:italic r:id="rId19"/>
+      <p:boldItalic r:id="rId20"/>
+    </p:embeddedFont>
+    <p:embeddedFont>
+      <p:font typeface="Franklin Gothic Book" panose="020B0503020102020204" pitchFamily="34" charset="0"/>
+      <p:regular r:id="rId21"/>
+      <p:italic r:id="rId22"/>
+    </p:embeddedFont>
+  </p:embeddedFontLst>
   <p:defaultTextStyle>
     <a:defPPr>
       <a:defRPr lang="en-US"/>
@@ -2917,7 +2938,7 @@
           <a:p>
             <a:fld id="{27CEEA13-23F5-194B-B1CF-CF175090CBFA}" type="datetimeFigureOut">
               <a:rPr lang="en-US" smtClean="0"/>
-              <a:t>10/1/18</a:t>
+              <a:t>2/13/20</a:t>
             </a:fld>
             <a:endParaRPr lang="en-US"/>
           </a:p>
@@ -3345,7 +3366,7 @@
           <a:p>
             <a:fld id="{2DD5D53E-635E-BD41-B5CC-A796D6DD661B}" type="datetimeFigureOut">
               <a:rPr lang="en-US" smtClean="0"/>
-              <a:t>10/1/18</a:t>
+              <a:t>2/13/20</a:t>
             </a:fld>
             <a:endParaRPr lang="en-US"/>
           </a:p>
@@ -3675,7 +3696,7 @@
           <a:p>
             <a:fld id="{2DD5D53E-635E-BD41-B5CC-A796D6DD661B}" type="datetimeFigureOut">
               <a:rPr lang="en-US" smtClean="0"/>
-              <a:t>10/1/18</a:t>
+              <a:t>2/13/20</a:t>
             </a:fld>
             <a:endParaRPr lang="en-US"/>
           </a:p>
@@ -3855,7 +3876,7 @@
           <a:p>
             <a:fld id="{2DD5D53E-635E-BD41-B5CC-A796D6DD661B}" type="datetimeFigureOut">
               <a:rPr lang="en-US" smtClean="0"/>
-              <a:t>10/1/18</a:t>
+              <a:t>2/13/20</a:t>
             </a:fld>
             <a:endParaRPr lang="en-US"/>
           </a:p>
@@ -4025,7 +4046,7 @@
           <a:p>
             <a:fld id="{2DD5D53E-635E-BD41-B5CC-A796D6DD661B}" type="datetimeFigureOut">
               <a:rPr lang="en-US" smtClean="0"/>
-              <a:t>10/1/18</a:t>
+              <a:t>2/13/20</a:t>
             </a:fld>
             <a:endParaRPr lang="en-US"/>
           </a:p>
@@ -4297,7 +4318,7 @@
           <a:p>
             <a:fld id="{2DD5D53E-635E-BD41-B5CC-A796D6DD661B}" type="datetimeFigureOut">
               <a:rPr lang="en-US" smtClean="0"/>
-              <a:t>10/1/18</a:t>
+              <a:t>2/13/20</a:t>
             </a:fld>
             <a:endParaRPr lang="en-US"/>
           </a:p>
@@ -4691,7 +4712,7 @@
           <a:p>
             <a:fld id="{2DD5D53E-635E-BD41-B5CC-A796D6DD661B}" type="datetimeFigureOut">
               <a:rPr lang="en-US" smtClean="0"/>
-              <a:t>10/1/18</a:t>
+              <a:t>2/13/20</a:t>
             </a:fld>
             <a:endParaRPr lang="en-US"/>
           </a:p>
@@ -5168,7 +5189,7 @@
           <a:p>
             <a:fld id="{2DD5D53E-635E-BD41-B5CC-A796D6DD661B}" type="datetimeFigureOut">
               <a:rPr lang="en-US" smtClean="0"/>
-              <a:t>10/1/18</a:t>
+              <a:t>2/13/20</a:t>
             </a:fld>
             <a:endParaRPr lang="en-US"/>
           </a:p>
@@ -5286,7 +5307,7 @@
           <a:p>
             <a:fld id="{2DD5D53E-635E-BD41-B5CC-A796D6DD661B}" type="datetimeFigureOut">
               <a:rPr lang="en-US" smtClean="0"/>
-              <a:t>10/1/18</a:t>
+              <a:t>2/13/20</a:t>
             </a:fld>
             <a:endParaRPr lang="en-US"/>
           </a:p>
@@ -5381,7 +5402,7 @@
           <a:p>
             <a:fld id="{2DD5D53E-635E-BD41-B5CC-A796D6DD661B}" type="datetimeFigureOut">
               <a:rPr lang="en-US" smtClean="0"/>
-              <a:t>10/1/18</a:t>
+              <a:t>2/13/20</a:t>
             </a:fld>
             <a:endParaRPr lang="en-US"/>
           </a:p>
@@ -5727,7 +5748,7 @@
           <a:p>
             <a:fld id="{2DD5D53E-635E-BD41-B5CC-A796D6DD661B}" type="datetimeFigureOut">
               <a:rPr lang="en-US" smtClean="0"/>
-              <a:t>10/1/18</a:t>
+              <a:t>2/13/20</a:t>
             </a:fld>
             <a:endParaRPr lang="en-US"/>
           </a:p>
@@ -6115,7 +6136,7 @@
           <a:p>
             <a:fld id="{2DD5D53E-635E-BD41-B5CC-A796D6DD661B}" type="datetimeFigureOut">
               <a:rPr lang="en-US" smtClean="0"/>
-              <a:t>10/1/18</a:t>
+              <a:t>2/13/20</a:t>
             </a:fld>
             <a:endParaRPr lang="en-US"/>
           </a:p>
@@ -6390,7 +6411,7 @@
           <a:p>
             <a:fld id="{2DD5D53E-635E-BD41-B5CC-A796D6DD661B}" type="datetimeFigureOut">
               <a:rPr lang="en-US" smtClean="0"/>
-              <a:t>10/1/18</a:t>
+              <a:t>2/13/20</a:t>
             </a:fld>
             <a:endParaRPr lang="en-US"/>
           </a:p>
@@ -6836,7 +6857,7 @@
       </a:lvl9pPr>
     </p:otherStyle>
   </p:txStyles>
-  <p:extLst mod="1">
+  <p:extLst>
     <p:ext uri="{27BBF7A9-308A-43DC-89C8-2F10F3537804}">
       <p15:sldGuideLst xmlns:p15="http://schemas.microsoft.com/office/powerpoint/2012/main">
         <p15:guide id="3" orient="horz" pos="1368">
@@ -7525,9 +7546,9 @@
                 <a:solidFill>
                   <a:schemeClr val="accent6"/>
                 </a:solidFill>
-                <a:latin typeface="Menlo" panose="020B0609030804020204" pitchFamily="49" charset="0"/>
-                <a:ea typeface="Menlo" panose="020B0609030804020204" pitchFamily="49" charset="0"/>
-                <a:cs typeface="Menlo" panose="020B0609030804020204" pitchFamily="49" charset="0"/>
+                <a:latin typeface="Consolas" panose="020B0609020204030204" pitchFamily="49" charset="0"/>
+                <a:ea typeface="Menlo" panose="020B0609030804020204" pitchFamily="49" charset="0"/>
+                <a:cs typeface="Consolas" panose="020B0609020204030204" pitchFamily="49" charset="0"/>
               </a:rPr>
               <a:t>def </a:t>
             </a:r>
@@ -7536,9 +7557,9 @@
                 <a:solidFill>
                   <a:schemeClr val="accent6"/>
                 </a:solidFill>
-                <a:latin typeface="Menlo" panose="020B0609030804020204" pitchFamily="49" charset="0"/>
-                <a:ea typeface="Menlo" panose="020B0609030804020204" pitchFamily="49" charset="0"/>
-                <a:cs typeface="Menlo" panose="020B0609030804020204" pitchFamily="49" charset="0"/>
+                <a:latin typeface="Consolas" panose="020B0609020204030204" pitchFamily="49" charset="0"/>
+                <a:ea typeface="Menlo" panose="020B0609030804020204" pitchFamily="49" charset="0"/>
+                <a:cs typeface="Consolas" panose="020B0609020204030204" pitchFamily="49" charset="0"/>
               </a:rPr>
               <a:t>make_closure</a:t>
             </a:r>
@@ -7547,9 +7568,9 @@
                 <a:solidFill>
                   <a:schemeClr val="accent6"/>
                 </a:solidFill>
-                <a:latin typeface="Menlo" panose="020B0609030804020204" pitchFamily="49" charset="0"/>
-                <a:ea typeface="Menlo" panose="020B0609030804020204" pitchFamily="49" charset="0"/>
-                <a:cs typeface="Menlo" panose="020B0609030804020204" pitchFamily="49" charset="0"/>
+                <a:latin typeface="Consolas" panose="020B0609020204030204" pitchFamily="49" charset="0"/>
+                <a:ea typeface="Menlo" panose="020B0609030804020204" pitchFamily="49" charset="0"/>
+                <a:cs typeface="Consolas" panose="020B0609020204030204" pitchFamily="49" charset="0"/>
               </a:rPr>
               <a:t>(…):</a:t>
             </a:r>
@@ -7563,9 +7584,9 @@
                 <a:solidFill>
                   <a:schemeClr val="accent6"/>
                 </a:solidFill>
-                <a:latin typeface="Menlo" panose="020B0609030804020204" pitchFamily="49" charset="0"/>
-                <a:ea typeface="Menlo" panose="020B0609030804020204" pitchFamily="49" charset="0"/>
-                <a:cs typeface="Menlo" panose="020B0609030804020204" pitchFamily="49" charset="0"/>
+                <a:latin typeface="Consolas" panose="020B0609020204030204" pitchFamily="49" charset="0"/>
+                <a:ea typeface="Menlo" panose="020B0609030804020204" pitchFamily="49" charset="0"/>
+                <a:cs typeface="Consolas" panose="020B0609020204030204" pitchFamily="49" charset="0"/>
               </a:rPr>
               <a:t>    ... </a:t>
             </a:r>
@@ -7574,9 +7595,9 @@
                 <a:solidFill>
                   <a:schemeClr val="accent1"/>
                 </a:solidFill>
-                <a:latin typeface="Menlo" panose="020B0609030804020204" pitchFamily="49" charset="0"/>
-                <a:ea typeface="Menlo" panose="020B0609030804020204" pitchFamily="49" charset="0"/>
-                <a:cs typeface="Menlo" panose="020B0609030804020204" pitchFamily="49" charset="0"/>
+                <a:latin typeface="Consolas" panose="020B0609020204030204" pitchFamily="49" charset="0"/>
+                <a:ea typeface="Menlo" panose="020B0609030804020204" pitchFamily="49" charset="0"/>
+                <a:cs typeface="Consolas" panose="020B0609020204030204" pitchFamily="49" charset="0"/>
               </a:rPr>
               <a:t># </a:t>
             </a:r>
@@ -7585,9 +7606,9 @@
                 <a:solidFill>
                   <a:schemeClr val="accent1"/>
                 </a:solidFill>
-                <a:latin typeface="Menlo" panose="020B0609030804020204" pitchFamily="49" charset="0"/>
-                <a:ea typeface="Menlo" panose="020B0609030804020204" pitchFamily="49" charset="0"/>
-                <a:cs typeface="Menlo" panose="020B0609030804020204" pitchFamily="49" charset="0"/>
+                <a:latin typeface="Consolas" panose="020B0609020204030204" pitchFamily="49" charset="0"/>
+                <a:ea typeface="Menlo" panose="020B0609030804020204" pitchFamily="49" charset="0"/>
+                <a:cs typeface="Consolas" panose="020B0609020204030204" pitchFamily="49" charset="0"/>
               </a:rPr>
               <a:t>local_variables</a:t>
             </a:r>
@@ -7595,9 +7616,9 @@
               <a:solidFill>
                 <a:schemeClr val="accent1"/>
               </a:solidFill>
-              <a:latin typeface="Menlo" panose="020B0609030804020204" pitchFamily="49" charset="0"/>
+              <a:latin typeface="Consolas" panose="020B0609020204030204" pitchFamily="49" charset="0"/>
               <a:ea typeface="Menlo" panose="020B0609030804020204" pitchFamily="49" charset="0"/>
-              <a:cs typeface="Menlo" panose="020B0609030804020204" pitchFamily="49" charset="0"/>
+              <a:cs typeface="Consolas" panose="020B0609020204030204" pitchFamily="49" charset="0"/>
             </a:endParaRPr>
           </a:p>
           <a:p>
@@ -7609,9 +7630,9 @@
                 <a:solidFill>
                   <a:schemeClr val="accent6"/>
                 </a:solidFill>
-                <a:latin typeface="Menlo" panose="020B0609030804020204" pitchFamily="49" charset="0"/>
-                <a:ea typeface="Menlo" panose="020B0609030804020204" pitchFamily="49" charset="0"/>
-                <a:cs typeface="Menlo" panose="020B0609030804020204" pitchFamily="49" charset="0"/>
+                <a:latin typeface="Consolas" panose="020B0609020204030204" pitchFamily="49" charset="0"/>
+                <a:ea typeface="Menlo" panose="020B0609030804020204" pitchFamily="49" charset="0"/>
+                <a:cs typeface="Consolas" panose="020B0609020204030204" pitchFamily="49" charset="0"/>
               </a:rPr>
               <a:t>    def closure(…):</a:t>
             </a:r>
@@ -7625,9 +7646,9 @@
                 <a:solidFill>
                   <a:schemeClr val="accent6"/>
                 </a:solidFill>
-                <a:latin typeface="Menlo" panose="020B0609030804020204" pitchFamily="49" charset="0"/>
-                <a:ea typeface="Menlo" panose="020B0609030804020204" pitchFamily="49" charset="0"/>
-                <a:cs typeface="Menlo" panose="020B0609030804020204" pitchFamily="49" charset="0"/>
+                <a:latin typeface="Consolas" panose="020B0609020204030204" pitchFamily="49" charset="0"/>
+                <a:ea typeface="Menlo" panose="020B0609030804020204" pitchFamily="49" charset="0"/>
+                <a:cs typeface="Consolas" panose="020B0609020204030204" pitchFamily="49" charset="0"/>
               </a:rPr>
               <a:t>        ...</a:t>
             </a:r>
@@ -7641,9 +7662,9 @@
                 <a:solidFill>
                   <a:schemeClr val="accent6"/>
                 </a:solidFill>
-                <a:latin typeface="Menlo" panose="020B0609030804020204" pitchFamily="49" charset="0"/>
-                <a:ea typeface="Menlo" panose="020B0609030804020204" pitchFamily="49" charset="0"/>
-                <a:cs typeface="Menlo" panose="020B0609030804020204" pitchFamily="49" charset="0"/>
+                <a:latin typeface="Consolas" panose="020B0609020204030204" pitchFamily="49" charset="0"/>
+                <a:ea typeface="Menlo" panose="020B0609030804020204" pitchFamily="49" charset="0"/>
+                <a:cs typeface="Consolas" panose="020B0609020204030204" pitchFamily="49" charset="0"/>
               </a:rPr>
               <a:t>        </a:t>
             </a:r>
@@ -7652,9 +7673,9 @@
                 <a:solidFill>
                   <a:schemeClr val="accent1"/>
                 </a:solidFill>
-                <a:latin typeface="Menlo" panose="020B0609030804020204" pitchFamily="49" charset="0"/>
-                <a:ea typeface="Menlo" panose="020B0609030804020204" pitchFamily="49" charset="0"/>
-                <a:cs typeface="Menlo" panose="020B0609030804020204" pitchFamily="49" charset="0"/>
+                <a:latin typeface="Consolas" panose="020B0609020204030204" pitchFamily="49" charset="0"/>
+                <a:ea typeface="Menlo" panose="020B0609030804020204" pitchFamily="49" charset="0"/>
+                <a:cs typeface="Consolas" panose="020B0609020204030204" pitchFamily="49" charset="0"/>
               </a:rPr>
               <a:t># references the </a:t>
             </a:r>
@@ -7663,9 +7684,9 @@
                 <a:solidFill>
                   <a:schemeClr val="accent1"/>
                 </a:solidFill>
-                <a:latin typeface="Menlo" panose="020B0609030804020204" pitchFamily="49" charset="0"/>
-                <a:ea typeface="Menlo" panose="020B0609030804020204" pitchFamily="49" charset="0"/>
-                <a:cs typeface="Menlo" panose="020B0609030804020204" pitchFamily="49" charset="0"/>
+                <a:latin typeface="Consolas" panose="020B0609020204030204" pitchFamily="49" charset="0"/>
+                <a:ea typeface="Menlo" panose="020B0609030804020204" pitchFamily="49" charset="0"/>
+                <a:cs typeface="Consolas" panose="020B0609020204030204" pitchFamily="49" charset="0"/>
               </a:rPr>
               <a:t>local_variables</a:t>
             </a:r>
@@ -7673,9 +7694,9 @@
               <a:solidFill>
                 <a:schemeClr val="accent1"/>
               </a:solidFill>
-              <a:latin typeface="Menlo" panose="020B0609030804020204" pitchFamily="49" charset="0"/>
+              <a:latin typeface="Consolas" panose="020B0609020204030204" pitchFamily="49" charset="0"/>
               <a:ea typeface="Menlo" panose="020B0609030804020204" pitchFamily="49" charset="0"/>
-              <a:cs typeface="Menlo" panose="020B0609030804020204" pitchFamily="49" charset="0"/>
+              <a:cs typeface="Consolas" panose="020B0609020204030204" pitchFamily="49" charset="0"/>
             </a:endParaRPr>
           </a:p>
           <a:p>
@@ -7687,9 +7708,9 @@
                 <a:solidFill>
                   <a:schemeClr val="accent6"/>
                 </a:solidFill>
-                <a:latin typeface="Menlo" panose="020B0609030804020204" pitchFamily="49" charset="0"/>
-                <a:ea typeface="Menlo" panose="020B0609030804020204" pitchFamily="49" charset="0"/>
-                <a:cs typeface="Menlo" panose="020B0609030804020204" pitchFamily="49" charset="0"/>
+                <a:latin typeface="Consolas" panose="020B0609020204030204" pitchFamily="49" charset="0"/>
+                <a:ea typeface="Menlo" panose="020B0609030804020204" pitchFamily="49" charset="0"/>
+                <a:cs typeface="Consolas" panose="020B0609020204030204" pitchFamily="49" charset="0"/>
               </a:rPr>
               <a:t>        </a:t>
             </a:r>
@@ -7698,9 +7719,9 @@
                 <a:solidFill>
                   <a:schemeClr val="accent1"/>
                 </a:solidFill>
-                <a:latin typeface="Menlo" panose="020B0609030804020204" pitchFamily="49" charset="0"/>
-                <a:ea typeface="Menlo" panose="020B0609030804020204" pitchFamily="49" charset="0"/>
-                <a:cs typeface="Menlo" panose="020B0609030804020204" pitchFamily="49" charset="0"/>
+                <a:latin typeface="Consolas" panose="020B0609020204030204" pitchFamily="49" charset="0"/>
+                <a:ea typeface="Menlo" panose="020B0609030804020204" pitchFamily="49" charset="0"/>
+                <a:cs typeface="Consolas" panose="020B0609020204030204" pitchFamily="49" charset="0"/>
               </a:rPr>
               <a:t># thereby closing over them</a:t>
             </a:r>
@@ -7714,9 +7735,9 @@
                 <a:solidFill>
                   <a:schemeClr val="accent1"/>
                 </a:solidFill>
-                <a:latin typeface="Menlo" panose="020B0609030804020204" pitchFamily="49" charset="0"/>
-                <a:ea typeface="Menlo" panose="020B0609030804020204" pitchFamily="49" charset="0"/>
-                <a:cs typeface="Menlo" panose="020B0609030804020204" pitchFamily="49" charset="0"/>
+                <a:latin typeface="Consolas" panose="020B0609020204030204" pitchFamily="49" charset="0"/>
+                <a:ea typeface="Menlo" panose="020B0609030804020204" pitchFamily="49" charset="0"/>
+                <a:cs typeface="Consolas" panose="020B0609020204030204" pitchFamily="49" charset="0"/>
               </a:rPr>
               <a:t>    </a:t>
             </a:r>
@@ -7725,9 +7746,9 @@
                 <a:solidFill>
                   <a:schemeClr val="accent6"/>
                 </a:solidFill>
-                <a:latin typeface="Menlo" panose="020B0609030804020204" pitchFamily="49" charset="0"/>
-                <a:ea typeface="Menlo" panose="020B0609030804020204" pitchFamily="49" charset="0"/>
-                <a:cs typeface="Menlo" panose="020B0609030804020204" pitchFamily="49" charset="0"/>
+                <a:latin typeface="Consolas" panose="020B0609020204030204" pitchFamily="49" charset="0"/>
+                <a:ea typeface="Menlo" panose="020B0609030804020204" pitchFamily="49" charset="0"/>
+                <a:cs typeface="Consolas" panose="020B0609020204030204" pitchFamily="49" charset="0"/>
               </a:rPr>
               <a:t>...</a:t>
             </a:r>
@@ -7741,9 +7762,9 @@
                 <a:solidFill>
                   <a:schemeClr val="accent6"/>
                 </a:solidFill>
-                <a:latin typeface="Menlo" panose="020B0609030804020204" pitchFamily="49" charset="0"/>
-                <a:ea typeface="Menlo" panose="020B0609030804020204" pitchFamily="49" charset="0"/>
-                <a:cs typeface="Menlo" panose="020B0609030804020204" pitchFamily="49" charset="0"/>
+                <a:latin typeface="Consolas" panose="020B0609020204030204" pitchFamily="49" charset="0"/>
+                <a:ea typeface="Menlo" panose="020B0609030804020204" pitchFamily="49" charset="0"/>
+                <a:cs typeface="Consolas" panose="020B0609020204030204" pitchFamily="49" charset="0"/>
               </a:rPr>
               <a:t>    return closure</a:t>
             </a:r>
@@ -7757,9 +7778,9 @@
                 <a:solidFill>
                   <a:schemeClr val="accent1"/>
                 </a:solidFill>
-                <a:latin typeface="Menlo" panose="020B0609030804020204" pitchFamily="49" charset="0"/>
-                <a:ea typeface="Menlo" panose="020B0609030804020204" pitchFamily="49" charset="0"/>
-                <a:cs typeface="Menlo" panose="020B0609030804020204" pitchFamily="49" charset="0"/>
+                <a:latin typeface="Consolas" panose="020B0609020204030204" pitchFamily="49" charset="0"/>
+                <a:ea typeface="Menlo" panose="020B0609030804020204" pitchFamily="49" charset="0"/>
+                <a:cs typeface="Consolas" panose="020B0609020204030204" pitchFamily="49" charset="0"/>
               </a:rPr>
               <a:t>    # </a:t>
             </a:r>
@@ -7768,9 +7789,9 @@
                 <a:solidFill>
                   <a:schemeClr val="accent1"/>
                 </a:solidFill>
-                <a:latin typeface="Menlo" panose="020B0609030804020204" pitchFamily="49" charset="0"/>
-                <a:ea typeface="Menlo" panose="020B0609030804020204" pitchFamily="49" charset="0"/>
-                <a:cs typeface="Menlo" panose="020B0609030804020204" pitchFamily="49" charset="0"/>
+                <a:latin typeface="Consolas" panose="020B0609020204030204" pitchFamily="49" charset="0"/>
+                <a:ea typeface="Menlo" panose="020B0609030804020204" pitchFamily="49" charset="0"/>
+                <a:cs typeface="Consolas" panose="020B0609020204030204" pitchFamily="49" charset="0"/>
               </a:rPr>
               <a:t>local_variables</a:t>
             </a:r>
@@ -7779,9 +7800,9 @@
                 <a:solidFill>
                   <a:schemeClr val="accent1"/>
                 </a:solidFill>
-                <a:latin typeface="Menlo" panose="020B0609030804020204" pitchFamily="49" charset="0"/>
-                <a:ea typeface="Menlo" panose="020B0609030804020204" pitchFamily="49" charset="0"/>
-                <a:cs typeface="Menlo" panose="020B0609030804020204" pitchFamily="49" charset="0"/>
+                <a:latin typeface="Consolas" panose="020B0609020204030204" pitchFamily="49" charset="0"/>
+                <a:ea typeface="Menlo" panose="020B0609030804020204" pitchFamily="49" charset="0"/>
+                <a:cs typeface="Consolas" panose="020B0609020204030204" pitchFamily="49" charset="0"/>
               </a:rPr>
               <a:t> go out of scope</a:t>
             </a:r>
@@ -7795,9 +7816,9 @@
                 <a:solidFill>
                   <a:schemeClr val="accent1"/>
                 </a:solidFill>
-                <a:latin typeface="Menlo" panose="020B0609030804020204" pitchFamily="49" charset="0"/>
-                <a:ea typeface="Menlo" panose="020B0609030804020204" pitchFamily="49" charset="0"/>
-                <a:cs typeface="Menlo" panose="020B0609030804020204" pitchFamily="49" charset="0"/>
+                <a:latin typeface="Consolas" panose="020B0609020204030204" pitchFamily="49" charset="0"/>
+                <a:ea typeface="Menlo" panose="020B0609030804020204" pitchFamily="49" charset="0"/>
+                <a:cs typeface="Consolas" panose="020B0609020204030204" pitchFamily="49" charset="0"/>
               </a:rPr>
               <a:t>    # but they stay in memory</a:t>
             </a:r>
@@ -7811,9 +7832,9 @@
                 <a:solidFill>
                   <a:schemeClr val="accent1"/>
                 </a:solidFill>
-                <a:latin typeface="Menlo" panose="020B0609030804020204" pitchFamily="49" charset="0"/>
-                <a:ea typeface="Menlo" panose="020B0609030804020204" pitchFamily="49" charset="0"/>
-                <a:cs typeface="Menlo" panose="020B0609030804020204" pitchFamily="49" charset="0"/>
+                <a:latin typeface="Consolas" panose="020B0609020204030204" pitchFamily="49" charset="0"/>
+                <a:ea typeface="Menlo" panose="020B0609030804020204" pitchFamily="49" charset="0"/>
+                <a:cs typeface="Consolas" panose="020B0609020204030204" pitchFamily="49" charset="0"/>
               </a:rPr>
               <a:t>    # because closure closes over them</a:t>
             </a:r>
@@ -7823,9 +7844,9 @@
               <a:buNone/>
             </a:pPr>
             <a:endParaRPr lang="en-US" dirty="0">
-              <a:latin typeface="Menlo" panose="020B0609030804020204" pitchFamily="49" charset="0"/>
+              <a:latin typeface="Consolas" panose="020B0609020204030204" pitchFamily="49" charset="0"/>
               <a:ea typeface="Menlo" panose="020B0609030804020204" pitchFamily="49" charset="0"/>
-              <a:cs typeface="Menlo" panose="020B0609030804020204" pitchFamily="49" charset="0"/>
+              <a:cs typeface="Consolas" panose="020B0609020204030204" pitchFamily="49" charset="0"/>
             </a:endParaRPr>
           </a:p>
           <a:p>
@@ -7833,9 +7854,9 @@
               <a:buNone/>
             </a:pPr>
             <a:endParaRPr lang="en-US" dirty="0">
-              <a:latin typeface="Menlo" panose="020B0609030804020204" pitchFamily="49" charset="0"/>
+              <a:latin typeface="Consolas" panose="020B0609020204030204" pitchFamily="49" charset="0"/>
               <a:ea typeface="Menlo" panose="020B0609030804020204" pitchFamily="49" charset="0"/>
-              <a:cs typeface="Menlo" panose="020B0609030804020204" pitchFamily="49" charset="0"/>
+              <a:cs typeface="Consolas" panose="020B0609020204030204" pitchFamily="49" charset="0"/>
             </a:endParaRPr>
           </a:p>
         </p:txBody>
@@ -8926,9 +8947,9 @@
                 <a:solidFill>
                   <a:schemeClr val="accent6"/>
                 </a:solidFill>
-                <a:latin typeface="Menlo" panose="020B0609030804020204" pitchFamily="49" charset="0"/>
-                <a:ea typeface="Menlo" panose="020B0609030804020204" pitchFamily="49" charset="0"/>
-                <a:cs typeface="Menlo" panose="020B0609030804020204" pitchFamily="49" charset="0"/>
+                <a:latin typeface="Consolas" panose="020B0609020204030204" pitchFamily="49" charset="0"/>
+                <a:ea typeface="Menlo" panose="020B0609030804020204" pitchFamily="49" charset="0"/>
+                <a:cs typeface="Consolas" panose="020B0609020204030204" pitchFamily="49" charset="0"/>
               </a:rPr>
               <a:t>def decorator(</a:t>
             </a:r>
@@ -8937,9 +8958,9 @@
                 <a:solidFill>
                   <a:schemeClr val="accent6"/>
                 </a:solidFill>
-                <a:latin typeface="Menlo" panose="020B0609030804020204" pitchFamily="49" charset="0"/>
-                <a:ea typeface="Menlo" panose="020B0609030804020204" pitchFamily="49" charset="0"/>
-                <a:cs typeface="Menlo" panose="020B0609030804020204" pitchFamily="49" charset="0"/>
+                <a:latin typeface="Consolas" panose="020B0609020204030204" pitchFamily="49" charset="0"/>
+                <a:ea typeface="Menlo" panose="020B0609030804020204" pitchFamily="49" charset="0"/>
+                <a:cs typeface="Consolas" panose="020B0609020204030204" pitchFamily="49" charset="0"/>
               </a:rPr>
               <a:t>func</a:t>
             </a:r>
@@ -8948,9 +8969,9 @@
                 <a:solidFill>
                   <a:schemeClr val="accent6"/>
                 </a:solidFill>
-                <a:latin typeface="Menlo" panose="020B0609030804020204" pitchFamily="49" charset="0"/>
-                <a:ea typeface="Menlo" panose="020B0609030804020204" pitchFamily="49" charset="0"/>
-                <a:cs typeface="Menlo" panose="020B0609030804020204" pitchFamily="49" charset="0"/>
+                <a:latin typeface="Consolas" panose="020B0609020204030204" pitchFamily="49" charset="0"/>
+                <a:ea typeface="Menlo" panose="020B0609030804020204" pitchFamily="49" charset="0"/>
+                <a:cs typeface="Consolas" panose="020B0609020204030204" pitchFamily="49" charset="0"/>
               </a:rPr>
               <a:t>):</a:t>
             </a:r>
@@ -8964,9 +8985,9 @@
                 <a:solidFill>
                   <a:schemeClr val="accent6"/>
                 </a:solidFill>
-                <a:latin typeface="Menlo" panose="020B0609030804020204" pitchFamily="49" charset="0"/>
-                <a:ea typeface="Menlo" panose="020B0609030804020204" pitchFamily="49" charset="0"/>
-                <a:cs typeface="Menlo" panose="020B0609030804020204" pitchFamily="49" charset="0"/>
+                <a:latin typeface="Consolas" panose="020B0609020204030204" pitchFamily="49" charset="0"/>
+                <a:ea typeface="Menlo" panose="020B0609030804020204" pitchFamily="49" charset="0"/>
+                <a:cs typeface="Consolas" panose="020B0609020204030204" pitchFamily="49" charset="0"/>
               </a:rPr>
               <a:t>    ...</a:t>
             </a:r>
@@ -8980,9 +9001,9 @@
                 <a:solidFill>
                   <a:schemeClr val="accent6"/>
                 </a:solidFill>
-                <a:latin typeface="Menlo" panose="020B0609030804020204" pitchFamily="49" charset="0"/>
-                <a:ea typeface="Menlo" panose="020B0609030804020204" pitchFamily="49" charset="0"/>
-                <a:cs typeface="Menlo" panose="020B0609030804020204" pitchFamily="49" charset="0"/>
+                <a:latin typeface="Consolas" panose="020B0609020204030204" pitchFamily="49" charset="0"/>
+                <a:ea typeface="Menlo" panose="020B0609030804020204" pitchFamily="49" charset="0"/>
+                <a:cs typeface="Consolas" panose="020B0609020204030204" pitchFamily="49" charset="0"/>
               </a:rPr>
               <a:t>    def wrapper(*</a:t>
             </a:r>
@@ -8991,9 +9012,9 @@
                 <a:solidFill>
                   <a:schemeClr val="accent6"/>
                 </a:solidFill>
-                <a:latin typeface="Menlo" panose="020B0609030804020204" pitchFamily="49" charset="0"/>
-                <a:ea typeface="Menlo" panose="020B0609030804020204" pitchFamily="49" charset="0"/>
-                <a:cs typeface="Menlo" panose="020B0609030804020204" pitchFamily="49" charset="0"/>
+                <a:latin typeface="Consolas" panose="020B0609020204030204" pitchFamily="49" charset="0"/>
+                <a:ea typeface="Menlo" panose="020B0609030804020204" pitchFamily="49" charset="0"/>
+                <a:cs typeface="Consolas" panose="020B0609020204030204" pitchFamily="49" charset="0"/>
               </a:rPr>
               <a:t>args</a:t>
             </a:r>
@@ -9002,9 +9023,9 @@
                 <a:solidFill>
                   <a:schemeClr val="accent6"/>
                 </a:solidFill>
-                <a:latin typeface="Menlo" panose="020B0609030804020204" pitchFamily="49" charset="0"/>
-                <a:ea typeface="Menlo" panose="020B0609030804020204" pitchFamily="49" charset="0"/>
-                <a:cs typeface="Menlo" panose="020B0609030804020204" pitchFamily="49" charset="0"/>
+                <a:latin typeface="Consolas" panose="020B0609020204030204" pitchFamily="49" charset="0"/>
+                <a:ea typeface="Menlo" panose="020B0609030804020204" pitchFamily="49" charset="0"/>
+                <a:cs typeface="Consolas" panose="020B0609020204030204" pitchFamily="49" charset="0"/>
               </a:rPr>
               <a:t>, **</a:t>
             </a:r>
@@ -9013,9 +9034,9 @@
                 <a:solidFill>
                   <a:schemeClr val="accent6"/>
                 </a:solidFill>
-                <a:latin typeface="Menlo" panose="020B0609030804020204" pitchFamily="49" charset="0"/>
-                <a:ea typeface="Menlo" panose="020B0609030804020204" pitchFamily="49" charset="0"/>
-                <a:cs typeface="Menlo" panose="020B0609030804020204" pitchFamily="49" charset="0"/>
+                <a:latin typeface="Consolas" panose="020B0609020204030204" pitchFamily="49" charset="0"/>
+                <a:ea typeface="Menlo" panose="020B0609030804020204" pitchFamily="49" charset="0"/>
+                <a:cs typeface="Consolas" panose="020B0609020204030204" pitchFamily="49" charset="0"/>
               </a:rPr>
               <a:t>kwargs</a:t>
             </a:r>
@@ -9024,9 +9045,9 @@
                 <a:solidFill>
                   <a:schemeClr val="accent6"/>
                 </a:solidFill>
-                <a:latin typeface="Menlo" panose="020B0609030804020204" pitchFamily="49" charset="0"/>
-                <a:ea typeface="Menlo" panose="020B0609030804020204" pitchFamily="49" charset="0"/>
-                <a:cs typeface="Menlo" panose="020B0609030804020204" pitchFamily="49" charset="0"/>
+                <a:latin typeface="Consolas" panose="020B0609020204030204" pitchFamily="49" charset="0"/>
+                <a:ea typeface="Menlo" panose="020B0609030804020204" pitchFamily="49" charset="0"/>
+                <a:cs typeface="Consolas" panose="020B0609020204030204" pitchFamily="49" charset="0"/>
               </a:rPr>
               <a:t>):</a:t>
             </a:r>
@@ -9040,9 +9061,9 @@
                 <a:solidFill>
                   <a:schemeClr val="accent6"/>
                 </a:solidFill>
-                <a:latin typeface="Menlo" panose="020B0609030804020204" pitchFamily="49" charset="0"/>
-                <a:ea typeface="Menlo" panose="020B0609030804020204" pitchFamily="49" charset="0"/>
-                <a:cs typeface="Menlo" panose="020B0609030804020204" pitchFamily="49" charset="0"/>
+                <a:latin typeface="Consolas" panose="020B0609020204030204" pitchFamily="49" charset="0"/>
+                <a:ea typeface="Menlo" panose="020B0609030804020204" pitchFamily="49" charset="0"/>
+                <a:cs typeface="Consolas" panose="020B0609020204030204" pitchFamily="49" charset="0"/>
               </a:rPr>
               <a:t>        ...</a:t>
             </a:r>
@@ -9056,9 +9077,9 @@
                 <a:solidFill>
                   <a:schemeClr val="accent6"/>
                 </a:solidFill>
-                <a:latin typeface="Menlo" panose="020B0609030804020204" pitchFamily="49" charset="0"/>
-                <a:ea typeface="Menlo" panose="020B0609030804020204" pitchFamily="49" charset="0"/>
-                <a:cs typeface="Menlo" panose="020B0609030804020204" pitchFamily="49" charset="0"/>
+                <a:latin typeface="Consolas" panose="020B0609020204030204" pitchFamily="49" charset="0"/>
+                <a:ea typeface="Menlo" panose="020B0609030804020204" pitchFamily="49" charset="0"/>
+                <a:cs typeface="Consolas" panose="020B0609020204030204" pitchFamily="49" charset="0"/>
               </a:rPr>
               <a:t>        return </a:t>
             </a:r>
@@ -9067,9 +9088,9 @@
                 <a:solidFill>
                   <a:schemeClr val="accent6"/>
                 </a:solidFill>
-                <a:latin typeface="Menlo" panose="020B0609030804020204" pitchFamily="49" charset="0"/>
-                <a:ea typeface="Menlo" panose="020B0609030804020204" pitchFamily="49" charset="0"/>
-                <a:cs typeface="Menlo" panose="020B0609030804020204" pitchFamily="49" charset="0"/>
+                <a:latin typeface="Consolas" panose="020B0609020204030204" pitchFamily="49" charset="0"/>
+                <a:ea typeface="Menlo" panose="020B0609030804020204" pitchFamily="49" charset="0"/>
+                <a:cs typeface="Consolas" panose="020B0609020204030204" pitchFamily="49" charset="0"/>
               </a:rPr>
               <a:t>func</a:t>
             </a:r>
@@ -9078,9 +9099,9 @@
                 <a:solidFill>
                   <a:schemeClr val="accent6"/>
                 </a:solidFill>
-                <a:latin typeface="Menlo" panose="020B0609030804020204" pitchFamily="49" charset="0"/>
-                <a:ea typeface="Menlo" panose="020B0609030804020204" pitchFamily="49" charset="0"/>
-                <a:cs typeface="Menlo" panose="020B0609030804020204" pitchFamily="49" charset="0"/>
+                <a:latin typeface="Consolas" panose="020B0609020204030204" pitchFamily="49" charset="0"/>
+                <a:ea typeface="Menlo" panose="020B0609030804020204" pitchFamily="49" charset="0"/>
+                <a:cs typeface="Consolas" panose="020B0609020204030204" pitchFamily="49" charset="0"/>
               </a:rPr>
               <a:t>(</a:t>
             </a:r>
@@ -9089,9 +9110,9 @@
                 <a:solidFill>
                   <a:schemeClr val="accent6"/>
                 </a:solidFill>
-                <a:latin typeface="Menlo" panose="020B0609030804020204" pitchFamily="49" charset="0"/>
-                <a:ea typeface="Menlo" panose="020B0609030804020204" pitchFamily="49" charset="0"/>
-                <a:cs typeface="Menlo" panose="020B0609030804020204" pitchFamily="49" charset="0"/>
+                <a:latin typeface="Consolas" panose="020B0609020204030204" pitchFamily="49" charset="0"/>
+                <a:ea typeface="Menlo" panose="020B0609030804020204" pitchFamily="49" charset="0"/>
+                <a:cs typeface="Consolas" panose="020B0609020204030204" pitchFamily="49" charset="0"/>
               </a:rPr>
               <a:t>params</a:t>
             </a:r>
@@ -9100,9 +9121,9 @@
                 <a:solidFill>
                   <a:schemeClr val="accent6"/>
                 </a:solidFill>
-                <a:latin typeface="Menlo" panose="020B0609030804020204" pitchFamily="49" charset="0"/>
-                <a:ea typeface="Menlo" panose="020B0609030804020204" pitchFamily="49" charset="0"/>
-                <a:cs typeface="Menlo" panose="020B0609030804020204" pitchFamily="49" charset="0"/>
+                <a:latin typeface="Consolas" panose="020B0609020204030204" pitchFamily="49" charset="0"/>
+                <a:ea typeface="Menlo" panose="020B0609030804020204" pitchFamily="49" charset="0"/>
+                <a:cs typeface="Consolas" panose="020B0609020204030204" pitchFamily="49" charset="0"/>
               </a:rPr>
               <a:t>)</a:t>
             </a:r>
@@ -9116,9 +9137,9 @@
                 <a:solidFill>
                   <a:schemeClr val="accent1"/>
                 </a:solidFill>
-                <a:latin typeface="Menlo" panose="020B0609030804020204" pitchFamily="49" charset="0"/>
-                <a:ea typeface="Menlo" panose="020B0609030804020204" pitchFamily="49" charset="0"/>
-                <a:cs typeface="Menlo" panose="020B0609030804020204" pitchFamily="49" charset="0"/>
+                <a:latin typeface="Consolas" panose="020B0609020204030204" pitchFamily="49" charset="0"/>
+                <a:ea typeface="Menlo" panose="020B0609030804020204" pitchFamily="49" charset="0"/>
+                <a:cs typeface="Consolas" panose="020B0609020204030204" pitchFamily="49" charset="0"/>
               </a:rPr>
               <a:t>    </a:t>
             </a:r>
@@ -9127,9 +9148,9 @@
                 <a:solidFill>
                   <a:schemeClr val="accent6"/>
                 </a:solidFill>
-                <a:latin typeface="Menlo" panose="020B0609030804020204" pitchFamily="49" charset="0"/>
-                <a:ea typeface="Menlo" panose="020B0609030804020204" pitchFamily="49" charset="0"/>
-                <a:cs typeface="Menlo" panose="020B0609030804020204" pitchFamily="49" charset="0"/>
+                <a:latin typeface="Consolas" panose="020B0609020204030204" pitchFamily="49" charset="0"/>
+                <a:ea typeface="Menlo" panose="020B0609030804020204" pitchFamily="49" charset="0"/>
+                <a:cs typeface="Consolas" panose="020B0609020204030204" pitchFamily="49" charset="0"/>
               </a:rPr>
               <a:t>...</a:t>
             </a:r>
@@ -9143,16 +9164,16 @@
                 <a:solidFill>
                   <a:schemeClr val="accent6"/>
                 </a:solidFill>
-                <a:latin typeface="Menlo" panose="020B0609030804020204" pitchFamily="49" charset="0"/>
-                <a:ea typeface="Menlo" panose="020B0609030804020204" pitchFamily="49" charset="0"/>
-                <a:cs typeface="Menlo" panose="020B0609030804020204" pitchFamily="49" charset="0"/>
+                <a:latin typeface="Consolas" panose="020B0609020204030204" pitchFamily="49" charset="0"/>
+                <a:ea typeface="Menlo" panose="020B0609030804020204" pitchFamily="49" charset="0"/>
+                <a:cs typeface="Consolas" panose="020B0609020204030204" pitchFamily="49" charset="0"/>
               </a:rPr>
               <a:t>    return wrapper</a:t>
             </a:r>
             <a:endParaRPr lang="en-US" dirty="0">
-              <a:latin typeface="Menlo" panose="020B0609030804020204" pitchFamily="49" charset="0"/>
+              <a:latin typeface="Consolas" panose="020B0609020204030204" pitchFamily="49" charset="0"/>
               <a:ea typeface="Menlo" panose="020B0609030804020204" pitchFamily="49" charset="0"/>
-              <a:cs typeface="Menlo" panose="020B0609030804020204" pitchFamily="49" charset="0"/>
+              <a:cs typeface="Consolas" panose="020B0609020204030204" pitchFamily="49" charset="0"/>
             </a:endParaRPr>
           </a:p>
           <a:p>
@@ -9160,9 +9181,9 @@
               <a:buNone/>
             </a:pPr>
             <a:endParaRPr lang="en-US" dirty="0">
-              <a:latin typeface="Menlo" panose="020B0609030804020204" pitchFamily="49" charset="0"/>
+              <a:latin typeface="Consolas" panose="020B0609020204030204" pitchFamily="49" charset="0"/>
               <a:ea typeface="Menlo" panose="020B0609030804020204" pitchFamily="49" charset="0"/>
-              <a:cs typeface="Menlo" panose="020B0609030804020204" pitchFamily="49" charset="0"/>
+              <a:cs typeface="Consolas" panose="020B0609020204030204" pitchFamily="49" charset="0"/>
             </a:endParaRPr>
           </a:p>
         </p:txBody>
@@ -9202,9 +9223,9 @@
                 <a:solidFill>
                   <a:schemeClr val="accent6"/>
                 </a:solidFill>
-                <a:latin typeface="Menlo" panose="020B0609030804020204" pitchFamily="49" charset="0"/>
-                <a:ea typeface="Menlo" panose="020B0609030804020204" pitchFamily="49" charset="0"/>
-                <a:cs typeface="Menlo" panose="020B0609030804020204" pitchFamily="49" charset="0"/>
+                <a:latin typeface="Consolas" panose="020B0609020204030204" pitchFamily="49" charset="0"/>
+                <a:ea typeface="Menlo" panose="020B0609030804020204" pitchFamily="49" charset="0"/>
+                <a:cs typeface="Consolas" panose="020B0609020204030204" pitchFamily="49" charset="0"/>
               </a:rPr>
               <a:t>(*</a:t>
             </a:r>
@@ -9213,9 +9234,9 @@
                 <a:solidFill>
                   <a:schemeClr val="accent6"/>
                 </a:solidFill>
-                <a:latin typeface="Menlo" panose="020B0609030804020204" pitchFamily="49" charset="0"/>
-                <a:ea typeface="Menlo" panose="020B0609030804020204" pitchFamily="49" charset="0"/>
-                <a:cs typeface="Menlo" panose="020B0609030804020204" pitchFamily="49" charset="0"/>
+                <a:latin typeface="Consolas" panose="020B0609020204030204" pitchFamily="49" charset="0"/>
+                <a:ea typeface="Menlo" panose="020B0609030804020204" pitchFamily="49" charset="0"/>
+                <a:cs typeface="Consolas" panose="020B0609020204030204" pitchFamily="49" charset="0"/>
               </a:rPr>
               <a:t>args</a:t>
             </a:r>
@@ -9224,9 +9245,9 @@
                 <a:solidFill>
                   <a:schemeClr val="accent6"/>
                 </a:solidFill>
-                <a:latin typeface="Menlo" panose="020B0609030804020204" pitchFamily="49" charset="0"/>
-                <a:ea typeface="Menlo" panose="020B0609030804020204" pitchFamily="49" charset="0"/>
-                <a:cs typeface="Menlo" panose="020B0609030804020204" pitchFamily="49" charset="0"/>
+                <a:latin typeface="Consolas" panose="020B0609020204030204" pitchFamily="49" charset="0"/>
+                <a:ea typeface="Menlo" panose="020B0609030804020204" pitchFamily="49" charset="0"/>
+                <a:cs typeface="Consolas" panose="020B0609020204030204" pitchFamily="49" charset="0"/>
               </a:rPr>
               <a:t>, **</a:t>
             </a:r>
@@ -9235,9 +9256,9 @@
                 <a:solidFill>
                   <a:schemeClr val="accent6"/>
                 </a:solidFill>
-                <a:latin typeface="Menlo" panose="020B0609030804020204" pitchFamily="49" charset="0"/>
-                <a:ea typeface="Menlo" panose="020B0609030804020204" pitchFamily="49" charset="0"/>
-                <a:cs typeface="Menlo" panose="020B0609030804020204" pitchFamily="49" charset="0"/>
+                <a:latin typeface="Consolas" panose="020B0609020204030204" pitchFamily="49" charset="0"/>
+                <a:ea typeface="Menlo" panose="020B0609030804020204" pitchFamily="49" charset="0"/>
+                <a:cs typeface="Consolas" panose="020B0609020204030204" pitchFamily="49" charset="0"/>
               </a:rPr>
               <a:t>kwargs</a:t>
             </a:r>
@@ -9246,9 +9267,9 @@
                 <a:solidFill>
                   <a:schemeClr val="accent6"/>
                 </a:solidFill>
-                <a:latin typeface="Menlo" panose="020B0609030804020204" pitchFamily="49" charset="0"/>
-                <a:ea typeface="Menlo" panose="020B0609030804020204" pitchFamily="49" charset="0"/>
-                <a:cs typeface="Menlo" panose="020B0609030804020204" pitchFamily="49" charset="0"/>
+                <a:latin typeface="Consolas" panose="020B0609020204030204" pitchFamily="49" charset="0"/>
+                <a:ea typeface="Menlo" panose="020B0609030804020204" pitchFamily="49" charset="0"/>
+                <a:cs typeface="Consolas" panose="020B0609020204030204" pitchFamily="49" charset="0"/>
               </a:rPr>
               <a:t>)</a:t>
             </a:r>
@@ -10575,9 +10596,9 @@
             </a:pPr>
             <a:r>
               <a:rPr lang="en-US" dirty="0">
-                <a:latin typeface="Menlo" panose="020B0609030804020204" pitchFamily="49" charset="0"/>
-                <a:ea typeface="Menlo" panose="020B0609030804020204" pitchFamily="49" charset="0"/>
-                <a:cs typeface="Menlo" panose="020B0609030804020204" pitchFamily="49" charset="0"/>
+                <a:latin typeface="Consolas" panose="020B0609020204030204" pitchFamily="49" charset="0"/>
+                <a:ea typeface="Menlo" panose="020B0609030804020204" pitchFamily="49" charset="0"/>
+                <a:cs typeface="Consolas" panose="020B0609020204030204" pitchFamily="49" charset="0"/>
               </a:rPr>
               <a:t>&gt;&gt;&gt;</a:t>
             </a:r>
@@ -10586,9 +10607,9 @@
                 <a:solidFill>
                   <a:schemeClr val="accent6"/>
                 </a:solidFill>
-                <a:latin typeface="Menlo" panose="020B0609030804020204" pitchFamily="49" charset="0"/>
-                <a:ea typeface="Menlo" panose="020B0609030804020204" pitchFamily="49" charset="0"/>
-                <a:cs typeface="Menlo" panose="020B0609030804020204" pitchFamily="49" charset="0"/>
+                <a:latin typeface="Consolas" panose="020B0609020204030204" pitchFamily="49" charset="0"/>
+                <a:ea typeface="Menlo" panose="020B0609030804020204" pitchFamily="49" charset="0"/>
+                <a:cs typeface="Consolas" panose="020B0609020204030204" pitchFamily="49" charset="0"/>
               </a:rPr>
               <a:t> def debug(</a:t>
             </a:r>
@@ -10597,9 +10618,9 @@
                 <a:solidFill>
                   <a:schemeClr val="accent6"/>
                 </a:solidFill>
-                <a:latin typeface="Menlo" panose="020B0609030804020204" pitchFamily="49" charset="0"/>
-                <a:ea typeface="Menlo" panose="020B0609030804020204" pitchFamily="49" charset="0"/>
-                <a:cs typeface="Menlo" panose="020B0609030804020204" pitchFamily="49" charset="0"/>
+                <a:latin typeface="Consolas" panose="020B0609020204030204" pitchFamily="49" charset="0"/>
+                <a:ea typeface="Menlo" panose="020B0609030804020204" pitchFamily="49" charset="0"/>
+                <a:cs typeface="Consolas" panose="020B0609020204030204" pitchFamily="49" charset="0"/>
               </a:rPr>
               <a:t>func</a:t>
             </a:r>
@@ -10608,9 +10629,9 @@
                 <a:solidFill>
                   <a:schemeClr val="accent6"/>
                 </a:solidFill>
-                <a:latin typeface="Menlo" panose="020B0609030804020204" pitchFamily="49" charset="0"/>
-                <a:ea typeface="Menlo" panose="020B0609030804020204" pitchFamily="49" charset="0"/>
-                <a:cs typeface="Menlo" panose="020B0609030804020204" pitchFamily="49" charset="0"/>
+                <a:latin typeface="Consolas" panose="020B0609020204030204" pitchFamily="49" charset="0"/>
+                <a:ea typeface="Menlo" panose="020B0609030804020204" pitchFamily="49" charset="0"/>
+                <a:cs typeface="Consolas" panose="020B0609020204030204" pitchFamily="49" charset="0"/>
               </a:rPr>
               <a:t>):</a:t>
             </a:r>
@@ -10621,9 +10642,9 @@
             </a:pPr>
             <a:r>
               <a:rPr lang="en-US" dirty="0">
-                <a:latin typeface="Menlo" panose="020B0609030804020204" pitchFamily="49" charset="0"/>
-                <a:ea typeface="Menlo" panose="020B0609030804020204" pitchFamily="49" charset="0"/>
-                <a:cs typeface="Menlo" panose="020B0609030804020204" pitchFamily="49" charset="0"/>
+                <a:latin typeface="Consolas" panose="020B0609020204030204" pitchFamily="49" charset="0"/>
+                <a:ea typeface="Menlo" panose="020B0609030804020204" pitchFamily="49" charset="0"/>
+                <a:cs typeface="Consolas" panose="020B0609020204030204" pitchFamily="49" charset="0"/>
               </a:rPr>
               <a:t>...</a:t>
             </a:r>
@@ -10632,9 +10653,9 @@
                 <a:solidFill>
                   <a:schemeClr val="accent6"/>
                 </a:solidFill>
-                <a:latin typeface="Menlo" panose="020B0609030804020204" pitchFamily="49" charset="0"/>
-                <a:ea typeface="Menlo" panose="020B0609030804020204" pitchFamily="49" charset="0"/>
-                <a:cs typeface="Menlo" panose="020B0609030804020204" pitchFamily="49" charset="0"/>
+                <a:latin typeface="Consolas" panose="020B0609020204030204" pitchFamily="49" charset="0"/>
+                <a:ea typeface="Menlo" panose="020B0609030804020204" pitchFamily="49" charset="0"/>
+                <a:cs typeface="Consolas" panose="020B0609020204030204" pitchFamily="49" charset="0"/>
               </a:rPr>
               <a:t>     print('decorating’,</a:t>
             </a:r>
@@ -10645,9 +10666,9 @@
             </a:pPr>
             <a:r>
               <a:rPr lang="en-US" dirty="0">
-                <a:latin typeface="Menlo" panose="020B0609030804020204" pitchFamily="49" charset="0"/>
-                <a:ea typeface="Menlo" panose="020B0609030804020204" pitchFamily="49" charset="0"/>
-                <a:cs typeface="Menlo" panose="020B0609030804020204" pitchFamily="49" charset="0"/>
+                <a:latin typeface="Consolas" panose="020B0609020204030204" pitchFamily="49" charset="0"/>
+                <a:ea typeface="Menlo" panose="020B0609030804020204" pitchFamily="49" charset="0"/>
+                <a:cs typeface="Consolas" panose="020B0609020204030204" pitchFamily="49" charset="0"/>
               </a:rPr>
               <a:t>...</a:t>
             </a:r>
@@ -10656,9 +10677,9 @@
                 <a:solidFill>
                   <a:schemeClr val="accent6"/>
                 </a:solidFill>
-                <a:latin typeface="Menlo" panose="020B0609030804020204" pitchFamily="49" charset="0"/>
-                <a:ea typeface="Menlo" panose="020B0609030804020204" pitchFamily="49" charset="0"/>
-                <a:cs typeface="Menlo" panose="020B0609030804020204" pitchFamily="49" charset="0"/>
+                <a:latin typeface="Consolas" panose="020B0609020204030204" pitchFamily="49" charset="0"/>
+                <a:ea typeface="Menlo" panose="020B0609030804020204" pitchFamily="49" charset="0"/>
+                <a:cs typeface="Consolas" panose="020B0609020204030204" pitchFamily="49" charset="0"/>
               </a:rPr>
               <a:t>         </a:t>
             </a:r>
@@ -10667,9 +10688,9 @@
                 <a:solidFill>
                   <a:schemeClr val="accent6"/>
                 </a:solidFill>
-                <a:latin typeface="Menlo" panose="020B0609030804020204" pitchFamily="49" charset="0"/>
-                <a:ea typeface="Menlo" panose="020B0609030804020204" pitchFamily="49" charset="0"/>
-                <a:cs typeface="Menlo" panose="020B0609030804020204" pitchFamily="49" charset="0"/>
+                <a:latin typeface="Consolas" panose="020B0609020204030204" pitchFamily="49" charset="0"/>
+                <a:ea typeface="Menlo" panose="020B0609030804020204" pitchFamily="49" charset="0"/>
+                <a:cs typeface="Consolas" panose="020B0609020204030204" pitchFamily="49" charset="0"/>
               </a:rPr>
               <a:t>func</a:t>
             </a:r>
@@ -10678,9 +10699,9 @@
                 <a:solidFill>
                   <a:schemeClr val="accent6"/>
                 </a:solidFill>
-                <a:latin typeface="Menlo" panose="020B0609030804020204" pitchFamily="49" charset="0"/>
-                <a:ea typeface="Menlo" panose="020B0609030804020204" pitchFamily="49" charset="0"/>
-                <a:cs typeface="Menlo" panose="020B0609030804020204" pitchFamily="49" charset="0"/>
+                <a:latin typeface="Consolas" panose="020B0609020204030204" pitchFamily="49" charset="0"/>
+                <a:ea typeface="Menlo" panose="020B0609030804020204" pitchFamily="49" charset="0"/>
+                <a:cs typeface="Consolas" panose="020B0609020204030204" pitchFamily="49" charset="0"/>
               </a:rPr>
               <a:t>.__name__)</a:t>
             </a:r>
@@ -10691,9 +10712,9 @@
             </a:pPr>
             <a:r>
               <a:rPr lang="en-US" dirty="0">
-                <a:latin typeface="Menlo" panose="020B0609030804020204" pitchFamily="49" charset="0"/>
-                <a:ea typeface="Menlo" panose="020B0609030804020204" pitchFamily="49" charset="0"/>
-                <a:cs typeface="Menlo" panose="020B0609030804020204" pitchFamily="49" charset="0"/>
+                <a:latin typeface="Consolas" panose="020B0609020204030204" pitchFamily="49" charset="0"/>
+                <a:ea typeface="Menlo" panose="020B0609030804020204" pitchFamily="49" charset="0"/>
+                <a:cs typeface="Consolas" panose="020B0609020204030204" pitchFamily="49" charset="0"/>
               </a:rPr>
               <a:t>...</a:t>
             </a:r>
@@ -10702,9 +10723,9 @@
                 <a:solidFill>
                   <a:schemeClr val="accent6"/>
                 </a:solidFill>
-                <a:latin typeface="Menlo" panose="020B0609030804020204" pitchFamily="49" charset="0"/>
-                <a:ea typeface="Menlo" panose="020B0609030804020204" pitchFamily="49" charset="0"/>
-                <a:cs typeface="Menlo" panose="020B0609030804020204" pitchFamily="49" charset="0"/>
+                <a:latin typeface="Consolas" panose="020B0609020204030204" pitchFamily="49" charset="0"/>
+                <a:ea typeface="Menlo" panose="020B0609030804020204" pitchFamily="49" charset="0"/>
+                <a:cs typeface="Consolas" panose="020B0609020204030204" pitchFamily="49" charset="0"/>
               </a:rPr>
               <a:t>     def wrapper(*</a:t>
             </a:r>
@@ -10713,9 +10734,9 @@
                 <a:solidFill>
                   <a:schemeClr val="accent6"/>
                 </a:solidFill>
-                <a:latin typeface="Menlo" panose="020B0609030804020204" pitchFamily="49" charset="0"/>
-                <a:ea typeface="Menlo" panose="020B0609030804020204" pitchFamily="49" charset="0"/>
-                <a:cs typeface="Menlo" panose="020B0609030804020204" pitchFamily="49" charset="0"/>
+                <a:latin typeface="Consolas" panose="020B0609020204030204" pitchFamily="49" charset="0"/>
+                <a:ea typeface="Menlo" panose="020B0609030804020204" pitchFamily="49" charset="0"/>
+                <a:cs typeface="Consolas" panose="020B0609020204030204" pitchFamily="49" charset="0"/>
               </a:rPr>
               <a:t>args</a:t>
             </a:r>
@@ -10724,9 +10745,9 @@
                 <a:solidFill>
                   <a:schemeClr val="accent6"/>
                 </a:solidFill>
-                <a:latin typeface="Menlo" panose="020B0609030804020204" pitchFamily="49" charset="0"/>
-                <a:ea typeface="Menlo" panose="020B0609030804020204" pitchFamily="49" charset="0"/>
-                <a:cs typeface="Menlo" panose="020B0609030804020204" pitchFamily="49" charset="0"/>
+                <a:latin typeface="Consolas" panose="020B0609020204030204" pitchFamily="49" charset="0"/>
+                <a:ea typeface="Menlo" panose="020B0609030804020204" pitchFamily="49" charset="0"/>
+                <a:cs typeface="Consolas" panose="020B0609020204030204" pitchFamily="49" charset="0"/>
               </a:rPr>
               <a:t>, **</a:t>
             </a:r>
@@ -10735,9 +10756,9 @@
                 <a:solidFill>
                   <a:schemeClr val="accent6"/>
                 </a:solidFill>
-                <a:latin typeface="Menlo" panose="020B0609030804020204" pitchFamily="49" charset="0"/>
-                <a:ea typeface="Menlo" panose="020B0609030804020204" pitchFamily="49" charset="0"/>
-                <a:cs typeface="Menlo" panose="020B0609030804020204" pitchFamily="49" charset="0"/>
+                <a:latin typeface="Consolas" panose="020B0609020204030204" pitchFamily="49" charset="0"/>
+                <a:ea typeface="Menlo" panose="020B0609030804020204" pitchFamily="49" charset="0"/>
+                <a:cs typeface="Consolas" panose="020B0609020204030204" pitchFamily="49" charset="0"/>
               </a:rPr>
               <a:t>kwargs</a:t>
             </a:r>
@@ -10746,9 +10767,9 @@
                 <a:solidFill>
                   <a:schemeClr val="accent6"/>
                 </a:solidFill>
-                <a:latin typeface="Menlo" panose="020B0609030804020204" pitchFamily="49" charset="0"/>
-                <a:ea typeface="Menlo" panose="020B0609030804020204" pitchFamily="49" charset="0"/>
-                <a:cs typeface="Menlo" panose="020B0609030804020204" pitchFamily="49" charset="0"/>
+                <a:latin typeface="Consolas" panose="020B0609020204030204" pitchFamily="49" charset="0"/>
+                <a:ea typeface="Menlo" panose="020B0609030804020204" pitchFamily="49" charset="0"/>
+                <a:cs typeface="Consolas" panose="020B0609020204030204" pitchFamily="49" charset="0"/>
               </a:rPr>
               <a:t>):</a:t>
             </a:r>
@@ -10759,9 +10780,9 @@
             </a:pPr>
             <a:r>
               <a:rPr lang="en-US" dirty="0">
-                <a:latin typeface="Menlo" panose="020B0609030804020204" pitchFamily="49" charset="0"/>
-                <a:ea typeface="Menlo" panose="020B0609030804020204" pitchFamily="49" charset="0"/>
-                <a:cs typeface="Menlo" panose="020B0609030804020204" pitchFamily="49" charset="0"/>
+                <a:latin typeface="Consolas" panose="020B0609020204030204" pitchFamily="49" charset="0"/>
+                <a:ea typeface="Menlo" panose="020B0609030804020204" pitchFamily="49" charset="0"/>
+                <a:cs typeface="Consolas" panose="020B0609020204030204" pitchFamily="49" charset="0"/>
               </a:rPr>
               <a:t>...</a:t>
             </a:r>
@@ -10770,9 +10791,9 @@
                 <a:solidFill>
                   <a:schemeClr val="accent6"/>
                 </a:solidFill>
-                <a:latin typeface="Menlo" panose="020B0609030804020204" pitchFamily="49" charset="0"/>
-                <a:ea typeface="Menlo" panose="020B0609030804020204" pitchFamily="49" charset="0"/>
-                <a:cs typeface="Menlo" panose="020B0609030804020204" pitchFamily="49" charset="0"/>
+                <a:latin typeface="Consolas" panose="020B0609020204030204" pitchFamily="49" charset="0"/>
+                <a:ea typeface="Menlo" panose="020B0609030804020204" pitchFamily="49" charset="0"/>
+                <a:cs typeface="Consolas" panose="020B0609020204030204" pitchFamily="49" charset="0"/>
               </a:rPr>
               <a:t>         print(</a:t>
             </a:r>
@@ -10781,9 +10802,9 @@
                 <a:solidFill>
                   <a:schemeClr val="accent6"/>
                 </a:solidFill>
-                <a:latin typeface="Menlo" panose="020B0609030804020204" pitchFamily="49" charset="0"/>
-                <a:ea typeface="Menlo" panose="020B0609030804020204" pitchFamily="49" charset="0"/>
-                <a:cs typeface="Menlo" panose="020B0609030804020204" pitchFamily="49" charset="0"/>
+                <a:latin typeface="Consolas" panose="020B0609020204030204" pitchFamily="49" charset="0"/>
+                <a:ea typeface="Menlo" panose="020B0609030804020204" pitchFamily="49" charset="0"/>
+                <a:cs typeface="Consolas" panose="020B0609020204030204" pitchFamily="49" charset="0"/>
               </a:rPr>
               <a:t>func</a:t>
             </a:r>
@@ -10792,9 +10813,9 @@
                 <a:solidFill>
                   <a:schemeClr val="accent6"/>
                 </a:solidFill>
-                <a:latin typeface="Menlo" panose="020B0609030804020204" pitchFamily="49" charset="0"/>
-                <a:ea typeface="Menlo" panose="020B0609030804020204" pitchFamily="49" charset="0"/>
-                <a:cs typeface="Menlo" panose="020B0609030804020204" pitchFamily="49" charset="0"/>
+                <a:latin typeface="Consolas" panose="020B0609020204030204" pitchFamily="49" charset="0"/>
+                <a:ea typeface="Menlo" panose="020B0609030804020204" pitchFamily="49" charset="0"/>
+                <a:cs typeface="Consolas" panose="020B0609020204030204" pitchFamily="49" charset="0"/>
               </a:rPr>
               <a:t>.__name__, </a:t>
             </a:r>
@@ -10805,9 +10826,9 @@
             </a:pPr>
             <a:r>
               <a:rPr lang="en-US" dirty="0">
-                <a:latin typeface="Menlo" panose="020B0609030804020204" pitchFamily="49" charset="0"/>
-                <a:ea typeface="Menlo" panose="020B0609030804020204" pitchFamily="49" charset="0"/>
-                <a:cs typeface="Menlo" panose="020B0609030804020204" pitchFamily="49" charset="0"/>
+                <a:latin typeface="Consolas" panose="020B0609020204030204" pitchFamily="49" charset="0"/>
+                <a:ea typeface="Menlo" panose="020B0609030804020204" pitchFamily="49" charset="0"/>
+                <a:cs typeface="Consolas" panose="020B0609020204030204" pitchFamily="49" charset="0"/>
               </a:rPr>
               <a:t>...</a:t>
             </a:r>
@@ -10816,9 +10837,9 @@
                 <a:solidFill>
                   <a:schemeClr val="accent6"/>
                 </a:solidFill>
-                <a:latin typeface="Menlo" panose="020B0609030804020204" pitchFamily="49" charset="0"/>
-                <a:ea typeface="Menlo" panose="020B0609030804020204" pitchFamily="49" charset="0"/>
-                <a:cs typeface="Menlo" panose="020B0609030804020204" pitchFamily="49" charset="0"/>
+                <a:latin typeface="Consolas" panose="020B0609020204030204" pitchFamily="49" charset="0"/>
+                <a:ea typeface="Menlo" panose="020B0609030804020204" pitchFamily="49" charset="0"/>
+                <a:cs typeface="Consolas" panose="020B0609020204030204" pitchFamily="49" charset="0"/>
               </a:rPr>
               <a:t>             'being called on’,</a:t>
             </a:r>
@@ -10829,9 +10850,9 @@
             </a:pPr>
             <a:r>
               <a:rPr lang="en-US" dirty="0">
-                <a:latin typeface="Menlo" panose="020B0609030804020204" pitchFamily="49" charset="0"/>
-                <a:ea typeface="Menlo" panose="020B0609030804020204" pitchFamily="49" charset="0"/>
-                <a:cs typeface="Menlo" panose="020B0609030804020204" pitchFamily="49" charset="0"/>
+                <a:latin typeface="Consolas" panose="020B0609020204030204" pitchFamily="49" charset="0"/>
+                <a:ea typeface="Menlo" panose="020B0609030804020204" pitchFamily="49" charset="0"/>
+                <a:cs typeface="Consolas" panose="020B0609020204030204" pitchFamily="49" charset="0"/>
               </a:rPr>
               <a:t>...</a:t>
             </a:r>
@@ -10840,9 +10861,9 @@
                 <a:solidFill>
                   <a:schemeClr val="accent6"/>
                 </a:solidFill>
-                <a:latin typeface="Menlo" panose="020B0609030804020204" pitchFamily="49" charset="0"/>
-                <a:ea typeface="Menlo" panose="020B0609030804020204" pitchFamily="49" charset="0"/>
-                <a:cs typeface="Menlo" panose="020B0609030804020204" pitchFamily="49" charset="0"/>
+                <a:latin typeface="Consolas" panose="020B0609020204030204" pitchFamily="49" charset="0"/>
+                <a:ea typeface="Menlo" panose="020B0609030804020204" pitchFamily="49" charset="0"/>
+                <a:cs typeface="Consolas" panose="020B0609020204030204" pitchFamily="49" charset="0"/>
               </a:rPr>
               <a:t>              </a:t>
             </a:r>
@@ -10851,9 +10872,9 @@
                 <a:solidFill>
                   <a:schemeClr val="accent6"/>
                 </a:solidFill>
-                <a:latin typeface="Menlo" panose="020B0609030804020204" pitchFamily="49" charset="0"/>
-                <a:ea typeface="Menlo" panose="020B0609030804020204" pitchFamily="49" charset="0"/>
-                <a:cs typeface="Menlo" panose="020B0609030804020204" pitchFamily="49" charset="0"/>
+                <a:latin typeface="Consolas" panose="020B0609020204030204" pitchFamily="49" charset="0"/>
+                <a:ea typeface="Menlo" panose="020B0609030804020204" pitchFamily="49" charset="0"/>
+                <a:cs typeface="Consolas" panose="020B0609020204030204" pitchFamily="49" charset="0"/>
               </a:rPr>
               <a:t>args</a:t>
             </a:r>
@@ -10862,9 +10883,9 @@
                 <a:solidFill>
                   <a:schemeClr val="accent6"/>
                 </a:solidFill>
-                <a:latin typeface="Menlo" panose="020B0609030804020204" pitchFamily="49" charset="0"/>
-                <a:ea typeface="Menlo" panose="020B0609030804020204" pitchFamily="49" charset="0"/>
-                <a:cs typeface="Menlo" panose="020B0609030804020204" pitchFamily="49" charset="0"/>
+                <a:latin typeface="Consolas" panose="020B0609020204030204" pitchFamily="49" charset="0"/>
+                <a:ea typeface="Menlo" panose="020B0609030804020204" pitchFamily="49" charset="0"/>
+                <a:cs typeface="Consolas" panose="020B0609020204030204" pitchFamily="49" charset="0"/>
               </a:rPr>
               <a:t>, </a:t>
             </a:r>
@@ -10873,9 +10894,9 @@
                 <a:solidFill>
                   <a:schemeClr val="accent6"/>
                 </a:solidFill>
-                <a:latin typeface="Menlo" panose="020B0609030804020204" pitchFamily="49" charset="0"/>
-                <a:ea typeface="Menlo" panose="020B0609030804020204" pitchFamily="49" charset="0"/>
-                <a:cs typeface="Menlo" panose="020B0609030804020204" pitchFamily="49" charset="0"/>
+                <a:latin typeface="Consolas" panose="020B0609020204030204" pitchFamily="49" charset="0"/>
+                <a:ea typeface="Menlo" panose="020B0609030804020204" pitchFamily="49" charset="0"/>
+                <a:cs typeface="Consolas" panose="020B0609020204030204" pitchFamily="49" charset="0"/>
               </a:rPr>
               <a:t>kwargs</a:t>
             </a:r>
@@ -10884,9 +10905,9 @@
                 <a:solidFill>
                   <a:schemeClr val="accent6"/>
                 </a:solidFill>
-                <a:latin typeface="Menlo" panose="020B0609030804020204" pitchFamily="49" charset="0"/>
-                <a:ea typeface="Menlo" panose="020B0609030804020204" pitchFamily="49" charset="0"/>
-                <a:cs typeface="Menlo" panose="020B0609030804020204" pitchFamily="49" charset="0"/>
+                <a:latin typeface="Consolas" panose="020B0609020204030204" pitchFamily="49" charset="0"/>
+                <a:ea typeface="Menlo" panose="020B0609030804020204" pitchFamily="49" charset="0"/>
+                <a:cs typeface="Consolas" panose="020B0609020204030204" pitchFamily="49" charset="0"/>
               </a:rPr>
               <a:t>)</a:t>
             </a:r>
@@ -10897,9 +10918,9 @@
             </a:pPr>
             <a:r>
               <a:rPr lang="en-US" dirty="0">
-                <a:latin typeface="Menlo" panose="020B0609030804020204" pitchFamily="49" charset="0"/>
-                <a:ea typeface="Menlo" panose="020B0609030804020204" pitchFamily="49" charset="0"/>
-                <a:cs typeface="Menlo" panose="020B0609030804020204" pitchFamily="49" charset="0"/>
+                <a:latin typeface="Consolas" panose="020B0609020204030204" pitchFamily="49" charset="0"/>
+                <a:ea typeface="Menlo" panose="020B0609030804020204" pitchFamily="49" charset="0"/>
+                <a:cs typeface="Consolas" panose="020B0609020204030204" pitchFamily="49" charset="0"/>
               </a:rPr>
               <a:t>...</a:t>
             </a:r>
@@ -10908,9 +10929,9 @@
                 <a:solidFill>
                   <a:schemeClr val="accent6"/>
                 </a:solidFill>
-                <a:latin typeface="Menlo" panose="020B0609030804020204" pitchFamily="49" charset="0"/>
-                <a:ea typeface="Menlo" panose="020B0609030804020204" pitchFamily="49" charset="0"/>
-                <a:cs typeface="Menlo" panose="020B0609030804020204" pitchFamily="49" charset="0"/>
+                <a:latin typeface="Consolas" panose="020B0609020204030204" pitchFamily="49" charset="0"/>
+                <a:ea typeface="Menlo" panose="020B0609030804020204" pitchFamily="49" charset="0"/>
+                <a:cs typeface="Consolas" panose="020B0609020204030204" pitchFamily="49" charset="0"/>
               </a:rPr>
               <a:t>         return </a:t>
             </a:r>
@@ -10919,9 +10940,9 @@
                 <a:solidFill>
                   <a:schemeClr val="accent6"/>
                 </a:solidFill>
-                <a:latin typeface="Menlo" panose="020B0609030804020204" pitchFamily="49" charset="0"/>
-                <a:ea typeface="Menlo" panose="020B0609030804020204" pitchFamily="49" charset="0"/>
-                <a:cs typeface="Menlo" panose="020B0609030804020204" pitchFamily="49" charset="0"/>
+                <a:latin typeface="Consolas" panose="020B0609020204030204" pitchFamily="49" charset="0"/>
+                <a:ea typeface="Menlo" panose="020B0609030804020204" pitchFamily="49" charset="0"/>
+                <a:cs typeface="Consolas" panose="020B0609020204030204" pitchFamily="49" charset="0"/>
               </a:rPr>
               <a:t>func</a:t>
             </a:r>
@@ -10930,9 +10951,9 @@
                 <a:solidFill>
                   <a:schemeClr val="accent6"/>
                 </a:solidFill>
-                <a:latin typeface="Menlo" panose="020B0609030804020204" pitchFamily="49" charset="0"/>
-                <a:ea typeface="Menlo" panose="020B0609030804020204" pitchFamily="49" charset="0"/>
-                <a:cs typeface="Menlo" panose="020B0609030804020204" pitchFamily="49" charset="0"/>
+                <a:latin typeface="Consolas" panose="020B0609020204030204" pitchFamily="49" charset="0"/>
+                <a:ea typeface="Menlo" panose="020B0609030804020204" pitchFamily="49" charset="0"/>
+                <a:cs typeface="Consolas" panose="020B0609020204030204" pitchFamily="49" charset="0"/>
               </a:rPr>
               <a:t>(*</a:t>
             </a:r>
@@ -10941,9 +10962,9 @@
                 <a:solidFill>
                   <a:schemeClr val="accent6"/>
                 </a:solidFill>
-                <a:latin typeface="Menlo" panose="020B0609030804020204" pitchFamily="49" charset="0"/>
-                <a:ea typeface="Menlo" panose="020B0609030804020204" pitchFamily="49" charset="0"/>
-                <a:cs typeface="Menlo" panose="020B0609030804020204" pitchFamily="49" charset="0"/>
+                <a:latin typeface="Consolas" panose="020B0609020204030204" pitchFamily="49" charset="0"/>
+                <a:ea typeface="Menlo" panose="020B0609030804020204" pitchFamily="49" charset="0"/>
+                <a:cs typeface="Consolas" panose="020B0609020204030204" pitchFamily="49" charset="0"/>
               </a:rPr>
               <a:t>args</a:t>
             </a:r>
@@ -10952,9 +10973,9 @@
                 <a:solidFill>
                   <a:schemeClr val="accent6"/>
                 </a:solidFill>
-                <a:latin typeface="Menlo" panose="020B0609030804020204" pitchFamily="49" charset="0"/>
-                <a:ea typeface="Menlo" panose="020B0609030804020204" pitchFamily="49" charset="0"/>
-                <a:cs typeface="Menlo" panose="020B0609030804020204" pitchFamily="49" charset="0"/>
+                <a:latin typeface="Consolas" panose="020B0609020204030204" pitchFamily="49" charset="0"/>
+                <a:ea typeface="Menlo" panose="020B0609030804020204" pitchFamily="49" charset="0"/>
+                <a:cs typeface="Consolas" panose="020B0609020204030204" pitchFamily="49" charset="0"/>
               </a:rPr>
               <a:t>, **</a:t>
             </a:r>
@@ -10963,9 +10984,9 @@
                 <a:solidFill>
                   <a:schemeClr val="accent6"/>
                 </a:solidFill>
-                <a:latin typeface="Menlo" panose="020B0609030804020204" pitchFamily="49" charset="0"/>
-                <a:ea typeface="Menlo" panose="020B0609030804020204" pitchFamily="49" charset="0"/>
-                <a:cs typeface="Menlo" panose="020B0609030804020204" pitchFamily="49" charset="0"/>
+                <a:latin typeface="Consolas" panose="020B0609020204030204" pitchFamily="49" charset="0"/>
+                <a:ea typeface="Menlo" panose="020B0609030804020204" pitchFamily="49" charset="0"/>
+                <a:cs typeface="Consolas" panose="020B0609020204030204" pitchFamily="49" charset="0"/>
               </a:rPr>
               <a:t>kwargs</a:t>
             </a:r>
@@ -10974,9 +10995,9 @@
                 <a:solidFill>
                   <a:schemeClr val="accent6"/>
                 </a:solidFill>
-                <a:latin typeface="Menlo" panose="020B0609030804020204" pitchFamily="49" charset="0"/>
-                <a:ea typeface="Menlo" panose="020B0609030804020204" pitchFamily="49" charset="0"/>
-                <a:cs typeface="Menlo" panose="020B0609030804020204" pitchFamily="49" charset="0"/>
+                <a:latin typeface="Consolas" panose="020B0609020204030204" pitchFamily="49" charset="0"/>
+                <a:ea typeface="Menlo" panose="020B0609030804020204" pitchFamily="49" charset="0"/>
+                <a:cs typeface="Consolas" panose="020B0609020204030204" pitchFamily="49" charset="0"/>
               </a:rPr>
               <a:t>)</a:t>
             </a:r>
@@ -10987,9 +11008,9 @@
             </a:pPr>
             <a:r>
               <a:rPr lang="en-US" dirty="0">
-                <a:latin typeface="Menlo" panose="020B0609030804020204" pitchFamily="49" charset="0"/>
-                <a:ea typeface="Menlo" panose="020B0609030804020204" pitchFamily="49" charset="0"/>
-                <a:cs typeface="Menlo" panose="020B0609030804020204" pitchFamily="49" charset="0"/>
+                <a:latin typeface="Consolas" panose="020B0609020204030204" pitchFamily="49" charset="0"/>
+                <a:ea typeface="Menlo" panose="020B0609030804020204" pitchFamily="49" charset="0"/>
+                <a:cs typeface="Consolas" panose="020B0609020204030204" pitchFamily="49" charset="0"/>
               </a:rPr>
               <a:t>...</a:t>
             </a:r>
@@ -10998,9 +11019,9 @@
                 <a:solidFill>
                   <a:schemeClr val="accent6"/>
                 </a:solidFill>
-                <a:latin typeface="Menlo" panose="020B0609030804020204" pitchFamily="49" charset="0"/>
-                <a:ea typeface="Menlo" panose="020B0609030804020204" pitchFamily="49" charset="0"/>
-                <a:cs typeface="Menlo" panose="020B0609030804020204" pitchFamily="49" charset="0"/>
+                <a:latin typeface="Consolas" panose="020B0609020204030204" pitchFamily="49" charset="0"/>
+                <a:ea typeface="Menlo" panose="020B0609030804020204" pitchFamily="49" charset="0"/>
+                <a:cs typeface="Consolas" panose="020B0609020204030204" pitchFamily="49" charset="0"/>
               </a:rPr>
               <a:t>     return wrapper</a:t>
             </a:r>
@@ -11011,9 +11032,9 @@
             </a:pPr>
             <a:r>
               <a:rPr lang="en-US" dirty="0">
-                <a:latin typeface="Menlo" panose="020B0609030804020204" pitchFamily="49" charset="0"/>
-                <a:ea typeface="Menlo" panose="020B0609030804020204" pitchFamily="49" charset="0"/>
-                <a:cs typeface="Menlo" panose="020B0609030804020204" pitchFamily="49" charset="0"/>
+                <a:latin typeface="Consolas" panose="020B0609020204030204" pitchFamily="49" charset="0"/>
+                <a:ea typeface="Menlo" panose="020B0609030804020204" pitchFamily="49" charset="0"/>
+                <a:cs typeface="Consolas" panose="020B0609020204030204" pitchFamily="49" charset="0"/>
               </a:rPr>
               <a:t>...</a:t>
             </a:r>
@@ -11022,9 +11043,9 @@
                 <a:solidFill>
                   <a:schemeClr val="accent6"/>
                 </a:solidFill>
-                <a:latin typeface="Menlo" panose="020B0609030804020204" pitchFamily="49" charset="0"/>
-                <a:ea typeface="Menlo" panose="020B0609030804020204" pitchFamily="49" charset="0"/>
-                <a:cs typeface="Menlo" panose="020B0609030804020204" pitchFamily="49" charset="0"/>
+                <a:latin typeface="Consolas" panose="020B0609020204030204" pitchFamily="49" charset="0"/>
+                <a:ea typeface="Menlo" panose="020B0609030804020204" pitchFamily="49" charset="0"/>
+                <a:cs typeface="Consolas" panose="020B0609020204030204" pitchFamily="49" charset="0"/>
               </a:rPr>
               <a:t> </a:t>
             </a:r>
@@ -11035,9 +11056,9 @@
             </a:pPr>
             <a:r>
               <a:rPr lang="en-US" dirty="0">
-                <a:latin typeface="Menlo" panose="020B0609030804020204" pitchFamily="49" charset="0"/>
-                <a:ea typeface="Menlo" panose="020B0609030804020204" pitchFamily="49" charset="0"/>
-                <a:cs typeface="Menlo" panose="020B0609030804020204" pitchFamily="49" charset="0"/>
+                <a:latin typeface="Consolas" panose="020B0609020204030204" pitchFamily="49" charset="0"/>
+                <a:ea typeface="Menlo" panose="020B0609030804020204" pitchFamily="49" charset="0"/>
+                <a:cs typeface="Consolas" panose="020B0609020204030204" pitchFamily="49" charset="0"/>
               </a:rPr>
               <a:t>&gt;&gt;&gt;</a:t>
             </a:r>
@@ -11046,9 +11067,9 @@
                 <a:solidFill>
                   <a:schemeClr val="accent6"/>
                 </a:solidFill>
-                <a:latin typeface="Menlo" panose="020B0609030804020204" pitchFamily="49" charset="0"/>
-                <a:ea typeface="Menlo" panose="020B0609030804020204" pitchFamily="49" charset="0"/>
-                <a:cs typeface="Menlo" panose="020B0609030804020204" pitchFamily="49" charset="0"/>
+                <a:latin typeface="Consolas" panose="020B0609020204030204" pitchFamily="49" charset="0"/>
+                <a:ea typeface="Menlo" panose="020B0609030804020204" pitchFamily="49" charset="0"/>
+                <a:cs typeface="Consolas" panose="020B0609020204030204" pitchFamily="49" charset="0"/>
               </a:rPr>
               <a:t> def foo(a, b, c):</a:t>
             </a:r>
@@ -11059,9 +11080,9 @@
             </a:pPr>
             <a:r>
               <a:rPr lang="en-US" dirty="0">
-                <a:latin typeface="Menlo" panose="020B0609030804020204" pitchFamily="49" charset="0"/>
-                <a:ea typeface="Menlo" panose="020B0609030804020204" pitchFamily="49" charset="0"/>
-                <a:cs typeface="Menlo" panose="020B0609030804020204" pitchFamily="49" charset="0"/>
+                <a:latin typeface="Consolas" panose="020B0609020204030204" pitchFamily="49" charset="0"/>
+                <a:ea typeface="Menlo" panose="020B0609030804020204" pitchFamily="49" charset="0"/>
+                <a:cs typeface="Consolas" panose="020B0609020204030204" pitchFamily="49" charset="0"/>
               </a:rPr>
               <a:t>...</a:t>
             </a:r>
@@ -11070,9 +11091,9 @@
                 <a:solidFill>
                   <a:schemeClr val="accent6"/>
                 </a:solidFill>
-                <a:latin typeface="Menlo" panose="020B0609030804020204" pitchFamily="49" charset="0"/>
-                <a:ea typeface="Menlo" panose="020B0609030804020204" pitchFamily="49" charset="0"/>
-                <a:cs typeface="Menlo" panose="020B0609030804020204" pitchFamily="49" charset="0"/>
+                <a:latin typeface="Consolas" panose="020B0609020204030204" pitchFamily="49" charset="0"/>
+                <a:ea typeface="Menlo" panose="020B0609030804020204" pitchFamily="49" charset="0"/>
+                <a:cs typeface="Consolas" panose="020B0609020204030204" pitchFamily="49" charset="0"/>
               </a:rPr>
               <a:t>     pass</a:t>
             </a:r>
@@ -11083,9 +11104,9 @@
             </a:pPr>
             <a:r>
               <a:rPr lang="en-US" dirty="0">
-                <a:latin typeface="Menlo" panose="020B0609030804020204" pitchFamily="49" charset="0"/>
-                <a:ea typeface="Menlo" panose="020B0609030804020204" pitchFamily="49" charset="0"/>
-                <a:cs typeface="Menlo" panose="020B0609030804020204" pitchFamily="49" charset="0"/>
+                <a:latin typeface="Consolas" panose="020B0609020204030204" pitchFamily="49" charset="0"/>
+                <a:ea typeface="Menlo" panose="020B0609030804020204" pitchFamily="49" charset="0"/>
+                <a:cs typeface="Consolas" panose="020B0609020204030204" pitchFamily="49" charset="0"/>
               </a:rPr>
               <a:t>&gt;&gt;&gt;</a:t>
             </a:r>
@@ -11094,9 +11115,9 @@
                 <a:solidFill>
                   <a:schemeClr val="accent6"/>
                 </a:solidFill>
-                <a:latin typeface="Menlo" panose="020B0609030804020204" pitchFamily="49" charset="0"/>
-                <a:ea typeface="Menlo" panose="020B0609030804020204" pitchFamily="49" charset="0"/>
-                <a:cs typeface="Menlo" panose="020B0609030804020204" pitchFamily="49" charset="0"/>
+                <a:latin typeface="Consolas" panose="020B0609020204030204" pitchFamily="49" charset="0"/>
+                <a:ea typeface="Menlo" panose="020B0609030804020204" pitchFamily="49" charset="0"/>
+                <a:cs typeface="Consolas" panose="020B0609020204030204" pitchFamily="49" charset="0"/>
               </a:rPr>
               <a:t> foo(1,2,3)</a:t>
             </a:r>
@@ -11107,9 +11128,9 @@
             </a:pPr>
             <a:r>
               <a:rPr lang="en-US" dirty="0">
-                <a:latin typeface="Menlo" panose="020B0609030804020204" pitchFamily="49" charset="0"/>
-                <a:ea typeface="Menlo" panose="020B0609030804020204" pitchFamily="49" charset="0"/>
-                <a:cs typeface="Menlo" panose="020B0609030804020204" pitchFamily="49" charset="0"/>
+                <a:latin typeface="Consolas" panose="020B0609020204030204" pitchFamily="49" charset="0"/>
+                <a:ea typeface="Menlo" panose="020B0609030804020204" pitchFamily="49" charset="0"/>
+                <a:cs typeface="Consolas" panose="020B0609020204030204" pitchFamily="49" charset="0"/>
               </a:rPr>
               <a:t>&gt;&gt;&gt;</a:t>
             </a:r>
@@ -11119,9 +11140,9 @@
               <a:buNone/>
             </a:pPr>
             <a:endParaRPr lang="en-US" dirty="0">
-              <a:latin typeface="Menlo" panose="020B0609030804020204" pitchFamily="49" charset="0"/>
+              <a:latin typeface="Consolas" panose="020B0609020204030204" pitchFamily="49" charset="0"/>
               <a:ea typeface="Menlo" panose="020B0609030804020204" pitchFamily="49" charset="0"/>
-              <a:cs typeface="Menlo" panose="020B0609030804020204" pitchFamily="49" charset="0"/>
+              <a:cs typeface="Consolas" panose="020B0609020204030204" pitchFamily="49" charset="0"/>
             </a:endParaRPr>
           </a:p>
         </p:txBody>
@@ -11355,9 +11376,9 @@
             </a:pPr>
             <a:r>
               <a:rPr lang="en-US" dirty="0">
-                <a:latin typeface="Menlo" panose="020B0609030804020204" pitchFamily="49" charset="0"/>
-                <a:ea typeface="Menlo" panose="020B0609030804020204" pitchFamily="49" charset="0"/>
-                <a:cs typeface="Menlo" panose="020B0609030804020204" pitchFamily="49" charset="0"/>
+                <a:latin typeface="Consolas" panose="020B0609020204030204" pitchFamily="49" charset="0"/>
+                <a:ea typeface="Menlo" panose="020B0609030804020204" pitchFamily="49" charset="0"/>
+                <a:cs typeface="Consolas" panose="020B0609020204030204" pitchFamily="49" charset="0"/>
               </a:rPr>
               <a:t>&gt;&gt;&gt; </a:t>
             </a:r>
@@ -11366,9 +11387,9 @@
                 <a:solidFill>
                   <a:schemeClr val="accent6"/>
                 </a:solidFill>
-                <a:latin typeface="Menlo" panose="020B0609030804020204" pitchFamily="49" charset="0"/>
-                <a:ea typeface="Menlo" panose="020B0609030804020204" pitchFamily="49" charset="0"/>
-                <a:cs typeface="Menlo" panose="020B0609030804020204" pitchFamily="49" charset="0"/>
+                <a:latin typeface="Consolas" panose="020B0609020204030204" pitchFamily="49" charset="0"/>
+                <a:ea typeface="Menlo" panose="020B0609030804020204" pitchFamily="49" charset="0"/>
+                <a:cs typeface="Consolas" panose="020B0609020204030204" pitchFamily="49" charset="0"/>
               </a:rPr>
               <a:t>foo = debug(foo)</a:t>
             </a:r>
@@ -11379,9 +11400,9 @@
             </a:pPr>
             <a:r>
               <a:rPr lang="en-US" dirty="0">
-                <a:latin typeface="Menlo" panose="020B0609030804020204" pitchFamily="49" charset="0"/>
-                <a:ea typeface="Menlo" panose="020B0609030804020204" pitchFamily="49" charset="0"/>
-                <a:cs typeface="Menlo" panose="020B0609030804020204" pitchFamily="49" charset="0"/>
+                <a:latin typeface="Consolas" panose="020B0609020204030204" pitchFamily="49" charset="0"/>
+                <a:ea typeface="Menlo" panose="020B0609030804020204" pitchFamily="49" charset="0"/>
+                <a:cs typeface="Consolas" panose="020B0609020204030204" pitchFamily="49" charset="0"/>
               </a:rPr>
               <a:t>decorating foo</a:t>
             </a:r>
@@ -11392,9 +11413,9 @@
             </a:pPr>
             <a:r>
               <a:rPr lang="en-US" dirty="0">
-                <a:latin typeface="Menlo" panose="020B0609030804020204" pitchFamily="49" charset="0"/>
-                <a:ea typeface="Menlo" panose="020B0609030804020204" pitchFamily="49" charset="0"/>
-                <a:cs typeface="Menlo" panose="020B0609030804020204" pitchFamily="49" charset="0"/>
+                <a:latin typeface="Consolas" panose="020B0609020204030204" pitchFamily="49" charset="0"/>
+                <a:ea typeface="Menlo" panose="020B0609030804020204" pitchFamily="49" charset="0"/>
+                <a:cs typeface="Consolas" panose="020B0609020204030204" pitchFamily="49" charset="0"/>
               </a:rPr>
               <a:t>&gt;&gt;&gt; </a:t>
             </a:r>
@@ -11403,9 +11424,9 @@
                 <a:solidFill>
                   <a:schemeClr val="accent6"/>
                 </a:solidFill>
-                <a:latin typeface="Menlo" panose="020B0609030804020204" pitchFamily="49" charset="0"/>
-                <a:ea typeface="Menlo" panose="020B0609030804020204" pitchFamily="49" charset="0"/>
-                <a:cs typeface="Menlo" panose="020B0609030804020204" pitchFamily="49" charset="0"/>
+                <a:latin typeface="Consolas" panose="020B0609020204030204" pitchFamily="49" charset="0"/>
+                <a:ea typeface="Menlo" panose="020B0609030804020204" pitchFamily="49" charset="0"/>
+                <a:cs typeface="Consolas" panose="020B0609020204030204" pitchFamily="49" charset="0"/>
               </a:rPr>
               <a:t>foo(1,2,3)</a:t>
             </a:r>
@@ -11416,9 +11437,9 @@
             </a:pPr>
             <a:r>
               <a:rPr lang="en-US" dirty="0">
-                <a:latin typeface="Menlo" panose="020B0609030804020204" pitchFamily="49" charset="0"/>
-                <a:ea typeface="Menlo" panose="020B0609030804020204" pitchFamily="49" charset="0"/>
-                <a:cs typeface="Menlo" panose="020B0609030804020204" pitchFamily="49" charset="0"/>
+                <a:latin typeface="Consolas" panose="020B0609020204030204" pitchFamily="49" charset="0"/>
+                <a:ea typeface="Menlo" panose="020B0609030804020204" pitchFamily="49" charset="0"/>
+                <a:cs typeface="Consolas" panose="020B0609020204030204" pitchFamily="49" charset="0"/>
               </a:rPr>
               <a:t>foo being called on (1, 2, 3) {}</a:t>
             </a:r>
@@ -11429,9 +11450,9 @@
             </a:pPr>
             <a:r>
               <a:rPr lang="en-US" dirty="0">
-                <a:latin typeface="Menlo" panose="020B0609030804020204" pitchFamily="49" charset="0"/>
-                <a:ea typeface="Menlo" panose="020B0609030804020204" pitchFamily="49" charset="0"/>
-                <a:cs typeface="Menlo" panose="020B0609030804020204" pitchFamily="49" charset="0"/>
+                <a:latin typeface="Consolas" panose="020B0609020204030204" pitchFamily="49" charset="0"/>
+                <a:ea typeface="Menlo" panose="020B0609030804020204" pitchFamily="49" charset="0"/>
+                <a:cs typeface="Consolas" panose="020B0609020204030204" pitchFamily="49" charset="0"/>
               </a:rPr>
               <a:t>&gt;&gt;&gt; </a:t>
             </a:r>
@@ -11440,9 +11461,9 @@
                 <a:solidFill>
                   <a:schemeClr val="accent6"/>
                 </a:solidFill>
-                <a:latin typeface="Menlo" panose="020B0609030804020204" pitchFamily="49" charset="0"/>
-                <a:ea typeface="Menlo" panose="020B0609030804020204" pitchFamily="49" charset="0"/>
-                <a:cs typeface="Menlo" panose="020B0609030804020204" pitchFamily="49" charset="0"/>
+                <a:latin typeface="Consolas" panose="020B0609020204030204" pitchFamily="49" charset="0"/>
+                <a:ea typeface="Menlo" panose="020B0609030804020204" pitchFamily="49" charset="0"/>
+                <a:cs typeface="Consolas" panose="020B0609020204030204" pitchFamily="49" charset="0"/>
               </a:rPr>
               <a:t>print = debug(print)</a:t>
             </a:r>
@@ -11453,9 +11474,9 @@
             </a:pPr>
             <a:r>
               <a:rPr lang="en-US" dirty="0">
-                <a:latin typeface="Menlo" panose="020B0609030804020204" pitchFamily="49" charset="0"/>
-                <a:ea typeface="Menlo" panose="020B0609030804020204" pitchFamily="49" charset="0"/>
-                <a:cs typeface="Menlo" panose="020B0609030804020204" pitchFamily="49" charset="0"/>
+                <a:latin typeface="Consolas" panose="020B0609020204030204" pitchFamily="49" charset="0"/>
+                <a:ea typeface="Menlo" panose="020B0609030804020204" pitchFamily="49" charset="0"/>
+                <a:cs typeface="Consolas" panose="020B0609020204030204" pitchFamily="49" charset="0"/>
               </a:rPr>
               <a:t>decorating print</a:t>
             </a:r>
@@ -11466,9 +11487,9 @@
             </a:pPr>
             <a:r>
               <a:rPr lang="en-US" dirty="0">
-                <a:latin typeface="Menlo" panose="020B0609030804020204" pitchFamily="49" charset="0"/>
-                <a:ea typeface="Menlo" panose="020B0609030804020204" pitchFamily="49" charset="0"/>
-                <a:cs typeface="Menlo" panose="020B0609030804020204" pitchFamily="49" charset="0"/>
+                <a:latin typeface="Consolas" panose="020B0609020204030204" pitchFamily="49" charset="0"/>
+                <a:ea typeface="Menlo" panose="020B0609030804020204" pitchFamily="49" charset="0"/>
+                <a:cs typeface="Consolas" panose="020B0609020204030204" pitchFamily="49" charset="0"/>
               </a:rPr>
               <a:t>&gt;&gt;&gt; </a:t>
             </a:r>
@@ -11477,9 +11498,9 @@
                 <a:solidFill>
                   <a:schemeClr val="accent6"/>
                 </a:solidFill>
-                <a:latin typeface="Menlo" panose="020B0609030804020204" pitchFamily="49" charset="0"/>
-                <a:ea typeface="Menlo" panose="020B0609030804020204" pitchFamily="49" charset="0"/>
-                <a:cs typeface="Menlo" panose="020B0609030804020204" pitchFamily="49" charset="0"/>
+                <a:latin typeface="Consolas" panose="020B0609020204030204" pitchFamily="49" charset="0"/>
+                <a:ea typeface="Menlo" panose="020B0609030804020204" pitchFamily="49" charset="0"/>
+                <a:cs typeface="Consolas" panose="020B0609020204030204" pitchFamily="49" charset="0"/>
               </a:rPr>
               <a:t>print(1,2,3)</a:t>
             </a:r>
@@ -11493,9 +11514,9 @@
                 <a:solidFill>
                   <a:srgbClr val="FF0000"/>
                 </a:solidFill>
-                <a:latin typeface="Menlo" panose="020B0609030804020204" pitchFamily="49" charset="0"/>
-                <a:ea typeface="Menlo" panose="020B0609030804020204" pitchFamily="49" charset="0"/>
-                <a:cs typeface="Menlo" panose="020B0609030804020204" pitchFamily="49" charset="0"/>
+                <a:latin typeface="Consolas" panose="020B0609020204030204" pitchFamily="49" charset="0"/>
+                <a:ea typeface="Menlo" panose="020B0609030804020204" pitchFamily="49" charset="0"/>
+                <a:cs typeface="Consolas" panose="020B0609020204030204" pitchFamily="49" charset="0"/>
               </a:rPr>
               <a:t>Traceback (most recent call last):</a:t>
             </a:r>
@@ -11509,9 +11530,9 @@
                 <a:solidFill>
                   <a:srgbClr val="FF0000"/>
                 </a:solidFill>
-                <a:latin typeface="Menlo" panose="020B0609030804020204" pitchFamily="49" charset="0"/>
-                <a:ea typeface="Menlo" panose="020B0609030804020204" pitchFamily="49" charset="0"/>
-                <a:cs typeface="Menlo" panose="020B0609030804020204" pitchFamily="49" charset="0"/>
+                <a:latin typeface="Consolas" panose="020B0609020204030204" pitchFamily="49" charset="0"/>
+                <a:ea typeface="Menlo" panose="020B0609030804020204" pitchFamily="49" charset="0"/>
+                <a:cs typeface="Consolas" panose="020B0609020204030204" pitchFamily="49" charset="0"/>
               </a:rPr>
               <a:t>  File "&lt;stdin&gt;", line 1, in &lt;module&gt;</a:t>
             </a:r>
@@ -11525,9 +11546,9 @@
                 <a:solidFill>
                   <a:srgbClr val="FF0000"/>
                 </a:solidFill>
-                <a:latin typeface="Menlo" panose="020B0609030804020204" pitchFamily="49" charset="0"/>
-                <a:ea typeface="Menlo" panose="020B0609030804020204" pitchFamily="49" charset="0"/>
-                <a:cs typeface="Menlo" panose="020B0609030804020204" pitchFamily="49" charset="0"/>
+                <a:latin typeface="Consolas" panose="020B0609020204030204" pitchFamily="49" charset="0"/>
+                <a:ea typeface="Menlo" panose="020B0609030804020204" pitchFamily="49" charset="0"/>
+                <a:cs typeface="Consolas" panose="020B0609020204030204" pitchFamily="49" charset="0"/>
               </a:rPr>
               <a:t>  File "&lt;stdin&gt;", line 4, in wrapper</a:t>
             </a:r>
@@ -11541,9 +11562,9 @@
                 <a:solidFill>
                   <a:srgbClr val="FF0000"/>
                 </a:solidFill>
-                <a:latin typeface="Menlo" panose="020B0609030804020204" pitchFamily="49" charset="0"/>
-                <a:ea typeface="Menlo" panose="020B0609030804020204" pitchFamily="49" charset="0"/>
-                <a:cs typeface="Menlo" panose="020B0609030804020204" pitchFamily="49" charset="0"/>
+                <a:latin typeface="Consolas" panose="020B0609020204030204" pitchFamily="49" charset="0"/>
+                <a:ea typeface="Menlo" panose="020B0609030804020204" pitchFamily="49" charset="0"/>
+                <a:cs typeface="Consolas" panose="020B0609020204030204" pitchFamily="49" charset="0"/>
               </a:rPr>
               <a:t>  File "&lt;stdin&gt;", line 4, in wrapper</a:t>
             </a:r>
@@ -11557,9 +11578,9 @@
                 <a:solidFill>
                   <a:srgbClr val="FF0000"/>
                 </a:solidFill>
-                <a:latin typeface="Menlo" panose="020B0609030804020204" pitchFamily="49" charset="0"/>
-                <a:ea typeface="Menlo" panose="020B0609030804020204" pitchFamily="49" charset="0"/>
-                <a:cs typeface="Menlo" panose="020B0609030804020204" pitchFamily="49" charset="0"/>
+                <a:latin typeface="Consolas" panose="020B0609020204030204" pitchFamily="49" charset="0"/>
+                <a:ea typeface="Menlo" panose="020B0609030804020204" pitchFamily="49" charset="0"/>
+                <a:cs typeface="Consolas" panose="020B0609020204030204" pitchFamily="49" charset="0"/>
               </a:rPr>
               <a:t>  File "&lt;stdin&gt;", line 4, in wrapper</a:t>
             </a:r>
@@ -11573,9 +11594,9 @@
                 <a:solidFill>
                   <a:srgbClr val="FF0000"/>
                 </a:solidFill>
-                <a:latin typeface="Menlo" panose="020B0609030804020204" pitchFamily="49" charset="0"/>
-                <a:ea typeface="Menlo" panose="020B0609030804020204" pitchFamily="49" charset="0"/>
-                <a:cs typeface="Menlo" panose="020B0609030804020204" pitchFamily="49" charset="0"/>
+                <a:latin typeface="Consolas" panose="020B0609020204030204" pitchFamily="49" charset="0"/>
+                <a:ea typeface="Menlo" panose="020B0609030804020204" pitchFamily="49" charset="0"/>
+                <a:cs typeface="Consolas" panose="020B0609020204030204" pitchFamily="49" charset="0"/>
               </a:rPr>
               <a:t>  [Previous line repeated 995 more times]</a:t>
             </a:r>
@@ -11589,9 +11610,9 @@
                 <a:solidFill>
                   <a:srgbClr val="FF0000"/>
                 </a:solidFill>
-                <a:latin typeface="Menlo" panose="020B0609030804020204" pitchFamily="49" charset="0"/>
-                <a:ea typeface="Menlo" panose="020B0609030804020204" pitchFamily="49" charset="0"/>
-                <a:cs typeface="Menlo" panose="020B0609030804020204" pitchFamily="49" charset="0"/>
+                <a:latin typeface="Consolas" panose="020B0609020204030204" pitchFamily="49" charset="0"/>
+                <a:ea typeface="Menlo" panose="020B0609030804020204" pitchFamily="49" charset="0"/>
+                <a:cs typeface="Consolas" panose="020B0609020204030204" pitchFamily="49" charset="0"/>
               </a:rPr>
               <a:t>RecursionError</a:t>
             </a:r>
@@ -11600,9 +11621,9 @@
                 <a:solidFill>
                   <a:srgbClr val="FF0000"/>
                 </a:solidFill>
-                <a:latin typeface="Menlo" panose="020B0609030804020204" pitchFamily="49" charset="0"/>
-                <a:ea typeface="Menlo" panose="020B0609030804020204" pitchFamily="49" charset="0"/>
-                <a:cs typeface="Menlo" panose="020B0609030804020204" pitchFamily="49" charset="0"/>
+                <a:latin typeface="Consolas" panose="020B0609020204030204" pitchFamily="49" charset="0"/>
+                <a:ea typeface="Menlo" panose="020B0609030804020204" pitchFamily="49" charset="0"/>
+                <a:cs typeface="Consolas" panose="020B0609020204030204" pitchFamily="49" charset="0"/>
               </a:rPr>
               <a:t>: maximum recursion depth</a:t>
             </a:r>
@@ -11616,9 +11637,9 @@
                 <a:solidFill>
                   <a:srgbClr val="FF0000"/>
                 </a:solidFill>
-                <a:latin typeface="Menlo" panose="020B0609030804020204" pitchFamily="49" charset="0"/>
-                <a:ea typeface="Menlo" panose="020B0609030804020204" pitchFamily="49" charset="0"/>
-                <a:cs typeface="Menlo" panose="020B0609030804020204" pitchFamily="49" charset="0"/>
+                <a:latin typeface="Consolas" panose="020B0609020204030204" pitchFamily="49" charset="0"/>
+                <a:ea typeface="Menlo" panose="020B0609030804020204" pitchFamily="49" charset="0"/>
+                <a:cs typeface="Consolas" panose="020B0609020204030204" pitchFamily="49" charset="0"/>
               </a:rPr>
               <a:t>exceeded</a:t>
             </a:r>
@@ -11628,9 +11649,9 @@
               <a:buNone/>
             </a:pPr>
             <a:endParaRPr lang="en-US" dirty="0">
-              <a:latin typeface="Menlo" panose="020B0609030804020204" pitchFamily="49" charset="0"/>
+              <a:latin typeface="Consolas" panose="020B0609020204030204" pitchFamily="49" charset="0"/>
               <a:ea typeface="Menlo" panose="020B0609030804020204" pitchFamily="49" charset="0"/>
-              <a:cs typeface="Menlo" panose="020B0609030804020204" pitchFamily="49" charset="0"/>
+              <a:cs typeface="Consolas" panose="020B0609020204030204" pitchFamily="49" charset="0"/>
             </a:endParaRPr>
           </a:p>
         </p:txBody>
@@ -13505,19 +13526,19 @@
           <a:p>
             <a:pPr lvl="1"/>
             <a:r>
+              <a:rPr lang="en-US" i="0" dirty="0">
+                <a:latin typeface="Consolas" panose="020B0609020204030204" pitchFamily="49" charset="0"/>
+                <a:ea typeface="Menlo" panose="020B0609030804020204" pitchFamily="49" charset="0"/>
+                <a:cs typeface="Consolas" panose="020B0609020204030204" pitchFamily="49" charset="0"/>
+              </a:rPr>
+              <a:t>foo = decorator(foo)</a:t>
+            </a:r>
+          </a:p>
+          <a:p>
+            <a:r>
               <a:rPr lang="en-US" dirty="0">
-                <a:latin typeface="Menlo" panose="020B0609030804020204" pitchFamily="49" charset="0"/>
-                <a:ea typeface="Menlo" panose="020B0609030804020204" pitchFamily="49" charset="0"/>
-                <a:cs typeface="Menlo" panose="020B0609030804020204" pitchFamily="49" charset="0"/>
-              </a:rPr>
-              <a:t>foo = decorator(foo)</a:t>
-            </a:r>
-          </a:p>
-          <a:p>
-            <a:r>
-              <a:rPr lang="en-US" dirty="0">
-                <a:ea typeface="Menlo" panose="020B0609030804020204" pitchFamily="49" charset="0"/>
-                <a:cs typeface="Menlo" panose="020B0609030804020204" pitchFamily="49" charset="0"/>
+                <a:ea typeface="Menlo" panose="020B0609030804020204" pitchFamily="49" charset="0"/>
+                <a:cs typeface="Consolas" panose="020B0609020204030204" pitchFamily="49" charset="0"/>
               </a:rPr>
               <a:t>Python provides some special syntax for this</a:t>
             </a:r>
@@ -13525,9 +13546,9 @@
           <a:p>
             <a:pPr lvl="1"/>
             <a:r>
-              <a:rPr lang="en-US" dirty="0">
-                <a:ea typeface="Menlo" panose="020B0609030804020204" pitchFamily="49" charset="0"/>
-                <a:cs typeface="Menlo" panose="020B0609030804020204" pitchFamily="49" charset="0"/>
+              <a:rPr lang="en-US" i="0" dirty="0">
+                <a:ea typeface="Menlo" panose="020B0609030804020204" pitchFamily="49" charset="0"/>
+                <a:cs typeface="Consolas" panose="020B0609020204030204" pitchFamily="49" charset="0"/>
               </a:rPr>
               <a:t>We can decorate at definition time </a:t>
             </a:r>
@@ -13763,9 +13784,9 @@
             </a:pPr>
             <a:r>
               <a:rPr lang="en-US" dirty="0">
-                <a:latin typeface="Menlo" panose="020B0609030804020204" pitchFamily="49" charset="0"/>
-                <a:ea typeface="Menlo" panose="020B0609030804020204" pitchFamily="49" charset="0"/>
-                <a:cs typeface="Menlo" panose="020B0609030804020204" pitchFamily="49" charset="0"/>
+                <a:latin typeface="Consolas" panose="020B0609020204030204" pitchFamily="49" charset="0"/>
+                <a:ea typeface="Menlo" panose="020B0609030804020204" pitchFamily="49" charset="0"/>
+                <a:cs typeface="Consolas" panose="020B0609020204030204" pitchFamily="49" charset="0"/>
               </a:rPr>
               <a:t>&gt;&gt;&gt; </a:t>
             </a:r>
@@ -13774,9 +13795,9 @@
                 <a:solidFill>
                   <a:srgbClr val="E700E5"/>
                 </a:solidFill>
-                <a:latin typeface="Menlo" panose="020B0609030804020204" pitchFamily="49" charset="0"/>
-                <a:ea typeface="Menlo" panose="020B0609030804020204" pitchFamily="49" charset="0"/>
-                <a:cs typeface="Menlo" panose="020B0609030804020204" pitchFamily="49" charset="0"/>
+                <a:latin typeface="Consolas" panose="020B0609020204030204" pitchFamily="49" charset="0"/>
+                <a:ea typeface="Menlo" panose="020B0609030804020204" pitchFamily="49" charset="0"/>
+                <a:cs typeface="Consolas" panose="020B0609020204030204" pitchFamily="49" charset="0"/>
               </a:rPr>
               <a:t>@debug</a:t>
             </a:r>
@@ -13787,9 +13808,9 @@
             </a:pPr>
             <a:r>
               <a:rPr lang="en-US" dirty="0">
-                <a:latin typeface="Menlo" panose="020B0609030804020204" pitchFamily="49" charset="0"/>
-                <a:ea typeface="Menlo" panose="020B0609030804020204" pitchFamily="49" charset="0"/>
-                <a:cs typeface="Menlo" panose="020B0609030804020204" pitchFamily="49" charset="0"/>
+                <a:latin typeface="Consolas" panose="020B0609020204030204" pitchFamily="49" charset="0"/>
+                <a:ea typeface="Menlo" panose="020B0609030804020204" pitchFamily="49" charset="0"/>
+                <a:cs typeface="Consolas" panose="020B0609020204030204" pitchFamily="49" charset="0"/>
               </a:rPr>
               <a:t>... </a:t>
             </a:r>
@@ -13798,9 +13819,9 @@
                 <a:solidFill>
                   <a:schemeClr val="accent6"/>
                 </a:solidFill>
-                <a:latin typeface="Menlo" panose="020B0609030804020204" pitchFamily="49" charset="0"/>
-                <a:ea typeface="Menlo" panose="020B0609030804020204" pitchFamily="49" charset="0"/>
-                <a:cs typeface="Menlo" panose="020B0609030804020204" pitchFamily="49" charset="0"/>
+                <a:latin typeface="Consolas" panose="020B0609020204030204" pitchFamily="49" charset="0"/>
+                <a:ea typeface="Menlo" panose="020B0609030804020204" pitchFamily="49" charset="0"/>
+                <a:cs typeface="Consolas" panose="020B0609020204030204" pitchFamily="49" charset="0"/>
               </a:rPr>
               <a:t>def bar(a):</a:t>
             </a:r>
@@ -13811,9 +13832,9 @@
             </a:pPr>
             <a:r>
               <a:rPr lang="en-US" dirty="0">
-                <a:latin typeface="Menlo" panose="020B0609030804020204" pitchFamily="49" charset="0"/>
-                <a:ea typeface="Menlo" panose="020B0609030804020204" pitchFamily="49" charset="0"/>
-                <a:cs typeface="Menlo" panose="020B0609030804020204" pitchFamily="49" charset="0"/>
+                <a:latin typeface="Consolas" panose="020B0609020204030204" pitchFamily="49" charset="0"/>
+                <a:ea typeface="Menlo" panose="020B0609030804020204" pitchFamily="49" charset="0"/>
+                <a:cs typeface="Consolas" panose="020B0609020204030204" pitchFamily="49" charset="0"/>
               </a:rPr>
               <a:t>...    </a:t>
             </a:r>
@@ -13822,9 +13843,9 @@
                 <a:solidFill>
                   <a:schemeClr val="accent6"/>
                 </a:solidFill>
-                <a:latin typeface="Menlo" panose="020B0609030804020204" pitchFamily="49" charset="0"/>
-                <a:ea typeface="Menlo" panose="020B0609030804020204" pitchFamily="49" charset="0"/>
-                <a:cs typeface="Menlo" panose="020B0609030804020204" pitchFamily="49" charset="0"/>
+                <a:latin typeface="Consolas" panose="020B0609020204030204" pitchFamily="49" charset="0"/>
+                <a:ea typeface="Menlo" panose="020B0609030804020204" pitchFamily="49" charset="0"/>
+                <a:cs typeface="Consolas" panose="020B0609020204030204" pitchFamily="49" charset="0"/>
               </a:rPr>
               <a:t> print(a)</a:t>
             </a:r>
@@ -13835,9 +13856,9 @@
             </a:pPr>
             <a:r>
               <a:rPr lang="en-US" dirty="0">
-                <a:latin typeface="Menlo" panose="020B0609030804020204" pitchFamily="49" charset="0"/>
-                <a:ea typeface="Menlo" panose="020B0609030804020204" pitchFamily="49" charset="0"/>
-                <a:cs typeface="Menlo" panose="020B0609030804020204" pitchFamily="49" charset="0"/>
+                <a:latin typeface="Consolas" panose="020B0609020204030204" pitchFamily="49" charset="0"/>
+                <a:ea typeface="Menlo" panose="020B0609030804020204" pitchFamily="49" charset="0"/>
+                <a:cs typeface="Consolas" panose="020B0609020204030204" pitchFamily="49" charset="0"/>
               </a:rPr>
               <a:t>... </a:t>
             </a:r>
@@ -13848,9 +13869,9 @@
             </a:pPr>
             <a:r>
               <a:rPr lang="en-US" dirty="0">
-                <a:latin typeface="Menlo" panose="020B0609030804020204" pitchFamily="49" charset="0"/>
-                <a:ea typeface="Menlo" panose="020B0609030804020204" pitchFamily="49" charset="0"/>
-                <a:cs typeface="Menlo" panose="020B0609030804020204" pitchFamily="49" charset="0"/>
+                <a:latin typeface="Consolas" panose="020B0609020204030204" pitchFamily="49" charset="0"/>
+                <a:ea typeface="Menlo" panose="020B0609030804020204" pitchFamily="49" charset="0"/>
+                <a:cs typeface="Consolas" panose="020B0609020204030204" pitchFamily="49" charset="0"/>
               </a:rPr>
               <a:t>decorating bar</a:t>
             </a:r>
@@ -13861,9 +13882,9 @@
             </a:pPr>
             <a:r>
               <a:rPr lang="en-US" dirty="0">
-                <a:latin typeface="Menlo" panose="020B0609030804020204" pitchFamily="49" charset="0"/>
-                <a:ea typeface="Menlo" panose="020B0609030804020204" pitchFamily="49" charset="0"/>
-                <a:cs typeface="Menlo" panose="020B0609030804020204" pitchFamily="49" charset="0"/>
+                <a:latin typeface="Consolas" panose="020B0609020204030204" pitchFamily="49" charset="0"/>
+                <a:ea typeface="Menlo" panose="020B0609030804020204" pitchFamily="49" charset="0"/>
+                <a:cs typeface="Consolas" panose="020B0609020204030204" pitchFamily="49" charset="0"/>
               </a:rPr>
               <a:t>&gt;&gt;&gt; </a:t>
             </a:r>
@@ -13872,9 +13893,9 @@
                 <a:solidFill>
                   <a:schemeClr val="accent6"/>
                 </a:solidFill>
-                <a:latin typeface="Menlo" panose="020B0609030804020204" pitchFamily="49" charset="0"/>
-                <a:ea typeface="Menlo" panose="020B0609030804020204" pitchFamily="49" charset="0"/>
-                <a:cs typeface="Menlo" panose="020B0609030804020204" pitchFamily="49" charset="0"/>
+                <a:latin typeface="Consolas" panose="020B0609020204030204" pitchFamily="49" charset="0"/>
+                <a:ea typeface="Menlo" panose="020B0609030804020204" pitchFamily="49" charset="0"/>
+                <a:cs typeface="Consolas" panose="020B0609020204030204" pitchFamily="49" charset="0"/>
               </a:rPr>
               <a:t>bar(10)</a:t>
             </a:r>
@@ -13885,9 +13906,9 @@
             </a:pPr>
             <a:r>
               <a:rPr lang="en-US" dirty="0">
-                <a:latin typeface="Menlo" panose="020B0609030804020204" pitchFamily="49" charset="0"/>
-                <a:ea typeface="Menlo" panose="020B0609030804020204" pitchFamily="49" charset="0"/>
-                <a:cs typeface="Menlo" panose="020B0609030804020204" pitchFamily="49" charset="0"/>
+                <a:latin typeface="Consolas" panose="020B0609020204030204" pitchFamily="49" charset="0"/>
+                <a:ea typeface="Menlo" panose="020B0609030804020204" pitchFamily="49" charset="0"/>
+                <a:cs typeface="Consolas" panose="020B0609020204030204" pitchFamily="49" charset="0"/>
               </a:rPr>
               <a:t>bar being called on (10,) {}</a:t>
             </a:r>
@@ -13898,9 +13919,9 @@
             </a:pPr>
             <a:r>
               <a:rPr lang="en-US" dirty="0">
-                <a:latin typeface="Menlo" panose="020B0609030804020204" pitchFamily="49" charset="0"/>
-                <a:ea typeface="Menlo" panose="020B0609030804020204" pitchFamily="49" charset="0"/>
-                <a:cs typeface="Menlo" panose="020B0609030804020204" pitchFamily="49" charset="0"/>
+                <a:latin typeface="Consolas" panose="020B0609020204030204" pitchFamily="49" charset="0"/>
+                <a:ea typeface="Menlo" panose="020B0609030804020204" pitchFamily="49" charset="0"/>
+                <a:cs typeface="Consolas" panose="020B0609020204030204" pitchFamily="49" charset="0"/>
               </a:rPr>
               <a:t>10</a:t>
             </a:r>
@@ -13910,9 +13931,9 @@
               <a:buNone/>
             </a:pPr>
             <a:endParaRPr lang="en-US" dirty="0">
-              <a:latin typeface="Menlo" panose="020B0609030804020204" pitchFamily="49" charset="0"/>
+              <a:latin typeface="Consolas" panose="020B0609020204030204" pitchFamily="49" charset="0"/>
               <a:ea typeface="Menlo" panose="020B0609030804020204" pitchFamily="49" charset="0"/>
-              <a:cs typeface="Menlo" panose="020B0609030804020204" pitchFamily="49" charset="0"/>
+              <a:cs typeface="Consolas" panose="020B0609020204030204" pitchFamily="49" charset="0"/>
             </a:endParaRPr>
           </a:p>
         </p:txBody>
@@ -14827,9 +14848,9 @@
             </a:pPr>
             <a:r>
               <a:rPr lang="en-US" dirty="0">
-                <a:latin typeface="Menlo" panose="020B0609030804020204" pitchFamily="49" charset="0"/>
-                <a:ea typeface="Menlo" panose="020B0609030804020204" pitchFamily="49" charset="0"/>
-                <a:cs typeface="Menlo" panose="020B0609030804020204" pitchFamily="49" charset="0"/>
+                <a:latin typeface="Consolas" panose="020B0609020204030204" pitchFamily="49" charset="0"/>
+                <a:ea typeface="Menlo" panose="020B0609030804020204" pitchFamily="49" charset="0"/>
+                <a:cs typeface="Consolas" panose="020B0609020204030204" pitchFamily="49" charset="0"/>
               </a:rPr>
               <a:t>&gt;&gt;&gt; </a:t>
             </a:r>
@@ -14838,9 +14859,9 @@
                 <a:solidFill>
                   <a:srgbClr val="E700E5"/>
                 </a:solidFill>
-                <a:latin typeface="Menlo" panose="020B0609030804020204" pitchFamily="49" charset="0"/>
-                <a:ea typeface="Menlo" panose="020B0609030804020204" pitchFamily="49" charset="0"/>
-                <a:cs typeface="Menlo" panose="020B0609030804020204" pitchFamily="49" charset="0"/>
+                <a:latin typeface="Consolas" panose="020B0609020204030204" pitchFamily="49" charset="0"/>
+                <a:ea typeface="Menlo" panose="020B0609030804020204" pitchFamily="49" charset="0"/>
+                <a:cs typeface="Consolas" panose="020B0609020204030204" pitchFamily="49" charset="0"/>
               </a:rPr>
               <a:t>@</a:t>
             </a:r>
@@ -14849,9 +14870,9 @@
                 <a:solidFill>
                   <a:srgbClr val="E700E5"/>
                 </a:solidFill>
-                <a:latin typeface="Menlo" panose="020B0609030804020204" pitchFamily="49" charset="0"/>
-                <a:ea typeface="Menlo" panose="020B0609030804020204" pitchFamily="49" charset="0"/>
-                <a:cs typeface="Menlo" panose="020B0609030804020204" pitchFamily="49" charset="0"/>
+                <a:latin typeface="Consolas" panose="020B0609020204030204" pitchFamily="49" charset="0"/>
+                <a:ea typeface="Menlo" panose="020B0609030804020204" pitchFamily="49" charset="0"/>
+                <a:cs typeface="Consolas" panose="020B0609020204030204" pitchFamily="49" charset="0"/>
               </a:rPr>
               <a:t>debug_prefix</a:t>
             </a:r>
@@ -14860,9 +14881,9 @@
                 <a:solidFill>
                   <a:srgbClr val="E700E5"/>
                 </a:solidFill>
-                <a:latin typeface="Menlo" panose="020B0609030804020204" pitchFamily="49" charset="0"/>
-                <a:ea typeface="Menlo" panose="020B0609030804020204" pitchFamily="49" charset="0"/>
-                <a:cs typeface="Menlo" panose="020B0609030804020204" pitchFamily="49" charset="0"/>
+                <a:latin typeface="Consolas" panose="020B0609020204030204" pitchFamily="49" charset="0"/>
+                <a:ea typeface="Menlo" panose="020B0609030804020204" pitchFamily="49" charset="0"/>
+                <a:cs typeface="Consolas" panose="020B0609020204030204" pitchFamily="49" charset="0"/>
               </a:rPr>
               <a:t>(</a:t>
             </a:r>
@@ -14871,9 +14892,9 @@
                 <a:solidFill>
                   <a:schemeClr val="accent6"/>
                 </a:solidFill>
-                <a:latin typeface="Menlo" panose="020B0609030804020204" pitchFamily="49" charset="0"/>
-                <a:ea typeface="Menlo" panose="020B0609030804020204" pitchFamily="49" charset="0"/>
-                <a:cs typeface="Menlo" panose="020B0609030804020204" pitchFamily="49" charset="0"/>
+                <a:latin typeface="Consolas" panose="020B0609020204030204" pitchFamily="49" charset="0"/>
+                <a:ea typeface="Menlo" panose="020B0609030804020204" pitchFamily="49" charset="0"/>
+                <a:cs typeface="Consolas" panose="020B0609020204030204" pitchFamily="49" charset="0"/>
               </a:rPr>
               <a:t>‘***’</a:t>
             </a:r>
@@ -14882,9 +14903,9 @@
                 <a:solidFill>
                   <a:srgbClr val="E700E5"/>
                 </a:solidFill>
-                <a:latin typeface="Menlo" panose="020B0609030804020204" pitchFamily="49" charset="0"/>
-                <a:ea typeface="Menlo" panose="020B0609030804020204" pitchFamily="49" charset="0"/>
-                <a:cs typeface="Menlo" panose="020B0609030804020204" pitchFamily="49" charset="0"/>
+                <a:latin typeface="Consolas" panose="020B0609020204030204" pitchFamily="49" charset="0"/>
+                <a:ea typeface="Menlo" panose="020B0609030804020204" pitchFamily="49" charset="0"/>
+                <a:cs typeface="Consolas" panose="020B0609020204030204" pitchFamily="49" charset="0"/>
               </a:rPr>
               <a:t>)</a:t>
             </a:r>
@@ -14895,9 +14916,9 @@
             </a:pPr>
             <a:r>
               <a:rPr lang="en-US" dirty="0">
-                <a:latin typeface="Menlo" panose="020B0609030804020204" pitchFamily="49" charset="0"/>
-                <a:ea typeface="Menlo" panose="020B0609030804020204" pitchFamily="49" charset="0"/>
-                <a:cs typeface="Menlo" panose="020B0609030804020204" pitchFamily="49" charset="0"/>
+                <a:latin typeface="Consolas" panose="020B0609020204030204" pitchFamily="49" charset="0"/>
+                <a:ea typeface="Menlo" panose="020B0609030804020204" pitchFamily="49" charset="0"/>
+                <a:cs typeface="Consolas" panose="020B0609020204030204" pitchFamily="49" charset="0"/>
               </a:rPr>
               <a:t>... </a:t>
             </a:r>
@@ -14906,9 +14927,9 @@
                 <a:solidFill>
                   <a:schemeClr val="accent6"/>
                 </a:solidFill>
-                <a:latin typeface="Menlo" panose="020B0609030804020204" pitchFamily="49" charset="0"/>
-                <a:ea typeface="Menlo" panose="020B0609030804020204" pitchFamily="49" charset="0"/>
-                <a:cs typeface="Menlo" panose="020B0609030804020204" pitchFamily="49" charset="0"/>
+                <a:latin typeface="Consolas" panose="020B0609020204030204" pitchFamily="49" charset="0"/>
+                <a:ea typeface="Menlo" panose="020B0609030804020204" pitchFamily="49" charset="0"/>
+                <a:cs typeface="Consolas" panose="020B0609020204030204" pitchFamily="49" charset="0"/>
               </a:rPr>
               <a:t>def bar(a):</a:t>
             </a:r>
@@ -14919,9 +14940,9 @@
             </a:pPr>
             <a:r>
               <a:rPr lang="en-US" dirty="0">
-                <a:latin typeface="Menlo" panose="020B0609030804020204" pitchFamily="49" charset="0"/>
-                <a:ea typeface="Menlo" panose="020B0609030804020204" pitchFamily="49" charset="0"/>
-                <a:cs typeface="Menlo" panose="020B0609030804020204" pitchFamily="49" charset="0"/>
+                <a:latin typeface="Consolas" panose="020B0609020204030204" pitchFamily="49" charset="0"/>
+                <a:ea typeface="Menlo" panose="020B0609030804020204" pitchFamily="49" charset="0"/>
+                <a:cs typeface="Consolas" panose="020B0609020204030204" pitchFamily="49" charset="0"/>
               </a:rPr>
               <a:t>...    </a:t>
             </a:r>
@@ -14930,9 +14951,9 @@
                 <a:solidFill>
                   <a:schemeClr val="accent6"/>
                 </a:solidFill>
-                <a:latin typeface="Menlo" panose="020B0609030804020204" pitchFamily="49" charset="0"/>
-                <a:ea typeface="Menlo" panose="020B0609030804020204" pitchFamily="49" charset="0"/>
-                <a:cs typeface="Menlo" panose="020B0609030804020204" pitchFamily="49" charset="0"/>
+                <a:latin typeface="Consolas" panose="020B0609020204030204" pitchFamily="49" charset="0"/>
+                <a:ea typeface="Menlo" panose="020B0609030804020204" pitchFamily="49" charset="0"/>
+                <a:cs typeface="Consolas" panose="020B0609020204030204" pitchFamily="49" charset="0"/>
               </a:rPr>
               <a:t> print(a)</a:t>
             </a:r>
@@ -14943,9 +14964,9 @@
             </a:pPr>
             <a:r>
               <a:rPr lang="en-US" dirty="0">
-                <a:latin typeface="Menlo" panose="020B0609030804020204" pitchFamily="49" charset="0"/>
-                <a:ea typeface="Menlo" panose="020B0609030804020204" pitchFamily="49" charset="0"/>
-                <a:cs typeface="Menlo" panose="020B0609030804020204" pitchFamily="49" charset="0"/>
+                <a:latin typeface="Consolas" panose="020B0609020204030204" pitchFamily="49" charset="0"/>
+                <a:ea typeface="Menlo" panose="020B0609030804020204" pitchFamily="49" charset="0"/>
+                <a:cs typeface="Consolas" panose="020B0609020204030204" pitchFamily="49" charset="0"/>
               </a:rPr>
               <a:t>... </a:t>
             </a:r>
@@ -14956,9 +14977,9 @@
             </a:pPr>
             <a:r>
               <a:rPr lang="en-US" dirty="0">
-                <a:latin typeface="Menlo" panose="020B0609030804020204" pitchFamily="49" charset="0"/>
-                <a:ea typeface="Menlo" panose="020B0609030804020204" pitchFamily="49" charset="0"/>
-                <a:cs typeface="Menlo" panose="020B0609030804020204" pitchFamily="49" charset="0"/>
+                <a:latin typeface="Consolas" panose="020B0609020204030204" pitchFamily="49" charset="0"/>
+                <a:ea typeface="Menlo" panose="020B0609030804020204" pitchFamily="49" charset="0"/>
+                <a:cs typeface="Consolas" panose="020B0609020204030204" pitchFamily="49" charset="0"/>
               </a:rPr>
               <a:t>receiving prefix: ***</a:t>
             </a:r>
@@ -14969,9 +14990,9 @@
             </a:pPr>
             <a:r>
               <a:rPr lang="en-US" dirty="0">
-                <a:latin typeface="Menlo" panose="020B0609030804020204" pitchFamily="49" charset="0"/>
-                <a:ea typeface="Menlo" panose="020B0609030804020204" pitchFamily="49" charset="0"/>
-                <a:cs typeface="Menlo" panose="020B0609030804020204" pitchFamily="49" charset="0"/>
+                <a:latin typeface="Consolas" panose="020B0609020204030204" pitchFamily="49" charset="0"/>
+                <a:ea typeface="Menlo" panose="020B0609030804020204" pitchFamily="49" charset="0"/>
+                <a:cs typeface="Consolas" panose="020B0609020204030204" pitchFamily="49" charset="0"/>
               </a:rPr>
               <a:t>decorating bar</a:t>
             </a:r>
@@ -14982,9 +15003,9 @@
             </a:pPr>
             <a:r>
               <a:rPr lang="en-US" dirty="0">
-                <a:latin typeface="Menlo" panose="020B0609030804020204" pitchFamily="49" charset="0"/>
-                <a:ea typeface="Menlo" panose="020B0609030804020204" pitchFamily="49" charset="0"/>
-                <a:cs typeface="Menlo" panose="020B0609030804020204" pitchFamily="49" charset="0"/>
+                <a:latin typeface="Consolas" panose="020B0609020204030204" pitchFamily="49" charset="0"/>
+                <a:ea typeface="Menlo" panose="020B0609030804020204" pitchFamily="49" charset="0"/>
+                <a:cs typeface="Consolas" panose="020B0609020204030204" pitchFamily="49" charset="0"/>
               </a:rPr>
               <a:t>&gt;&gt;&gt; </a:t>
             </a:r>
@@ -14993,9 +15014,9 @@
                 <a:solidFill>
                   <a:schemeClr val="accent6"/>
                 </a:solidFill>
-                <a:latin typeface="Menlo" panose="020B0609030804020204" pitchFamily="49" charset="0"/>
-                <a:ea typeface="Menlo" panose="020B0609030804020204" pitchFamily="49" charset="0"/>
-                <a:cs typeface="Menlo" panose="020B0609030804020204" pitchFamily="49" charset="0"/>
+                <a:latin typeface="Consolas" panose="020B0609020204030204" pitchFamily="49" charset="0"/>
+                <a:ea typeface="Menlo" panose="020B0609030804020204" pitchFamily="49" charset="0"/>
+                <a:cs typeface="Consolas" panose="020B0609020204030204" pitchFamily="49" charset="0"/>
               </a:rPr>
               <a:t>bar(10)</a:t>
             </a:r>
@@ -15006,9 +15027,9 @@
             </a:pPr>
             <a:r>
               <a:rPr lang="en-US" dirty="0">
-                <a:latin typeface="Menlo" panose="020B0609030804020204" pitchFamily="49" charset="0"/>
-                <a:ea typeface="Menlo" panose="020B0609030804020204" pitchFamily="49" charset="0"/>
-                <a:cs typeface="Menlo" panose="020B0609030804020204" pitchFamily="49" charset="0"/>
+                <a:latin typeface="Consolas" panose="020B0609020204030204" pitchFamily="49" charset="0"/>
+                <a:ea typeface="Menlo" panose="020B0609030804020204" pitchFamily="49" charset="0"/>
+                <a:cs typeface="Consolas" panose="020B0609020204030204" pitchFamily="49" charset="0"/>
               </a:rPr>
               <a:t>*** bar being called on (10,) {}</a:t>
             </a:r>
@@ -15019,9 +15040,9 @@
             </a:pPr>
             <a:r>
               <a:rPr lang="en-US" dirty="0">
-                <a:latin typeface="Menlo" panose="020B0609030804020204" pitchFamily="49" charset="0"/>
-                <a:ea typeface="Menlo" panose="020B0609030804020204" pitchFamily="49" charset="0"/>
-                <a:cs typeface="Menlo" panose="020B0609030804020204" pitchFamily="49" charset="0"/>
+                <a:latin typeface="Consolas" panose="020B0609020204030204" pitchFamily="49" charset="0"/>
+                <a:ea typeface="Menlo" panose="020B0609030804020204" pitchFamily="49" charset="0"/>
+                <a:cs typeface="Consolas" panose="020B0609020204030204" pitchFamily="49" charset="0"/>
               </a:rPr>
               <a:t>10</a:t>
             </a:r>
@@ -15031,9 +15052,9 @@
               <a:buNone/>
             </a:pPr>
             <a:endParaRPr lang="en-US" dirty="0">
-              <a:latin typeface="Menlo" panose="020B0609030804020204" pitchFamily="49" charset="0"/>
+              <a:latin typeface="Consolas" panose="020B0609020204030204" pitchFamily="49" charset="0"/>
               <a:ea typeface="Menlo" panose="020B0609030804020204" pitchFamily="49" charset="0"/>
-              <a:cs typeface="Menlo" panose="020B0609030804020204" pitchFamily="49" charset="0"/>
+              <a:cs typeface="Consolas" panose="020B0609020204030204" pitchFamily="49" charset="0"/>
             </a:endParaRPr>
           </a:p>
         </p:txBody>
@@ -15270,9 +15291,9 @@
                 <a:solidFill>
                   <a:srgbClr val="E700E5"/>
                 </a:solidFill>
-                <a:latin typeface="Menlo" panose="020B0609030804020204" pitchFamily="49" charset="0"/>
-                <a:ea typeface="Menlo" panose="020B0609030804020204" pitchFamily="49" charset="0"/>
-                <a:cs typeface="Menlo" panose="020B0609030804020204" pitchFamily="49" charset="0"/>
+                <a:latin typeface="Consolas" panose="020B0609020204030204" pitchFamily="49" charset="0"/>
+                <a:ea typeface="Menlo" panose="020B0609030804020204" pitchFamily="49" charset="0"/>
+                <a:cs typeface="Consolas" panose="020B0609020204030204" pitchFamily="49" charset="0"/>
               </a:rPr>
               <a:t>def</a:t>
             </a:r>
@@ -15281,9 +15302,9 @@
                 <a:solidFill>
                   <a:schemeClr val="accent6"/>
                 </a:solidFill>
-                <a:latin typeface="Menlo" panose="020B0609030804020204" pitchFamily="49" charset="0"/>
-                <a:ea typeface="Menlo" panose="020B0609030804020204" pitchFamily="49" charset="0"/>
-                <a:cs typeface="Menlo" panose="020B0609030804020204" pitchFamily="49" charset="0"/>
+                <a:latin typeface="Consolas" panose="020B0609020204030204" pitchFamily="49" charset="0"/>
+                <a:ea typeface="Menlo" panose="020B0609030804020204" pitchFamily="49" charset="0"/>
+                <a:cs typeface="Consolas" panose="020B0609020204030204" pitchFamily="49" charset="0"/>
               </a:rPr>
               <a:t> </a:t>
             </a:r>
@@ -15292,9 +15313,9 @@
                 <a:solidFill>
                   <a:schemeClr val="accent6"/>
                 </a:solidFill>
-                <a:latin typeface="Menlo" panose="020B0609030804020204" pitchFamily="49" charset="0"/>
-                <a:ea typeface="Menlo" panose="020B0609030804020204" pitchFamily="49" charset="0"/>
-                <a:cs typeface="Menlo" panose="020B0609030804020204" pitchFamily="49" charset="0"/>
+                <a:latin typeface="Consolas" panose="020B0609020204030204" pitchFamily="49" charset="0"/>
+                <a:ea typeface="Menlo" panose="020B0609030804020204" pitchFamily="49" charset="0"/>
+                <a:cs typeface="Consolas" panose="020B0609020204030204" pitchFamily="49" charset="0"/>
               </a:rPr>
               <a:t>debug_prefix</a:t>
             </a:r>
@@ -15303,9 +15324,9 @@
                 <a:solidFill>
                   <a:schemeClr val="accent6"/>
                 </a:solidFill>
-                <a:latin typeface="Menlo" panose="020B0609030804020204" pitchFamily="49" charset="0"/>
-                <a:ea typeface="Menlo" panose="020B0609030804020204" pitchFamily="49" charset="0"/>
-                <a:cs typeface="Menlo" panose="020B0609030804020204" pitchFamily="49" charset="0"/>
+                <a:latin typeface="Consolas" panose="020B0609020204030204" pitchFamily="49" charset="0"/>
+                <a:ea typeface="Menlo" panose="020B0609030804020204" pitchFamily="49" charset="0"/>
+                <a:cs typeface="Consolas" panose="020B0609020204030204" pitchFamily="49" charset="0"/>
               </a:rPr>
               <a:t>(prefix): 			</a:t>
             </a:r>
@@ -15314,9 +15335,9 @@
                 <a:solidFill>
                   <a:schemeClr val="accent1"/>
                 </a:solidFill>
-                <a:latin typeface="Menlo" panose="020B0609030804020204" pitchFamily="49" charset="0"/>
-                <a:ea typeface="Menlo" panose="020B0609030804020204" pitchFamily="49" charset="0"/>
-                <a:cs typeface="Menlo" panose="020B0609030804020204" pitchFamily="49" charset="0"/>
+                <a:latin typeface="Consolas" panose="020B0609020204030204" pitchFamily="49" charset="0"/>
+                <a:ea typeface="Menlo" panose="020B0609030804020204" pitchFamily="49" charset="0"/>
+                <a:cs typeface="Consolas" panose="020B0609020204030204" pitchFamily="49" charset="0"/>
               </a:rPr>
               <a:t># decorator </a:t>
             </a:r>
@@ -15325,9 +15346,9 @@
                 <a:solidFill>
                   <a:schemeClr val="accent1"/>
                 </a:solidFill>
-                <a:latin typeface="Menlo" panose="020B0609030804020204" pitchFamily="49" charset="0"/>
-                <a:ea typeface="Menlo" panose="020B0609030804020204" pitchFamily="49" charset="0"/>
-                <a:cs typeface="Menlo" panose="020B0609030804020204" pitchFamily="49" charset="0"/>
+                <a:latin typeface="Consolas" panose="020B0609020204030204" pitchFamily="49" charset="0"/>
+                <a:ea typeface="Menlo" panose="020B0609030804020204" pitchFamily="49" charset="0"/>
+                <a:cs typeface="Consolas" panose="020B0609020204030204" pitchFamily="49" charset="0"/>
               </a:rPr>
               <a:t>args</a:t>
             </a:r>
@@ -15336,9 +15357,9 @@
                 <a:solidFill>
                   <a:schemeClr val="accent1"/>
                 </a:solidFill>
-                <a:latin typeface="Menlo" panose="020B0609030804020204" pitchFamily="49" charset="0"/>
-                <a:ea typeface="Menlo" panose="020B0609030804020204" pitchFamily="49" charset="0"/>
-                <a:cs typeface="Menlo" panose="020B0609030804020204" pitchFamily="49" charset="0"/>
+                <a:latin typeface="Consolas" panose="020B0609020204030204" pitchFamily="49" charset="0"/>
+                <a:ea typeface="Menlo" panose="020B0609030804020204" pitchFamily="49" charset="0"/>
+                <a:cs typeface="Consolas" panose="020B0609020204030204" pitchFamily="49" charset="0"/>
               </a:rPr>
               <a:t> passed in here</a:t>
             </a:r>
@@ -15352,9 +15373,9 @@
                 <a:solidFill>
                   <a:schemeClr val="accent6"/>
                 </a:solidFill>
-                <a:latin typeface="Menlo" panose="020B0609030804020204" pitchFamily="49" charset="0"/>
-                <a:ea typeface="Menlo" panose="020B0609030804020204" pitchFamily="49" charset="0"/>
-                <a:cs typeface="Menlo" panose="020B0609030804020204" pitchFamily="49" charset="0"/>
+                <a:latin typeface="Consolas" panose="020B0609020204030204" pitchFamily="49" charset="0"/>
+                <a:ea typeface="Menlo" panose="020B0609030804020204" pitchFamily="49" charset="0"/>
+                <a:cs typeface="Consolas" panose="020B0609020204030204" pitchFamily="49" charset="0"/>
               </a:rPr>
               <a:t>    </a:t>
             </a:r>
@@ -15365,9 +15386,9 @@
                     <a:lumMod val="75000"/>
                   </a:schemeClr>
                 </a:solidFill>
-                <a:latin typeface="Menlo" panose="020B0609030804020204" pitchFamily="49" charset="0"/>
-                <a:ea typeface="Menlo" panose="020B0609030804020204" pitchFamily="49" charset="0"/>
-                <a:cs typeface="Menlo" panose="020B0609030804020204" pitchFamily="49" charset="0"/>
+                <a:latin typeface="Consolas" panose="020B0609020204030204" pitchFamily="49" charset="0"/>
+                <a:ea typeface="Menlo" panose="020B0609030804020204" pitchFamily="49" charset="0"/>
+                <a:cs typeface="Consolas" panose="020B0609020204030204" pitchFamily="49" charset="0"/>
               </a:rPr>
               <a:t>print(‘receiving prefix:’, prefix)</a:t>
             </a:r>
@@ -15381,9 +15402,9 @@
                 <a:solidFill>
                   <a:schemeClr val="accent6"/>
                 </a:solidFill>
-                <a:latin typeface="Menlo" panose="020B0609030804020204" pitchFamily="49" charset="0"/>
-                <a:ea typeface="Menlo" panose="020B0609030804020204" pitchFamily="49" charset="0"/>
-                <a:cs typeface="Menlo" panose="020B0609030804020204" pitchFamily="49" charset="0"/>
+                <a:latin typeface="Consolas" panose="020B0609020204030204" pitchFamily="49" charset="0"/>
+                <a:ea typeface="Menlo" panose="020B0609030804020204" pitchFamily="49" charset="0"/>
+                <a:cs typeface="Consolas" panose="020B0609020204030204" pitchFamily="49" charset="0"/>
               </a:rPr>
               <a:t>    </a:t>
             </a:r>
@@ -15392,9 +15413,9 @@
                 <a:solidFill>
                   <a:srgbClr val="E700E5"/>
                 </a:solidFill>
-                <a:latin typeface="Menlo" panose="020B0609030804020204" pitchFamily="49" charset="0"/>
-                <a:ea typeface="Menlo" panose="020B0609030804020204" pitchFamily="49" charset="0"/>
-                <a:cs typeface="Menlo" panose="020B0609030804020204" pitchFamily="49" charset="0"/>
+                <a:latin typeface="Consolas" panose="020B0609020204030204" pitchFamily="49" charset="0"/>
+                <a:ea typeface="Menlo" panose="020B0609030804020204" pitchFamily="49" charset="0"/>
+                <a:cs typeface="Consolas" panose="020B0609020204030204" pitchFamily="49" charset="0"/>
               </a:rPr>
               <a:t>def</a:t>
             </a:r>
@@ -15403,9 +15424,9 @@
                 <a:solidFill>
                   <a:schemeClr val="accent6"/>
                 </a:solidFill>
-                <a:latin typeface="Menlo" panose="020B0609030804020204" pitchFamily="49" charset="0"/>
-                <a:ea typeface="Menlo" panose="020B0609030804020204" pitchFamily="49" charset="0"/>
-                <a:cs typeface="Menlo" panose="020B0609030804020204" pitchFamily="49" charset="0"/>
+                <a:latin typeface="Consolas" panose="020B0609020204030204" pitchFamily="49" charset="0"/>
+                <a:ea typeface="Menlo" panose="020B0609030804020204" pitchFamily="49" charset="0"/>
+                <a:cs typeface="Consolas" panose="020B0609020204030204" pitchFamily="49" charset="0"/>
               </a:rPr>
               <a:t> debug(</a:t>
             </a:r>
@@ -15414,9 +15435,9 @@
                 <a:solidFill>
                   <a:schemeClr val="accent6"/>
                 </a:solidFill>
-                <a:latin typeface="Menlo" panose="020B0609030804020204" pitchFamily="49" charset="0"/>
-                <a:ea typeface="Menlo" panose="020B0609030804020204" pitchFamily="49" charset="0"/>
-                <a:cs typeface="Menlo" panose="020B0609030804020204" pitchFamily="49" charset="0"/>
+                <a:latin typeface="Consolas" panose="020B0609020204030204" pitchFamily="49" charset="0"/>
+                <a:ea typeface="Menlo" panose="020B0609030804020204" pitchFamily="49" charset="0"/>
+                <a:cs typeface="Consolas" panose="020B0609020204030204" pitchFamily="49" charset="0"/>
               </a:rPr>
               <a:t>func</a:t>
             </a:r>
@@ -15425,9 +15446,9 @@
                 <a:solidFill>
                   <a:schemeClr val="accent6"/>
                 </a:solidFill>
-                <a:latin typeface="Menlo" panose="020B0609030804020204" pitchFamily="49" charset="0"/>
-                <a:ea typeface="Menlo" panose="020B0609030804020204" pitchFamily="49" charset="0"/>
-                <a:cs typeface="Menlo" panose="020B0609030804020204" pitchFamily="49" charset="0"/>
+                <a:latin typeface="Consolas" panose="020B0609020204030204" pitchFamily="49" charset="0"/>
+                <a:ea typeface="Menlo" panose="020B0609030804020204" pitchFamily="49" charset="0"/>
+                <a:cs typeface="Consolas" panose="020B0609020204030204" pitchFamily="49" charset="0"/>
               </a:rPr>
               <a:t>): 				</a:t>
             </a:r>
@@ -15436,9 +15457,9 @@
                 <a:solidFill>
                   <a:schemeClr val="accent1"/>
                 </a:solidFill>
-                <a:latin typeface="Menlo" panose="020B0609030804020204" pitchFamily="49" charset="0"/>
-                <a:ea typeface="Menlo" panose="020B0609030804020204" pitchFamily="49" charset="0"/>
-                <a:cs typeface="Menlo" panose="020B0609030804020204" pitchFamily="49" charset="0"/>
+                <a:latin typeface="Consolas" panose="020B0609020204030204" pitchFamily="49" charset="0"/>
+                <a:ea typeface="Menlo" panose="020B0609030804020204" pitchFamily="49" charset="0"/>
+                <a:cs typeface="Consolas" panose="020B0609020204030204" pitchFamily="49" charset="0"/>
               </a:rPr>
               <a:t># function to be decorated here</a:t>
             </a:r>
@@ -15452,9 +15473,9 @@
                 <a:solidFill>
                   <a:schemeClr val="accent6"/>
                 </a:solidFill>
-                <a:latin typeface="Menlo" panose="020B0609030804020204" pitchFamily="49" charset="0"/>
-                <a:ea typeface="Menlo" panose="020B0609030804020204" pitchFamily="49" charset="0"/>
-                <a:cs typeface="Menlo" panose="020B0609030804020204" pitchFamily="49" charset="0"/>
+                <a:latin typeface="Consolas" panose="020B0609020204030204" pitchFamily="49" charset="0"/>
+                <a:ea typeface="Menlo" panose="020B0609030804020204" pitchFamily="49" charset="0"/>
+                <a:cs typeface="Consolas" panose="020B0609020204030204" pitchFamily="49" charset="0"/>
               </a:rPr>
               <a:t>        </a:t>
             </a:r>
@@ -15465,9 +15486,9 @@
                     <a:lumMod val="75000"/>
                   </a:schemeClr>
                 </a:solidFill>
-                <a:latin typeface="Menlo" panose="020B0609030804020204" pitchFamily="49" charset="0"/>
-                <a:ea typeface="Menlo" panose="020B0609030804020204" pitchFamily="49" charset="0"/>
-                <a:cs typeface="Menlo" panose="020B0609030804020204" pitchFamily="49" charset="0"/>
+                <a:latin typeface="Consolas" panose="020B0609020204030204" pitchFamily="49" charset="0"/>
+                <a:ea typeface="Menlo" panose="020B0609030804020204" pitchFamily="49" charset="0"/>
+                <a:cs typeface="Consolas" panose="020B0609020204030204" pitchFamily="49" charset="0"/>
               </a:rPr>
               <a:t>print(‘decorating’, </a:t>
             </a:r>
@@ -15478,9 +15499,9 @@
                     <a:lumMod val="75000"/>
                   </a:schemeClr>
                 </a:solidFill>
-                <a:latin typeface="Menlo" panose="020B0609030804020204" pitchFamily="49" charset="0"/>
-                <a:ea typeface="Menlo" panose="020B0609030804020204" pitchFamily="49" charset="0"/>
-                <a:cs typeface="Menlo" panose="020B0609030804020204" pitchFamily="49" charset="0"/>
+                <a:latin typeface="Consolas" panose="020B0609020204030204" pitchFamily="49" charset="0"/>
+                <a:ea typeface="Menlo" panose="020B0609030804020204" pitchFamily="49" charset="0"/>
+                <a:cs typeface="Consolas" panose="020B0609020204030204" pitchFamily="49" charset="0"/>
               </a:rPr>
               <a:t>func</a:t>
             </a:r>
@@ -15491,9 +15512,9 @@
                     <a:lumMod val="75000"/>
                   </a:schemeClr>
                 </a:solidFill>
-                <a:latin typeface="Menlo" panose="020B0609030804020204" pitchFamily="49" charset="0"/>
-                <a:ea typeface="Menlo" panose="020B0609030804020204" pitchFamily="49" charset="0"/>
-                <a:cs typeface="Menlo" panose="020B0609030804020204" pitchFamily="49" charset="0"/>
+                <a:latin typeface="Consolas" panose="020B0609020204030204" pitchFamily="49" charset="0"/>
+                <a:ea typeface="Menlo" panose="020B0609030804020204" pitchFamily="49" charset="0"/>
+                <a:cs typeface="Consolas" panose="020B0609020204030204" pitchFamily="49" charset="0"/>
               </a:rPr>
               <a:t>.__name__)</a:t>
             </a:r>
@@ -15507,9 +15528,9 @@
                 <a:solidFill>
                   <a:schemeClr val="accent6"/>
                 </a:solidFill>
-                <a:latin typeface="Menlo" panose="020B0609030804020204" pitchFamily="49" charset="0"/>
-                <a:ea typeface="Menlo" panose="020B0609030804020204" pitchFamily="49" charset="0"/>
-                <a:cs typeface="Menlo" panose="020B0609030804020204" pitchFamily="49" charset="0"/>
+                <a:latin typeface="Consolas" panose="020B0609020204030204" pitchFamily="49" charset="0"/>
+                <a:ea typeface="Menlo" panose="020B0609030804020204" pitchFamily="49" charset="0"/>
+                <a:cs typeface="Consolas" panose="020B0609020204030204" pitchFamily="49" charset="0"/>
               </a:rPr>
               <a:t>        </a:t>
             </a:r>
@@ -15518,9 +15539,9 @@
                 <a:solidFill>
                   <a:srgbClr val="E700E5"/>
                 </a:solidFill>
-                <a:latin typeface="Menlo" panose="020B0609030804020204" pitchFamily="49" charset="0"/>
-                <a:ea typeface="Menlo" panose="020B0609030804020204" pitchFamily="49" charset="0"/>
-                <a:cs typeface="Menlo" panose="020B0609030804020204" pitchFamily="49" charset="0"/>
+                <a:latin typeface="Consolas" panose="020B0609020204030204" pitchFamily="49" charset="0"/>
+                <a:ea typeface="Menlo" panose="020B0609030804020204" pitchFamily="49" charset="0"/>
+                <a:cs typeface="Consolas" panose="020B0609020204030204" pitchFamily="49" charset="0"/>
               </a:rPr>
               <a:t>def</a:t>
             </a:r>
@@ -15529,9 +15550,9 @@
                 <a:solidFill>
                   <a:schemeClr val="accent6"/>
                 </a:solidFill>
-                <a:latin typeface="Menlo" panose="020B0609030804020204" pitchFamily="49" charset="0"/>
-                <a:ea typeface="Menlo" panose="020B0609030804020204" pitchFamily="49" charset="0"/>
-                <a:cs typeface="Menlo" panose="020B0609030804020204" pitchFamily="49" charset="0"/>
+                <a:latin typeface="Consolas" panose="020B0609020204030204" pitchFamily="49" charset="0"/>
+                <a:ea typeface="Menlo" panose="020B0609030804020204" pitchFamily="49" charset="0"/>
+                <a:cs typeface="Consolas" panose="020B0609020204030204" pitchFamily="49" charset="0"/>
               </a:rPr>
               <a:t> wrapper(*</a:t>
             </a:r>
@@ -15540,9 +15561,9 @@
                 <a:solidFill>
                   <a:schemeClr val="accent6"/>
                 </a:solidFill>
-                <a:latin typeface="Menlo" panose="020B0609030804020204" pitchFamily="49" charset="0"/>
-                <a:ea typeface="Menlo" panose="020B0609030804020204" pitchFamily="49" charset="0"/>
-                <a:cs typeface="Menlo" panose="020B0609030804020204" pitchFamily="49" charset="0"/>
+                <a:latin typeface="Consolas" panose="020B0609020204030204" pitchFamily="49" charset="0"/>
+                <a:ea typeface="Menlo" panose="020B0609030804020204" pitchFamily="49" charset="0"/>
+                <a:cs typeface="Consolas" panose="020B0609020204030204" pitchFamily="49" charset="0"/>
               </a:rPr>
               <a:t>args</a:t>
             </a:r>
@@ -15551,9 +15572,9 @@
                 <a:solidFill>
                   <a:schemeClr val="accent6"/>
                 </a:solidFill>
-                <a:latin typeface="Menlo" panose="020B0609030804020204" pitchFamily="49" charset="0"/>
-                <a:ea typeface="Menlo" panose="020B0609030804020204" pitchFamily="49" charset="0"/>
-                <a:cs typeface="Menlo" panose="020B0609030804020204" pitchFamily="49" charset="0"/>
+                <a:latin typeface="Consolas" panose="020B0609020204030204" pitchFamily="49" charset="0"/>
+                <a:ea typeface="Menlo" panose="020B0609030804020204" pitchFamily="49" charset="0"/>
+                <a:cs typeface="Consolas" panose="020B0609020204030204" pitchFamily="49" charset="0"/>
               </a:rPr>
               <a:t>, **</a:t>
             </a:r>
@@ -15562,9 +15583,9 @@
                 <a:solidFill>
                   <a:schemeClr val="accent6"/>
                 </a:solidFill>
-                <a:latin typeface="Menlo" panose="020B0609030804020204" pitchFamily="49" charset="0"/>
-                <a:ea typeface="Menlo" panose="020B0609030804020204" pitchFamily="49" charset="0"/>
-                <a:cs typeface="Menlo" panose="020B0609030804020204" pitchFamily="49" charset="0"/>
+                <a:latin typeface="Consolas" panose="020B0609020204030204" pitchFamily="49" charset="0"/>
+                <a:ea typeface="Menlo" panose="020B0609030804020204" pitchFamily="49" charset="0"/>
+                <a:cs typeface="Consolas" panose="020B0609020204030204" pitchFamily="49" charset="0"/>
               </a:rPr>
               <a:t>kwargs</a:t>
             </a:r>
@@ -15573,9 +15594,9 @@
                 <a:solidFill>
                   <a:schemeClr val="accent6"/>
                 </a:solidFill>
-                <a:latin typeface="Menlo" panose="020B0609030804020204" pitchFamily="49" charset="0"/>
-                <a:ea typeface="Menlo" panose="020B0609030804020204" pitchFamily="49" charset="0"/>
-                <a:cs typeface="Menlo" panose="020B0609030804020204" pitchFamily="49" charset="0"/>
+                <a:latin typeface="Consolas" panose="020B0609020204030204" pitchFamily="49" charset="0"/>
+                <a:ea typeface="Menlo" panose="020B0609030804020204" pitchFamily="49" charset="0"/>
+                <a:cs typeface="Consolas" panose="020B0609020204030204" pitchFamily="49" charset="0"/>
               </a:rPr>
               <a:t>): 	</a:t>
             </a:r>
@@ -15584,9 +15605,9 @@
                 <a:solidFill>
                   <a:schemeClr val="accent1"/>
                 </a:solidFill>
-                <a:latin typeface="Menlo" panose="020B0609030804020204" pitchFamily="49" charset="0"/>
-                <a:ea typeface="Menlo" panose="020B0609030804020204" pitchFamily="49" charset="0"/>
-                <a:cs typeface="Menlo" panose="020B0609030804020204" pitchFamily="49" charset="0"/>
+                <a:latin typeface="Consolas" panose="020B0609020204030204" pitchFamily="49" charset="0"/>
+                <a:ea typeface="Menlo" panose="020B0609030804020204" pitchFamily="49" charset="0"/>
+                <a:cs typeface="Consolas" panose="020B0609020204030204" pitchFamily="49" charset="0"/>
               </a:rPr>
               <a:t># function </a:t>
             </a:r>
@@ -15595,9 +15616,9 @@
                 <a:solidFill>
                   <a:schemeClr val="accent1"/>
                 </a:solidFill>
-                <a:latin typeface="Menlo" panose="020B0609030804020204" pitchFamily="49" charset="0"/>
-                <a:ea typeface="Menlo" panose="020B0609030804020204" pitchFamily="49" charset="0"/>
-                <a:cs typeface="Menlo" panose="020B0609030804020204" pitchFamily="49" charset="0"/>
+                <a:latin typeface="Consolas" panose="020B0609020204030204" pitchFamily="49" charset="0"/>
+                <a:ea typeface="Menlo" panose="020B0609030804020204" pitchFamily="49" charset="0"/>
+                <a:cs typeface="Consolas" panose="020B0609020204030204" pitchFamily="49" charset="0"/>
               </a:rPr>
               <a:t>args</a:t>
             </a:r>
@@ -15606,9 +15627,9 @@
                 <a:solidFill>
                   <a:schemeClr val="accent1"/>
                 </a:solidFill>
-                <a:latin typeface="Menlo" panose="020B0609030804020204" pitchFamily="49" charset="0"/>
-                <a:ea typeface="Menlo" panose="020B0609030804020204" pitchFamily="49" charset="0"/>
-                <a:cs typeface="Menlo" panose="020B0609030804020204" pitchFamily="49" charset="0"/>
+                <a:latin typeface="Consolas" panose="020B0609020204030204" pitchFamily="49" charset="0"/>
+                <a:ea typeface="Menlo" panose="020B0609030804020204" pitchFamily="49" charset="0"/>
+                <a:cs typeface="Consolas" panose="020B0609020204030204" pitchFamily="49" charset="0"/>
               </a:rPr>
               <a:t> here</a:t>
             </a:r>
@@ -15622,9 +15643,9 @@
                 <a:solidFill>
                   <a:schemeClr val="accent6"/>
                 </a:solidFill>
-                <a:latin typeface="Menlo" panose="020B0609030804020204" pitchFamily="49" charset="0"/>
-                <a:ea typeface="Menlo" panose="020B0609030804020204" pitchFamily="49" charset="0"/>
-                <a:cs typeface="Menlo" panose="020B0609030804020204" pitchFamily="49" charset="0"/>
+                <a:latin typeface="Consolas" panose="020B0609020204030204" pitchFamily="49" charset="0"/>
+                <a:ea typeface="Menlo" panose="020B0609030804020204" pitchFamily="49" charset="0"/>
+                <a:cs typeface="Consolas" panose="020B0609020204030204" pitchFamily="49" charset="0"/>
               </a:rPr>
               <a:t>            </a:t>
             </a:r>
@@ -15635,9 +15656,9 @@
                     <a:lumMod val="75000"/>
                   </a:schemeClr>
                 </a:solidFill>
-                <a:latin typeface="Menlo" panose="020B0609030804020204" pitchFamily="49" charset="0"/>
-                <a:ea typeface="Menlo" panose="020B0609030804020204" pitchFamily="49" charset="0"/>
-                <a:cs typeface="Menlo" panose="020B0609030804020204" pitchFamily="49" charset="0"/>
+                <a:latin typeface="Consolas" panose="020B0609020204030204" pitchFamily="49" charset="0"/>
+                <a:ea typeface="Menlo" panose="020B0609030804020204" pitchFamily="49" charset="0"/>
+                <a:cs typeface="Consolas" panose="020B0609020204030204" pitchFamily="49" charset="0"/>
               </a:rPr>
               <a:t>print(prefix, </a:t>
             </a:r>
@@ -15648,9 +15669,9 @@
                     <a:lumMod val="75000"/>
                   </a:schemeClr>
                 </a:solidFill>
-                <a:latin typeface="Menlo" panose="020B0609030804020204" pitchFamily="49" charset="0"/>
-                <a:ea typeface="Menlo" panose="020B0609030804020204" pitchFamily="49" charset="0"/>
-                <a:cs typeface="Menlo" panose="020B0609030804020204" pitchFamily="49" charset="0"/>
+                <a:latin typeface="Consolas" panose="020B0609020204030204" pitchFamily="49" charset="0"/>
+                <a:ea typeface="Menlo" panose="020B0609030804020204" pitchFamily="49" charset="0"/>
+                <a:cs typeface="Consolas" panose="020B0609020204030204" pitchFamily="49" charset="0"/>
               </a:rPr>
               <a:t>func</a:t>
             </a:r>
@@ -15661,9 +15682,9 @@
                     <a:lumMod val="75000"/>
                   </a:schemeClr>
                 </a:solidFill>
-                <a:latin typeface="Menlo" panose="020B0609030804020204" pitchFamily="49" charset="0"/>
-                <a:ea typeface="Menlo" panose="020B0609030804020204" pitchFamily="49" charset="0"/>
-                <a:cs typeface="Menlo" panose="020B0609030804020204" pitchFamily="49" charset="0"/>
+                <a:latin typeface="Consolas" panose="020B0609020204030204" pitchFamily="49" charset="0"/>
+                <a:ea typeface="Menlo" panose="020B0609030804020204" pitchFamily="49" charset="0"/>
+                <a:cs typeface="Consolas" panose="020B0609020204030204" pitchFamily="49" charset="0"/>
               </a:rPr>
               <a:t>.__name__, 'being called on', </a:t>
             </a:r>
@@ -15674,9 +15695,9 @@
                     <a:lumMod val="75000"/>
                   </a:schemeClr>
                 </a:solidFill>
-                <a:latin typeface="Menlo" panose="020B0609030804020204" pitchFamily="49" charset="0"/>
-                <a:ea typeface="Menlo" panose="020B0609030804020204" pitchFamily="49" charset="0"/>
-                <a:cs typeface="Menlo" panose="020B0609030804020204" pitchFamily="49" charset="0"/>
+                <a:latin typeface="Consolas" panose="020B0609020204030204" pitchFamily="49" charset="0"/>
+                <a:ea typeface="Menlo" panose="020B0609030804020204" pitchFamily="49" charset="0"/>
+                <a:cs typeface="Consolas" panose="020B0609020204030204" pitchFamily="49" charset="0"/>
               </a:rPr>
               <a:t>args</a:t>
             </a:r>
@@ -15687,9 +15708,9 @@
                     <a:lumMod val="75000"/>
                   </a:schemeClr>
                 </a:solidFill>
-                <a:latin typeface="Menlo" panose="020B0609030804020204" pitchFamily="49" charset="0"/>
-                <a:ea typeface="Menlo" panose="020B0609030804020204" pitchFamily="49" charset="0"/>
-                <a:cs typeface="Menlo" panose="020B0609030804020204" pitchFamily="49" charset="0"/>
+                <a:latin typeface="Consolas" panose="020B0609020204030204" pitchFamily="49" charset="0"/>
+                <a:ea typeface="Menlo" panose="020B0609030804020204" pitchFamily="49" charset="0"/>
+                <a:cs typeface="Consolas" panose="020B0609020204030204" pitchFamily="49" charset="0"/>
               </a:rPr>
               <a:t>, </a:t>
             </a:r>
@@ -15700,9 +15721,9 @@
                     <a:lumMod val="75000"/>
                   </a:schemeClr>
                 </a:solidFill>
-                <a:latin typeface="Menlo" panose="020B0609030804020204" pitchFamily="49" charset="0"/>
-                <a:ea typeface="Menlo" panose="020B0609030804020204" pitchFamily="49" charset="0"/>
-                <a:cs typeface="Menlo" panose="020B0609030804020204" pitchFamily="49" charset="0"/>
+                <a:latin typeface="Consolas" panose="020B0609020204030204" pitchFamily="49" charset="0"/>
+                <a:ea typeface="Menlo" panose="020B0609030804020204" pitchFamily="49" charset="0"/>
+                <a:cs typeface="Consolas" panose="020B0609020204030204" pitchFamily="49" charset="0"/>
               </a:rPr>
               <a:t>kwargs</a:t>
             </a:r>
@@ -15713,9 +15734,9 @@
                     <a:lumMod val="75000"/>
                   </a:schemeClr>
                 </a:solidFill>
-                <a:latin typeface="Menlo" panose="020B0609030804020204" pitchFamily="49" charset="0"/>
-                <a:ea typeface="Menlo" panose="020B0609030804020204" pitchFamily="49" charset="0"/>
-                <a:cs typeface="Menlo" panose="020B0609030804020204" pitchFamily="49" charset="0"/>
+                <a:latin typeface="Consolas" panose="020B0609020204030204" pitchFamily="49" charset="0"/>
+                <a:ea typeface="Menlo" panose="020B0609030804020204" pitchFamily="49" charset="0"/>
+                <a:cs typeface="Consolas" panose="020B0609020204030204" pitchFamily="49" charset="0"/>
               </a:rPr>
               <a:t>)</a:t>
             </a:r>
@@ -15729,9 +15750,9 @@
                 <a:solidFill>
                   <a:schemeClr val="accent6"/>
                 </a:solidFill>
-                <a:latin typeface="Menlo" panose="020B0609030804020204" pitchFamily="49" charset="0"/>
-                <a:ea typeface="Menlo" panose="020B0609030804020204" pitchFamily="49" charset="0"/>
-                <a:cs typeface="Menlo" panose="020B0609030804020204" pitchFamily="49" charset="0"/>
+                <a:latin typeface="Consolas" panose="020B0609020204030204" pitchFamily="49" charset="0"/>
+                <a:ea typeface="Menlo" panose="020B0609030804020204" pitchFamily="49" charset="0"/>
+                <a:cs typeface="Consolas" panose="020B0609020204030204" pitchFamily="49" charset="0"/>
               </a:rPr>
               <a:t>            </a:t>
             </a:r>
@@ -15740,9 +15761,9 @@
                 <a:solidFill>
                   <a:srgbClr val="E700E5"/>
                 </a:solidFill>
-                <a:latin typeface="Menlo" panose="020B0609030804020204" pitchFamily="49" charset="0"/>
-                <a:ea typeface="Menlo" panose="020B0609030804020204" pitchFamily="49" charset="0"/>
-                <a:cs typeface="Menlo" panose="020B0609030804020204" pitchFamily="49" charset="0"/>
+                <a:latin typeface="Consolas" panose="020B0609020204030204" pitchFamily="49" charset="0"/>
+                <a:ea typeface="Menlo" panose="020B0609030804020204" pitchFamily="49" charset="0"/>
+                <a:cs typeface="Consolas" panose="020B0609020204030204" pitchFamily="49" charset="0"/>
               </a:rPr>
               <a:t>return</a:t>
             </a:r>
@@ -15751,9 +15772,9 @@
                 <a:solidFill>
                   <a:schemeClr val="accent6"/>
                 </a:solidFill>
-                <a:latin typeface="Menlo" panose="020B0609030804020204" pitchFamily="49" charset="0"/>
-                <a:ea typeface="Menlo" panose="020B0609030804020204" pitchFamily="49" charset="0"/>
-                <a:cs typeface="Menlo" panose="020B0609030804020204" pitchFamily="49" charset="0"/>
+                <a:latin typeface="Consolas" panose="020B0609020204030204" pitchFamily="49" charset="0"/>
+                <a:ea typeface="Menlo" panose="020B0609030804020204" pitchFamily="49" charset="0"/>
+                <a:cs typeface="Consolas" panose="020B0609020204030204" pitchFamily="49" charset="0"/>
               </a:rPr>
               <a:t> </a:t>
             </a:r>
@@ -15762,9 +15783,9 @@
                 <a:solidFill>
                   <a:schemeClr val="accent6"/>
                 </a:solidFill>
-                <a:latin typeface="Menlo" panose="020B0609030804020204" pitchFamily="49" charset="0"/>
-                <a:ea typeface="Menlo" panose="020B0609030804020204" pitchFamily="49" charset="0"/>
-                <a:cs typeface="Menlo" panose="020B0609030804020204" pitchFamily="49" charset="0"/>
+                <a:latin typeface="Consolas" panose="020B0609020204030204" pitchFamily="49" charset="0"/>
+                <a:ea typeface="Menlo" panose="020B0609030804020204" pitchFamily="49" charset="0"/>
+                <a:cs typeface="Consolas" panose="020B0609020204030204" pitchFamily="49" charset="0"/>
               </a:rPr>
               <a:t>func</a:t>
             </a:r>
@@ -15773,9 +15794,9 @@
                 <a:solidFill>
                   <a:schemeClr val="accent6"/>
                 </a:solidFill>
-                <a:latin typeface="Menlo" panose="020B0609030804020204" pitchFamily="49" charset="0"/>
-                <a:ea typeface="Menlo" panose="020B0609030804020204" pitchFamily="49" charset="0"/>
-                <a:cs typeface="Menlo" panose="020B0609030804020204" pitchFamily="49" charset="0"/>
+                <a:latin typeface="Consolas" panose="020B0609020204030204" pitchFamily="49" charset="0"/>
+                <a:ea typeface="Menlo" panose="020B0609030804020204" pitchFamily="49" charset="0"/>
+                <a:cs typeface="Consolas" panose="020B0609020204030204" pitchFamily="49" charset="0"/>
               </a:rPr>
               <a:t>(*</a:t>
             </a:r>
@@ -15784,9 +15805,9 @@
                 <a:solidFill>
                   <a:schemeClr val="accent6"/>
                 </a:solidFill>
-                <a:latin typeface="Menlo" panose="020B0609030804020204" pitchFamily="49" charset="0"/>
-                <a:ea typeface="Menlo" panose="020B0609030804020204" pitchFamily="49" charset="0"/>
-                <a:cs typeface="Menlo" panose="020B0609030804020204" pitchFamily="49" charset="0"/>
+                <a:latin typeface="Consolas" panose="020B0609020204030204" pitchFamily="49" charset="0"/>
+                <a:ea typeface="Menlo" panose="020B0609030804020204" pitchFamily="49" charset="0"/>
+                <a:cs typeface="Consolas" panose="020B0609020204030204" pitchFamily="49" charset="0"/>
               </a:rPr>
               <a:t>args</a:t>
             </a:r>
@@ -15795,9 +15816,9 @@
                 <a:solidFill>
                   <a:schemeClr val="accent6"/>
                 </a:solidFill>
-                <a:latin typeface="Menlo" panose="020B0609030804020204" pitchFamily="49" charset="0"/>
-                <a:ea typeface="Menlo" panose="020B0609030804020204" pitchFamily="49" charset="0"/>
-                <a:cs typeface="Menlo" panose="020B0609030804020204" pitchFamily="49" charset="0"/>
+                <a:latin typeface="Consolas" panose="020B0609020204030204" pitchFamily="49" charset="0"/>
+                <a:ea typeface="Menlo" panose="020B0609030804020204" pitchFamily="49" charset="0"/>
+                <a:cs typeface="Consolas" panose="020B0609020204030204" pitchFamily="49" charset="0"/>
               </a:rPr>
               <a:t>, **</a:t>
             </a:r>
@@ -15806,9 +15827,9 @@
                 <a:solidFill>
                   <a:schemeClr val="accent6"/>
                 </a:solidFill>
-                <a:latin typeface="Menlo" panose="020B0609030804020204" pitchFamily="49" charset="0"/>
-                <a:ea typeface="Menlo" panose="020B0609030804020204" pitchFamily="49" charset="0"/>
-                <a:cs typeface="Menlo" panose="020B0609030804020204" pitchFamily="49" charset="0"/>
+                <a:latin typeface="Consolas" panose="020B0609020204030204" pitchFamily="49" charset="0"/>
+                <a:ea typeface="Menlo" panose="020B0609030804020204" pitchFamily="49" charset="0"/>
+                <a:cs typeface="Consolas" panose="020B0609020204030204" pitchFamily="49" charset="0"/>
               </a:rPr>
               <a:t>kwargs</a:t>
             </a:r>
@@ -15817,9 +15838,9 @@
                 <a:solidFill>
                   <a:schemeClr val="accent6"/>
                 </a:solidFill>
-                <a:latin typeface="Menlo" panose="020B0609030804020204" pitchFamily="49" charset="0"/>
-                <a:ea typeface="Menlo" panose="020B0609030804020204" pitchFamily="49" charset="0"/>
-                <a:cs typeface="Menlo" panose="020B0609030804020204" pitchFamily="49" charset="0"/>
+                <a:latin typeface="Consolas" panose="020B0609020204030204" pitchFamily="49" charset="0"/>
+                <a:ea typeface="Menlo" panose="020B0609030804020204" pitchFamily="49" charset="0"/>
+                <a:cs typeface="Consolas" panose="020B0609020204030204" pitchFamily="49" charset="0"/>
               </a:rPr>
               <a:t>)</a:t>
             </a:r>
@@ -15833,9 +15854,9 @@
                 <a:solidFill>
                   <a:schemeClr val="accent6"/>
                 </a:solidFill>
-                <a:latin typeface="Menlo" panose="020B0609030804020204" pitchFamily="49" charset="0"/>
-                <a:ea typeface="Menlo" panose="020B0609030804020204" pitchFamily="49" charset="0"/>
-                <a:cs typeface="Menlo" panose="020B0609030804020204" pitchFamily="49" charset="0"/>
+                <a:latin typeface="Consolas" panose="020B0609020204030204" pitchFamily="49" charset="0"/>
+                <a:ea typeface="Menlo" panose="020B0609030804020204" pitchFamily="49" charset="0"/>
+                <a:cs typeface="Consolas" panose="020B0609020204030204" pitchFamily="49" charset="0"/>
               </a:rPr>
               <a:t>        </a:t>
             </a:r>
@@ -15844,9 +15865,9 @@
                 <a:solidFill>
                   <a:srgbClr val="E700E5"/>
                 </a:solidFill>
-                <a:latin typeface="Menlo" panose="020B0609030804020204" pitchFamily="49" charset="0"/>
-                <a:ea typeface="Menlo" panose="020B0609030804020204" pitchFamily="49" charset="0"/>
-                <a:cs typeface="Menlo" panose="020B0609030804020204" pitchFamily="49" charset="0"/>
+                <a:latin typeface="Consolas" panose="020B0609020204030204" pitchFamily="49" charset="0"/>
+                <a:ea typeface="Menlo" panose="020B0609030804020204" pitchFamily="49" charset="0"/>
+                <a:cs typeface="Consolas" panose="020B0609020204030204" pitchFamily="49" charset="0"/>
               </a:rPr>
               <a:t>return</a:t>
             </a:r>
@@ -15855,9 +15876,9 @@
                 <a:solidFill>
                   <a:schemeClr val="accent6"/>
                 </a:solidFill>
-                <a:latin typeface="Menlo" panose="020B0609030804020204" pitchFamily="49" charset="0"/>
-                <a:ea typeface="Menlo" panose="020B0609030804020204" pitchFamily="49" charset="0"/>
-                <a:cs typeface="Menlo" panose="020B0609030804020204" pitchFamily="49" charset="0"/>
+                <a:latin typeface="Consolas" panose="020B0609020204030204" pitchFamily="49" charset="0"/>
+                <a:ea typeface="Menlo" panose="020B0609030804020204" pitchFamily="49" charset="0"/>
+                <a:cs typeface="Consolas" panose="020B0609020204030204" pitchFamily="49" charset="0"/>
               </a:rPr>
               <a:t> wrapper</a:t>
             </a:r>
@@ -15871,9 +15892,9 @@
                 <a:solidFill>
                   <a:schemeClr val="accent6"/>
                 </a:solidFill>
-                <a:latin typeface="Menlo" panose="020B0609030804020204" pitchFamily="49" charset="0"/>
-                <a:ea typeface="Menlo" panose="020B0609030804020204" pitchFamily="49" charset="0"/>
-                <a:cs typeface="Menlo" panose="020B0609030804020204" pitchFamily="49" charset="0"/>
+                <a:latin typeface="Consolas" panose="020B0609020204030204" pitchFamily="49" charset="0"/>
+                <a:ea typeface="Menlo" panose="020B0609030804020204" pitchFamily="49" charset="0"/>
+                <a:cs typeface="Consolas" panose="020B0609020204030204" pitchFamily="49" charset="0"/>
               </a:rPr>
               <a:t>    </a:t>
             </a:r>
@@ -15882,9 +15903,9 @@
                 <a:solidFill>
                   <a:srgbClr val="E700E5"/>
                 </a:solidFill>
-                <a:latin typeface="Menlo" panose="020B0609030804020204" pitchFamily="49" charset="0"/>
-                <a:ea typeface="Menlo" panose="020B0609030804020204" pitchFamily="49" charset="0"/>
-                <a:cs typeface="Menlo" panose="020B0609030804020204" pitchFamily="49" charset="0"/>
+                <a:latin typeface="Consolas" panose="020B0609020204030204" pitchFamily="49" charset="0"/>
+                <a:ea typeface="Menlo" panose="020B0609030804020204" pitchFamily="49" charset="0"/>
+                <a:cs typeface="Consolas" panose="020B0609020204030204" pitchFamily="49" charset="0"/>
               </a:rPr>
               <a:t>return</a:t>
             </a:r>
@@ -15893,9 +15914,9 @@
                 <a:solidFill>
                   <a:schemeClr val="accent6"/>
                 </a:solidFill>
-                <a:latin typeface="Menlo" panose="020B0609030804020204" pitchFamily="49" charset="0"/>
-                <a:ea typeface="Menlo" panose="020B0609030804020204" pitchFamily="49" charset="0"/>
-                <a:cs typeface="Menlo" panose="020B0609030804020204" pitchFamily="49" charset="0"/>
+                <a:latin typeface="Consolas" panose="020B0609020204030204" pitchFamily="49" charset="0"/>
+                <a:ea typeface="Menlo" panose="020B0609030804020204" pitchFamily="49" charset="0"/>
+                <a:cs typeface="Consolas" panose="020B0609020204030204" pitchFamily="49" charset="0"/>
               </a:rPr>
               <a:t> debug</a:t>
             </a:r>
@@ -15905,9 +15926,9 @@
               <a:buNone/>
             </a:pPr>
             <a:endParaRPr lang="en-US" dirty="0">
-              <a:latin typeface="Menlo" panose="020B0609030804020204" pitchFamily="49" charset="0"/>
+              <a:latin typeface="Consolas" panose="020B0609020204030204" pitchFamily="49" charset="0"/>
               <a:ea typeface="Menlo" panose="020B0609030804020204" pitchFamily="49" charset="0"/>
-              <a:cs typeface="Menlo" panose="020B0609030804020204" pitchFamily="49" charset="0"/>
+              <a:cs typeface="Consolas" panose="020B0609020204030204" pitchFamily="49" charset="0"/>
             </a:endParaRPr>
           </a:p>
         </p:txBody>
@@ -17279,7 +17300,7 @@
         </p:spPr>
         <p:txBody>
           <a:bodyPr vert="horz" lIns="91440" tIns="45720" rIns="91440" bIns="45720" rtlCol="0">
-            <a:normAutofit fontScale="62500" lnSpcReduction="20000"/>
+            <a:normAutofit fontScale="70000" lnSpcReduction="20000"/>
           </a:bodyPr>
           <a:lstStyle>
             <a:lvl1pPr marL="384048" indent="-384048" algn="l" defTabSz="914400" rtl="0" eaLnBrk="1" latinLnBrk="0" hangingPunct="1">
@@ -17478,9 +17499,9 @@
             </a:pPr>
             <a:r>
               <a:rPr lang="en-US" dirty="0">
-                <a:latin typeface="Menlo" panose="020B0609030804020204" pitchFamily="49" charset="0"/>
-                <a:ea typeface="Menlo" panose="020B0609030804020204" pitchFamily="49" charset="0"/>
-                <a:cs typeface="Menlo" panose="020B0609030804020204" pitchFamily="49" charset="0"/>
+                <a:latin typeface="Consolas" panose="020B0609020204030204" pitchFamily="49" charset="0"/>
+                <a:ea typeface="Menlo" panose="020B0609030804020204" pitchFamily="49" charset="0"/>
+                <a:cs typeface="Consolas" panose="020B0609020204030204" pitchFamily="49" charset="0"/>
               </a:rPr>
               <a:t>&gt;&gt;&gt; </a:t>
             </a:r>
@@ -17489,9 +17510,9 @@
                 <a:solidFill>
                   <a:srgbClr val="E700E5"/>
                 </a:solidFill>
-                <a:latin typeface="Menlo" panose="020B0609030804020204" pitchFamily="49" charset="0"/>
-                <a:ea typeface="Menlo" panose="020B0609030804020204" pitchFamily="49" charset="0"/>
-                <a:cs typeface="Menlo" panose="020B0609030804020204" pitchFamily="49" charset="0"/>
+                <a:latin typeface="Consolas" panose="020B0609020204030204" pitchFamily="49" charset="0"/>
+                <a:ea typeface="Menlo" panose="020B0609030804020204" pitchFamily="49" charset="0"/>
+                <a:cs typeface="Consolas" panose="020B0609020204030204" pitchFamily="49" charset="0"/>
               </a:rPr>
               <a:t>@</a:t>
             </a:r>
@@ -17500,9 +17521,9 @@
                 <a:solidFill>
                   <a:srgbClr val="E700E5"/>
                 </a:solidFill>
-                <a:latin typeface="Menlo" panose="020B0609030804020204" pitchFamily="49" charset="0"/>
-                <a:ea typeface="Menlo" panose="020B0609030804020204" pitchFamily="49" charset="0"/>
-                <a:cs typeface="Menlo" panose="020B0609030804020204" pitchFamily="49" charset="0"/>
+                <a:latin typeface="Consolas" panose="020B0609020204030204" pitchFamily="49" charset="0"/>
+                <a:ea typeface="Menlo" panose="020B0609030804020204" pitchFamily="49" charset="0"/>
+                <a:cs typeface="Consolas" panose="020B0609020204030204" pitchFamily="49" charset="0"/>
               </a:rPr>
               <a:t>debug_class</a:t>
             </a:r>
@@ -17510,9 +17531,9 @@
               <a:solidFill>
                 <a:srgbClr val="E700E5"/>
               </a:solidFill>
-              <a:latin typeface="Menlo" panose="020B0609030804020204" pitchFamily="49" charset="0"/>
+              <a:latin typeface="Consolas" panose="020B0609020204030204" pitchFamily="49" charset="0"/>
               <a:ea typeface="Menlo" panose="020B0609030804020204" pitchFamily="49" charset="0"/>
-              <a:cs typeface="Menlo" panose="020B0609030804020204" pitchFamily="49" charset="0"/>
+              <a:cs typeface="Consolas" panose="020B0609020204030204" pitchFamily="49" charset="0"/>
             </a:endParaRPr>
           </a:p>
           <a:p>
@@ -17521,9 +17542,9 @@
             </a:pPr>
             <a:r>
               <a:rPr lang="en-US" dirty="0">
-                <a:latin typeface="Menlo" panose="020B0609030804020204" pitchFamily="49" charset="0"/>
-                <a:ea typeface="Menlo" panose="020B0609030804020204" pitchFamily="49" charset="0"/>
-                <a:cs typeface="Menlo" panose="020B0609030804020204" pitchFamily="49" charset="0"/>
+                <a:latin typeface="Consolas" panose="020B0609020204030204" pitchFamily="49" charset="0"/>
+                <a:ea typeface="Menlo" panose="020B0609030804020204" pitchFamily="49" charset="0"/>
+                <a:cs typeface="Consolas" panose="020B0609020204030204" pitchFamily="49" charset="0"/>
               </a:rPr>
               <a:t>... </a:t>
             </a:r>
@@ -17532,9 +17553,9 @@
                 <a:solidFill>
                   <a:schemeClr val="accent6"/>
                 </a:solidFill>
-                <a:latin typeface="Menlo" panose="020B0609030804020204" pitchFamily="49" charset="0"/>
-                <a:ea typeface="Menlo" panose="020B0609030804020204" pitchFamily="49" charset="0"/>
-                <a:cs typeface="Menlo" panose="020B0609030804020204" pitchFamily="49" charset="0"/>
+                <a:latin typeface="Consolas" panose="020B0609020204030204" pitchFamily="49" charset="0"/>
+                <a:ea typeface="Menlo" panose="020B0609030804020204" pitchFamily="49" charset="0"/>
+                <a:cs typeface="Consolas" panose="020B0609020204030204" pitchFamily="49" charset="0"/>
               </a:rPr>
               <a:t>class bar(object):</a:t>
             </a:r>
@@ -17545,9 +17566,9 @@
             </a:pPr>
             <a:r>
               <a:rPr lang="en-US" dirty="0">
-                <a:latin typeface="Menlo" panose="020B0609030804020204" pitchFamily="49" charset="0"/>
-                <a:ea typeface="Menlo" panose="020B0609030804020204" pitchFamily="49" charset="0"/>
-                <a:cs typeface="Menlo" panose="020B0609030804020204" pitchFamily="49" charset="0"/>
+                <a:latin typeface="Consolas" panose="020B0609020204030204" pitchFamily="49" charset="0"/>
+                <a:ea typeface="Menlo" panose="020B0609030804020204" pitchFamily="49" charset="0"/>
+                <a:cs typeface="Consolas" panose="020B0609020204030204" pitchFamily="49" charset="0"/>
               </a:rPr>
               <a:t>...    </a:t>
             </a:r>
@@ -17556,9 +17577,9 @@
                 <a:solidFill>
                   <a:schemeClr val="accent6"/>
                 </a:solidFill>
-                <a:latin typeface="Menlo" panose="020B0609030804020204" pitchFamily="49" charset="0"/>
-                <a:ea typeface="Menlo" panose="020B0609030804020204" pitchFamily="49" charset="0"/>
-                <a:cs typeface="Menlo" panose="020B0609030804020204" pitchFamily="49" charset="0"/>
+                <a:latin typeface="Consolas" panose="020B0609020204030204" pitchFamily="49" charset="0"/>
+                <a:ea typeface="Menlo" panose="020B0609030804020204" pitchFamily="49" charset="0"/>
+                <a:cs typeface="Consolas" panose="020B0609020204030204" pitchFamily="49" charset="0"/>
               </a:rPr>
               <a:t> def foo(self, a, b):</a:t>
             </a:r>
@@ -17569,9 +17590,9 @@
             </a:pPr>
             <a:r>
               <a:rPr lang="en-US" dirty="0">
-                <a:latin typeface="Menlo" panose="020B0609030804020204" pitchFamily="49" charset="0"/>
-                <a:ea typeface="Menlo" panose="020B0609030804020204" pitchFamily="49" charset="0"/>
-                <a:cs typeface="Menlo" panose="020B0609030804020204" pitchFamily="49" charset="0"/>
+                <a:latin typeface="Consolas" panose="020B0609020204030204" pitchFamily="49" charset="0"/>
+                <a:ea typeface="Menlo" panose="020B0609030804020204" pitchFamily="49" charset="0"/>
+                <a:cs typeface="Consolas" panose="020B0609020204030204" pitchFamily="49" charset="0"/>
               </a:rPr>
               <a:t>...         </a:t>
             </a:r>
@@ -17580,16 +17601,16 @@
                 <a:solidFill>
                   <a:schemeClr val="accent6"/>
                 </a:solidFill>
-                <a:latin typeface="Menlo" panose="020B0609030804020204" pitchFamily="49" charset="0"/>
-                <a:ea typeface="Menlo" panose="020B0609030804020204" pitchFamily="49" charset="0"/>
-                <a:cs typeface="Menlo" panose="020B0609030804020204" pitchFamily="49" charset="0"/>
+                <a:latin typeface="Consolas" panose="020B0609020204030204" pitchFamily="49" charset="0"/>
+                <a:ea typeface="Menlo" panose="020B0609030804020204" pitchFamily="49" charset="0"/>
+                <a:cs typeface="Consolas" panose="020B0609020204030204" pitchFamily="49" charset="0"/>
               </a:rPr>
               <a:t>print(a + b)</a:t>
             </a:r>
             <a:endParaRPr lang="en-US" dirty="0">
-              <a:latin typeface="Menlo" panose="020B0609030804020204" pitchFamily="49" charset="0"/>
+              <a:latin typeface="Consolas" panose="020B0609020204030204" pitchFamily="49" charset="0"/>
               <a:ea typeface="Menlo" panose="020B0609030804020204" pitchFamily="49" charset="0"/>
-              <a:cs typeface="Menlo" panose="020B0609030804020204" pitchFamily="49" charset="0"/>
+              <a:cs typeface="Consolas" panose="020B0609020204030204" pitchFamily="49" charset="0"/>
             </a:endParaRPr>
           </a:p>
           <a:p>
@@ -17598,9 +17619,9 @@
             </a:pPr>
             <a:r>
               <a:rPr lang="en-US" dirty="0">
-                <a:latin typeface="Menlo" panose="020B0609030804020204" pitchFamily="49" charset="0"/>
-                <a:ea typeface="Menlo" panose="020B0609030804020204" pitchFamily="49" charset="0"/>
-                <a:cs typeface="Menlo" panose="020B0609030804020204" pitchFamily="49" charset="0"/>
+                <a:latin typeface="Consolas" panose="020B0609020204030204" pitchFamily="49" charset="0"/>
+                <a:ea typeface="Menlo" panose="020B0609030804020204" pitchFamily="49" charset="0"/>
+                <a:cs typeface="Consolas" panose="020B0609020204030204" pitchFamily="49" charset="0"/>
               </a:rPr>
               <a:t>decorating bar</a:t>
             </a:r>
@@ -17611,9 +17632,9 @@
             </a:pPr>
             <a:r>
               <a:rPr lang="en-US" dirty="0">
-                <a:latin typeface="Menlo" panose="020B0609030804020204" pitchFamily="49" charset="0"/>
-                <a:ea typeface="Menlo" panose="020B0609030804020204" pitchFamily="49" charset="0"/>
-                <a:cs typeface="Menlo" panose="020B0609030804020204" pitchFamily="49" charset="0"/>
+                <a:latin typeface="Consolas" panose="020B0609020204030204" pitchFamily="49" charset="0"/>
+                <a:ea typeface="Menlo" panose="020B0609030804020204" pitchFamily="49" charset="0"/>
+                <a:cs typeface="Consolas" panose="020B0609020204030204" pitchFamily="49" charset="0"/>
               </a:rPr>
               <a:t>&gt;&gt;&gt; </a:t>
             </a:r>
@@ -17622,9 +17643,9 @@
                 <a:solidFill>
                   <a:schemeClr val="accent6"/>
                 </a:solidFill>
-                <a:latin typeface="Menlo" panose="020B0609030804020204" pitchFamily="49" charset="0"/>
-                <a:ea typeface="Menlo" panose="020B0609030804020204" pitchFamily="49" charset="0"/>
-                <a:cs typeface="Menlo" panose="020B0609030804020204" pitchFamily="49" charset="0"/>
+                <a:latin typeface="Consolas" panose="020B0609020204030204" pitchFamily="49" charset="0"/>
+                <a:ea typeface="Menlo" panose="020B0609030804020204" pitchFamily="49" charset="0"/>
+                <a:cs typeface="Consolas" panose="020B0609020204030204" pitchFamily="49" charset="0"/>
               </a:rPr>
               <a:t>b = bar()</a:t>
             </a:r>
@@ -17635,9 +17656,9 @@
             </a:pPr>
             <a:r>
               <a:rPr lang="en-US" dirty="0">
-                <a:latin typeface="Menlo" panose="020B0609030804020204" pitchFamily="49" charset="0"/>
-                <a:ea typeface="Menlo" panose="020B0609030804020204" pitchFamily="49" charset="0"/>
-                <a:cs typeface="Menlo" panose="020B0609030804020204" pitchFamily="49" charset="0"/>
+                <a:latin typeface="Consolas" panose="020B0609020204030204" pitchFamily="49" charset="0"/>
+                <a:ea typeface="Menlo" panose="020B0609030804020204" pitchFamily="49" charset="0"/>
+                <a:cs typeface="Consolas" panose="020B0609020204030204" pitchFamily="49" charset="0"/>
               </a:rPr>
               <a:t>&gt;&gt;&gt;</a:t>
             </a:r>
@@ -17646,9 +17667,9 @@
                 <a:solidFill>
                   <a:schemeClr val="accent6"/>
                 </a:solidFill>
-                <a:latin typeface="Menlo" panose="020B0609030804020204" pitchFamily="49" charset="0"/>
-                <a:ea typeface="Menlo" panose="020B0609030804020204" pitchFamily="49" charset="0"/>
-                <a:cs typeface="Menlo" panose="020B0609030804020204" pitchFamily="49" charset="0"/>
+                <a:latin typeface="Consolas" panose="020B0609020204030204" pitchFamily="49" charset="0"/>
+                <a:ea typeface="Menlo" panose="020B0609030804020204" pitchFamily="49" charset="0"/>
+                <a:cs typeface="Consolas" panose="020B0609020204030204" pitchFamily="49" charset="0"/>
               </a:rPr>
               <a:t> </a:t>
             </a:r>
@@ -17657,9 +17678,9 @@
                 <a:solidFill>
                   <a:schemeClr val="accent6"/>
                 </a:solidFill>
-                <a:latin typeface="Menlo" panose="020B0609030804020204" pitchFamily="49" charset="0"/>
-                <a:ea typeface="Menlo" panose="020B0609030804020204" pitchFamily="49" charset="0"/>
-                <a:cs typeface="Menlo" panose="020B0609030804020204" pitchFamily="49" charset="0"/>
+                <a:latin typeface="Consolas" panose="020B0609020204030204" pitchFamily="49" charset="0"/>
+                <a:ea typeface="Menlo" panose="020B0609030804020204" pitchFamily="49" charset="0"/>
+                <a:cs typeface="Consolas" panose="020B0609020204030204" pitchFamily="49" charset="0"/>
               </a:rPr>
               <a:t>b.foo</a:t>
             </a:r>
@@ -17668,9 +17689,9 @@
                 <a:solidFill>
                   <a:schemeClr val="accent6"/>
                 </a:solidFill>
-                <a:latin typeface="Menlo" panose="020B0609030804020204" pitchFamily="49" charset="0"/>
-                <a:ea typeface="Menlo" panose="020B0609030804020204" pitchFamily="49" charset="0"/>
-                <a:cs typeface="Menlo" panose="020B0609030804020204" pitchFamily="49" charset="0"/>
+                <a:latin typeface="Consolas" panose="020B0609020204030204" pitchFamily="49" charset="0"/>
+                <a:ea typeface="Menlo" panose="020B0609030804020204" pitchFamily="49" charset="0"/>
+                <a:cs typeface="Consolas" panose="020B0609020204030204" pitchFamily="49" charset="0"/>
               </a:rPr>
               <a:t>(1, 2)</a:t>
             </a:r>
@@ -17681,9 +17702,9 @@
             </a:pPr>
             <a:r>
               <a:rPr lang="en-US" dirty="0">
-                <a:latin typeface="Menlo" panose="020B0609030804020204" pitchFamily="49" charset="0"/>
-                <a:ea typeface="Menlo" panose="020B0609030804020204" pitchFamily="49" charset="0"/>
-                <a:cs typeface="Menlo" panose="020B0609030804020204" pitchFamily="49" charset="0"/>
+                <a:latin typeface="Consolas" panose="020B0609020204030204" pitchFamily="49" charset="0"/>
+                <a:ea typeface="Menlo" panose="020B0609030804020204" pitchFamily="49" charset="0"/>
+                <a:cs typeface="Consolas" panose="020B0609020204030204" pitchFamily="49" charset="0"/>
               </a:rPr>
               <a:t>bar being called on (&lt;instance of bar&gt;, 1, 2) {}</a:t>
             </a:r>
@@ -17694,9 +17715,9 @@
             </a:pPr>
             <a:r>
               <a:rPr lang="en-US" dirty="0">
-                <a:latin typeface="Menlo" panose="020B0609030804020204" pitchFamily="49" charset="0"/>
-                <a:ea typeface="Menlo" panose="020B0609030804020204" pitchFamily="49" charset="0"/>
-                <a:cs typeface="Menlo" panose="020B0609030804020204" pitchFamily="49" charset="0"/>
+                <a:latin typeface="Consolas" panose="020B0609020204030204" pitchFamily="49" charset="0"/>
+                <a:ea typeface="Menlo" panose="020B0609030804020204" pitchFamily="49" charset="0"/>
+                <a:cs typeface="Consolas" panose="020B0609020204030204" pitchFamily="49" charset="0"/>
               </a:rPr>
               <a:t>3</a:t>
             </a:r>
@@ -17706,9 +17727,9 @@
               <a:buNone/>
             </a:pPr>
             <a:endParaRPr lang="en-US" dirty="0">
-              <a:latin typeface="Menlo" panose="020B0609030804020204" pitchFamily="49" charset="0"/>
+              <a:latin typeface="Consolas" panose="020B0609020204030204" pitchFamily="49" charset="0"/>
               <a:ea typeface="Menlo" panose="020B0609030804020204" pitchFamily="49" charset="0"/>
-              <a:cs typeface="Menlo" panose="020B0609030804020204" pitchFamily="49" charset="0"/>
+              <a:cs typeface="Consolas" panose="020B0609020204030204" pitchFamily="49" charset="0"/>
             </a:endParaRPr>
           </a:p>
         </p:txBody>
@@ -17947,9 +17968,9 @@
                     <a:lumMod val="50000"/>
                   </a:schemeClr>
                 </a:solidFill>
-                <a:latin typeface="Menlo" panose="020B0609030804020204" pitchFamily="49" charset="0"/>
-                <a:ea typeface="Menlo" panose="020B0609030804020204" pitchFamily="49" charset="0"/>
-                <a:cs typeface="Menlo" panose="020B0609030804020204" pitchFamily="49" charset="0"/>
+                <a:latin typeface="Consolas" panose="020B0609020204030204" pitchFamily="49" charset="0"/>
+                <a:ea typeface="Menlo" panose="020B0609030804020204" pitchFamily="49" charset="0"/>
+                <a:cs typeface="Consolas" panose="020B0609020204030204" pitchFamily="49" charset="0"/>
               </a:rPr>
               <a:t>import inspect</a:t>
             </a:r>
@@ -17963,9 +17984,9 @@
                 <a:solidFill>
                   <a:srgbClr val="E700E5"/>
                 </a:solidFill>
-                <a:latin typeface="Menlo" panose="020B0609030804020204" pitchFamily="49" charset="0"/>
-                <a:ea typeface="Menlo" panose="020B0609030804020204" pitchFamily="49" charset="0"/>
-                <a:cs typeface="Menlo" panose="020B0609030804020204" pitchFamily="49" charset="0"/>
+                <a:latin typeface="Consolas" panose="020B0609020204030204" pitchFamily="49" charset="0"/>
+                <a:ea typeface="Menlo" panose="020B0609030804020204" pitchFamily="49" charset="0"/>
+                <a:cs typeface="Consolas" panose="020B0609020204030204" pitchFamily="49" charset="0"/>
               </a:rPr>
               <a:t>def</a:t>
             </a:r>
@@ -17974,9 +17995,9 @@
                 <a:solidFill>
                   <a:schemeClr val="accent6"/>
                 </a:solidFill>
-                <a:latin typeface="Menlo" panose="020B0609030804020204" pitchFamily="49" charset="0"/>
-                <a:ea typeface="Menlo" panose="020B0609030804020204" pitchFamily="49" charset="0"/>
-                <a:cs typeface="Menlo" panose="020B0609030804020204" pitchFamily="49" charset="0"/>
+                <a:latin typeface="Consolas" panose="020B0609020204030204" pitchFamily="49" charset="0"/>
+                <a:ea typeface="Menlo" panose="020B0609030804020204" pitchFamily="49" charset="0"/>
+                <a:cs typeface="Consolas" panose="020B0609020204030204" pitchFamily="49" charset="0"/>
               </a:rPr>
               <a:t> </a:t>
             </a:r>
@@ -17985,9 +18006,9 @@
                 <a:solidFill>
                   <a:schemeClr val="accent6"/>
                 </a:solidFill>
-                <a:latin typeface="Menlo" panose="020B0609030804020204" pitchFamily="49" charset="0"/>
-                <a:ea typeface="Menlo" panose="020B0609030804020204" pitchFamily="49" charset="0"/>
-                <a:cs typeface="Menlo" panose="020B0609030804020204" pitchFamily="49" charset="0"/>
+                <a:latin typeface="Consolas" panose="020B0609020204030204" pitchFamily="49" charset="0"/>
+                <a:ea typeface="Menlo" panose="020B0609030804020204" pitchFamily="49" charset="0"/>
+                <a:cs typeface="Consolas" panose="020B0609020204030204" pitchFamily="49" charset="0"/>
               </a:rPr>
               <a:t>debug_class</a:t>
             </a:r>
@@ -17996,9 +18017,9 @@
                 <a:solidFill>
                   <a:schemeClr val="accent6"/>
                 </a:solidFill>
-                <a:latin typeface="Menlo" panose="020B0609030804020204" pitchFamily="49" charset="0"/>
-                <a:ea typeface="Menlo" panose="020B0609030804020204" pitchFamily="49" charset="0"/>
-                <a:cs typeface="Menlo" panose="020B0609030804020204" pitchFamily="49" charset="0"/>
+                <a:latin typeface="Consolas" panose="020B0609020204030204" pitchFamily="49" charset="0"/>
+                <a:ea typeface="Menlo" panose="020B0609030804020204" pitchFamily="49" charset="0"/>
+                <a:cs typeface="Consolas" panose="020B0609020204030204" pitchFamily="49" charset="0"/>
               </a:rPr>
               <a:t>(</a:t>
             </a:r>
@@ -18007,9 +18028,9 @@
                 <a:solidFill>
                   <a:schemeClr val="accent6"/>
                 </a:solidFill>
-                <a:latin typeface="Menlo" panose="020B0609030804020204" pitchFamily="49" charset="0"/>
-                <a:ea typeface="Menlo" panose="020B0609030804020204" pitchFamily="49" charset="0"/>
-                <a:cs typeface="Menlo" panose="020B0609030804020204" pitchFamily="49" charset="0"/>
+                <a:latin typeface="Consolas" panose="020B0609020204030204" pitchFamily="49" charset="0"/>
+                <a:ea typeface="Menlo" panose="020B0609030804020204" pitchFamily="49" charset="0"/>
+                <a:cs typeface="Consolas" panose="020B0609020204030204" pitchFamily="49" charset="0"/>
               </a:rPr>
               <a:t>cls</a:t>
             </a:r>
@@ -18018,9 +18039,9 @@
                 <a:solidFill>
                   <a:schemeClr val="accent6"/>
                 </a:solidFill>
-                <a:latin typeface="Menlo" panose="020B0609030804020204" pitchFamily="49" charset="0"/>
-                <a:ea typeface="Menlo" panose="020B0609030804020204" pitchFamily="49" charset="0"/>
-                <a:cs typeface="Menlo" panose="020B0609030804020204" pitchFamily="49" charset="0"/>
+                <a:latin typeface="Consolas" panose="020B0609020204030204" pitchFamily="49" charset="0"/>
+                <a:ea typeface="Menlo" panose="020B0609030804020204" pitchFamily="49" charset="0"/>
+                <a:cs typeface="Consolas" panose="020B0609020204030204" pitchFamily="49" charset="0"/>
               </a:rPr>
               <a:t>):				</a:t>
             </a:r>
@@ -18029,9 +18050,9 @@
                 <a:solidFill>
                   <a:schemeClr val="accent1"/>
                 </a:solidFill>
-                <a:latin typeface="Menlo" panose="020B0609030804020204" pitchFamily="49" charset="0"/>
-                <a:ea typeface="Menlo" panose="020B0609030804020204" pitchFamily="49" charset="0"/>
-                <a:cs typeface="Menlo" panose="020B0609030804020204" pitchFamily="49" charset="0"/>
+                <a:latin typeface="Consolas" panose="020B0609020204030204" pitchFamily="49" charset="0"/>
+                <a:ea typeface="Menlo" panose="020B0609030804020204" pitchFamily="49" charset="0"/>
+                <a:cs typeface="Consolas" panose="020B0609020204030204" pitchFamily="49" charset="0"/>
               </a:rPr>
               <a:t># class to be decorated</a:t>
             </a:r>
@@ -18045,9 +18066,9 @@
                 <a:solidFill>
                   <a:schemeClr val="accent6"/>
                 </a:solidFill>
-                <a:latin typeface="Menlo" panose="020B0609030804020204" pitchFamily="49" charset="0"/>
-                <a:ea typeface="Menlo" panose="020B0609030804020204" pitchFamily="49" charset="0"/>
-                <a:cs typeface="Menlo" panose="020B0609030804020204" pitchFamily="49" charset="0"/>
+                <a:latin typeface="Consolas" panose="020B0609020204030204" pitchFamily="49" charset="0"/>
+                <a:ea typeface="Menlo" panose="020B0609030804020204" pitchFamily="49" charset="0"/>
+                <a:cs typeface="Consolas" panose="020B0609020204030204" pitchFamily="49" charset="0"/>
               </a:rPr>
               <a:t>    </a:t>
             </a:r>
@@ -18058,9 +18079,9 @@
                     <a:lumMod val="75000"/>
                   </a:schemeClr>
                 </a:solidFill>
-                <a:latin typeface="Menlo" panose="020B0609030804020204" pitchFamily="49" charset="0"/>
-                <a:ea typeface="Menlo" panose="020B0609030804020204" pitchFamily="49" charset="0"/>
-                <a:cs typeface="Menlo" panose="020B0609030804020204" pitchFamily="49" charset="0"/>
+                <a:latin typeface="Consolas" panose="020B0609020204030204" pitchFamily="49" charset="0"/>
+                <a:ea typeface="Menlo" panose="020B0609030804020204" pitchFamily="49" charset="0"/>
+                <a:cs typeface="Consolas" panose="020B0609020204030204" pitchFamily="49" charset="0"/>
               </a:rPr>
               <a:t>print('decorating', </a:t>
             </a:r>
@@ -18071,9 +18092,9 @@
                     <a:lumMod val="75000"/>
                   </a:schemeClr>
                 </a:solidFill>
-                <a:latin typeface="Menlo" panose="020B0609030804020204" pitchFamily="49" charset="0"/>
-                <a:ea typeface="Menlo" panose="020B0609030804020204" pitchFamily="49" charset="0"/>
-                <a:cs typeface="Menlo" panose="020B0609030804020204" pitchFamily="49" charset="0"/>
+                <a:latin typeface="Consolas" panose="020B0609020204030204" pitchFamily="49" charset="0"/>
+                <a:ea typeface="Menlo" panose="020B0609030804020204" pitchFamily="49" charset="0"/>
+                <a:cs typeface="Consolas" panose="020B0609020204030204" pitchFamily="49" charset="0"/>
               </a:rPr>
               <a:t>cls</a:t>
             </a:r>
@@ -18084,9 +18105,9 @@
                     <a:lumMod val="75000"/>
                   </a:schemeClr>
                 </a:solidFill>
-                <a:latin typeface="Menlo" panose="020B0609030804020204" pitchFamily="49" charset="0"/>
-                <a:ea typeface="Menlo" panose="020B0609030804020204" pitchFamily="49" charset="0"/>
-                <a:cs typeface="Menlo" panose="020B0609030804020204" pitchFamily="49" charset="0"/>
+                <a:latin typeface="Consolas" panose="020B0609020204030204" pitchFamily="49" charset="0"/>
+                <a:ea typeface="Menlo" panose="020B0609030804020204" pitchFamily="49" charset="0"/>
+                <a:cs typeface="Consolas" panose="020B0609020204030204" pitchFamily="49" charset="0"/>
               </a:rPr>
               <a:t>.__name__)</a:t>
             </a:r>
@@ -18100,9 +18121,9 @@
                 <a:solidFill>
                   <a:schemeClr val="accent6"/>
                 </a:solidFill>
-                <a:latin typeface="Menlo" panose="020B0609030804020204" pitchFamily="49" charset="0"/>
-                <a:ea typeface="Menlo" panose="020B0609030804020204" pitchFamily="49" charset="0"/>
-                <a:cs typeface="Menlo" panose="020B0609030804020204" pitchFamily="49" charset="0"/>
+                <a:latin typeface="Consolas" panose="020B0609020204030204" pitchFamily="49" charset="0"/>
+                <a:ea typeface="Menlo" panose="020B0609030804020204" pitchFamily="49" charset="0"/>
+                <a:cs typeface="Consolas" panose="020B0609020204030204" pitchFamily="49" charset="0"/>
               </a:rPr>
               <a:t>    </a:t>
             </a:r>
@@ -18111,9 +18132,9 @@
                 <a:solidFill>
                   <a:srgbClr val="E700E5"/>
                 </a:solidFill>
-                <a:latin typeface="Menlo" panose="020B0609030804020204" pitchFamily="49" charset="0"/>
-                <a:ea typeface="Menlo" panose="020B0609030804020204" pitchFamily="49" charset="0"/>
-                <a:cs typeface="Menlo" panose="020B0609030804020204" pitchFamily="49" charset="0"/>
+                <a:latin typeface="Consolas" panose="020B0609020204030204" pitchFamily="49" charset="0"/>
+                <a:ea typeface="Menlo" panose="020B0609030804020204" pitchFamily="49" charset="0"/>
+                <a:cs typeface="Consolas" panose="020B0609020204030204" pitchFamily="49" charset="0"/>
               </a:rPr>
               <a:t>class</a:t>
             </a:r>
@@ -18122,9 +18143,9 @@
                 <a:solidFill>
                   <a:schemeClr val="accent6"/>
                 </a:solidFill>
-                <a:latin typeface="Menlo" panose="020B0609030804020204" pitchFamily="49" charset="0"/>
-                <a:ea typeface="Menlo" panose="020B0609030804020204" pitchFamily="49" charset="0"/>
-                <a:cs typeface="Menlo" panose="020B0609030804020204" pitchFamily="49" charset="0"/>
+                <a:latin typeface="Consolas" panose="020B0609020204030204" pitchFamily="49" charset="0"/>
+                <a:ea typeface="Menlo" panose="020B0609030804020204" pitchFamily="49" charset="0"/>
+                <a:cs typeface="Consolas" panose="020B0609020204030204" pitchFamily="49" charset="0"/>
               </a:rPr>
               <a:t> wrapper(*</a:t>
             </a:r>
@@ -18133,9 +18154,9 @@
                 <a:solidFill>
                   <a:schemeClr val="accent6"/>
                 </a:solidFill>
-                <a:latin typeface="Menlo" panose="020B0609030804020204" pitchFamily="49" charset="0"/>
-                <a:ea typeface="Menlo" panose="020B0609030804020204" pitchFamily="49" charset="0"/>
-                <a:cs typeface="Menlo" panose="020B0609030804020204" pitchFamily="49" charset="0"/>
+                <a:latin typeface="Consolas" panose="020B0609020204030204" pitchFamily="49" charset="0"/>
+                <a:ea typeface="Menlo" panose="020B0609030804020204" pitchFamily="49" charset="0"/>
+                <a:cs typeface="Consolas" panose="020B0609020204030204" pitchFamily="49" charset="0"/>
               </a:rPr>
               <a:t>cls</a:t>
             </a:r>
@@ -18144,9 +18165,9 @@
                 <a:solidFill>
                   <a:schemeClr val="accent6"/>
                 </a:solidFill>
-                <a:latin typeface="Menlo" panose="020B0609030804020204" pitchFamily="49" charset="0"/>
-                <a:ea typeface="Menlo" panose="020B0609030804020204" pitchFamily="49" charset="0"/>
-                <a:cs typeface="Menlo" panose="020B0609030804020204" pitchFamily="49" charset="0"/>
+                <a:latin typeface="Consolas" panose="020B0609020204030204" pitchFamily="49" charset="0"/>
+                <a:ea typeface="Menlo" panose="020B0609030804020204" pitchFamily="49" charset="0"/>
+                <a:cs typeface="Consolas" panose="020B0609020204030204" pitchFamily="49" charset="0"/>
               </a:rPr>
               <a:t>.__bases__):</a:t>
             </a:r>
@@ -18160,9 +18181,9 @@
                 <a:solidFill>
                   <a:schemeClr val="accent6"/>
                 </a:solidFill>
-                <a:latin typeface="Menlo" panose="020B0609030804020204" pitchFamily="49" charset="0"/>
-                <a:ea typeface="Menlo" panose="020B0609030804020204" pitchFamily="49" charset="0"/>
-                <a:cs typeface="Menlo" panose="020B0609030804020204" pitchFamily="49" charset="0"/>
+                <a:latin typeface="Consolas" panose="020B0609020204030204" pitchFamily="49" charset="0"/>
+                <a:ea typeface="Menlo" panose="020B0609030804020204" pitchFamily="49" charset="0"/>
+                <a:cs typeface="Consolas" panose="020B0609020204030204" pitchFamily="49" charset="0"/>
               </a:rPr>
               <a:t>        </a:t>
             </a:r>
@@ -18171,9 +18192,9 @@
                 <a:solidFill>
                   <a:srgbClr val="E700E5"/>
                 </a:solidFill>
-                <a:latin typeface="Menlo" panose="020B0609030804020204" pitchFamily="49" charset="0"/>
-                <a:ea typeface="Menlo" panose="020B0609030804020204" pitchFamily="49" charset="0"/>
-                <a:cs typeface="Menlo" panose="020B0609030804020204" pitchFamily="49" charset="0"/>
+                <a:latin typeface="Consolas" panose="020B0609020204030204" pitchFamily="49" charset="0"/>
+                <a:ea typeface="Menlo" panose="020B0609030804020204" pitchFamily="49" charset="0"/>
+                <a:cs typeface="Consolas" panose="020B0609020204030204" pitchFamily="49" charset="0"/>
               </a:rPr>
               <a:t>pass</a:t>
             </a:r>
@@ -18187,9 +18208,9 @@
                 <a:solidFill>
                   <a:schemeClr val="accent6"/>
                 </a:solidFill>
-                <a:latin typeface="Menlo" panose="020B0609030804020204" pitchFamily="49" charset="0"/>
-                <a:ea typeface="Menlo" panose="020B0609030804020204" pitchFamily="49" charset="0"/>
-                <a:cs typeface="Menlo" panose="020B0609030804020204" pitchFamily="49" charset="0"/>
+                <a:latin typeface="Consolas" panose="020B0609020204030204" pitchFamily="49" charset="0"/>
+                <a:ea typeface="Menlo" panose="020B0609030804020204" pitchFamily="49" charset="0"/>
+                <a:cs typeface="Consolas" panose="020B0609020204030204" pitchFamily="49" charset="0"/>
               </a:rPr>
               <a:t>    </a:t>
             </a:r>
@@ -18198,9 +18219,9 @@
                 <a:solidFill>
                   <a:srgbClr val="E700E5"/>
                 </a:solidFill>
-                <a:latin typeface="Menlo" panose="020B0609030804020204" pitchFamily="49" charset="0"/>
-                <a:ea typeface="Menlo" panose="020B0609030804020204" pitchFamily="49" charset="0"/>
-                <a:cs typeface="Menlo" panose="020B0609030804020204" pitchFamily="49" charset="0"/>
+                <a:latin typeface="Consolas" panose="020B0609020204030204" pitchFamily="49" charset="0"/>
+                <a:ea typeface="Menlo" panose="020B0609030804020204" pitchFamily="49" charset="0"/>
+                <a:cs typeface="Consolas" panose="020B0609020204030204" pitchFamily="49" charset="0"/>
               </a:rPr>
               <a:t>for</a:t>
             </a:r>
@@ -18209,9 +18230,9 @@
                 <a:solidFill>
                   <a:schemeClr val="accent6"/>
                 </a:solidFill>
-                <a:latin typeface="Menlo" panose="020B0609030804020204" pitchFamily="49" charset="0"/>
-                <a:ea typeface="Menlo" panose="020B0609030804020204" pitchFamily="49" charset="0"/>
-                <a:cs typeface="Menlo" panose="020B0609030804020204" pitchFamily="49" charset="0"/>
+                <a:latin typeface="Consolas" panose="020B0609020204030204" pitchFamily="49" charset="0"/>
+                <a:ea typeface="Menlo" panose="020B0609030804020204" pitchFamily="49" charset="0"/>
+                <a:cs typeface="Consolas" panose="020B0609020204030204" pitchFamily="49" charset="0"/>
               </a:rPr>
               <a:t> key, </a:t>
             </a:r>
@@ -18220,9 +18241,9 @@
                 <a:solidFill>
                   <a:schemeClr val="accent6"/>
                 </a:solidFill>
-                <a:latin typeface="Menlo" panose="020B0609030804020204" pitchFamily="49" charset="0"/>
-                <a:ea typeface="Menlo" panose="020B0609030804020204" pitchFamily="49" charset="0"/>
-                <a:cs typeface="Menlo" panose="020B0609030804020204" pitchFamily="49" charset="0"/>
+                <a:latin typeface="Consolas" panose="020B0609020204030204" pitchFamily="49" charset="0"/>
+                <a:ea typeface="Menlo" panose="020B0609030804020204" pitchFamily="49" charset="0"/>
+                <a:cs typeface="Consolas" panose="020B0609020204030204" pitchFamily="49" charset="0"/>
               </a:rPr>
               <a:t>val</a:t>
             </a:r>
@@ -18231,9 +18252,9 @@
                 <a:solidFill>
                   <a:schemeClr val="accent6"/>
                 </a:solidFill>
-                <a:latin typeface="Menlo" panose="020B0609030804020204" pitchFamily="49" charset="0"/>
-                <a:ea typeface="Menlo" panose="020B0609030804020204" pitchFamily="49" charset="0"/>
-                <a:cs typeface="Menlo" panose="020B0609030804020204" pitchFamily="49" charset="0"/>
+                <a:latin typeface="Consolas" panose="020B0609020204030204" pitchFamily="49" charset="0"/>
+                <a:ea typeface="Menlo" panose="020B0609030804020204" pitchFamily="49" charset="0"/>
+                <a:cs typeface="Consolas" panose="020B0609020204030204" pitchFamily="49" charset="0"/>
               </a:rPr>
               <a:t> </a:t>
             </a:r>
@@ -18242,9 +18263,9 @@
                 <a:solidFill>
                   <a:srgbClr val="E700E5"/>
                 </a:solidFill>
-                <a:latin typeface="Menlo" panose="020B0609030804020204" pitchFamily="49" charset="0"/>
-                <a:ea typeface="Menlo" panose="020B0609030804020204" pitchFamily="49" charset="0"/>
-                <a:cs typeface="Menlo" panose="020B0609030804020204" pitchFamily="49" charset="0"/>
+                <a:latin typeface="Consolas" panose="020B0609020204030204" pitchFamily="49" charset="0"/>
+                <a:ea typeface="Menlo" panose="020B0609030804020204" pitchFamily="49" charset="0"/>
+                <a:cs typeface="Consolas" panose="020B0609020204030204" pitchFamily="49" charset="0"/>
               </a:rPr>
               <a:t>in</a:t>
             </a:r>
@@ -18253,9 +18274,9 @@
                 <a:solidFill>
                   <a:schemeClr val="accent6"/>
                 </a:solidFill>
-                <a:latin typeface="Menlo" panose="020B0609030804020204" pitchFamily="49" charset="0"/>
-                <a:ea typeface="Menlo" panose="020B0609030804020204" pitchFamily="49" charset="0"/>
-                <a:cs typeface="Menlo" panose="020B0609030804020204" pitchFamily="49" charset="0"/>
+                <a:latin typeface="Consolas" panose="020B0609020204030204" pitchFamily="49" charset="0"/>
+                <a:ea typeface="Menlo" panose="020B0609030804020204" pitchFamily="49" charset="0"/>
+                <a:cs typeface="Consolas" panose="020B0609020204030204" pitchFamily="49" charset="0"/>
               </a:rPr>
               <a:t> </a:t>
             </a:r>
@@ -18264,9 +18285,9 @@
                 <a:solidFill>
                   <a:schemeClr val="accent6"/>
                 </a:solidFill>
-                <a:latin typeface="Menlo" panose="020B0609030804020204" pitchFamily="49" charset="0"/>
-                <a:ea typeface="Menlo" panose="020B0609030804020204" pitchFamily="49" charset="0"/>
-                <a:cs typeface="Menlo" panose="020B0609030804020204" pitchFamily="49" charset="0"/>
+                <a:latin typeface="Consolas" panose="020B0609020204030204" pitchFamily="49" charset="0"/>
+                <a:ea typeface="Menlo" panose="020B0609030804020204" pitchFamily="49" charset="0"/>
+                <a:cs typeface="Consolas" panose="020B0609020204030204" pitchFamily="49" charset="0"/>
               </a:rPr>
               <a:t>inspect.getmembers</a:t>
             </a:r>
@@ -18275,9 +18296,9 @@
                 <a:solidFill>
                   <a:schemeClr val="accent6"/>
                 </a:solidFill>
-                <a:latin typeface="Menlo" panose="020B0609030804020204" pitchFamily="49" charset="0"/>
-                <a:ea typeface="Menlo" panose="020B0609030804020204" pitchFamily="49" charset="0"/>
-                <a:cs typeface="Menlo" panose="020B0609030804020204" pitchFamily="49" charset="0"/>
+                <a:latin typeface="Consolas" panose="020B0609020204030204" pitchFamily="49" charset="0"/>
+                <a:ea typeface="Menlo" panose="020B0609030804020204" pitchFamily="49" charset="0"/>
+                <a:cs typeface="Consolas" panose="020B0609020204030204" pitchFamily="49" charset="0"/>
               </a:rPr>
               <a:t>(</a:t>
             </a:r>
@@ -18286,9 +18307,9 @@
                 <a:solidFill>
                   <a:schemeClr val="accent6"/>
                 </a:solidFill>
-                <a:latin typeface="Menlo" panose="020B0609030804020204" pitchFamily="49" charset="0"/>
-                <a:ea typeface="Menlo" panose="020B0609030804020204" pitchFamily="49" charset="0"/>
-                <a:cs typeface="Menlo" panose="020B0609030804020204" pitchFamily="49" charset="0"/>
+                <a:latin typeface="Consolas" panose="020B0609020204030204" pitchFamily="49" charset="0"/>
+                <a:ea typeface="Menlo" panose="020B0609030804020204" pitchFamily="49" charset="0"/>
+                <a:cs typeface="Consolas" panose="020B0609020204030204" pitchFamily="49" charset="0"/>
               </a:rPr>
               <a:t>cls</a:t>
             </a:r>
@@ -18297,9 +18318,9 @@
                 <a:solidFill>
                   <a:schemeClr val="accent6"/>
                 </a:solidFill>
-                <a:latin typeface="Menlo" panose="020B0609030804020204" pitchFamily="49" charset="0"/>
-                <a:ea typeface="Menlo" panose="020B0609030804020204" pitchFamily="49" charset="0"/>
-                <a:cs typeface="Menlo" panose="020B0609030804020204" pitchFamily="49" charset="0"/>
+                <a:latin typeface="Consolas" panose="020B0609020204030204" pitchFamily="49" charset="0"/>
+                <a:ea typeface="Menlo" panose="020B0609030804020204" pitchFamily="49" charset="0"/>
+                <a:cs typeface="Consolas" panose="020B0609020204030204" pitchFamily="49" charset="0"/>
               </a:rPr>
               <a:t>, predicate=</a:t>
             </a:r>
@@ -18308,9 +18329,9 @@
                 <a:solidFill>
                   <a:schemeClr val="accent6"/>
                 </a:solidFill>
-                <a:latin typeface="Menlo" panose="020B0609030804020204" pitchFamily="49" charset="0"/>
-                <a:ea typeface="Menlo" panose="020B0609030804020204" pitchFamily="49" charset="0"/>
-                <a:cs typeface="Menlo" panose="020B0609030804020204" pitchFamily="49" charset="0"/>
+                <a:latin typeface="Consolas" panose="020B0609020204030204" pitchFamily="49" charset="0"/>
+                <a:ea typeface="Menlo" panose="020B0609030804020204" pitchFamily="49" charset="0"/>
+                <a:cs typeface="Consolas" panose="020B0609020204030204" pitchFamily="49" charset="0"/>
               </a:rPr>
               <a:t>inspect.isfunction</a:t>
             </a:r>
@@ -18319,9 +18340,9 @@
                 <a:solidFill>
                   <a:schemeClr val="accent6"/>
                 </a:solidFill>
-                <a:latin typeface="Menlo" panose="020B0609030804020204" pitchFamily="49" charset="0"/>
-                <a:ea typeface="Menlo" panose="020B0609030804020204" pitchFamily="49" charset="0"/>
-                <a:cs typeface="Menlo" panose="020B0609030804020204" pitchFamily="49" charset="0"/>
+                <a:latin typeface="Consolas" panose="020B0609020204030204" pitchFamily="49" charset="0"/>
+                <a:ea typeface="Menlo" panose="020B0609030804020204" pitchFamily="49" charset="0"/>
+                <a:cs typeface="Consolas" panose="020B0609020204030204" pitchFamily="49" charset="0"/>
               </a:rPr>
               <a:t>):</a:t>
             </a:r>
@@ -18335,9 +18356,9 @@
                 <a:solidFill>
                   <a:schemeClr val="accent6"/>
                 </a:solidFill>
-                <a:latin typeface="Menlo" panose="020B0609030804020204" pitchFamily="49" charset="0"/>
-                <a:ea typeface="Menlo" panose="020B0609030804020204" pitchFamily="49" charset="0"/>
-                <a:cs typeface="Menlo" panose="020B0609030804020204" pitchFamily="49" charset="0"/>
+                <a:latin typeface="Consolas" panose="020B0609020204030204" pitchFamily="49" charset="0"/>
+                <a:ea typeface="Menlo" panose="020B0609030804020204" pitchFamily="49" charset="0"/>
+                <a:cs typeface="Consolas" panose="020B0609020204030204" pitchFamily="49" charset="0"/>
               </a:rPr>
               <a:t>        </a:t>
             </a:r>
@@ -18346,9 +18367,9 @@
                 <a:solidFill>
                   <a:schemeClr val="accent6"/>
                 </a:solidFill>
-                <a:latin typeface="Menlo" panose="020B0609030804020204" pitchFamily="49" charset="0"/>
-                <a:ea typeface="Menlo" panose="020B0609030804020204" pitchFamily="49" charset="0"/>
-                <a:cs typeface="Menlo" panose="020B0609030804020204" pitchFamily="49" charset="0"/>
+                <a:latin typeface="Consolas" panose="020B0609020204030204" pitchFamily="49" charset="0"/>
+                <a:ea typeface="Menlo" panose="020B0609030804020204" pitchFamily="49" charset="0"/>
+                <a:cs typeface="Consolas" panose="020B0609020204030204" pitchFamily="49" charset="0"/>
               </a:rPr>
               <a:t>setattr</a:t>
             </a:r>
@@ -18357,9 +18378,9 @@
                 <a:solidFill>
                   <a:schemeClr val="accent6"/>
                 </a:solidFill>
-                <a:latin typeface="Menlo" panose="020B0609030804020204" pitchFamily="49" charset="0"/>
-                <a:ea typeface="Menlo" panose="020B0609030804020204" pitchFamily="49" charset="0"/>
-                <a:cs typeface="Menlo" panose="020B0609030804020204" pitchFamily="49" charset="0"/>
+                <a:latin typeface="Consolas" panose="020B0609020204030204" pitchFamily="49" charset="0"/>
+                <a:ea typeface="Menlo" panose="020B0609030804020204" pitchFamily="49" charset="0"/>
+                <a:cs typeface="Consolas" panose="020B0609020204030204" pitchFamily="49" charset="0"/>
               </a:rPr>
               <a:t>(wrapper, key, debug(</a:t>
             </a:r>
@@ -18368,9 +18389,9 @@
                 <a:solidFill>
                   <a:schemeClr val="accent6"/>
                 </a:solidFill>
-                <a:latin typeface="Menlo" panose="020B0609030804020204" pitchFamily="49" charset="0"/>
-                <a:ea typeface="Menlo" panose="020B0609030804020204" pitchFamily="49" charset="0"/>
-                <a:cs typeface="Menlo" panose="020B0609030804020204" pitchFamily="49" charset="0"/>
+                <a:latin typeface="Consolas" panose="020B0609020204030204" pitchFamily="49" charset="0"/>
+                <a:ea typeface="Menlo" panose="020B0609030804020204" pitchFamily="49" charset="0"/>
+                <a:cs typeface="Consolas" panose="020B0609020204030204" pitchFamily="49" charset="0"/>
               </a:rPr>
               <a:t>val</a:t>
             </a:r>
@@ -18379,9 +18400,9 @@
                 <a:solidFill>
                   <a:schemeClr val="accent6"/>
                 </a:solidFill>
-                <a:latin typeface="Menlo" panose="020B0609030804020204" pitchFamily="49" charset="0"/>
-                <a:ea typeface="Menlo" panose="020B0609030804020204" pitchFamily="49" charset="0"/>
-                <a:cs typeface="Menlo" panose="020B0609030804020204" pitchFamily="49" charset="0"/>
+                <a:latin typeface="Consolas" panose="020B0609020204030204" pitchFamily="49" charset="0"/>
+                <a:ea typeface="Menlo" panose="020B0609030804020204" pitchFamily="49" charset="0"/>
+                <a:cs typeface="Consolas" panose="020B0609020204030204" pitchFamily="49" charset="0"/>
               </a:rPr>
               <a:t>))	</a:t>
             </a:r>
@@ -18390,9 +18411,9 @@
                 <a:solidFill>
                   <a:schemeClr val="accent1"/>
                 </a:solidFill>
-                <a:latin typeface="Menlo" panose="020B0609030804020204" pitchFamily="49" charset="0"/>
-                <a:ea typeface="Menlo" panose="020B0609030804020204" pitchFamily="49" charset="0"/>
-                <a:cs typeface="Menlo" panose="020B0609030804020204" pitchFamily="49" charset="0"/>
+                <a:latin typeface="Consolas" panose="020B0609020204030204" pitchFamily="49" charset="0"/>
+                <a:ea typeface="Menlo" panose="020B0609030804020204" pitchFamily="49" charset="0"/>
+                <a:cs typeface="Consolas" panose="020B0609020204030204" pitchFamily="49" charset="0"/>
               </a:rPr>
               <a:t># populate wrapper</a:t>
             </a:r>
@@ -18406,9 +18427,9 @@
                 <a:solidFill>
                   <a:schemeClr val="accent6"/>
                 </a:solidFill>
-                <a:latin typeface="Menlo" panose="020B0609030804020204" pitchFamily="49" charset="0"/>
-                <a:ea typeface="Menlo" panose="020B0609030804020204" pitchFamily="49" charset="0"/>
-                <a:cs typeface="Menlo" panose="020B0609030804020204" pitchFamily="49" charset="0"/>
+                <a:latin typeface="Consolas" panose="020B0609020204030204" pitchFamily="49" charset="0"/>
+                <a:ea typeface="Menlo" panose="020B0609030804020204" pitchFamily="49" charset="0"/>
+                <a:cs typeface="Consolas" panose="020B0609020204030204" pitchFamily="49" charset="0"/>
               </a:rPr>
               <a:t>    </a:t>
             </a:r>
@@ -18417,9 +18438,9 @@
                 <a:solidFill>
                   <a:srgbClr val="E700E5"/>
                 </a:solidFill>
-                <a:latin typeface="Menlo" panose="020B0609030804020204" pitchFamily="49" charset="0"/>
-                <a:ea typeface="Menlo" panose="020B0609030804020204" pitchFamily="49" charset="0"/>
-                <a:cs typeface="Menlo" panose="020B0609030804020204" pitchFamily="49" charset="0"/>
+                <a:latin typeface="Consolas" panose="020B0609020204030204" pitchFamily="49" charset="0"/>
+                <a:ea typeface="Menlo" panose="020B0609030804020204" pitchFamily="49" charset="0"/>
+                <a:cs typeface="Consolas" panose="020B0609020204030204" pitchFamily="49" charset="0"/>
               </a:rPr>
               <a:t>return</a:t>
             </a:r>
@@ -18428,9 +18449,9 @@
                 <a:solidFill>
                   <a:schemeClr val="accent6"/>
                 </a:solidFill>
-                <a:latin typeface="Menlo" panose="020B0609030804020204" pitchFamily="49" charset="0"/>
-                <a:ea typeface="Menlo" panose="020B0609030804020204" pitchFamily="49" charset="0"/>
-                <a:cs typeface="Menlo" panose="020B0609030804020204" pitchFamily="49" charset="0"/>
+                <a:latin typeface="Consolas" panose="020B0609020204030204" pitchFamily="49" charset="0"/>
+                <a:ea typeface="Menlo" panose="020B0609030804020204" pitchFamily="49" charset="0"/>
+                <a:cs typeface="Consolas" panose="020B0609020204030204" pitchFamily="49" charset="0"/>
               </a:rPr>
               <a:t> wrapper</a:t>
             </a:r>
@@ -18440,9 +18461,9 @@
               <a:buNone/>
             </a:pPr>
             <a:endParaRPr lang="en-US" dirty="0">
-              <a:latin typeface="Menlo" panose="020B0609030804020204" pitchFamily="49" charset="0"/>
+              <a:latin typeface="Consolas" panose="020B0609020204030204" pitchFamily="49" charset="0"/>
               <a:ea typeface="Menlo" panose="020B0609030804020204" pitchFamily="49" charset="0"/>
-              <a:cs typeface="Menlo" panose="020B0609030804020204" pitchFamily="49" charset="0"/>
+              <a:cs typeface="Consolas" panose="020B0609020204030204" pitchFamily="49" charset="0"/>
             </a:endParaRPr>
           </a:p>
         </p:txBody>

--- a/slides/04-Decorators.pptx
+++ b/slides/04-Decorators.pptx
@@ -9618,7 +9618,7 @@
         <p:spPr>
           <a:xfrm>
             <a:off x="2848470" y="287676"/>
-            <a:ext cx="6495060" cy="6287785"/>
+            <a:ext cx="6495060" cy="6431623"/>
           </a:xfrm>
           <a:prstGeom prst="rect">
             <a:avLst/>
@@ -9631,7 +9631,7 @@
         </p:spPr>
         <p:txBody>
           <a:bodyPr vert="horz" lIns="91440" tIns="45720" rIns="91440" bIns="45720" rtlCol="0">
-            <a:normAutofit/>
+            <a:normAutofit lnSpcReduction="10000"/>
           </a:bodyPr>
           <a:lstStyle>
             <a:lvl1pPr marL="384048" indent="-384048" algn="l" defTabSz="914400" rtl="0" eaLnBrk="1" latinLnBrk="0" hangingPunct="1">
@@ -9829,7 +9829,7 @@
               <a:buNone/>
             </a:pPr>
             <a:r>
-              <a:rPr lang="en-US" dirty="0">
+              <a:rPr lang="en-US" sz="2300" dirty="0">
                 <a:latin typeface="Consolas" panose="020B0609020204030204" pitchFamily="49" charset="0"/>
                 <a:ea typeface="Menlo" panose="020B0609030804020204" pitchFamily="49" charset="0"/>
                 <a:cs typeface="Consolas" panose="020B0609020204030204" pitchFamily="49" charset="0"/>
@@ -9837,7 +9837,7 @@
               <a:t>&gt;&gt;&gt; </a:t>
             </a:r>
             <a:r>
-              <a:rPr lang="en-US" dirty="0">
+              <a:rPr lang="en-US" sz="2300" dirty="0">
                 <a:solidFill>
                   <a:schemeClr val="accent6"/>
                 </a:solidFill>
@@ -9848,7 +9848,7 @@
               <a:t>from </a:t>
             </a:r>
             <a:r>
-              <a:rPr lang="en-US" dirty="0" err="1">
+              <a:rPr lang="en-US" sz="2300" dirty="0" err="1">
                 <a:solidFill>
                   <a:schemeClr val="accent6"/>
                 </a:solidFill>
@@ -9859,7 +9859,7 @@
               <a:t>functools</a:t>
             </a:r>
             <a:r>
-              <a:rPr lang="en-US" dirty="0">
+              <a:rPr lang="en-US" sz="2300" dirty="0">
                 <a:solidFill>
                   <a:schemeClr val="accent6"/>
                 </a:solidFill>
@@ -9875,7 +9875,7 @@
               <a:buNone/>
             </a:pPr>
             <a:r>
-              <a:rPr lang="en-US" dirty="0">
+              <a:rPr lang="en-US" sz="2300" dirty="0">
                 <a:latin typeface="Consolas" panose="020B0609020204030204" pitchFamily="49" charset="0"/>
                 <a:ea typeface="Menlo" panose="020B0609030804020204" pitchFamily="49" charset="0"/>
                 <a:cs typeface="Consolas" panose="020B0609020204030204" pitchFamily="49" charset="0"/>
@@ -9883,7 +9883,7 @@
               <a:t>&gt;&gt;&gt; </a:t>
             </a:r>
             <a:r>
-              <a:rPr lang="en-US" dirty="0">
+              <a:rPr lang="en-US" sz="2300" dirty="0">
                 <a:solidFill>
                   <a:srgbClr val="E700E5"/>
                 </a:solidFill>
@@ -9899,7 +9899,7 @@
               <a:buNone/>
             </a:pPr>
             <a:r>
-              <a:rPr lang="en-US" dirty="0">
+              <a:rPr lang="en-US" sz="2300" dirty="0">
                 <a:latin typeface="Consolas" panose="020B0609020204030204" pitchFamily="49" charset="0"/>
                 <a:ea typeface="Menlo" panose="020B0609030804020204" pitchFamily="49" charset="0"/>
                 <a:cs typeface="Consolas" panose="020B0609020204030204" pitchFamily="49" charset="0"/>
@@ -9907,7 +9907,7 @@
               <a:t>... </a:t>
             </a:r>
             <a:r>
-              <a:rPr lang="en-US" dirty="0">
+              <a:rPr lang="en-US" sz="2300" dirty="0">
                 <a:solidFill>
                   <a:schemeClr val="accent6"/>
                 </a:solidFill>
@@ -9923,7 +9923,7 @@
               <a:buNone/>
             </a:pPr>
             <a:r>
-              <a:rPr lang="en-US" dirty="0">
+              <a:rPr lang="en-US" sz="2300" dirty="0">
                 <a:latin typeface="Consolas" panose="020B0609020204030204" pitchFamily="49" charset="0"/>
                 <a:ea typeface="Menlo" panose="020B0609030804020204" pitchFamily="49" charset="0"/>
                 <a:cs typeface="Consolas" panose="020B0609020204030204" pitchFamily="49" charset="0"/>
@@ -9931,7 +9931,7 @@
               <a:t>...     </a:t>
             </a:r>
             <a:r>
-              <a:rPr lang="en-US" dirty="0">
+              <a:rPr lang="en-US" sz="2300" dirty="0">
                 <a:solidFill>
                   <a:schemeClr val="accent6"/>
                 </a:solidFill>
@@ -9947,7 +9947,7 @@
               <a:buNone/>
             </a:pPr>
             <a:r>
-              <a:rPr lang="en-US" dirty="0">
+              <a:rPr lang="en-US" sz="2300" dirty="0">
                 <a:latin typeface="Consolas" panose="020B0609020204030204" pitchFamily="49" charset="0"/>
                 <a:ea typeface="Menlo" panose="020B0609030804020204" pitchFamily="49" charset="0"/>
                 <a:cs typeface="Consolas" panose="020B0609020204030204" pitchFamily="49" charset="0"/>
@@ -9960,7 +9960,7 @@
               <a:buNone/>
             </a:pPr>
             <a:r>
-              <a:rPr lang="en-US" dirty="0">
+              <a:rPr lang="en-US" sz="2300" dirty="0">
                 <a:latin typeface="Consolas" panose="020B0609020204030204" pitchFamily="49" charset="0"/>
                 <a:ea typeface="Menlo" panose="020B0609030804020204" pitchFamily="49" charset="0"/>
                 <a:cs typeface="Consolas" panose="020B0609020204030204" pitchFamily="49" charset="0"/>
@@ -9968,7 +9968,7 @@
               <a:t>&gt;&gt;&gt; </a:t>
             </a:r>
             <a:r>
-              <a:rPr lang="en-US" dirty="0">
+              <a:rPr lang="en-US" sz="2300" dirty="0">
                 <a:solidFill>
                   <a:schemeClr val="accent6"/>
                 </a:solidFill>
@@ -9984,7 +9984,7 @@
               <a:buNone/>
             </a:pPr>
             <a:r>
-              <a:rPr lang="en-US" dirty="0">
+              <a:rPr lang="en-US" sz="2300" dirty="0">
                 <a:latin typeface="Consolas" panose="020B0609020204030204" pitchFamily="49" charset="0"/>
                 <a:ea typeface="Menlo" panose="020B0609030804020204" pitchFamily="49" charset="0"/>
                 <a:cs typeface="Consolas" panose="020B0609020204030204" pitchFamily="49" charset="0"/>
@@ -9997,7 +9997,7 @@
               <a:buNone/>
             </a:pPr>
             <a:r>
-              <a:rPr lang="en-US" dirty="0">
+              <a:rPr lang="en-US" sz="2300" dirty="0">
                 <a:latin typeface="Consolas" panose="020B0609020204030204" pitchFamily="49" charset="0"/>
                 <a:ea typeface="Menlo" panose="020B0609030804020204" pitchFamily="49" charset="0"/>
                 <a:cs typeface="Consolas" panose="020B0609020204030204" pitchFamily="49" charset="0"/>
@@ -10005,26 +10005,15 @@
               <a:t>&gt;&gt;&gt; </a:t>
             </a:r>
             <a:r>
-              <a:rPr lang="en-US" dirty="0" err="1">
-                <a:solidFill>
-                  <a:schemeClr val="accent6"/>
-                </a:solidFill>
-                <a:latin typeface="Consolas" panose="020B0609020204030204" pitchFamily="49" charset="0"/>
-                <a:ea typeface="Menlo" panose="020B0609030804020204" pitchFamily="49" charset="0"/>
-                <a:cs typeface="Consolas" panose="020B0609020204030204" pitchFamily="49" charset="0"/>
-              </a:rPr>
-              <a:t>bindc</a:t>
-            </a:r>
-            <a:r>
-              <a:rPr lang="en-US" dirty="0">
-                <a:solidFill>
-                  <a:schemeClr val="accent6"/>
-                </a:solidFill>
-                <a:latin typeface="Consolas" panose="020B0609020204030204" pitchFamily="49" charset="0"/>
-                <a:ea typeface="Menlo" panose="020B0609030804020204" pitchFamily="49" charset="0"/>
-                <a:cs typeface="Consolas" panose="020B0609020204030204" pitchFamily="49" charset="0"/>
-              </a:rPr>
-              <a:t> = partial(partial, c=10)</a:t>
+              <a:rPr lang="en-US" sz="2300" dirty="0">
+                <a:solidFill>
+                  <a:srgbClr val="E700E5"/>
+                </a:solidFill>
+                <a:latin typeface="Consolas" panose="020B0609020204030204" pitchFamily="49" charset="0"/>
+                <a:ea typeface="Menlo" panose="020B0609030804020204" pitchFamily="49" charset="0"/>
+                <a:cs typeface="Consolas" panose="020B0609020204030204" pitchFamily="49" charset="0"/>
+              </a:rPr>
+              <a:t>@partial(partial, c=10)</a:t>
             </a:r>
           </a:p>
           <a:p>
@@ -10032,58 +10021,39 @@
               <a:buNone/>
             </a:pPr>
             <a:r>
-              <a:rPr lang="en-US" dirty="0">
-                <a:latin typeface="Consolas" panose="020B0609020204030204" pitchFamily="49" charset="0"/>
-                <a:ea typeface="Menlo" panose="020B0609030804020204" pitchFamily="49" charset="0"/>
-                <a:cs typeface="Consolas" panose="020B0609020204030204" pitchFamily="49" charset="0"/>
-              </a:rPr>
-              <a:t>&gt;&gt;&gt; </a:t>
-            </a:r>
-            <a:r>
-              <a:rPr lang="en-US" dirty="0">
-                <a:solidFill>
-                  <a:srgbClr val="E700E5"/>
-                </a:solidFill>
-                <a:latin typeface="Consolas" panose="020B0609020204030204" pitchFamily="49" charset="0"/>
-                <a:ea typeface="Menlo" panose="020B0609030804020204" pitchFamily="49" charset="0"/>
-                <a:cs typeface="Consolas" panose="020B0609020204030204" pitchFamily="49" charset="0"/>
-              </a:rPr>
-              <a:t>@</a:t>
-            </a:r>
-            <a:r>
-              <a:rPr lang="en-US" dirty="0" err="1">
-                <a:solidFill>
-                  <a:srgbClr val="E700E5"/>
-                </a:solidFill>
-                <a:latin typeface="Consolas" panose="020B0609020204030204" pitchFamily="49" charset="0"/>
-                <a:ea typeface="Menlo" panose="020B0609030804020204" pitchFamily="49" charset="0"/>
-                <a:cs typeface="Consolas" panose="020B0609020204030204" pitchFamily="49" charset="0"/>
-              </a:rPr>
-              <a:t>bindc</a:t>
-            </a:r>
-            <a:endParaRPr lang="en-US" dirty="0">
-              <a:solidFill>
-                <a:srgbClr val="E700E5"/>
-              </a:solidFill>
-              <a:latin typeface="Consolas" panose="020B0609020204030204" pitchFamily="49" charset="0"/>
-              <a:ea typeface="Menlo" panose="020B0609030804020204" pitchFamily="49" charset="0"/>
-              <a:cs typeface="Consolas" panose="020B0609020204030204" pitchFamily="49" charset="0"/>
-            </a:endParaRPr>
+              <a:rPr lang="en-US" sz="2300" dirty="0">
+                <a:latin typeface="Consolas" panose="020B0609020204030204" pitchFamily="49" charset="0"/>
+                <a:ea typeface="Menlo" panose="020B0609030804020204" pitchFamily="49" charset="0"/>
+                <a:cs typeface="Consolas" panose="020B0609020204030204" pitchFamily="49" charset="0"/>
+              </a:rPr>
+              <a:t>... </a:t>
+            </a:r>
+            <a:r>
+              <a:rPr lang="en-US" sz="2300" dirty="0">
+                <a:solidFill>
+                  <a:schemeClr val="accent6"/>
+                </a:solidFill>
+                <a:latin typeface="Consolas" panose="020B0609020204030204" pitchFamily="49" charset="0"/>
+                <a:ea typeface="Menlo" panose="020B0609030804020204" pitchFamily="49" charset="0"/>
+                <a:cs typeface="Consolas" panose="020B0609020204030204" pitchFamily="49" charset="0"/>
+              </a:rPr>
+              <a:t>def foo(a, b, c):</a:t>
+            </a:r>
           </a:p>
           <a:p>
             <a:pPr marL="0" indent="0">
               <a:buNone/>
             </a:pPr>
             <a:r>
-              <a:rPr lang="en-US" dirty="0">
-                <a:latin typeface="Consolas" panose="020B0609020204030204" pitchFamily="49" charset="0"/>
-                <a:ea typeface="Menlo" panose="020B0609030804020204" pitchFamily="49" charset="0"/>
-                <a:cs typeface="Consolas" panose="020B0609020204030204" pitchFamily="49" charset="0"/>
-              </a:rPr>
-              <a:t>... </a:t>
-            </a:r>
-            <a:r>
-              <a:rPr lang="en-US" dirty="0">
+              <a:rPr lang="en-US" sz="2300" dirty="0">
+                <a:latin typeface="Consolas" panose="020B0609020204030204" pitchFamily="49" charset="0"/>
+                <a:ea typeface="Menlo" panose="020B0609030804020204" pitchFamily="49" charset="0"/>
+                <a:cs typeface="Consolas" panose="020B0609020204030204" pitchFamily="49" charset="0"/>
+              </a:rPr>
+              <a:t>...     </a:t>
+            </a:r>
+            <a:r>
+              <a:rPr lang="en-US" sz="2300" dirty="0">
                 <a:solidFill>
                   <a:schemeClr val="accent6"/>
                 </a:solidFill>
@@ -10091,7 +10061,7 @@
                 <a:ea typeface="Menlo" panose="020B0609030804020204" pitchFamily="49" charset="0"/>
                 <a:cs typeface="Consolas" panose="020B0609020204030204" pitchFamily="49" charset="0"/>
               </a:rPr>
-              <a:t>def foo(a, b, c):</a:t>
+              <a:t>return a + b + c</a:t>
             </a:r>
           </a:p>
           <a:p>
@@ -10099,23 +10069,12 @@
               <a:buNone/>
             </a:pPr>
             <a:r>
-              <a:rPr lang="en-US" dirty="0">
-                <a:latin typeface="Consolas" panose="020B0609020204030204" pitchFamily="49" charset="0"/>
-                <a:ea typeface="Menlo" panose="020B0609030804020204" pitchFamily="49" charset="0"/>
-                <a:cs typeface="Consolas" panose="020B0609020204030204" pitchFamily="49" charset="0"/>
-              </a:rPr>
-              <a:t>...     </a:t>
-            </a:r>
-            <a:r>
-              <a:rPr lang="en-US" dirty="0">
-                <a:solidFill>
-                  <a:schemeClr val="accent6"/>
-                </a:solidFill>
-                <a:latin typeface="Consolas" panose="020B0609020204030204" pitchFamily="49" charset="0"/>
-                <a:ea typeface="Menlo" panose="020B0609030804020204" pitchFamily="49" charset="0"/>
-                <a:cs typeface="Consolas" panose="020B0609020204030204" pitchFamily="49" charset="0"/>
-              </a:rPr>
-              <a:t>return a + b + c</a:t>
+              <a:rPr lang="en-US" sz="2300" dirty="0">
+                <a:latin typeface="Consolas" panose="020B0609020204030204" pitchFamily="49" charset="0"/>
+                <a:ea typeface="Menlo" panose="020B0609030804020204" pitchFamily="49" charset="0"/>
+                <a:cs typeface="Consolas" panose="020B0609020204030204" pitchFamily="49" charset="0"/>
+              </a:rPr>
+              <a:t>... </a:t>
             </a:r>
           </a:p>
           <a:p>
@@ -10123,12 +10082,23 @@
               <a:buNone/>
             </a:pPr>
             <a:r>
-              <a:rPr lang="en-US" dirty="0">
-                <a:latin typeface="Consolas" panose="020B0609020204030204" pitchFamily="49" charset="0"/>
-                <a:ea typeface="Menlo" panose="020B0609030804020204" pitchFamily="49" charset="0"/>
-                <a:cs typeface="Consolas" panose="020B0609020204030204" pitchFamily="49" charset="0"/>
-              </a:rPr>
-              <a:t>... </a:t>
+              <a:rPr lang="en-US" sz="2300" dirty="0">
+                <a:latin typeface="Consolas" panose="020B0609020204030204" pitchFamily="49" charset="0"/>
+                <a:ea typeface="Menlo" panose="020B0609030804020204" pitchFamily="49" charset="0"/>
+                <a:cs typeface="Consolas" panose="020B0609020204030204" pitchFamily="49" charset="0"/>
+              </a:rPr>
+              <a:t>&gt;&gt;&gt; </a:t>
+            </a:r>
+            <a:r>
+              <a:rPr lang="en-US" sz="2300" dirty="0">
+                <a:solidFill>
+                  <a:schemeClr val="accent6"/>
+                </a:solidFill>
+                <a:latin typeface="Consolas" panose="020B0609020204030204" pitchFamily="49" charset="0"/>
+                <a:ea typeface="Menlo" panose="020B0609030804020204" pitchFamily="49" charset="0"/>
+                <a:cs typeface="Consolas" panose="020B0609020204030204" pitchFamily="49" charset="0"/>
+              </a:rPr>
+              <a:t>foo(1, 2)</a:t>
             </a:r>
           </a:p>
           <a:p>
@@ -10136,23 +10106,12 @@
               <a:buNone/>
             </a:pPr>
             <a:r>
-              <a:rPr lang="en-US" dirty="0">
-                <a:latin typeface="Consolas" panose="020B0609020204030204" pitchFamily="49" charset="0"/>
-                <a:ea typeface="Menlo" panose="020B0609030804020204" pitchFamily="49" charset="0"/>
-                <a:cs typeface="Consolas" panose="020B0609020204030204" pitchFamily="49" charset="0"/>
-              </a:rPr>
-              <a:t>&gt;&gt;&gt; </a:t>
-            </a:r>
-            <a:r>
-              <a:rPr lang="en-US" dirty="0">
-                <a:solidFill>
-                  <a:schemeClr val="accent6"/>
-                </a:solidFill>
-                <a:latin typeface="Consolas" panose="020B0609020204030204" pitchFamily="49" charset="0"/>
-                <a:ea typeface="Menlo" panose="020B0609030804020204" pitchFamily="49" charset="0"/>
-                <a:cs typeface="Consolas" panose="020B0609020204030204" pitchFamily="49" charset="0"/>
-              </a:rPr>
-              <a:t>foo(1, 2)</a:t>
+              <a:rPr lang="en-US" sz="2300" dirty="0">
+                <a:latin typeface="Consolas" panose="020B0609020204030204" pitchFamily="49" charset="0"/>
+                <a:ea typeface="Menlo" panose="020B0609030804020204" pitchFamily="49" charset="0"/>
+                <a:cs typeface="Consolas" panose="020B0609020204030204" pitchFamily="49" charset="0"/>
+              </a:rPr>
+              <a:t>13</a:t>
             </a:r>
           </a:p>
           <a:p>
@@ -10160,12 +10119,34 @@
               <a:buNone/>
             </a:pPr>
             <a:r>
-              <a:rPr lang="en-US" dirty="0">
-                <a:latin typeface="Consolas" panose="020B0609020204030204" pitchFamily="49" charset="0"/>
-                <a:ea typeface="Menlo" panose="020B0609030804020204" pitchFamily="49" charset="0"/>
-                <a:cs typeface="Consolas" panose="020B0609020204030204" pitchFamily="49" charset="0"/>
-              </a:rPr>
-              <a:t>13</a:t>
+              <a:rPr lang="en-US" sz="2300" dirty="0">
+                <a:latin typeface="Consolas" panose="020B0609020204030204" pitchFamily="49" charset="0"/>
+                <a:ea typeface="Menlo" panose="020B0609030804020204" pitchFamily="49" charset="0"/>
+                <a:cs typeface="Consolas" panose="020B0609020204030204" pitchFamily="49" charset="0"/>
+              </a:rPr>
+              <a:t>&gt;&gt;&gt; </a:t>
+            </a:r>
+            <a:r>
+              <a:rPr lang="en-US" sz="2300" dirty="0" err="1">
+                <a:solidFill>
+                  <a:schemeClr val="accent6"/>
+                </a:solidFill>
+                <a:latin typeface="Consolas" panose="020B0609020204030204" pitchFamily="49" charset="0"/>
+                <a:ea typeface="Menlo" panose="020B0609030804020204" pitchFamily="49" charset="0"/>
+                <a:cs typeface="Consolas" panose="020B0609020204030204" pitchFamily="49" charset="0"/>
+              </a:rPr>
+              <a:t>what_is</a:t>
+            </a:r>
+            <a:r>
+              <a:rPr lang="en-US" sz="2300" dirty="0">
+                <a:solidFill>
+                  <a:schemeClr val="accent6"/>
+                </a:solidFill>
+                <a:latin typeface="Consolas" panose="020B0609020204030204" pitchFamily="49" charset="0"/>
+                <a:ea typeface="Menlo" panose="020B0609030804020204" pitchFamily="49" charset="0"/>
+                <a:cs typeface="Consolas" panose="020B0609020204030204" pitchFamily="49" charset="0"/>
+              </a:rPr>
+              <a:t> = partial(partial, partial)</a:t>
             </a:r>
           </a:p>
         </p:txBody>
